--- a/output/GCAM/Main/MainFig1_BECCS_LULUCF_FFI_AR6_GCAM.pptx
+++ b/output/GCAM/Main/MainFig1_BECCS_LULUCF_FFI_AR6_GCAM.pptx
@@ -5,11 +5,12 @@
     <p:sldMasterId id="2147483684" r:id="rId1"/>
   </p:sldMasterIdLst>
   <p:sldIdLst>
-    <p:sldId id="262" r:id="rId2"/>
-    <p:sldId id="261" r:id="rId3"/>
-    <p:sldId id="260" r:id="rId4"/>
-    <p:sldId id="258" r:id="rId5"/>
-    <p:sldId id="259" r:id="rId6"/>
+    <p:sldId id="263" r:id="rId2"/>
+    <p:sldId id="262" r:id="rId3"/>
+    <p:sldId id="261" r:id="rId4"/>
+    <p:sldId id="260" r:id="rId5"/>
+    <p:sldId id="258" r:id="rId6"/>
+    <p:sldId id="259" r:id="rId7"/>
   </p:sldIdLst>
   <p:sldSz cx="21945600" cy="19202400"/>
   <p:notesSz cx="6858000" cy="9144000"/>
@@ -247,7 +248,7 @@
           <a:p>
             <a:fld id="{F4D812FA-322C-410E-8A30-AB73E03FA798}" type="datetimeFigureOut">
               <a:rPr lang="en-US" smtClean="0"/>
-              <a:t>6/17/2023</a:t>
+              <a:t>6/19/2023</a:t>
             </a:fld>
             <a:endParaRPr lang="en-US"/>
           </a:p>
@@ -417,7 +418,7 @@
           <a:p>
             <a:fld id="{F4D812FA-322C-410E-8A30-AB73E03FA798}" type="datetimeFigureOut">
               <a:rPr lang="en-US" smtClean="0"/>
-              <a:t>6/17/2023</a:t>
+              <a:t>6/19/2023</a:t>
             </a:fld>
             <a:endParaRPr lang="en-US"/>
           </a:p>
@@ -597,7 +598,7 @@
           <a:p>
             <a:fld id="{F4D812FA-322C-410E-8A30-AB73E03FA798}" type="datetimeFigureOut">
               <a:rPr lang="en-US" smtClean="0"/>
-              <a:t>6/17/2023</a:t>
+              <a:t>6/19/2023</a:t>
             </a:fld>
             <a:endParaRPr lang="en-US"/>
           </a:p>
@@ -767,7 +768,7 @@
           <a:p>
             <a:fld id="{F4D812FA-322C-410E-8A30-AB73E03FA798}" type="datetimeFigureOut">
               <a:rPr lang="en-US" smtClean="0"/>
-              <a:t>6/17/2023</a:t>
+              <a:t>6/19/2023</a:t>
             </a:fld>
             <a:endParaRPr lang="en-US"/>
           </a:p>
@@ -1011,7 +1012,7 @@
           <a:p>
             <a:fld id="{F4D812FA-322C-410E-8A30-AB73E03FA798}" type="datetimeFigureOut">
               <a:rPr lang="en-US" smtClean="0"/>
-              <a:t>6/17/2023</a:t>
+              <a:t>6/19/2023</a:t>
             </a:fld>
             <a:endParaRPr lang="en-US"/>
           </a:p>
@@ -1243,7 +1244,7 @@
           <a:p>
             <a:fld id="{F4D812FA-322C-410E-8A30-AB73E03FA798}" type="datetimeFigureOut">
               <a:rPr lang="en-US" smtClean="0"/>
-              <a:t>6/17/2023</a:t>
+              <a:t>6/19/2023</a:t>
             </a:fld>
             <a:endParaRPr lang="en-US"/>
           </a:p>
@@ -1610,7 +1611,7 @@
           <a:p>
             <a:fld id="{F4D812FA-322C-410E-8A30-AB73E03FA798}" type="datetimeFigureOut">
               <a:rPr lang="en-US" smtClean="0"/>
-              <a:t>6/17/2023</a:t>
+              <a:t>6/19/2023</a:t>
             </a:fld>
             <a:endParaRPr lang="en-US"/>
           </a:p>
@@ -1728,7 +1729,7 @@
           <a:p>
             <a:fld id="{F4D812FA-322C-410E-8A30-AB73E03FA798}" type="datetimeFigureOut">
               <a:rPr lang="en-US" smtClean="0"/>
-              <a:t>6/17/2023</a:t>
+              <a:t>6/19/2023</a:t>
             </a:fld>
             <a:endParaRPr lang="en-US"/>
           </a:p>
@@ -1823,7 +1824,7 @@
           <a:p>
             <a:fld id="{F4D812FA-322C-410E-8A30-AB73E03FA798}" type="datetimeFigureOut">
               <a:rPr lang="en-US" smtClean="0"/>
-              <a:t>6/17/2023</a:t>
+              <a:t>6/19/2023</a:t>
             </a:fld>
             <a:endParaRPr lang="en-US"/>
           </a:p>
@@ -2100,7 +2101,7 @@
           <a:p>
             <a:fld id="{F4D812FA-322C-410E-8A30-AB73E03FA798}" type="datetimeFigureOut">
               <a:rPr lang="en-US" smtClean="0"/>
-              <a:t>6/17/2023</a:t>
+              <a:t>6/19/2023</a:t>
             </a:fld>
             <a:endParaRPr lang="en-US"/>
           </a:p>
@@ -2357,7 +2358,7 @@
           <a:p>
             <a:fld id="{F4D812FA-322C-410E-8A30-AB73E03FA798}" type="datetimeFigureOut">
               <a:rPr lang="en-US" smtClean="0"/>
-              <a:t>6/17/2023</a:t>
+              <a:t>6/19/2023</a:t>
             </a:fld>
             <a:endParaRPr lang="en-US"/>
           </a:p>
@@ -2570,7 +2571,7 @@
           <a:p>
             <a:fld id="{F4D812FA-322C-410E-8A30-AB73E03FA798}" type="datetimeFigureOut">
               <a:rPr lang="en-US" smtClean="0"/>
-              <a:t>6/17/2023</a:t>
+              <a:t>6/19/2023</a:t>
             </a:fld>
             <a:endParaRPr lang="en-US"/>
           </a:p>
@@ -7354,7 +7355,7 @@
         </p:nvSpPr>
         <p:spPr>
           <a:xfrm rot="10800000" flipV="1">
-            <a:off x="13059811" y="11843384"/>
+            <a:off x="12987056" y="11843384"/>
             <a:ext cx="7562345" cy="538039"/>
           </a:xfrm>
           <a:prstGeom prst="rect">
@@ -7390,10 +7391,16 @@
           <p:cNvGraphicFramePr>
             <a:graphicFrameLocks noGrp="1"/>
           </p:cNvGraphicFramePr>
-          <p:nvPr/>
+          <p:nvPr>
+            <p:extLst>
+              <p:ext uri="{D42A27DB-BD31-4B8C-83A1-F6EECF244321}">
+                <p14:modId xmlns:p14="http://schemas.microsoft.com/office/powerpoint/2010/main" val="222482626"/>
+              </p:ext>
+            </p:extLst>
+          </p:nvPr>
         </p:nvGraphicFramePr>
         <p:xfrm>
-          <a:off x="9501057" y="12725930"/>
+          <a:off x="9429341" y="12732324"/>
           <a:ext cx="11978640" cy="5577840"/>
         </p:xfrm>
         <a:graphic>
@@ -7454,15 +7461,19 @@
                       <a:tailEnd type="none" w="med" len="med"/>
                     </a:lnR>
                     <a:lnT w="12700" cap="flat" cmpd="sng" algn="ctr">
-                      <a:noFill/>
-                      <a:prstDash val="solid"/>
+                      <a:solidFill>
+                        <a:schemeClr val="tx1"/>
+                      </a:solidFill>
+                      <a:prstDash val="dash"/>
                       <a:round/>
                       <a:headEnd type="none" w="med" len="med"/>
                       <a:tailEnd type="none" w="med" len="med"/>
                     </a:lnT>
                     <a:lnB w="12700" cap="flat" cmpd="sng" algn="ctr">
-                      <a:noFill/>
-                      <a:prstDash val="solid"/>
+                      <a:solidFill>
+                        <a:schemeClr val="tx1"/>
+                      </a:solidFill>
+                      <a:prstDash val="dash"/>
                       <a:round/>
                       <a:headEnd type="none" w="med" len="med"/>
                       <a:tailEnd type="none" w="med" len="med"/>
@@ -7547,15 +7558,19 @@
                       <a:tailEnd type="none" w="med" len="med"/>
                     </a:lnR>
                     <a:lnT w="12700" cap="flat" cmpd="sng" algn="ctr">
-                      <a:noFill/>
-                      <a:prstDash val="solid"/>
+                      <a:solidFill>
+                        <a:schemeClr val="tx1"/>
+                      </a:solidFill>
+                      <a:prstDash val="dash"/>
                       <a:round/>
                       <a:headEnd type="none" w="med" len="med"/>
                       <a:tailEnd type="none" w="med" len="med"/>
                     </a:lnT>
                     <a:lnB w="12700" cap="flat" cmpd="sng" algn="ctr">
-                      <a:noFill/>
-                      <a:prstDash val="solid"/>
+                      <a:solidFill>
+                        <a:schemeClr val="tx1"/>
+                      </a:solidFill>
+                      <a:prstDash val="dash"/>
                       <a:round/>
                       <a:headEnd type="none" w="med" len="med"/>
                       <a:tailEnd type="none" w="med" len="med"/>
@@ -7628,15 +7643,19 @@
                       <a:tailEnd type="none" w="med" len="med"/>
                     </a:lnR>
                     <a:lnT w="12700" cap="flat" cmpd="sng" algn="ctr">
-                      <a:noFill/>
-                      <a:prstDash val="solid"/>
+                      <a:solidFill>
+                        <a:schemeClr val="tx1"/>
+                      </a:solidFill>
+                      <a:prstDash val="dash"/>
                       <a:round/>
                       <a:headEnd type="none" w="med" len="med"/>
                       <a:tailEnd type="none" w="med" len="med"/>
                     </a:lnT>
                     <a:lnB w="12700" cap="flat" cmpd="sng" algn="ctr">
-                      <a:noFill/>
-                      <a:prstDash val="solid"/>
+                      <a:solidFill>
+                        <a:schemeClr val="tx1"/>
+                      </a:solidFill>
+                      <a:prstDash val="dash"/>
                       <a:round/>
                       <a:headEnd type="none" w="med" len="med"/>
                       <a:tailEnd type="none" w="med" len="med"/>
@@ -7698,15 +7717,19 @@
                       <a:tailEnd type="none" w="med" len="med"/>
                     </a:lnR>
                     <a:lnT w="12700" cap="flat" cmpd="sng" algn="ctr">
-                      <a:noFill/>
-                      <a:prstDash val="solid"/>
+                      <a:solidFill>
+                        <a:schemeClr val="tx1"/>
+                      </a:solidFill>
+                      <a:prstDash val="dash"/>
                       <a:round/>
                       <a:headEnd type="none" w="med" len="med"/>
                       <a:tailEnd type="none" w="med" len="med"/>
                     </a:lnT>
                     <a:lnB w="12700" cap="flat" cmpd="sng" algn="ctr">
-                      <a:noFill/>
-                      <a:prstDash val="solid"/>
+                      <a:solidFill>
+                        <a:schemeClr val="tx1"/>
+                      </a:solidFill>
+                      <a:prstDash val="dash"/>
                       <a:round/>
                       <a:headEnd type="none" w="med" len="med"/>
                       <a:tailEnd type="none" w="med" len="med"/>
@@ -7779,15 +7802,19 @@
                       <a:tailEnd type="none" w="med" len="med"/>
                     </a:lnR>
                     <a:lnT w="12700" cap="flat" cmpd="sng" algn="ctr">
-                      <a:noFill/>
-                      <a:prstDash val="solid"/>
+                      <a:solidFill>
+                        <a:schemeClr val="tx1"/>
+                      </a:solidFill>
+                      <a:prstDash val="dash"/>
                       <a:round/>
                       <a:headEnd type="none" w="med" len="med"/>
                       <a:tailEnd type="none" w="med" len="med"/>
                     </a:lnT>
                     <a:lnB w="12700" cap="flat" cmpd="sng" algn="ctr">
-                      <a:noFill/>
-                      <a:prstDash val="solid"/>
+                      <a:solidFill>
+                        <a:schemeClr val="tx1"/>
+                      </a:solidFill>
+                      <a:prstDash val="dash"/>
                       <a:round/>
                       <a:headEnd type="none" w="med" len="med"/>
                       <a:tailEnd type="none" w="med" len="med"/>
@@ -7856,15 +7883,19 @@
                       <a:tailEnd type="none" w="med" len="med"/>
                     </a:lnR>
                     <a:lnT w="12700" cap="flat" cmpd="sng" algn="ctr">
-                      <a:noFill/>
-                      <a:prstDash val="solid"/>
+                      <a:solidFill>
+                        <a:schemeClr val="tx1"/>
+                      </a:solidFill>
+                      <a:prstDash val="dash"/>
                       <a:round/>
                       <a:headEnd type="none" w="med" len="med"/>
                       <a:tailEnd type="none" w="med" len="med"/>
                     </a:lnT>
                     <a:lnB w="12700" cap="flat" cmpd="sng" algn="ctr">
-                      <a:noFill/>
-                      <a:prstDash val="solid"/>
+                      <a:solidFill>
+                        <a:schemeClr val="tx1"/>
+                      </a:solidFill>
+                      <a:prstDash val="dash"/>
                       <a:round/>
                       <a:headEnd type="none" w="med" len="med"/>
                       <a:tailEnd type="none" w="med" len="med"/>
@@ -7921,15 +7952,19 @@
                       <a:tailEnd type="none" w="med" len="med"/>
                     </a:lnR>
                     <a:lnT w="12700" cap="flat" cmpd="sng" algn="ctr">
-                      <a:noFill/>
-                      <a:prstDash val="solid"/>
+                      <a:solidFill>
+                        <a:schemeClr val="tx1"/>
+                      </a:solidFill>
+                      <a:prstDash val="dash"/>
                       <a:round/>
                       <a:headEnd type="none" w="med" len="med"/>
                       <a:tailEnd type="none" w="med" len="med"/>
                     </a:lnT>
                     <a:lnB w="12700" cap="flat" cmpd="sng" algn="ctr">
-                      <a:noFill/>
-                      <a:prstDash val="solid"/>
+                      <a:solidFill>
+                        <a:schemeClr val="tx1"/>
+                      </a:solidFill>
+                      <a:prstDash val="dash"/>
                       <a:round/>
                       <a:headEnd type="none" w="med" len="med"/>
                       <a:tailEnd type="none" w="med" len="med"/>
@@ -7996,15 +8031,19 @@
                       <a:tailEnd type="none" w="med" len="med"/>
                     </a:lnR>
                     <a:lnT w="12700" cap="flat" cmpd="sng" algn="ctr">
-                      <a:noFill/>
-                      <a:prstDash val="solid"/>
+                      <a:solidFill>
+                        <a:schemeClr val="tx1"/>
+                      </a:solidFill>
+                      <a:prstDash val="dash"/>
                       <a:round/>
                       <a:headEnd type="none" w="med" len="med"/>
                       <a:tailEnd type="none" w="med" len="med"/>
                     </a:lnT>
                     <a:lnB w="12700" cap="flat" cmpd="sng" algn="ctr">
-                      <a:noFill/>
-                      <a:prstDash val="solid"/>
+                      <a:solidFill>
+                        <a:schemeClr val="tx1"/>
+                      </a:solidFill>
+                      <a:prstDash val="dash"/>
                       <a:round/>
                       <a:headEnd type="none" w="med" len="med"/>
                       <a:tailEnd type="none" w="med" len="med"/>
@@ -8054,8 +8093,10 @@
                       <a:tailEnd type="none" w="med" len="med"/>
                     </a:lnR>
                     <a:lnT w="12700" cap="flat" cmpd="sng" algn="ctr">
-                      <a:noFill/>
-                      <a:prstDash val="solid"/>
+                      <a:solidFill>
+                        <a:schemeClr val="tx1"/>
+                      </a:solidFill>
+                      <a:prstDash val="dash"/>
                       <a:round/>
                       <a:headEnd type="none" w="med" len="med"/>
                       <a:tailEnd type="none" w="med" len="med"/>
@@ -8107,8 +8148,10 @@
                       <a:tailEnd type="none" w="med" len="med"/>
                     </a:lnR>
                     <a:lnT w="12700" cap="flat" cmpd="sng" algn="ctr">
-                      <a:noFill/>
-                      <a:prstDash val="solid"/>
+                      <a:solidFill>
+                        <a:schemeClr val="tx1"/>
+                      </a:solidFill>
+                      <a:prstDash val="dash"/>
                       <a:round/>
                       <a:headEnd type="none" w="med" len="med"/>
                       <a:tailEnd type="none" w="med" len="med"/>
@@ -8207,8 +8250,8 @@
         </p:nvSpPr>
         <p:spPr>
           <a:xfrm>
-            <a:off x="8586825" y="3487768"/>
-            <a:ext cx="1828800" cy="457200"/>
+            <a:off x="8580431" y="3487768"/>
+            <a:ext cx="1828800" cy="492443"/>
           </a:xfrm>
           <a:prstGeom prst="rect">
             <a:avLst/>
@@ -8351,7 +8394,7 @@
         </p:nvSpPr>
         <p:spPr>
           <a:xfrm>
-            <a:off x="8586825" y="2946537"/>
+            <a:off x="8625189" y="2946537"/>
             <a:ext cx="1828800" cy="457200"/>
           </a:xfrm>
           <a:prstGeom prst="rect">
@@ -8663,49 +8706,6 @@
       </p:cxnSp>
       <p:cxnSp>
         <p:nvCxnSpPr>
-          <p:cNvPr id="92" name="Straight Connector 91">
-            <a:extLst>
-              <a:ext uri="{FF2B5EF4-FFF2-40B4-BE49-F238E27FC236}">
-                <a16:creationId xmlns:a16="http://schemas.microsoft.com/office/drawing/2014/main" id="{43742ACA-A248-A2E1-BF37-5E8DE575C081}"/>
-              </a:ext>
-            </a:extLst>
-          </p:cNvPr>
-          <p:cNvCxnSpPr>
-            <a:cxnSpLocks/>
-          </p:cNvCxnSpPr>
-          <p:nvPr/>
-        </p:nvCxnSpPr>
-        <p:spPr>
-          <a:xfrm flipH="1" flipV="1">
-            <a:off x="5066299" y="5454056"/>
-            <a:ext cx="2753156" cy="344831"/>
-          </a:xfrm>
-          <a:prstGeom prst="line">
-            <a:avLst/>
-          </a:prstGeom>
-          <a:ln w="19050">
-            <a:solidFill>
-              <a:schemeClr val="accent4"/>
-            </a:solidFill>
-          </a:ln>
-        </p:spPr>
-        <p:style>
-          <a:lnRef idx="1">
-            <a:schemeClr val="accent1"/>
-          </a:lnRef>
-          <a:fillRef idx="0">
-            <a:schemeClr val="accent1"/>
-          </a:fillRef>
-          <a:effectRef idx="0">
-            <a:schemeClr val="accent1"/>
-          </a:effectRef>
-          <a:fontRef idx="minor">
-            <a:schemeClr val="tx1"/>
-          </a:fontRef>
-        </p:style>
-      </p:cxnSp>
-      <p:cxnSp>
-        <p:nvCxnSpPr>
           <p:cNvPr id="111" name="Straight Connector 110">
             <a:extLst>
               <a:ext uri="{FF2B5EF4-FFF2-40B4-BE49-F238E27FC236}">
@@ -8721,8 +8721,8 @@
         </p:nvCxnSpPr>
         <p:spPr>
           <a:xfrm flipV="1">
-            <a:off x="7344805" y="3303140"/>
-            <a:ext cx="1242020" cy="971589"/>
+            <a:off x="7344805" y="3325091"/>
+            <a:ext cx="1341337" cy="949638"/>
           </a:xfrm>
           <a:prstGeom prst="line">
             <a:avLst/>
@@ -8845,7 +8845,7 @@
     </p:spTree>
     <p:extLst>
       <p:ext uri="{BB962C8B-B14F-4D97-AF65-F5344CB8AC3E}">
-        <p14:creationId xmlns:p14="http://schemas.microsoft.com/office/powerpoint/2010/main" val="300498230"/>
+        <p14:creationId xmlns:p14="http://schemas.microsoft.com/office/powerpoint/2010/main" val="2639744615"/>
       </p:ext>
     </p:extLst>
   </p:cSld>
@@ -13287,13 +13287,7 @@
           <p:cNvGraphicFramePr>
             <a:graphicFrameLocks noGrp="1"/>
           </p:cNvGraphicFramePr>
-          <p:nvPr>
-            <p:extLst>
-              <p:ext uri="{D42A27DB-BD31-4B8C-83A1-F6EECF244321}">
-                <p14:modId xmlns:p14="http://schemas.microsoft.com/office/powerpoint/2010/main" val="1967210296"/>
-              </p:ext>
-            </p:extLst>
-          </p:nvPr>
+          <p:nvPr/>
         </p:nvGraphicFramePr>
         <p:xfrm>
           <a:off x="9501057" y="12725930"/>
@@ -14043,10 +14037,669 @@
           </a:graphicData>
         </a:graphic>
       </p:graphicFrame>
+      <p:sp>
+        <p:nvSpPr>
+          <p:cNvPr id="32" name="TextBox 31">
+            <a:extLst>
+              <a:ext uri="{FF2B5EF4-FFF2-40B4-BE49-F238E27FC236}">
+                <a16:creationId xmlns:a16="http://schemas.microsoft.com/office/drawing/2014/main" id="{37B1B90C-F9BE-3070-624E-D84C12B2DDFD}"/>
+              </a:ext>
+            </a:extLst>
+          </p:cNvPr>
+          <p:cNvSpPr txBox="1"/>
+          <p:nvPr/>
+        </p:nvSpPr>
+        <p:spPr>
+          <a:xfrm>
+            <a:off x="5302784" y="7461321"/>
+            <a:ext cx="1828800" cy="892552"/>
+          </a:xfrm>
+          <a:prstGeom prst="rect">
+            <a:avLst/>
+          </a:prstGeom>
+          <a:noFill/>
+        </p:spPr>
+        <p:txBody>
+          <a:bodyPr wrap="square" rtlCol="0">
+            <a:spAutoFit/>
+          </a:bodyPr>
+          <a:lstStyle/>
+          <a:p>
+            <a:r>
+              <a:rPr lang="en-US" sz="2600" b="1" i="1" dirty="0">
+                <a:solidFill>
+                  <a:srgbClr val="C00000"/>
+                </a:solidFill>
+                <a:latin typeface="Arial" panose="020B0604020202020204" pitchFamily="34" charset="0"/>
+                <a:cs typeface="Arial" panose="020B0604020202020204" pitchFamily="34" charset="0"/>
+              </a:rPr>
+              <a:t>Main</a:t>
+            </a:r>
+          </a:p>
+          <a:p>
+            <a:r>
+              <a:rPr lang="en-US" sz="2600" b="1" i="1" dirty="0">
+                <a:solidFill>
+                  <a:srgbClr val="C00000"/>
+                </a:solidFill>
+                <a:latin typeface="Arial" panose="020B0604020202020204" pitchFamily="34" charset="0"/>
+                <a:cs typeface="Arial" panose="020B0604020202020204" pitchFamily="34" charset="0"/>
+              </a:rPr>
+              <a:t>100%-LCP</a:t>
+            </a:r>
+          </a:p>
+        </p:txBody>
+      </p:sp>
+      <p:sp>
+        <p:nvSpPr>
+          <p:cNvPr id="33" name="TextBox 32">
+            <a:extLst>
+              <a:ext uri="{FF2B5EF4-FFF2-40B4-BE49-F238E27FC236}">
+                <a16:creationId xmlns:a16="http://schemas.microsoft.com/office/drawing/2014/main" id="{13ECB1E0-8CAB-1538-7A92-4F3C440CCE61}"/>
+              </a:ext>
+            </a:extLst>
+          </p:cNvPr>
+          <p:cNvSpPr txBox="1"/>
+          <p:nvPr/>
+        </p:nvSpPr>
+        <p:spPr>
+          <a:xfrm>
+            <a:off x="8580431" y="3487768"/>
+            <a:ext cx="1828800" cy="492443"/>
+          </a:xfrm>
+          <a:prstGeom prst="rect">
+            <a:avLst/>
+          </a:prstGeom>
+          <a:noFill/>
+        </p:spPr>
+        <p:txBody>
+          <a:bodyPr wrap="square" rtlCol="0">
+            <a:spAutoFit/>
+          </a:bodyPr>
+          <a:lstStyle/>
+          <a:p>
+            <a:r>
+              <a:rPr lang="en-US" sz="2600" i="1" dirty="0">
+                <a:solidFill>
+                  <a:schemeClr val="accent4">
+                    <a:lumMod val="75000"/>
+                  </a:schemeClr>
+                </a:solidFill>
+                <a:latin typeface="Arial" panose="020B0604020202020204" pitchFamily="34" charset="0"/>
+                <a:cs typeface="Arial" panose="020B0604020202020204" pitchFamily="34" charset="0"/>
+              </a:rPr>
+              <a:t>10%-LCP</a:t>
+            </a:r>
+          </a:p>
+        </p:txBody>
+      </p:sp>
+      <p:sp>
+        <p:nvSpPr>
+          <p:cNvPr id="34" name="TextBox 33">
+            <a:extLst>
+              <a:ext uri="{FF2B5EF4-FFF2-40B4-BE49-F238E27FC236}">
+                <a16:creationId xmlns:a16="http://schemas.microsoft.com/office/drawing/2014/main" id="{F1FA7008-1D1E-D600-E1C4-AD7F596EBADA}"/>
+              </a:ext>
+            </a:extLst>
+          </p:cNvPr>
+          <p:cNvSpPr txBox="1"/>
+          <p:nvPr/>
+        </p:nvSpPr>
+        <p:spPr>
+          <a:xfrm>
+            <a:off x="7092516" y="7461321"/>
+            <a:ext cx="1828800" cy="892552"/>
+          </a:xfrm>
+          <a:prstGeom prst="rect">
+            <a:avLst/>
+          </a:prstGeom>
+          <a:noFill/>
+        </p:spPr>
+        <p:txBody>
+          <a:bodyPr wrap="square" rtlCol="0">
+            <a:spAutoFit/>
+          </a:bodyPr>
+          <a:lstStyle/>
+          <a:p>
+            <a:r>
+              <a:rPr lang="en-US" sz="2600" i="1" dirty="0">
+                <a:solidFill>
+                  <a:schemeClr val="accent2">
+                    <a:lumMod val="75000"/>
+                  </a:schemeClr>
+                </a:solidFill>
+                <a:latin typeface="Arial" panose="020B0604020202020204" pitchFamily="34" charset="0"/>
+                <a:cs typeface="Arial" panose="020B0604020202020204" pitchFamily="34" charset="0"/>
+              </a:rPr>
+              <a:t>A/R-</a:t>
+            </a:r>
+          </a:p>
+          <a:p>
+            <a:r>
+              <a:rPr lang="en-US" sz="2600" i="1" dirty="0">
+                <a:solidFill>
+                  <a:schemeClr val="accent2">
+                    <a:lumMod val="75000"/>
+                  </a:schemeClr>
+                </a:solidFill>
+                <a:latin typeface="Arial" panose="020B0604020202020204" pitchFamily="34" charset="0"/>
+                <a:cs typeface="Arial" panose="020B0604020202020204" pitchFamily="34" charset="0"/>
+              </a:rPr>
+              <a:t>Focused</a:t>
+            </a:r>
+          </a:p>
+        </p:txBody>
+      </p:sp>
+      <p:cxnSp>
+        <p:nvCxnSpPr>
+          <p:cNvPr id="35" name="Straight Connector 34">
+            <a:extLst>
+              <a:ext uri="{FF2B5EF4-FFF2-40B4-BE49-F238E27FC236}">
+                <a16:creationId xmlns:a16="http://schemas.microsoft.com/office/drawing/2014/main" id="{ED173F78-5740-312F-31C4-920AEF872F8A}"/>
+              </a:ext>
+            </a:extLst>
+          </p:cNvPr>
+          <p:cNvCxnSpPr>
+            <a:cxnSpLocks/>
+            <a:endCxn id="42" idx="3"/>
+          </p:cNvCxnSpPr>
+          <p:nvPr/>
+        </p:nvCxnSpPr>
+        <p:spPr>
+          <a:xfrm flipV="1">
+            <a:off x="7617348" y="6829563"/>
+            <a:ext cx="525087" cy="680939"/>
+          </a:xfrm>
+          <a:prstGeom prst="line">
+            <a:avLst/>
+          </a:prstGeom>
+          <a:ln w="19050">
+            <a:solidFill>
+              <a:srgbClr val="ED7D31"/>
+            </a:solidFill>
+          </a:ln>
+        </p:spPr>
+        <p:style>
+          <a:lnRef idx="1">
+            <a:schemeClr val="accent1"/>
+          </a:lnRef>
+          <a:fillRef idx="0">
+            <a:schemeClr val="accent1"/>
+          </a:fillRef>
+          <a:effectRef idx="0">
+            <a:schemeClr val="accent1"/>
+          </a:effectRef>
+          <a:fontRef idx="minor">
+            <a:schemeClr val="tx1"/>
+          </a:fontRef>
+        </p:style>
+      </p:cxnSp>
+      <p:sp>
+        <p:nvSpPr>
+          <p:cNvPr id="36" name="TextBox 35">
+            <a:extLst>
+              <a:ext uri="{FF2B5EF4-FFF2-40B4-BE49-F238E27FC236}">
+                <a16:creationId xmlns:a16="http://schemas.microsoft.com/office/drawing/2014/main" id="{EEB24574-EE5E-0106-0888-D2E97FC583FD}"/>
+              </a:ext>
+            </a:extLst>
+          </p:cNvPr>
+          <p:cNvSpPr txBox="1"/>
+          <p:nvPr/>
+        </p:nvSpPr>
+        <p:spPr>
+          <a:xfrm>
+            <a:off x="8625189" y="2946537"/>
+            <a:ext cx="1828800" cy="457200"/>
+          </a:xfrm>
+          <a:prstGeom prst="rect">
+            <a:avLst/>
+          </a:prstGeom>
+          <a:noFill/>
+        </p:spPr>
+        <p:txBody>
+          <a:bodyPr wrap="square" rtlCol="0">
+            <a:spAutoFit/>
+          </a:bodyPr>
+          <a:lstStyle/>
+          <a:p>
+            <a:r>
+              <a:rPr lang="en-US" sz="2600" i="1" dirty="0">
+                <a:solidFill>
+                  <a:schemeClr val="accent4">
+                    <a:lumMod val="75000"/>
+                  </a:schemeClr>
+                </a:solidFill>
+                <a:latin typeface="Arial" panose="020B0604020202020204" pitchFamily="34" charset="0"/>
+                <a:cs typeface="Arial" panose="020B0604020202020204" pitchFamily="34" charset="0"/>
+              </a:rPr>
+              <a:t>No-LCP</a:t>
+            </a:r>
+          </a:p>
+        </p:txBody>
+      </p:sp>
+      <p:sp>
+        <p:nvSpPr>
+          <p:cNvPr id="37" name="TextBox 36">
+            <a:extLst>
+              <a:ext uri="{FF2B5EF4-FFF2-40B4-BE49-F238E27FC236}">
+                <a16:creationId xmlns:a16="http://schemas.microsoft.com/office/drawing/2014/main" id="{86BF76E5-499B-DB59-13D7-F2E2BE4BDC62}"/>
+              </a:ext>
+            </a:extLst>
+          </p:cNvPr>
+          <p:cNvSpPr txBox="1"/>
+          <p:nvPr/>
+        </p:nvSpPr>
+        <p:spPr>
+          <a:xfrm>
+            <a:off x="8586825" y="4028999"/>
+            <a:ext cx="1828800" cy="457200"/>
+          </a:xfrm>
+          <a:prstGeom prst="rect">
+            <a:avLst/>
+          </a:prstGeom>
+          <a:noFill/>
+        </p:spPr>
+        <p:txBody>
+          <a:bodyPr wrap="square" rtlCol="0">
+            <a:spAutoFit/>
+          </a:bodyPr>
+          <a:lstStyle/>
+          <a:p>
+            <a:r>
+              <a:rPr lang="en-US" sz="2600" i="1" dirty="0">
+                <a:solidFill>
+                  <a:schemeClr val="accent4">
+                    <a:lumMod val="75000"/>
+                  </a:schemeClr>
+                </a:solidFill>
+                <a:latin typeface="Arial" panose="020B0604020202020204" pitchFamily="34" charset="0"/>
+                <a:cs typeface="Arial" panose="020B0604020202020204" pitchFamily="34" charset="0"/>
+              </a:rPr>
+              <a:t>50%-LCP</a:t>
+            </a:r>
+          </a:p>
+        </p:txBody>
+      </p:sp>
+      <p:sp>
+        <p:nvSpPr>
+          <p:cNvPr id="38" name="TextBox 37">
+            <a:extLst>
+              <a:ext uri="{FF2B5EF4-FFF2-40B4-BE49-F238E27FC236}">
+                <a16:creationId xmlns:a16="http://schemas.microsoft.com/office/drawing/2014/main" id="{84DF334D-2BE8-EF27-4ADD-DA36F1882340}"/>
+              </a:ext>
+            </a:extLst>
+          </p:cNvPr>
+          <p:cNvSpPr txBox="1"/>
+          <p:nvPr/>
+        </p:nvSpPr>
+        <p:spPr>
+          <a:xfrm>
+            <a:off x="3498611" y="7461321"/>
+            <a:ext cx="1828800" cy="892552"/>
+          </a:xfrm>
+          <a:prstGeom prst="rect">
+            <a:avLst/>
+          </a:prstGeom>
+          <a:noFill/>
+        </p:spPr>
+        <p:txBody>
+          <a:bodyPr wrap="square" rtlCol="0">
+            <a:spAutoFit/>
+          </a:bodyPr>
+          <a:lstStyle/>
+          <a:p>
+            <a:r>
+              <a:rPr lang="en-US" sz="2600" i="1" dirty="0">
+                <a:solidFill>
+                  <a:srgbClr val="7030A0"/>
+                </a:solidFill>
+                <a:latin typeface="Arial" panose="020B0604020202020204" pitchFamily="34" charset="0"/>
+                <a:cs typeface="Arial" panose="020B0604020202020204" pitchFamily="34" charset="0"/>
+              </a:rPr>
+              <a:t>1.5 °C</a:t>
+            </a:r>
+          </a:p>
+          <a:p>
+            <a:r>
+              <a:rPr lang="en-US" sz="2600" i="1" dirty="0">
+                <a:solidFill>
+                  <a:srgbClr val="7030A0"/>
+                </a:solidFill>
+                <a:latin typeface="Arial" panose="020B0604020202020204" pitchFamily="34" charset="0"/>
+                <a:cs typeface="Arial" panose="020B0604020202020204" pitchFamily="34" charset="0"/>
+              </a:rPr>
+              <a:t>100%-LCP</a:t>
+            </a:r>
+          </a:p>
+        </p:txBody>
+      </p:sp>
+      <p:cxnSp>
+        <p:nvCxnSpPr>
+          <p:cNvPr id="39" name="Straight Connector 38">
+            <a:extLst>
+              <a:ext uri="{FF2B5EF4-FFF2-40B4-BE49-F238E27FC236}">
+                <a16:creationId xmlns:a16="http://schemas.microsoft.com/office/drawing/2014/main" id="{85B1B2A0-2E12-784C-4E82-ADBD87CD0412}"/>
+              </a:ext>
+            </a:extLst>
+          </p:cNvPr>
+          <p:cNvCxnSpPr>
+            <a:cxnSpLocks/>
+            <a:endCxn id="49" idx="3"/>
+          </p:cNvCxnSpPr>
+          <p:nvPr/>
+        </p:nvCxnSpPr>
+        <p:spPr>
+          <a:xfrm flipV="1">
+            <a:off x="4163260" y="6546268"/>
+            <a:ext cx="2996514" cy="930262"/>
+          </a:xfrm>
+          <a:prstGeom prst="line">
+            <a:avLst/>
+          </a:prstGeom>
+          <a:ln w="19050">
+            <a:solidFill>
+              <a:srgbClr val="7030A0"/>
+            </a:solidFill>
+          </a:ln>
+        </p:spPr>
+        <p:style>
+          <a:lnRef idx="1">
+            <a:schemeClr val="accent1"/>
+          </a:lnRef>
+          <a:fillRef idx="0">
+            <a:schemeClr val="accent1"/>
+          </a:fillRef>
+          <a:effectRef idx="0">
+            <a:schemeClr val="accent1"/>
+          </a:effectRef>
+          <a:fontRef idx="minor">
+            <a:schemeClr val="tx1"/>
+          </a:fontRef>
+        </p:style>
+      </p:cxnSp>
+      <p:sp>
+        <p:nvSpPr>
+          <p:cNvPr id="44" name="TextBox 43">
+            <a:extLst>
+              <a:ext uri="{FF2B5EF4-FFF2-40B4-BE49-F238E27FC236}">
+                <a16:creationId xmlns:a16="http://schemas.microsoft.com/office/drawing/2014/main" id="{E82B5BD3-90D7-CE5B-C0A8-BC29A1A3DD46}"/>
+              </a:ext>
+            </a:extLst>
+          </p:cNvPr>
+          <p:cNvSpPr txBox="1"/>
+          <p:nvPr/>
+        </p:nvSpPr>
+        <p:spPr>
+          <a:xfrm>
+            <a:off x="8560895" y="7461321"/>
+            <a:ext cx="1828800" cy="892552"/>
+          </a:xfrm>
+          <a:prstGeom prst="rect">
+            <a:avLst/>
+          </a:prstGeom>
+          <a:noFill/>
+        </p:spPr>
+        <p:txBody>
+          <a:bodyPr wrap="square" rtlCol="0">
+            <a:spAutoFit/>
+          </a:bodyPr>
+          <a:lstStyle/>
+          <a:p>
+            <a:r>
+              <a:rPr lang="en-US" sz="2600" i="1" dirty="0">
+                <a:solidFill>
+                  <a:srgbClr val="0070C0"/>
+                </a:solidFill>
+                <a:latin typeface="Arial" panose="020B0604020202020204" pitchFamily="34" charset="0"/>
+                <a:cs typeface="Arial" panose="020B0604020202020204" pitchFamily="34" charset="0"/>
+              </a:rPr>
+              <a:t>Low-</a:t>
+            </a:r>
+          </a:p>
+          <a:p>
+            <a:r>
+              <a:rPr lang="en-US" sz="2600" i="1" dirty="0">
+                <a:solidFill>
+                  <a:srgbClr val="0070C0"/>
+                </a:solidFill>
+                <a:latin typeface="Arial" panose="020B0604020202020204" pitchFamily="34" charset="0"/>
+                <a:cs typeface="Arial" panose="020B0604020202020204" pitchFamily="34" charset="0"/>
+              </a:rPr>
+              <a:t>Bioenergy</a:t>
+            </a:r>
+          </a:p>
+        </p:txBody>
+      </p:sp>
+      <p:cxnSp>
+        <p:nvCxnSpPr>
+          <p:cNvPr id="59" name="Straight Connector 58">
+            <a:extLst>
+              <a:ext uri="{FF2B5EF4-FFF2-40B4-BE49-F238E27FC236}">
+                <a16:creationId xmlns:a16="http://schemas.microsoft.com/office/drawing/2014/main" id="{D03A0310-61E1-B868-F6A7-7E2A5458C7F8}"/>
+              </a:ext>
+            </a:extLst>
+          </p:cNvPr>
+          <p:cNvCxnSpPr>
+            <a:cxnSpLocks/>
+            <a:endCxn id="41" idx="4"/>
+          </p:cNvCxnSpPr>
+          <p:nvPr/>
+        </p:nvCxnSpPr>
+        <p:spPr>
+          <a:xfrm flipV="1">
+            <a:off x="9098876" y="6948131"/>
+            <a:ext cx="71341" cy="562371"/>
+          </a:xfrm>
+          <a:prstGeom prst="line">
+            <a:avLst/>
+          </a:prstGeom>
+          <a:ln w="19050">
+            <a:solidFill>
+              <a:srgbClr val="00B0F0"/>
+            </a:solidFill>
+          </a:ln>
+        </p:spPr>
+        <p:style>
+          <a:lnRef idx="1">
+            <a:schemeClr val="accent1"/>
+          </a:lnRef>
+          <a:fillRef idx="0">
+            <a:schemeClr val="accent1"/>
+          </a:fillRef>
+          <a:effectRef idx="0">
+            <a:schemeClr val="accent1"/>
+          </a:effectRef>
+          <a:fontRef idx="minor">
+            <a:schemeClr val="tx1"/>
+          </a:fontRef>
+        </p:style>
+      </p:cxnSp>
+      <p:cxnSp>
+        <p:nvCxnSpPr>
+          <p:cNvPr id="70" name="Straight Connector 69">
+            <a:extLst>
+              <a:ext uri="{FF2B5EF4-FFF2-40B4-BE49-F238E27FC236}">
+                <a16:creationId xmlns:a16="http://schemas.microsoft.com/office/drawing/2014/main" id="{6FCF8A46-D993-B260-EA50-76A638CBFC7C}"/>
+              </a:ext>
+            </a:extLst>
+          </p:cNvPr>
+          <p:cNvCxnSpPr>
+            <a:cxnSpLocks/>
+            <a:stCxn id="40" idx="3"/>
+          </p:cNvCxnSpPr>
+          <p:nvPr/>
+        </p:nvCxnSpPr>
+        <p:spPr>
+          <a:xfrm flipH="1">
+            <a:off x="6026808" y="6485153"/>
+            <a:ext cx="2144233" cy="991377"/>
+          </a:xfrm>
+          <a:prstGeom prst="line">
+            <a:avLst/>
+          </a:prstGeom>
+          <a:ln w="19050">
+            <a:solidFill>
+              <a:srgbClr val="FF0000"/>
+            </a:solidFill>
+          </a:ln>
+        </p:spPr>
+        <p:style>
+          <a:lnRef idx="1">
+            <a:schemeClr val="accent1"/>
+          </a:lnRef>
+          <a:fillRef idx="0">
+            <a:schemeClr val="accent1"/>
+          </a:fillRef>
+          <a:effectRef idx="0">
+            <a:schemeClr val="accent1"/>
+          </a:effectRef>
+          <a:fontRef idx="minor">
+            <a:schemeClr val="tx1"/>
+          </a:fontRef>
+        </p:style>
+      </p:cxnSp>
+      <p:cxnSp>
+        <p:nvCxnSpPr>
+          <p:cNvPr id="111" name="Straight Connector 110">
+            <a:extLst>
+              <a:ext uri="{FF2B5EF4-FFF2-40B4-BE49-F238E27FC236}">
+                <a16:creationId xmlns:a16="http://schemas.microsoft.com/office/drawing/2014/main" id="{2D4D2698-3303-07BD-63CE-772A608537F6}"/>
+              </a:ext>
+            </a:extLst>
+          </p:cNvPr>
+          <p:cNvCxnSpPr>
+            <a:cxnSpLocks/>
+            <a:stCxn id="46" idx="7"/>
+          </p:cNvCxnSpPr>
+          <p:nvPr/>
+        </p:nvCxnSpPr>
+        <p:spPr>
+          <a:xfrm flipV="1">
+            <a:off x="7344805" y="3325091"/>
+            <a:ext cx="1341337" cy="949638"/>
+          </a:xfrm>
+          <a:prstGeom prst="line">
+            <a:avLst/>
+          </a:prstGeom>
+          <a:ln w="19050">
+            <a:solidFill>
+              <a:schemeClr val="accent4">
+                <a:alpha val="50000"/>
+              </a:schemeClr>
+            </a:solidFill>
+          </a:ln>
+        </p:spPr>
+        <p:style>
+          <a:lnRef idx="1">
+            <a:schemeClr val="accent1"/>
+          </a:lnRef>
+          <a:fillRef idx="0">
+            <a:schemeClr val="accent1"/>
+          </a:fillRef>
+          <a:effectRef idx="0">
+            <a:schemeClr val="accent1"/>
+          </a:effectRef>
+          <a:fontRef idx="minor">
+            <a:schemeClr val="tx1"/>
+          </a:fontRef>
+        </p:style>
+      </p:cxnSp>
+      <p:cxnSp>
+        <p:nvCxnSpPr>
+          <p:cNvPr id="115" name="Straight Connector 114">
+            <a:extLst>
+              <a:ext uri="{FF2B5EF4-FFF2-40B4-BE49-F238E27FC236}">
+                <a16:creationId xmlns:a16="http://schemas.microsoft.com/office/drawing/2014/main" id="{94DB3E23-723C-D24F-2791-A2006D86CAAA}"/>
+              </a:ext>
+            </a:extLst>
+          </p:cNvPr>
+          <p:cNvCxnSpPr>
+            <a:cxnSpLocks/>
+            <a:stCxn id="47" idx="7"/>
+          </p:cNvCxnSpPr>
+          <p:nvPr/>
+        </p:nvCxnSpPr>
+        <p:spPr>
+          <a:xfrm flipV="1">
+            <a:off x="7599174" y="3891401"/>
+            <a:ext cx="1086968" cy="949559"/>
+          </a:xfrm>
+          <a:prstGeom prst="line">
+            <a:avLst/>
+          </a:prstGeom>
+          <a:ln w="19050">
+            <a:solidFill>
+              <a:schemeClr val="accent4">
+                <a:alpha val="50000"/>
+              </a:schemeClr>
+            </a:solidFill>
+          </a:ln>
+        </p:spPr>
+        <p:style>
+          <a:lnRef idx="1">
+            <a:schemeClr val="accent1"/>
+          </a:lnRef>
+          <a:fillRef idx="0">
+            <a:schemeClr val="accent1"/>
+          </a:fillRef>
+          <a:effectRef idx="0">
+            <a:schemeClr val="accent1"/>
+          </a:effectRef>
+          <a:fontRef idx="minor">
+            <a:schemeClr val="tx1"/>
+          </a:fontRef>
+        </p:style>
+      </p:cxnSp>
+      <p:cxnSp>
+        <p:nvCxnSpPr>
+          <p:cNvPr id="118" name="Straight Connector 117">
+            <a:extLst>
+              <a:ext uri="{FF2B5EF4-FFF2-40B4-BE49-F238E27FC236}">
+                <a16:creationId xmlns:a16="http://schemas.microsoft.com/office/drawing/2014/main" id="{EB047F58-7363-D81B-95CF-603AAA226958}"/>
+              </a:ext>
+            </a:extLst>
+          </p:cNvPr>
+          <p:cNvCxnSpPr>
+            <a:cxnSpLocks/>
+            <a:stCxn id="48" idx="7"/>
+          </p:cNvCxnSpPr>
+          <p:nvPr/>
+        </p:nvCxnSpPr>
+        <p:spPr>
+          <a:xfrm flipV="1">
+            <a:off x="8078373" y="4518621"/>
+            <a:ext cx="647070" cy="1280266"/>
+          </a:xfrm>
+          <a:prstGeom prst="line">
+            <a:avLst/>
+          </a:prstGeom>
+          <a:ln w="19050">
+            <a:solidFill>
+              <a:schemeClr val="accent4">
+                <a:alpha val="50000"/>
+              </a:schemeClr>
+            </a:solidFill>
+          </a:ln>
+        </p:spPr>
+        <p:style>
+          <a:lnRef idx="1">
+            <a:schemeClr val="accent1"/>
+          </a:lnRef>
+          <a:fillRef idx="0">
+            <a:schemeClr val="accent1"/>
+          </a:fillRef>
+          <a:effectRef idx="0">
+            <a:schemeClr val="accent1"/>
+          </a:effectRef>
+          <a:fontRef idx="minor">
+            <a:schemeClr val="tx1"/>
+          </a:fontRef>
+        </p:style>
+      </p:cxnSp>
     </p:spTree>
     <p:extLst>
       <p:ext uri="{BB962C8B-B14F-4D97-AF65-F5344CB8AC3E}">
-        <p14:creationId xmlns:p14="http://schemas.microsoft.com/office/powerpoint/2010/main" val="1088673492"/>
+        <p14:creationId xmlns:p14="http://schemas.microsoft.com/office/powerpoint/2010/main" val="300498230"/>
       </p:ext>
     </p:extLst>
   </p:cSld>
@@ -14075,10 +14728,10 @@
       </p:grpSpPr>
       <p:pic>
         <p:nvPicPr>
-          <p:cNvPr id="3" name="Picture 2">
+          <p:cNvPr id="5" name="Picture 4">
             <a:extLst>
               <a:ext uri="{FF2B5EF4-FFF2-40B4-BE49-F238E27FC236}">
-                <a16:creationId xmlns:a16="http://schemas.microsoft.com/office/drawing/2014/main" id="{7BA2EEF1-6D58-E7DB-F0EA-BE11912B85F0}"/>
+                <a16:creationId xmlns:a16="http://schemas.microsoft.com/office/drawing/2014/main" id="{3365B85A-2C33-017B-48F0-77D758390B67}"/>
               </a:ext>
             </a:extLst>
           </p:cNvPr>
@@ -14114,13 +14767,7 @@
           <p:cNvGraphicFramePr>
             <a:graphicFrameLocks noGrp="1"/>
           </p:cNvGraphicFramePr>
-          <p:nvPr>
-            <p:extLst>
-              <p:ext uri="{D42A27DB-BD31-4B8C-83A1-F6EECF244321}">
-                <p14:modId xmlns:p14="http://schemas.microsoft.com/office/powerpoint/2010/main" val="280380056"/>
-              </p:ext>
-            </p:extLst>
-          </p:nvPr>
+          <p:nvPr/>
         </p:nvGraphicFramePr>
         <p:xfrm>
           <a:off x="4991177" y="12729863"/>
@@ -15086,13 +15733,7 @@
           <p:cNvGraphicFramePr>
             <a:graphicFrameLocks noGrp="1"/>
           </p:cNvGraphicFramePr>
-          <p:nvPr>
-            <p:extLst>
-              <p:ext uri="{D42A27DB-BD31-4B8C-83A1-F6EECF244321}">
-                <p14:modId xmlns:p14="http://schemas.microsoft.com/office/powerpoint/2010/main" val="4287126628"/>
-              </p:ext>
-            </p:extLst>
-          </p:nvPr>
+          <p:nvPr/>
         </p:nvGraphicFramePr>
         <p:xfrm>
           <a:off x="818976" y="12729863"/>
@@ -17833,6 +18474,5219 @@
           </p:txBody>
         </p:sp>
       </p:grpSp>
+      <p:grpSp>
+        <p:nvGrpSpPr>
+          <p:cNvPr id="53" name="Group 52">
+            <a:extLst>
+              <a:ext uri="{FF2B5EF4-FFF2-40B4-BE49-F238E27FC236}">
+                <a16:creationId xmlns:a16="http://schemas.microsoft.com/office/drawing/2014/main" id="{54A0B848-5CF6-418C-8E50-7845CFD06858}"/>
+              </a:ext>
+            </a:extLst>
+          </p:cNvPr>
+          <p:cNvGrpSpPr/>
+          <p:nvPr/>
+        </p:nvGrpSpPr>
+        <p:grpSpPr>
+          <a:xfrm>
+            <a:off x="14614108" y="3878258"/>
+            <a:ext cx="6289979" cy="4256159"/>
+            <a:chOff x="14614108" y="3878258"/>
+            <a:chExt cx="6289979" cy="4256159"/>
+          </a:xfrm>
+        </p:grpSpPr>
+        <p:sp>
+          <p:nvSpPr>
+            <p:cNvPr id="73" name="TextBox 72">
+              <a:extLst>
+                <a:ext uri="{FF2B5EF4-FFF2-40B4-BE49-F238E27FC236}">
+                  <a16:creationId xmlns:a16="http://schemas.microsoft.com/office/drawing/2014/main" id="{DCBAAFDD-35E3-4328-94B8-A039DE3D63AE}"/>
+                </a:ext>
+              </a:extLst>
+            </p:cNvPr>
+            <p:cNvSpPr txBox="1"/>
+            <p:nvPr/>
+          </p:nvSpPr>
+          <p:spPr>
+            <a:xfrm>
+              <a:off x="18682095" y="5542847"/>
+              <a:ext cx="2221992" cy="492443"/>
+            </a:xfrm>
+            <a:prstGeom prst="rect">
+              <a:avLst/>
+            </a:prstGeom>
+            <a:noFill/>
+          </p:spPr>
+          <p:txBody>
+            <a:bodyPr wrap="square" rtlCol="0">
+              <a:spAutoFit/>
+            </a:bodyPr>
+            <a:lstStyle/>
+            <a:p>
+              <a:r>
+                <a:rPr lang="en-US" sz="2600" b="1" i="1" dirty="0">
+                  <a:solidFill>
+                    <a:srgbClr val="C00000"/>
+                  </a:solidFill>
+                  <a:latin typeface="Arial" panose="020B0604020202020204" pitchFamily="34" charset="0"/>
+                  <a:cs typeface="Arial" panose="020B0604020202020204" pitchFamily="34" charset="0"/>
+                </a:rPr>
+                <a:t>100%-LCP</a:t>
+              </a:r>
+            </a:p>
+          </p:txBody>
+        </p:sp>
+        <p:sp>
+          <p:nvSpPr>
+            <p:cNvPr id="80" name="TextBox 79">
+              <a:extLst>
+                <a:ext uri="{FF2B5EF4-FFF2-40B4-BE49-F238E27FC236}">
+                  <a16:creationId xmlns:a16="http://schemas.microsoft.com/office/drawing/2014/main" id="{C3BA2AAF-EEE3-4BA7-829E-D5E61087C177}"/>
+                </a:ext>
+              </a:extLst>
+            </p:cNvPr>
+            <p:cNvSpPr txBox="1"/>
+            <p:nvPr/>
+          </p:nvSpPr>
+          <p:spPr>
+            <a:xfrm>
+              <a:off x="16805313" y="4262263"/>
+              <a:ext cx="2221992" cy="461665"/>
+            </a:xfrm>
+            <a:prstGeom prst="rect">
+              <a:avLst/>
+            </a:prstGeom>
+            <a:noFill/>
+          </p:spPr>
+          <p:txBody>
+            <a:bodyPr wrap="square" rtlCol="0">
+              <a:spAutoFit/>
+            </a:bodyPr>
+            <a:lstStyle/>
+            <a:p>
+              <a:r>
+                <a:rPr lang="en-US" sz="2400" i="1" dirty="0">
+                  <a:solidFill>
+                    <a:schemeClr val="accent4">
+                      <a:lumMod val="75000"/>
+                    </a:schemeClr>
+                  </a:solidFill>
+                  <a:latin typeface="Arial" panose="020B0604020202020204" pitchFamily="34" charset="0"/>
+                  <a:cs typeface="Arial" panose="020B0604020202020204" pitchFamily="34" charset="0"/>
+                </a:rPr>
+                <a:t>10%-LCP</a:t>
+              </a:r>
+            </a:p>
+          </p:txBody>
+        </p:sp>
+        <p:sp>
+          <p:nvSpPr>
+            <p:cNvPr id="81" name="TextBox 80">
+              <a:extLst>
+                <a:ext uri="{FF2B5EF4-FFF2-40B4-BE49-F238E27FC236}">
+                  <a16:creationId xmlns:a16="http://schemas.microsoft.com/office/drawing/2014/main" id="{E04BAAD8-1ED2-45BC-9B77-6F75816ECCDB}"/>
+                </a:ext>
+              </a:extLst>
+            </p:cNvPr>
+            <p:cNvSpPr txBox="1"/>
+            <p:nvPr/>
+          </p:nvSpPr>
+          <p:spPr>
+            <a:xfrm>
+              <a:off x="16954774" y="7241865"/>
+              <a:ext cx="1775728" cy="892552"/>
+            </a:xfrm>
+            <a:prstGeom prst="rect">
+              <a:avLst/>
+            </a:prstGeom>
+            <a:noFill/>
+          </p:spPr>
+          <p:txBody>
+            <a:bodyPr wrap="square" rtlCol="0">
+              <a:spAutoFit/>
+            </a:bodyPr>
+            <a:lstStyle/>
+            <a:p>
+              <a:r>
+                <a:rPr lang="en-US" sz="2600" i="1" dirty="0">
+                  <a:solidFill>
+                    <a:schemeClr val="accent2">
+                      <a:lumMod val="75000"/>
+                    </a:schemeClr>
+                  </a:solidFill>
+                  <a:latin typeface="Arial" panose="020B0604020202020204" pitchFamily="34" charset="0"/>
+                  <a:cs typeface="Arial" panose="020B0604020202020204" pitchFamily="34" charset="0"/>
+                </a:rPr>
+                <a:t>A/R-</a:t>
+              </a:r>
+            </a:p>
+            <a:p>
+              <a:r>
+                <a:rPr lang="en-US" sz="2600" i="1" dirty="0">
+                  <a:solidFill>
+                    <a:schemeClr val="accent2">
+                      <a:lumMod val="75000"/>
+                    </a:schemeClr>
+                  </a:solidFill>
+                  <a:latin typeface="Arial" panose="020B0604020202020204" pitchFamily="34" charset="0"/>
+                  <a:cs typeface="Arial" panose="020B0604020202020204" pitchFamily="34" charset="0"/>
+                </a:rPr>
+                <a:t>Focused</a:t>
+              </a:r>
+            </a:p>
+          </p:txBody>
+        </p:sp>
+        <p:cxnSp>
+          <p:nvCxnSpPr>
+            <p:cNvPr id="82" name="Straight Connector 81">
+              <a:extLst>
+                <a:ext uri="{FF2B5EF4-FFF2-40B4-BE49-F238E27FC236}">
+                  <a16:creationId xmlns:a16="http://schemas.microsoft.com/office/drawing/2014/main" id="{2EF589E7-1D5D-467A-83E1-7F91019019C1}"/>
+                </a:ext>
+              </a:extLst>
+            </p:cNvPr>
+            <p:cNvCxnSpPr>
+              <a:cxnSpLocks/>
+              <a:stCxn id="81" idx="0"/>
+            </p:cNvCxnSpPr>
+            <p:nvPr/>
+          </p:nvCxnSpPr>
+          <p:spPr>
+            <a:xfrm flipV="1">
+              <a:off x="17842638" y="6829563"/>
+              <a:ext cx="926529" cy="412302"/>
+            </a:xfrm>
+            <a:prstGeom prst="line">
+              <a:avLst/>
+            </a:prstGeom>
+            <a:ln w="19050">
+              <a:solidFill>
+                <a:srgbClr val="ED7D31"/>
+              </a:solidFill>
+            </a:ln>
+          </p:spPr>
+          <p:style>
+            <a:lnRef idx="1">
+              <a:schemeClr val="accent1"/>
+            </a:lnRef>
+            <a:fillRef idx="0">
+              <a:schemeClr val="accent1"/>
+            </a:fillRef>
+            <a:effectRef idx="0">
+              <a:schemeClr val="accent1"/>
+            </a:effectRef>
+            <a:fontRef idx="minor">
+              <a:schemeClr val="tx1"/>
+            </a:fontRef>
+          </p:style>
+        </p:cxnSp>
+        <p:sp>
+          <p:nvSpPr>
+            <p:cNvPr id="83" name="TextBox 82">
+              <a:extLst>
+                <a:ext uri="{FF2B5EF4-FFF2-40B4-BE49-F238E27FC236}">
+                  <a16:creationId xmlns:a16="http://schemas.microsoft.com/office/drawing/2014/main" id="{A45AB884-1142-4C0F-8F6A-767C81E4104F}"/>
+                </a:ext>
+              </a:extLst>
+            </p:cNvPr>
+            <p:cNvSpPr txBox="1"/>
+            <p:nvPr/>
+          </p:nvSpPr>
+          <p:spPr>
+            <a:xfrm>
+              <a:off x="16352134" y="3878258"/>
+              <a:ext cx="2221992" cy="461665"/>
+            </a:xfrm>
+            <a:prstGeom prst="rect">
+              <a:avLst/>
+            </a:prstGeom>
+            <a:noFill/>
+          </p:spPr>
+          <p:txBody>
+            <a:bodyPr wrap="square" rtlCol="0">
+              <a:spAutoFit/>
+            </a:bodyPr>
+            <a:lstStyle/>
+            <a:p>
+              <a:r>
+                <a:rPr lang="en-US" sz="2400" i="1" dirty="0">
+                  <a:solidFill>
+                    <a:schemeClr val="accent4">
+                      <a:lumMod val="75000"/>
+                    </a:schemeClr>
+                  </a:solidFill>
+                  <a:latin typeface="Arial" panose="020B0604020202020204" pitchFamily="34" charset="0"/>
+                  <a:cs typeface="Arial" panose="020B0604020202020204" pitchFamily="34" charset="0"/>
+                </a:rPr>
+                <a:t>No-LCP</a:t>
+              </a:r>
+            </a:p>
+          </p:txBody>
+        </p:sp>
+        <p:sp>
+          <p:nvSpPr>
+            <p:cNvPr id="84" name="TextBox 83">
+              <a:extLst>
+                <a:ext uri="{FF2B5EF4-FFF2-40B4-BE49-F238E27FC236}">
+                  <a16:creationId xmlns:a16="http://schemas.microsoft.com/office/drawing/2014/main" id="{9EF04F39-8717-4D64-ACD8-F18DF85E54BB}"/>
+                </a:ext>
+              </a:extLst>
+            </p:cNvPr>
+            <p:cNvSpPr txBox="1"/>
+            <p:nvPr/>
+          </p:nvSpPr>
+          <p:spPr>
+            <a:xfrm>
+              <a:off x="17617556" y="5210205"/>
+              <a:ext cx="2221992" cy="461665"/>
+            </a:xfrm>
+            <a:prstGeom prst="rect">
+              <a:avLst/>
+            </a:prstGeom>
+            <a:noFill/>
+          </p:spPr>
+          <p:txBody>
+            <a:bodyPr wrap="square" rtlCol="0">
+              <a:spAutoFit/>
+            </a:bodyPr>
+            <a:lstStyle/>
+            <a:p>
+              <a:r>
+                <a:rPr lang="en-US" sz="2400" i="1" dirty="0">
+                  <a:solidFill>
+                    <a:schemeClr val="accent4">
+                      <a:lumMod val="75000"/>
+                    </a:schemeClr>
+                  </a:solidFill>
+                  <a:latin typeface="Arial" panose="020B0604020202020204" pitchFamily="34" charset="0"/>
+                  <a:cs typeface="Arial" panose="020B0604020202020204" pitchFamily="34" charset="0"/>
+                </a:rPr>
+                <a:t>50%-LCP</a:t>
+              </a:r>
+            </a:p>
+          </p:txBody>
+        </p:sp>
+        <p:sp>
+          <p:nvSpPr>
+            <p:cNvPr id="85" name="TextBox 84">
+              <a:extLst>
+                <a:ext uri="{FF2B5EF4-FFF2-40B4-BE49-F238E27FC236}">
+                  <a16:creationId xmlns:a16="http://schemas.microsoft.com/office/drawing/2014/main" id="{F9E23639-C163-4A87-A1D4-E2392A367D55}"/>
+                </a:ext>
+              </a:extLst>
+            </p:cNvPr>
+            <p:cNvSpPr txBox="1"/>
+            <p:nvPr/>
+          </p:nvSpPr>
+          <p:spPr>
+            <a:xfrm>
+              <a:off x="14614108" y="7241865"/>
+              <a:ext cx="1882618" cy="892552"/>
+            </a:xfrm>
+            <a:prstGeom prst="rect">
+              <a:avLst/>
+            </a:prstGeom>
+            <a:noFill/>
+          </p:spPr>
+          <p:txBody>
+            <a:bodyPr wrap="square" rtlCol="0">
+              <a:spAutoFit/>
+            </a:bodyPr>
+            <a:lstStyle/>
+            <a:p>
+              <a:r>
+                <a:rPr lang="en-US" sz="2600" i="1" dirty="0">
+                  <a:solidFill>
+                    <a:srgbClr val="7030A0"/>
+                  </a:solidFill>
+                  <a:latin typeface="Arial" panose="020B0604020202020204" pitchFamily="34" charset="0"/>
+                  <a:cs typeface="Arial" panose="020B0604020202020204" pitchFamily="34" charset="0"/>
+                </a:rPr>
+                <a:t>1.5 °C</a:t>
+              </a:r>
+            </a:p>
+            <a:p>
+              <a:r>
+                <a:rPr lang="en-US" sz="2600" i="1" dirty="0">
+                  <a:solidFill>
+                    <a:srgbClr val="7030A0"/>
+                  </a:solidFill>
+                  <a:latin typeface="Arial" panose="020B0604020202020204" pitchFamily="34" charset="0"/>
+                  <a:cs typeface="Arial" panose="020B0604020202020204" pitchFamily="34" charset="0"/>
+                </a:rPr>
+                <a:t>100%-LCP</a:t>
+              </a:r>
+            </a:p>
+          </p:txBody>
+        </p:sp>
+        <p:cxnSp>
+          <p:nvCxnSpPr>
+            <p:cNvPr id="86" name="Straight Connector 85">
+              <a:extLst>
+                <a:ext uri="{FF2B5EF4-FFF2-40B4-BE49-F238E27FC236}">
+                  <a16:creationId xmlns:a16="http://schemas.microsoft.com/office/drawing/2014/main" id="{7D973A55-5001-4E48-B7C0-303C2496A1EB}"/>
+                </a:ext>
+              </a:extLst>
+            </p:cNvPr>
+            <p:cNvCxnSpPr>
+              <a:cxnSpLocks/>
+            </p:cNvCxnSpPr>
+            <p:nvPr/>
+          </p:nvCxnSpPr>
+          <p:spPr>
+            <a:xfrm flipH="1" flipV="1">
+              <a:off x="14991238" y="6579229"/>
+              <a:ext cx="184584" cy="662636"/>
+            </a:xfrm>
+            <a:prstGeom prst="line">
+              <a:avLst/>
+            </a:prstGeom>
+            <a:ln w="19050">
+              <a:solidFill>
+                <a:srgbClr val="7030A0"/>
+              </a:solidFill>
+            </a:ln>
+          </p:spPr>
+          <p:style>
+            <a:lnRef idx="1">
+              <a:schemeClr val="accent1"/>
+            </a:lnRef>
+            <a:fillRef idx="0">
+              <a:schemeClr val="accent1"/>
+            </a:fillRef>
+            <a:effectRef idx="0">
+              <a:schemeClr val="accent1"/>
+            </a:effectRef>
+            <a:fontRef idx="minor">
+              <a:schemeClr val="tx1"/>
+            </a:fontRef>
+          </p:style>
+        </p:cxnSp>
+        <p:sp>
+          <p:nvSpPr>
+            <p:cNvPr id="87" name="TextBox 86">
+              <a:extLst>
+                <a:ext uri="{FF2B5EF4-FFF2-40B4-BE49-F238E27FC236}">
+                  <a16:creationId xmlns:a16="http://schemas.microsoft.com/office/drawing/2014/main" id="{C08C3504-BAF1-444E-8389-998052A5B008}"/>
+                </a:ext>
+              </a:extLst>
+            </p:cNvPr>
+            <p:cNvSpPr txBox="1"/>
+            <p:nvPr/>
+          </p:nvSpPr>
+          <p:spPr>
+            <a:xfrm>
+              <a:off x="18721014" y="7241865"/>
+              <a:ext cx="1828800" cy="892552"/>
+            </a:xfrm>
+            <a:prstGeom prst="rect">
+              <a:avLst/>
+            </a:prstGeom>
+            <a:noFill/>
+          </p:spPr>
+          <p:txBody>
+            <a:bodyPr wrap="square" rtlCol="0">
+              <a:spAutoFit/>
+            </a:bodyPr>
+            <a:lstStyle/>
+            <a:p>
+              <a:r>
+                <a:rPr lang="en-US" sz="2600" i="1" dirty="0">
+                  <a:solidFill>
+                    <a:srgbClr val="0070C0"/>
+                  </a:solidFill>
+                  <a:latin typeface="Arial" panose="020B0604020202020204" pitchFamily="34" charset="0"/>
+                  <a:cs typeface="Arial" panose="020B0604020202020204" pitchFamily="34" charset="0"/>
+                </a:rPr>
+                <a:t>Low-</a:t>
+              </a:r>
+            </a:p>
+            <a:p>
+              <a:r>
+                <a:rPr lang="en-US" sz="2600" i="1" dirty="0">
+                  <a:solidFill>
+                    <a:srgbClr val="0070C0"/>
+                  </a:solidFill>
+                  <a:latin typeface="Arial" panose="020B0604020202020204" pitchFamily="34" charset="0"/>
+                  <a:cs typeface="Arial" panose="020B0604020202020204" pitchFamily="34" charset="0"/>
+                </a:rPr>
+                <a:t>Bioenergy</a:t>
+              </a:r>
+            </a:p>
+          </p:txBody>
+        </p:sp>
+        <p:cxnSp>
+          <p:nvCxnSpPr>
+            <p:cNvPr id="88" name="Straight Connector 87">
+              <a:extLst>
+                <a:ext uri="{FF2B5EF4-FFF2-40B4-BE49-F238E27FC236}">
+                  <a16:creationId xmlns:a16="http://schemas.microsoft.com/office/drawing/2014/main" id="{15291624-A458-4117-9B67-9DD8014DB3AA}"/>
+                </a:ext>
+              </a:extLst>
+            </p:cNvPr>
+            <p:cNvCxnSpPr>
+              <a:cxnSpLocks/>
+            </p:cNvCxnSpPr>
+            <p:nvPr/>
+          </p:nvCxnSpPr>
+          <p:spPr>
+            <a:xfrm flipH="1" flipV="1">
+              <a:off x="18914456" y="6948131"/>
+              <a:ext cx="105334" cy="348205"/>
+            </a:xfrm>
+            <a:prstGeom prst="line">
+              <a:avLst/>
+            </a:prstGeom>
+            <a:ln w="19050">
+              <a:solidFill>
+                <a:srgbClr val="00B0F0"/>
+              </a:solidFill>
+            </a:ln>
+          </p:spPr>
+          <p:style>
+            <a:lnRef idx="1">
+              <a:schemeClr val="accent1"/>
+            </a:lnRef>
+            <a:fillRef idx="0">
+              <a:schemeClr val="accent1"/>
+            </a:fillRef>
+            <a:effectRef idx="0">
+              <a:schemeClr val="accent1"/>
+            </a:effectRef>
+            <a:fontRef idx="minor">
+              <a:schemeClr val="tx1"/>
+            </a:fontRef>
+          </p:style>
+        </p:cxnSp>
+        <p:cxnSp>
+          <p:nvCxnSpPr>
+            <p:cNvPr id="89" name="Straight Connector 88">
+              <a:extLst>
+                <a:ext uri="{FF2B5EF4-FFF2-40B4-BE49-F238E27FC236}">
+                  <a16:creationId xmlns:a16="http://schemas.microsoft.com/office/drawing/2014/main" id="{4EFAA973-CD96-4FAA-83FF-AA892AA77642}"/>
+                </a:ext>
+              </a:extLst>
+            </p:cNvPr>
+            <p:cNvCxnSpPr>
+              <a:cxnSpLocks/>
+            </p:cNvCxnSpPr>
+            <p:nvPr/>
+          </p:nvCxnSpPr>
+          <p:spPr>
+            <a:xfrm flipV="1">
+              <a:off x="18572483" y="5986577"/>
+              <a:ext cx="289017" cy="330466"/>
+            </a:xfrm>
+            <a:prstGeom prst="line">
+              <a:avLst/>
+            </a:prstGeom>
+            <a:ln w="19050">
+              <a:solidFill>
+                <a:srgbClr val="FF0000"/>
+              </a:solidFill>
+            </a:ln>
+          </p:spPr>
+          <p:style>
+            <a:lnRef idx="1">
+              <a:schemeClr val="accent1"/>
+            </a:lnRef>
+            <a:fillRef idx="0">
+              <a:schemeClr val="accent1"/>
+            </a:fillRef>
+            <a:effectRef idx="0">
+              <a:schemeClr val="accent1"/>
+            </a:effectRef>
+            <a:fontRef idx="minor">
+              <a:schemeClr val="tx1"/>
+            </a:fontRef>
+          </p:style>
+        </p:cxnSp>
+        <p:cxnSp>
+          <p:nvCxnSpPr>
+            <p:cNvPr id="90" name="Straight Connector 89">
+              <a:extLst>
+                <a:ext uri="{FF2B5EF4-FFF2-40B4-BE49-F238E27FC236}">
+                  <a16:creationId xmlns:a16="http://schemas.microsoft.com/office/drawing/2014/main" id="{C91C5D28-6CEA-40BB-88D8-AB3C4D945C54}"/>
+                </a:ext>
+              </a:extLst>
+            </p:cNvPr>
+            <p:cNvCxnSpPr>
+              <a:cxnSpLocks/>
+              <a:stCxn id="27" idx="7"/>
+            </p:cNvCxnSpPr>
+            <p:nvPr/>
+          </p:nvCxnSpPr>
+          <p:spPr>
+            <a:xfrm flipV="1">
+              <a:off x="18046069" y="5617146"/>
+              <a:ext cx="211812" cy="181741"/>
+            </a:xfrm>
+            <a:prstGeom prst="line">
+              <a:avLst/>
+            </a:prstGeom>
+            <a:ln w="19050">
+              <a:solidFill>
+                <a:schemeClr val="accent4"/>
+              </a:solidFill>
+            </a:ln>
+          </p:spPr>
+          <p:style>
+            <a:lnRef idx="1">
+              <a:schemeClr val="accent1"/>
+            </a:lnRef>
+            <a:fillRef idx="0">
+              <a:schemeClr val="accent1"/>
+            </a:fillRef>
+            <a:effectRef idx="0">
+              <a:schemeClr val="accent1"/>
+            </a:effectRef>
+            <a:fontRef idx="minor">
+              <a:schemeClr val="tx1"/>
+            </a:fontRef>
+          </p:style>
+        </p:cxnSp>
+        <p:cxnSp>
+          <p:nvCxnSpPr>
+            <p:cNvPr id="91" name="Straight Connector 90">
+              <a:extLst>
+                <a:ext uri="{FF2B5EF4-FFF2-40B4-BE49-F238E27FC236}">
+                  <a16:creationId xmlns:a16="http://schemas.microsoft.com/office/drawing/2014/main" id="{919F7665-41C2-451E-9FAD-6FEBB315BCDF}"/>
+                </a:ext>
+              </a:extLst>
+            </p:cNvPr>
+            <p:cNvCxnSpPr>
+              <a:cxnSpLocks/>
+              <a:stCxn id="26" idx="7"/>
+            </p:cNvCxnSpPr>
+            <p:nvPr/>
+          </p:nvCxnSpPr>
+          <p:spPr>
+            <a:xfrm flipV="1">
+              <a:off x="17052722" y="4683661"/>
+              <a:ext cx="156073" cy="146666"/>
+            </a:xfrm>
+            <a:prstGeom prst="line">
+              <a:avLst/>
+            </a:prstGeom>
+            <a:ln w="19050">
+              <a:solidFill>
+                <a:schemeClr val="accent4">
+                  <a:alpha val="50000"/>
+                </a:schemeClr>
+              </a:solidFill>
+            </a:ln>
+          </p:spPr>
+          <p:style>
+            <a:lnRef idx="1">
+              <a:schemeClr val="accent1"/>
+            </a:lnRef>
+            <a:fillRef idx="0">
+              <a:schemeClr val="accent1"/>
+            </a:fillRef>
+            <a:effectRef idx="0">
+              <a:schemeClr val="accent1"/>
+            </a:effectRef>
+            <a:fontRef idx="minor">
+              <a:schemeClr val="tx1"/>
+            </a:fontRef>
+          </p:style>
+        </p:cxnSp>
+      </p:grpSp>
+      <p:sp>
+        <p:nvSpPr>
+          <p:cNvPr id="8" name="TextBox 7">
+            <a:extLst>
+              <a:ext uri="{FF2B5EF4-FFF2-40B4-BE49-F238E27FC236}">
+                <a16:creationId xmlns:a16="http://schemas.microsoft.com/office/drawing/2014/main" id="{774958F5-7046-9CF7-C0DF-5F0C7FF6154B}"/>
+              </a:ext>
+            </a:extLst>
+          </p:cNvPr>
+          <p:cNvSpPr txBox="1"/>
+          <p:nvPr/>
+        </p:nvSpPr>
+        <p:spPr>
+          <a:xfrm rot="10800000" flipV="1">
+            <a:off x="13059811" y="11843384"/>
+            <a:ext cx="7562345" cy="538039"/>
+          </a:xfrm>
+          <a:prstGeom prst="rect">
+            <a:avLst/>
+          </a:prstGeom>
+          <a:noFill/>
+        </p:spPr>
+        <p:txBody>
+          <a:bodyPr wrap="square">
+            <a:spAutoFit/>
+          </a:bodyPr>
+          <a:lstStyle/>
+          <a:p>
+            <a:r>
+              <a:rPr lang="en-US" sz="2801" b="1" dirty="0">
+                <a:latin typeface="Arial" panose="020B0604020202020204" pitchFamily="34" charset="0"/>
+                <a:cs typeface="Arial" panose="020B0604020202020204" pitchFamily="34" charset="0"/>
+              </a:rPr>
+              <a:t>EIP and land system mitigation policy</a:t>
+            </a:r>
+          </a:p>
+        </p:txBody>
+      </p:sp>
+      <p:graphicFrame>
+        <p:nvGraphicFramePr>
+          <p:cNvPr id="9" name="Table 8">
+            <a:extLst>
+              <a:ext uri="{FF2B5EF4-FFF2-40B4-BE49-F238E27FC236}">
+                <a16:creationId xmlns:a16="http://schemas.microsoft.com/office/drawing/2014/main" id="{DBFDD731-D8C2-EF47-699C-5347D9CD3F76}"/>
+              </a:ext>
+            </a:extLst>
+          </p:cNvPr>
+          <p:cNvGraphicFramePr>
+            <a:graphicFrameLocks noGrp="1"/>
+          </p:cNvGraphicFramePr>
+          <p:nvPr>
+            <p:extLst>
+              <p:ext uri="{D42A27DB-BD31-4B8C-83A1-F6EECF244321}">
+                <p14:modId xmlns:p14="http://schemas.microsoft.com/office/powerpoint/2010/main" val="1967210296"/>
+              </p:ext>
+            </p:extLst>
+          </p:nvPr>
+        </p:nvGraphicFramePr>
+        <p:xfrm>
+          <a:off x="9501057" y="12725930"/>
+          <a:ext cx="11978640" cy="5577840"/>
+        </p:xfrm>
+        <a:graphic>
+          <a:graphicData uri="http://schemas.openxmlformats.org/drawingml/2006/table">
+            <a:tbl>
+              <a:tblPr firstRow="1" bandRow="1">
+                <a:tableStyleId>{2D5ABB26-0587-4C30-8999-92F81FD0307C}</a:tableStyleId>
+              </a:tblPr>
+              <a:tblGrid>
+                <a:gridCol w="3566160">
+                  <a:extLst>
+                    <a:ext uri="{9D8B030D-6E8A-4147-A177-3AD203B41FA5}">
+                      <a16:colId xmlns:a16="http://schemas.microsoft.com/office/drawing/2014/main" val="4007227918"/>
+                    </a:ext>
+                  </a:extLst>
+                </a:gridCol>
+                <a:gridCol w="8412480">
+                  <a:extLst>
+                    <a:ext uri="{9D8B030D-6E8A-4147-A177-3AD203B41FA5}">
+                      <a16:colId xmlns:a16="http://schemas.microsoft.com/office/drawing/2014/main" val="474388085"/>
+                    </a:ext>
+                  </a:extLst>
+                </a:gridCol>
+              </a:tblGrid>
+              <a:tr h="1097280">
+                <a:tc>
+                  <a:txBody>
+                    <a:bodyPr/>
+                    <a:lstStyle/>
+                    <a:p>
+                      <a:pPr algn="l"/>
+                      <a:r>
+                        <a:rPr lang="en-US" sz="2800" b="1" i="0" dirty="0">
+                          <a:latin typeface="Arial" panose="020B0604020202020204" pitchFamily="34" charset="0"/>
+                          <a:cs typeface="Arial" panose="020B0604020202020204" pitchFamily="34" charset="0"/>
+                        </a:rPr>
+                        <a:t>2 °C (Main)</a:t>
+                      </a:r>
+                      <a:endParaRPr lang="en-US" sz="2800" i="0" dirty="0">
+                        <a:latin typeface="Arial" panose="020B0604020202020204" pitchFamily="34" charset="0"/>
+                        <a:cs typeface="Arial" panose="020B0604020202020204" pitchFamily="34" charset="0"/>
+                      </a:endParaRPr>
+                    </a:p>
+                  </a:txBody>
+                  <a:tcPr anchor="ctr">
+                    <a:lnL w="12700" cap="flat" cmpd="sng" algn="ctr">
+                      <a:noFill/>
+                      <a:prstDash val="solid"/>
+                      <a:round/>
+                      <a:headEnd type="none" w="med" len="med"/>
+                      <a:tailEnd type="none" w="med" len="med"/>
+                    </a:lnL>
+                    <a:lnR w="12700" cap="flat" cmpd="sng" algn="ctr">
+                      <a:noFill/>
+                      <a:prstDash val="solid"/>
+                      <a:round/>
+                      <a:headEnd type="none" w="med" len="med"/>
+                      <a:tailEnd type="none" w="med" len="med"/>
+                    </a:lnR>
+                    <a:lnT w="12700" cap="flat" cmpd="sng" algn="ctr">
+                      <a:noFill/>
+                      <a:prstDash val="solid"/>
+                      <a:round/>
+                      <a:headEnd type="none" w="med" len="med"/>
+                      <a:tailEnd type="none" w="med" len="med"/>
+                    </a:lnT>
+                    <a:lnB w="12700" cap="flat" cmpd="sng" algn="ctr">
+                      <a:noFill/>
+                      <a:prstDash val="solid"/>
+                      <a:round/>
+                      <a:headEnd type="none" w="med" len="med"/>
+                      <a:tailEnd type="none" w="med" len="med"/>
+                    </a:lnB>
+                    <a:lnTlToBr w="12700" cmpd="sng">
+                      <a:noFill/>
+                      <a:prstDash val="solid"/>
+                    </a:lnTlToBr>
+                    <a:lnBlToTr w="12700" cmpd="sng">
+                      <a:noFill/>
+                      <a:prstDash val="solid"/>
+                    </a:lnBlToTr>
+                  </a:tcPr>
+                </a:tc>
+                <a:tc>
+                  <a:txBody>
+                    <a:bodyPr/>
+                    <a:lstStyle/>
+                    <a:p>
+                      <a:pPr algn="l"/>
+                      <a:r>
+                        <a:rPr lang="en-US" sz="2400" i="0" dirty="0">
+                          <a:latin typeface="Arial" panose="020B0604020202020204" pitchFamily="34" charset="0"/>
+                          <a:cs typeface="Arial" panose="020B0604020202020204" pitchFamily="34" charset="0"/>
+                        </a:rPr>
+                        <a:t>G</a:t>
+                      </a:r>
+                      <a:r>
+                        <a:rPr lang="en-US" sz="2400" dirty="0">
+                          <a:latin typeface="Arial" panose="020B0604020202020204" pitchFamily="34" charset="0"/>
+                          <a:cs typeface="Arial" panose="020B0604020202020204" pitchFamily="34" charset="0"/>
+                        </a:rPr>
+                        <a:t>lobal EIP system-wide carbon pricing with an e</a:t>
+                      </a:r>
+                      <a:r>
+                        <a:rPr lang="en-US" sz="2400" i="0" dirty="0">
+                          <a:latin typeface="Arial" panose="020B0604020202020204" pitchFamily="34" charset="0"/>
+                          <a:cs typeface="Arial" panose="020B0604020202020204" pitchFamily="34" charset="0"/>
+                        </a:rPr>
+                        <a:t>nd-of-century CB of 1150 </a:t>
+                      </a:r>
+                      <a:r>
+                        <a:rPr lang="en-US" sz="2400" dirty="0">
+                          <a:latin typeface="Arial" panose="020B0604020202020204" pitchFamily="34" charset="0"/>
+                          <a:cs typeface="Arial" panose="020B0604020202020204" pitchFamily="34" charset="0"/>
+                        </a:rPr>
+                        <a:t>GtCO</a:t>
+                      </a:r>
+                      <a:r>
+                        <a:rPr lang="en-US" sz="2400" baseline="-25000" dirty="0">
+                          <a:latin typeface="Arial" panose="020B0604020202020204" pitchFamily="34" charset="0"/>
+                          <a:cs typeface="Arial" panose="020B0604020202020204" pitchFamily="34" charset="0"/>
+                        </a:rPr>
+                        <a:t>2</a:t>
+                      </a:r>
+                      <a:r>
+                        <a:rPr lang="en-US" sz="2400" i="0" dirty="0">
+                          <a:latin typeface="Arial" panose="020B0604020202020204" pitchFamily="34" charset="0"/>
+                          <a:cs typeface="Arial" panose="020B0604020202020204" pitchFamily="34" charset="0"/>
+                        </a:rPr>
+                        <a:t>; credit all land for carbon storage. </a:t>
+                      </a:r>
+                      <a:endParaRPr lang="en-US" sz="2400" dirty="0">
+                        <a:latin typeface="Arial" panose="020B0604020202020204" pitchFamily="34" charset="0"/>
+                        <a:cs typeface="Arial" panose="020B0604020202020204" pitchFamily="34" charset="0"/>
+                      </a:endParaRPr>
+                    </a:p>
+                  </a:txBody>
+                  <a:tcPr anchor="ctr">
+                    <a:lnL w="12700" cap="flat" cmpd="sng" algn="ctr">
+                      <a:noFill/>
+                      <a:prstDash val="solid"/>
+                      <a:round/>
+                      <a:headEnd type="none" w="med" len="med"/>
+                      <a:tailEnd type="none" w="med" len="med"/>
+                    </a:lnL>
+                    <a:lnR w="12700" cap="flat" cmpd="sng" algn="ctr">
+                      <a:noFill/>
+                      <a:prstDash val="solid"/>
+                      <a:round/>
+                      <a:headEnd type="none" w="med" len="med"/>
+                      <a:tailEnd type="none" w="med" len="med"/>
+                    </a:lnR>
+                    <a:lnT w="12700" cap="flat" cmpd="sng" algn="ctr">
+                      <a:noFill/>
+                      <a:prstDash val="solid"/>
+                      <a:round/>
+                      <a:headEnd type="none" w="med" len="med"/>
+                      <a:tailEnd type="none" w="med" len="med"/>
+                    </a:lnT>
+                    <a:lnB w="12700" cap="flat" cmpd="sng" algn="ctr">
+                      <a:noFill/>
+                      <a:prstDash val="solid"/>
+                      <a:round/>
+                      <a:headEnd type="none" w="med" len="med"/>
+                      <a:tailEnd type="none" w="med" len="med"/>
+                    </a:lnB>
+                    <a:lnTlToBr w="12700" cmpd="sng">
+                      <a:noFill/>
+                      <a:prstDash val="solid"/>
+                    </a:lnTlToBr>
+                    <a:lnBlToTr w="12700" cmpd="sng">
+                      <a:noFill/>
+                      <a:prstDash val="solid"/>
+                    </a:lnBlToTr>
+                  </a:tcPr>
+                </a:tc>
+                <a:extLst>
+                  <a:ext uri="{0D108BD9-81ED-4DB2-BD59-A6C34878D82A}">
+                    <a16:rowId xmlns:a16="http://schemas.microsoft.com/office/drawing/2014/main" val="3499512929"/>
+                  </a:ext>
+                </a:extLst>
+              </a:tr>
+              <a:tr h="1097280">
+                <a:tc>
+                  <a:txBody>
+                    <a:bodyPr/>
+                    <a:lstStyle/>
+                    <a:p>
+                      <a:pPr marL="0" marR="0" lvl="0" indent="0" algn="l" defTabSz="1097280" rtl="0" eaLnBrk="1" fontAlgn="auto" latinLnBrk="0" hangingPunct="1">
+                        <a:lnSpc>
+                          <a:spcPct val="100000"/>
+                        </a:lnSpc>
+                        <a:spcBef>
+                          <a:spcPts val="0"/>
+                        </a:spcBef>
+                        <a:spcAft>
+                          <a:spcPts val="0"/>
+                        </a:spcAft>
+                        <a:buClrTx/>
+                        <a:buSzTx/>
+                        <a:buFontTx/>
+                        <a:buNone/>
+                        <a:tabLst/>
+                        <a:defRPr/>
+                      </a:pPr>
+                      <a:r>
+                        <a:rPr lang="en-US" sz="2800" b="1" i="0" dirty="0">
+                          <a:latin typeface="Arial" panose="020B0604020202020204" pitchFamily="34" charset="0"/>
+                          <a:cs typeface="Arial" panose="020B0604020202020204" pitchFamily="34" charset="0"/>
+                        </a:rPr>
+                        <a:t>2 °C A/R-Focused</a:t>
+                      </a:r>
+                      <a:endParaRPr lang="en-US" sz="2800" b="0" i="0" dirty="0">
+                        <a:latin typeface="Arial" panose="020B0604020202020204" pitchFamily="34" charset="0"/>
+                        <a:cs typeface="Arial" panose="020B0604020202020204" pitchFamily="34" charset="0"/>
+                      </a:endParaRPr>
+                    </a:p>
+                  </a:txBody>
+                  <a:tcPr anchor="ctr">
+                    <a:lnL w="12700" cap="flat" cmpd="sng" algn="ctr">
+                      <a:noFill/>
+                      <a:prstDash val="solid"/>
+                      <a:round/>
+                      <a:headEnd type="none" w="med" len="med"/>
+                      <a:tailEnd type="none" w="med" len="med"/>
+                    </a:lnL>
+                    <a:lnR w="12700" cap="flat" cmpd="sng" algn="ctr">
+                      <a:noFill/>
+                      <a:prstDash val="solid"/>
+                      <a:round/>
+                      <a:headEnd type="none" w="med" len="med"/>
+                      <a:tailEnd type="none" w="med" len="med"/>
+                    </a:lnR>
+                    <a:lnT w="12700" cap="flat" cmpd="sng" algn="ctr">
+                      <a:noFill/>
+                      <a:prstDash val="solid"/>
+                      <a:round/>
+                      <a:headEnd type="none" w="med" len="med"/>
+                      <a:tailEnd type="none" w="med" len="med"/>
+                    </a:lnT>
+                    <a:lnB w="12700" cap="flat" cmpd="sng" algn="ctr">
+                      <a:noFill/>
+                      <a:prstDash val="solid"/>
+                      <a:round/>
+                      <a:headEnd type="none" w="med" len="med"/>
+                      <a:tailEnd type="none" w="med" len="med"/>
+                    </a:lnB>
+                    <a:lnTlToBr w="12700" cmpd="sng">
+                      <a:noFill/>
+                      <a:prstDash val="solid"/>
+                    </a:lnTlToBr>
+                    <a:lnBlToTr w="12700" cmpd="sng">
+                      <a:noFill/>
+                      <a:prstDash val="solid"/>
+                    </a:lnBlToTr>
+                  </a:tcPr>
+                </a:tc>
+                <a:tc>
+                  <a:txBody>
+                    <a:bodyPr/>
+                    <a:lstStyle/>
+                    <a:p>
+                      <a:pPr marL="0" marR="0" lvl="0" indent="0" algn="l" defTabSz="1097280" rtl="0" eaLnBrk="1" fontAlgn="auto" latinLnBrk="0" hangingPunct="1">
+                        <a:lnSpc>
+                          <a:spcPct val="100000"/>
+                        </a:lnSpc>
+                        <a:spcBef>
+                          <a:spcPts val="0"/>
+                        </a:spcBef>
+                        <a:spcAft>
+                          <a:spcPts val="0"/>
+                        </a:spcAft>
+                        <a:buClrTx/>
+                        <a:buSzTx/>
+                        <a:buFontTx/>
+                        <a:buNone/>
+                        <a:tabLst/>
+                        <a:defRPr/>
+                      </a:pPr>
+                      <a:r>
+                        <a:rPr lang="en-US" sz="2400" b="0" i="0" dirty="0">
+                          <a:latin typeface="Arial" panose="020B0604020202020204" pitchFamily="34" charset="0"/>
+                          <a:cs typeface="Arial" panose="020B0604020202020204" pitchFamily="34" charset="0"/>
+                        </a:rPr>
+                        <a:t>Credit only forest land for carbon storage.</a:t>
+                      </a:r>
+                    </a:p>
+                  </a:txBody>
+                  <a:tcPr anchor="ctr">
+                    <a:lnL w="12700" cap="flat" cmpd="sng" algn="ctr">
+                      <a:noFill/>
+                      <a:prstDash val="solid"/>
+                      <a:round/>
+                      <a:headEnd type="none" w="med" len="med"/>
+                      <a:tailEnd type="none" w="med" len="med"/>
+                    </a:lnL>
+                    <a:lnR w="12700" cap="flat" cmpd="sng" algn="ctr">
+                      <a:noFill/>
+                      <a:prstDash val="solid"/>
+                      <a:round/>
+                      <a:headEnd type="none" w="med" len="med"/>
+                      <a:tailEnd type="none" w="med" len="med"/>
+                    </a:lnR>
+                    <a:lnT w="12700" cap="flat" cmpd="sng" algn="ctr">
+                      <a:noFill/>
+                      <a:prstDash val="solid"/>
+                      <a:round/>
+                      <a:headEnd type="none" w="med" len="med"/>
+                      <a:tailEnd type="none" w="med" len="med"/>
+                    </a:lnT>
+                    <a:lnB w="12700" cap="flat" cmpd="sng" algn="ctr">
+                      <a:noFill/>
+                      <a:prstDash val="solid"/>
+                      <a:round/>
+                      <a:headEnd type="none" w="med" len="med"/>
+                      <a:tailEnd type="none" w="med" len="med"/>
+                    </a:lnB>
+                    <a:lnTlToBr w="12700" cmpd="sng">
+                      <a:noFill/>
+                      <a:prstDash val="solid"/>
+                    </a:lnTlToBr>
+                    <a:lnBlToTr w="12700" cmpd="sng">
+                      <a:noFill/>
+                      <a:prstDash val="solid"/>
+                    </a:lnBlToTr>
+                  </a:tcPr>
+                </a:tc>
+                <a:extLst>
+                  <a:ext uri="{0D108BD9-81ED-4DB2-BD59-A6C34878D82A}">
+                    <a16:rowId xmlns:a16="http://schemas.microsoft.com/office/drawing/2014/main" val="160685118"/>
+                  </a:ext>
+                </a:extLst>
+              </a:tr>
+              <a:tr h="1097280">
+                <a:tc>
+                  <a:txBody>
+                    <a:bodyPr/>
+                    <a:lstStyle/>
+                    <a:p>
+                      <a:pPr marL="0" marR="0" lvl="0" indent="0" algn="l" defTabSz="1097280" rtl="0" eaLnBrk="1" fontAlgn="auto" latinLnBrk="0" hangingPunct="1">
+                        <a:lnSpc>
+                          <a:spcPct val="100000"/>
+                        </a:lnSpc>
+                        <a:spcBef>
+                          <a:spcPts val="0"/>
+                        </a:spcBef>
+                        <a:spcAft>
+                          <a:spcPts val="0"/>
+                        </a:spcAft>
+                        <a:buClrTx/>
+                        <a:buSzTx/>
+                        <a:buFontTx/>
+                        <a:buNone/>
+                        <a:tabLst/>
+                        <a:defRPr/>
+                      </a:pPr>
+                      <a:r>
+                        <a:rPr lang="en-US" sz="2800" b="1" i="0" dirty="0">
+                          <a:latin typeface="Arial" panose="020B0604020202020204" pitchFamily="34" charset="0"/>
+                          <a:cs typeface="Arial" panose="020B0604020202020204" pitchFamily="34" charset="0"/>
+                        </a:rPr>
+                        <a:t>2 °C Low-Bioenergy</a:t>
+                      </a:r>
+                      <a:endParaRPr lang="en-US" sz="2800" i="0" dirty="0">
+                        <a:latin typeface="Arial" panose="020B0604020202020204" pitchFamily="34" charset="0"/>
+                        <a:cs typeface="Arial" panose="020B0604020202020204" pitchFamily="34" charset="0"/>
+                      </a:endParaRPr>
+                    </a:p>
+                  </a:txBody>
+                  <a:tcPr anchor="ctr">
+                    <a:lnL w="12700" cap="flat" cmpd="sng" algn="ctr">
+                      <a:noFill/>
+                      <a:prstDash val="solid"/>
+                      <a:round/>
+                      <a:headEnd type="none" w="med" len="med"/>
+                      <a:tailEnd type="none" w="med" len="med"/>
+                    </a:lnL>
+                    <a:lnR w="12700" cap="flat" cmpd="sng" algn="ctr">
+                      <a:noFill/>
+                      <a:prstDash val="solid"/>
+                      <a:round/>
+                      <a:headEnd type="none" w="med" len="med"/>
+                      <a:tailEnd type="none" w="med" len="med"/>
+                    </a:lnR>
+                    <a:lnT w="12700" cap="flat" cmpd="sng" algn="ctr">
+                      <a:noFill/>
+                      <a:prstDash val="solid"/>
+                      <a:round/>
+                      <a:headEnd type="none" w="med" len="med"/>
+                      <a:tailEnd type="none" w="med" len="med"/>
+                    </a:lnT>
+                    <a:lnB w="12700" cap="flat" cmpd="sng" algn="ctr">
+                      <a:noFill/>
+                      <a:prstDash val="solid"/>
+                      <a:round/>
+                      <a:headEnd type="none" w="med" len="med"/>
+                      <a:tailEnd type="none" w="med" len="med"/>
+                    </a:lnB>
+                    <a:lnTlToBr w="12700" cmpd="sng">
+                      <a:noFill/>
+                      <a:prstDash val="solid"/>
+                    </a:lnTlToBr>
+                    <a:lnBlToTr w="12700" cmpd="sng">
+                      <a:noFill/>
+                      <a:prstDash val="solid"/>
+                    </a:lnBlToTr>
+                  </a:tcPr>
+                </a:tc>
+                <a:tc>
+                  <a:txBody>
+                    <a:bodyPr/>
+                    <a:lstStyle/>
+                    <a:p>
+                      <a:pPr marL="0" marR="0" lvl="0" indent="0" algn="l" defTabSz="1097280" rtl="0" eaLnBrk="1" fontAlgn="auto" latinLnBrk="0" hangingPunct="1">
+                        <a:lnSpc>
+                          <a:spcPct val="100000"/>
+                        </a:lnSpc>
+                        <a:spcBef>
+                          <a:spcPts val="0"/>
+                        </a:spcBef>
+                        <a:spcAft>
+                          <a:spcPts val="0"/>
+                        </a:spcAft>
+                        <a:buClrTx/>
+                        <a:buSzTx/>
+                        <a:buFontTx/>
+                        <a:buNone/>
+                        <a:tabLst/>
+                        <a:defRPr/>
+                      </a:pPr>
+                      <a:r>
+                        <a:rPr lang="en-US" sz="2400" b="0" i="0" dirty="0">
+                          <a:latin typeface="Arial" panose="020B0604020202020204" pitchFamily="34" charset="0"/>
+                          <a:cs typeface="Arial" panose="020B0604020202020204" pitchFamily="34" charset="0"/>
+                        </a:rPr>
+                        <a:t>L</a:t>
+                      </a:r>
+                      <a:r>
+                        <a:rPr lang="en-US" sz="2400" i="0" dirty="0">
+                          <a:latin typeface="Arial" panose="020B0604020202020204" pitchFamily="34" charset="0"/>
+                          <a:cs typeface="Arial" panose="020B0604020202020204" pitchFamily="34" charset="0"/>
+                        </a:rPr>
+                        <a:t>imit primary bioenergy by a linear path to 100 EJ in 2100.</a:t>
+                      </a:r>
+                    </a:p>
+                  </a:txBody>
+                  <a:tcPr anchor="ctr">
+                    <a:lnL w="12700" cap="flat" cmpd="sng" algn="ctr">
+                      <a:noFill/>
+                      <a:prstDash val="solid"/>
+                      <a:round/>
+                      <a:headEnd type="none" w="med" len="med"/>
+                      <a:tailEnd type="none" w="med" len="med"/>
+                    </a:lnL>
+                    <a:lnR w="12700" cap="flat" cmpd="sng" algn="ctr">
+                      <a:noFill/>
+                      <a:prstDash val="solid"/>
+                      <a:round/>
+                      <a:headEnd type="none" w="med" len="med"/>
+                      <a:tailEnd type="none" w="med" len="med"/>
+                    </a:lnR>
+                    <a:lnT w="12700" cap="flat" cmpd="sng" algn="ctr">
+                      <a:noFill/>
+                      <a:prstDash val="solid"/>
+                      <a:round/>
+                      <a:headEnd type="none" w="med" len="med"/>
+                      <a:tailEnd type="none" w="med" len="med"/>
+                    </a:lnT>
+                    <a:lnB w="12700" cap="flat" cmpd="sng" algn="ctr">
+                      <a:noFill/>
+                      <a:prstDash val="solid"/>
+                      <a:round/>
+                      <a:headEnd type="none" w="med" len="med"/>
+                      <a:tailEnd type="none" w="med" len="med"/>
+                    </a:lnB>
+                    <a:lnTlToBr w="12700" cmpd="sng">
+                      <a:noFill/>
+                      <a:prstDash val="solid"/>
+                    </a:lnTlToBr>
+                    <a:lnBlToTr w="12700" cmpd="sng">
+                      <a:noFill/>
+                      <a:prstDash val="solid"/>
+                    </a:lnBlToTr>
+                  </a:tcPr>
+                </a:tc>
+                <a:extLst>
+                  <a:ext uri="{0D108BD9-81ED-4DB2-BD59-A6C34878D82A}">
+                    <a16:rowId xmlns:a16="http://schemas.microsoft.com/office/drawing/2014/main" val="95149769"/>
+                  </a:ext>
+                </a:extLst>
+              </a:tr>
+              <a:tr h="1097280">
+                <a:tc>
+                  <a:txBody>
+                    <a:bodyPr/>
+                    <a:lstStyle/>
+                    <a:p>
+                      <a:pPr algn="l"/>
+                      <a:r>
+                        <a:rPr lang="en-US" sz="2800" b="1" i="0" dirty="0">
+                          <a:latin typeface="Arial" panose="020B0604020202020204" pitchFamily="34" charset="0"/>
+                          <a:cs typeface="Arial" panose="020B0604020202020204" pitchFamily="34" charset="0"/>
+                        </a:rPr>
+                        <a:t>1.5 °C</a:t>
+                      </a:r>
+                      <a:endParaRPr lang="en-US" sz="2800" i="0" dirty="0">
+                        <a:latin typeface="Arial" panose="020B0604020202020204" pitchFamily="34" charset="0"/>
+                        <a:cs typeface="Arial" panose="020B0604020202020204" pitchFamily="34" charset="0"/>
+                      </a:endParaRPr>
+                    </a:p>
+                  </a:txBody>
+                  <a:tcPr anchor="ctr">
+                    <a:lnL w="12700" cap="flat" cmpd="sng" algn="ctr">
+                      <a:noFill/>
+                      <a:prstDash val="solid"/>
+                      <a:round/>
+                      <a:headEnd type="none" w="med" len="med"/>
+                      <a:tailEnd type="none" w="med" len="med"/>
+                    </a:lnL>
+                    <a:lnR w="12700" cap="flat" cmpd="sng" algn="ctr">
+                      <a:noFill/>
+                      <a:prstDash val="solid"/>
+                      <a:round/>
+                      <a:headEnd type="none" w="med" len="med"/>
+                      <a:tailEnd type="none" w="med" len="med"/>
+                    </a:lnR>
+                    <a:lnT w="12700" cap="flat" cmpd="sng" algn="ctr">
+                      <a:noFill/>
+                      <a:prstDash val="solid"/>
+                      <a:round/>
+                      <a:headEnd type="none" w="med" len="med"/>
+                      <a:tailEnd type="none" w="med" len="med"/>
+                    </a:lnT>
+                    <a:lnB w="12700" cap="flat" cmpd="sng" algn="ctr">
+                      <a:noFill/>
+                      <a:prstDash val="solid"/>
+                      <a:round/>
+                      <a:headEnd type="none" w="med" len="med"/>
+                      <a:tailEnd type="none" w="med" len="med"/>
+                    </a:lnB>
+                    <a:lnTlToBr w="12700" cmpd="sng">
+                      <a:noFill/>
+                      <a:prstDash val="solid"/>
+                    </a:lnTlToBr>
+                    <a:lnBlToTr w="12700" cmpd="sng">
+                      <a:noFill/>
+                      <a:prstDash val="solid"/>
+                    </a:lnBlToTr>
+                  </a:tcPr>
+                </a:tc>
+                <a:tc>
+                  <a:txBody>
+                    <a:bodyPr/>
+                    <a:lstStyle/>
+                    <a:p>
+                      <a:pPr algn="l"/>
+                      <a:r>
+                        <a:rPr lang="en-US" sz="2400" i="0" dirty="0">
+                          <a:latin typeface="Arial" panose="020B0604020202020204" pitchFamily="34" charset="0"/>
+                          <a:cs typeface="Arial" panose="020B0604020202020204" pitchFamily="34" charset="0"/>
+                        </a:rPr>
+                        <a:t>End-of-century CB of 500 </a:t>
+                      </a:r>
+                      <a:r>
+                        <a:rPr lang="en-US" sz="2400" dirty="0">
+                          <a:latin typeface="Arial" panose="020B0604020202020204" pitchFamily="34" charset="0"/>
+                          <a:cs typeface="Arial" panose="020B0604020202020204" pitchFamily="34" charset="0"/>
+                        </a:rPr>
+                        <a:t>GtCO</a:t>
+                      </a:r>
+                      <a:r>
+                        <a:rPr lang="en-US" sz="2400" baseline="-25000" dirty="0">
+                          <a:latin typeface="Arial" panose="020B0604020202020204" pitchFamily="34" charset="0"/>
+                          <a:cs typeface="Arial" panose="020B0604020202020204" pitchFamily="34" charset="0"/>
+                        </a:rPr>
+                        <a:t>2</a:t>
+                      </a:r>
+                      <a:r>
+                        <a:rPr lang="en-US" sz="2400" i="0" dirty="0">
+                          <a:latin typeface="Arial" panose="020B0604020202020204" pitchFamily="34" charset="0"/>
+                          <a:cs typeface="Arial" panose="020B0604020202020204" pitchFamily="34" charset="0"/>
+                        </a:rPr>
+                        <a:t>.</a:t>
+                      </a:r>
+                    </a:p>
+                  </a:txBody>
+                  <a:tcPr anchor="ctr">
+                    <a:lnL w="12700" cap="flat" cmpd="sng" algn="ctr">
+                      <a:noFill/>
+                      <a:prstDash val="solid"/>
+                      <a:round/>
+                      <a:headEnd type="none" w="med" len="med"/>
+                      <a:tailEnd type="none" w="med" len="med"/>
+                    </a:lnL>
+                    <a:lnR w="12700" cap="flat" cmpd="sng" algn="ctr">
+                      <a:noFill/>
+                      <a:prstDash val="solid"/>
+                      <a:round/>
+                      <a:headEnd type="none" w="med" len="med"/>
+                      <a:tailEnd type="none" w="med" len="med"/>
+                    </a:lnR>
+                    <a:lnT w="12700" cap="flat" cmpd="sng" algn="ctr">
+                      <a:noFill/>
+                      <a:prstDash val="solid"/>
+                      <a:round/>
+                      <a:headEnd type="none" w="med" len="med"/>
+                      <a:tailEnd type="none" w="med" len="med"/>
+                    </a:lnT>
+                    <a:lnB w="12700" cap="flat" cmpd="sng" algn="ctr">
+                      <a:noFill/>
+                      <a:prstDash val="solid"/>
+                      <a:round/>
+                      <a:headEnd type="none" w="med" len="med"/>
+                      <a:tailEnd type="none" w="med" len="med"/>
+                    </a:lnB>
+                    <a:lnTlToBr w="12700" cmpd="sng">
+                      <a:noFill/>
+                      <a:prstDash val="solid"/>
+                    </a:lnTlToBr>
+                    <a:lnBlToTr w="12700" cmpd="sng">
+                      <a:noFill/>
+                      <a:prstDash val="solid"/>
+                    </a:lnBlToTr>
+                  </a:tcPr>
+                </a:tc>
+                <a:extLst>
+                  <a:ext uri="{0D108BD9-81ED-4DB2-BD59-A6C34878D82A}">
+                    <a16:rowId xmlns:a16="http://schemas.microsoft.com/office/drawing/2014/main" val="2171238414"/>
+                  </a:ext>
+                </a:extLst>
+              </a:tr>
+              <a:tr h="1097280">
+                <a:tc>
+                  <a:txBody>
+                    <a:bodyPr/>
+                    <a:lstStyle/>
+                    <a:p>
+                      <a:pPr algn="l"/>
+                      <a:endParaRPr lang="en-US" sz="2800" i="0" dirty="0">
+                        <a:latin typeface="Arial" panose="020B0604020202020204" pitchFamily="34" charset="0"/>
+                        <a:cs typeface="Arial" panose="020B0604020202020204" pitchFamily="34" charset="0"/>
+                      </a:endParaRPr>
+                    </a:p>
+                  </a:txBody>
+                  <a:tcPr anchor="ctr">
+                    <a:lnL w="12700" cap="flat" cmpd="sng" algn="ctr">
+                      <a:noFill/>
+                      <a:prstDash val="solid"/>
+                      <a:round/>
+                      <a:headEnd type="none" w="med" len="med"/>
+                      <a:tailEnd type="none" w="med" len="med"/>
+                    </a:lnL>
+                    <a:lnR w="12700" cap="flat" cmpd="sng" algn="ctr">
+                      <a:noFill/>
+                      <a:prstDash val="solid"/>
+                      <a:round/>
+                      <a:headEnd type="none" w="med" len="med"/>
+                      <a:tailEnd type="none" w="med" len="med"/>
+                    </a:lnR>
+                    <a:lnT w="12700" cap="flat" cmpd="sng" algn="ctr">
+                      <a:noFill/>
+                      <a:prstDash val="solid"/>
+                      <a:round/>
+                      <a:headEnd type="none" w="med" len="med"/>
+                      <a:tailEnd type="none" w="med" len="med"/>
+                    </a:lnT>
+                    <a:lnB w="12700" cap="flat" cmpd="sng" algn="ctr">
+                      <a:noFill/>
+                      <a:prstDash val="solid"/>
+                      <a:round/>
+                      <a:headEnd type="none" w="med" len="med"/>
+                      <a:tailEnd type="none" w="med" len="med"/>
+                    </a:lnB>
+                    <a:lnTlToBr w="12700" cmpd="sng">
+                      <a:noFill/>
+                      <a:prstDash val="solid"/>
+                    </a:lnTlToBr>
+                    <a:lnBlToTr w="12700" cmpd="sng">
+                      <a:noFill/>
+                      <a:prstDash val="solid"/>
+                    </a:lnBlToTr>
+                  </a:tcPr>
+                </a:tc>
+                <a:tc>
+                  <a:txBody>
+                    <a:bodyPr/>
+                    <a:lstStyle/>
+                    <a:p>
+                      <a:r>
+                        <a:rPr lang="en-US" sz="2400" dirty="0">
+                          <a:latin typeface="Arial" panose="020B0604020202020204" pitchFamily="34" charset="0"/>
+                          <a:cs typeface="Arial" panose="020B0604020202020204" pitchFamily="34" charset="0"/>
+                        </a:rPr>
+                        <a:t>Land carbon is priced as a portion of carbon prices in Fossil Fuels and Industry, i.e., 0% (No-LCP), 10%, 50%, or 100% (100%-LCP).</a:t>
+                      </a:r>
+                    </a:p>
+                  </a:txBody>
+                  <a:tcPr anchor="ctr">
+                    <a:lnL w="12700" cap="flat" cmpd="sng" algn="ctr">
+                      <a:noFill/>
+                      <a:prstDash val="solid"/>
+                      <a:round/>
+                      <a:headEnd type="none" w="med" len="med"/>
+                      <a:tailEnd type="none" w="med" len="med"/>
+                    </a:lnL>
+                    <a:lnR w="12700" cap="flat" cmpd="sng" algn="ctr">
+                      <a:noFill/>
+                      <a:prstDash val="solid"/>
+                      <a:round/>
+                      <a:headEnd type="none" w="med" len="med"/>
+                      <a:tailEnd type="none" w="med" len="med"/>
+                    </a:lnR>
+                    <a:lnT w="12700" cap="flat" cmpd="sng" algn="ctr">
+                      <a:noFill/>
+                      <a:prstDash val="solid"/>
+                      <a:round/>
+                      <a:headEnd type="none" w="med" len="med"/>
+                      <a:tailEnd type="none" w="med" len="med"/>
+                    </a:lnT>
+                    <a:lnB w="12700" cap="flat" cmpd="sng" algn="ctr">
+                      <a:noFill/>
+                      <a:prstDash val="solid"/>
+                      <a:round/>
+                      <a:headEnd type="none" w="med" len="med"/>
+                      <a:tailEnd type="none" w="med" len="med"/>
+                    </a:lnB>
+                    <a:lnTlToBr w="12700" cmpd="sng">
+                      <a:noFill/>
+                      <a:prstDash val="solid"/>
+                    </a:lnTlToBr>
+                    <a:lnBlToTr w="12700" cmpd="sng">
+                      <a:noFill/>
+                      <a:prstDash val="solid"/>
+                    </a:lnBlToTr>
+                  </a:tcPr>
+                </a:tc>
+                <a:extLst>
+                  <a:ext uri="{0D108BD9-81ED-4DB2-BD59-A6C34878D82A}">
+                    <a16:rowId xmlns:a16="http://schemas.microsoft.com/office/drawing/2014/main" val="2934281943"/>
+                  </a:ext>
+                </a:extLst>
+              </a:tr>
+            </a:tbl>
+          </a:graphicData>
+        </a:graphic>
+      </p:graphicFrame>
+    </p:spTree>
+    <p:extLst>
+      <p:ext uri="{BB962C8B-B14F-4D97-AF65-F5344CB8AC3E}">
+        <p14:creationId xmlns:p14="http://schemas.microsoft.com/office/powerpoint/2010/main" val="1088673492"/>
+      </p:ext>
+    </p:extLst>
+  </p:cSld>
+  <p:clrMapOvr>
+    <a:masterClrMapping/>
+  </p:clrMapOvr>
+</p:sld>
+</file>
+
+<file path=ppt/slides/slide4.xml><?xml version="1.0" encoding="utf-8"?>
+<p:sld xmlns:a="http://schemas.openxmlformats.org/drawingml/2006/main" xmlns:r="http://schemas.openxmlformats.org/officeDocument/2006/relationships" xmlns:p="http://schemas.openxmlformats.org/presentationml/2006/main">
+  <p:cSld>
+    <p:spTree>
+      <p:nvGrpSpPr>
+        <p:cNvPr id="1" name=""/>
+        <p:cNvGrpSpPr/>
+        <p:nvPr/>
+      </p:nvGrpSpPr>
+      <p:grpSpPr>
+        <a:xfrm>
+          <a:off x="0" y="0"/>
+          <a:ext cx="0" cy="0"/>
+          <a:chOff x="0" y="0"/>
+          <a:chExt cx="0" cy="0"/>
+        </a:xfrm>
+      </p:grpSpPr>
+      <p:pic>
+        <p:nvPicPr>
+          <p:cNvPr id="3" name="Picture 2">
+            <a:extLst>
+              <a:ext uri="{FF2B5EF4-FFF2-40B4-BE49-F238E27FC236}">
+                <a16:creationId xmlns:a16="http://schemas.microsoft.com/office/drawing/2014/main" id="{7BA2EEF1-6D58-E7DB-F0EA-BE11912B85F0}"/>
+              </a:ext>
+            </a:extLst>
+          </p:cNvPr>
+          <p:cNvPicPr>
+            <a:picLocks noChangeAspect="1"/>
+          </p:cNvPicPr>
+          <p:nvPr/>
+        </p:nvPicPr>
+        <p:blipFill rotWithShape="1">
+          <a:blip r:embed="rId2"/>
+          <a:srcRect l="4" r="11882"/>
+          <a:stretch/>
+        </p:blipFill>
+        <p:spPr>
+          <a:xfrm>
+            <a:off x="-1" y="128016"/>
+            <a:ext cx="21945601" cy="11155680"/>
+          </a:xfrm>
+          <a:prstGeom prst="rect">
+            <a:avLst/>
+          </a:prstGeom>
+        </p:spPr>
+      </p:pic>
+      <p:graphicFrame>
+        <p:nvGraphicFramePr>
+          <p:cNvPr id="6" name="Table 7">
+            <a:extLst>
+              <a:ext uri="{FF2B5EF4-FFF2-40B4-BE49-F238E27FC236}">
+                <a16:creationId xmlns:a16="http://schemas.microsoft.com/office/drawing/2014/main" id="{35E7C72E-8A12-4013-ADFF-FBD589B6AB44}"/>
+              </a:ext>
+            </a:extLst>
+          </p:cNvPr>
+          <p:cNvGraphicFramePr>
+            <a:graphicFrameLocks noGrp="1"/>
+          </p:cNvGraphicFramePr>
+          <p:nvPr>
+            <p:extLst>
+              <p:ext uri="{D42A27DB-BD31-4B8C-83A1-F6EECF244321}">
+                <p14:modId xmlns:p14="http://schemas.microsoft.com/office/powerpoint/2010/main" val="280380056"/>
+              </p:ext>
+            </p:extLst>
+          </p:nvPr>
+        </p:nvGraphicFramePr>
+        <p:xfrm>
+          <a:off x="4991177" y="12729863"/>
+          <a:ext cx="4389120" cy="4389120"/>
+        </p:xfrm>
+        <a:graphic>
+          <a:graphicData uri="http://schemas.openxmlformats.org/drawingml/2006/table">
+            <a:tbl>
+              <a:tblPr firstRow="1" bandRow="1">
+                <a:tableStyleId>{2D5ABB26-0587-4C30-8999-92F81FD0307C}</a:tableStyleId>
+              </a:tblPr>
+              <a:tblGrid>
+                <a:gridCol w="1097280">
+                  <a:extLst>
+                    <a:ext uri="{9D8B030D-6E8A-4147-A177-3AD203B41FA5}">
+                      <a16:colId xmlns:a16="http://schemas.microsoft.com/office/drawing/2014/main" val="3823680303"/>
+                    </a:ext>
+                  </a:extLst>
+                </a:gridCol>
+                <a:gridCol w="1097280">
+                  <a:extLst>
+                    <a:ext uri="{9D8B030D-6E8A-4147-A177-3AD203B41FA5}">
+                      <a16:colId xmlns:a16="http://schemas.microsoft.com/office/drawing/2014/main" val="3188445508"/>
+                    </a:ext>
+                  </a:extLst>
+                </a:gridCol>
+                <a:gridCol w="1097280">
+                  <a:extLst>
+                    <a:ext uri="{9D8B030D-6E8A-4147-A177-3AD203B41FA5}">
+                      <a16:colId xmlns:a16="http://schemas.microsoft.com/office/drawing/2014/main" val="7948569"/>
+                    </a:ext>
+                  </a:extLst>
+                </a:gridCol>
+                <a:gridCol w="1097280">
+                  <a:extLst>
+                    <a:ext uri="{9D8B030D-6E8A-4147-A177-3AD203B41FA5}">
+                      <a16:colId xmlns:a16="http://schemas.microsoft.com/office/drawing/2014/main" val="684741036"/>
+                    </a:ext>
+                  </a:extLst>
+                </a:gridCol>
+              </a:tblGrid>
+              <a:tr h="1097280">
+                <a:tc>
+                  <a:txBody>
+                    <a:bodyPr/>
+                    <a:lstStyle/>
+                    <a:p>
+                      <a:endParaRPr lang="en-US" sz="2800" dirty="0">
+                        <a:latin typeface="Arial" panose="020B0604020202020204" pitchFamily="34" charset="0"/>
+                        <a:cs typeface="Arial" panose="020B0604020202020204" pitchFamily="34" charset="0"/>
+                      </a:endParaRPr>
+                    </a:p>
+                  </a:txBody>
+                  <a:tcPr anchor="ctr">
+                    <a:lnL w="12700" cap="flat" cmpd="sng" algn="ctr">
+                      <a:solidFill>
+                        <a:schemeClr val="tx1"/>
+                      </a:solidFill>
+                      <a:prstDash val="solid"/>
+                      <a:round/>
+                      <a:headEnd type="none" w="med" len="med"/>
+                      <a:tailEnd type="none" w="med" len="med"/>
+                    </a:lnL>
+                    <a:lnR w="12700" cap="flat" cmpd="sng" algn="ctr">
+                      <a:solidFill>
+                        <a:schemeClr val="tx1"/>
+                      </a:solidFill>
+                      <a:prstDash val="solid"/>
+                      <a:round/>
+                      <a:headEnd type="none" w="med" len="med"/>
+                      <a:tailEnd type="none" w="med" len="med"/>
+                    </a:lnR>
+                    <a:lnT w="12700" cap="flat" cmpd="sng" algn="ctr">
+                      <a:solidFill>
+                        <a:schemeClr val="tx1"/>
+                      </a:solidFill>
+                      <a:prstDash val="solid"/>
+                      <a:round/>
+                      <a:headEnd type="none" w="med" len="med"/>
+                      <a:tailEnd type="none" w="med" len="med"/>
+                    </a:lnT>
+                    <a:lnB w="12700" cap="flat" cmpd="sng" algn="ctr">
+                      <a:solidFill>
+                        <a:schemeClr val="tx1"/>
+                      </a:solidFill>
+                      <a:prstDash val="solid"/>
+                      <a:round/>
+                      <a:headEnd type="none" w="med" len="med"/>
+                      <a:tailEnd type="none" w="med" len="med"/>
+                    </a:lnB>
+                    <a:solidFill>
+                      <a:schemeClr val="accent4">
+                        <a:alpha val="40000"/>
+                      </a:schemeClr>
+                    </a:solidFill>
+                  </a:tcPr>
+                </a:tc>
+                <a:tc>
+                  <a:txBody>
+                    <a:bodyPr/>
+                    <a:lstStyle/>
+                    <a:p>
+                      <a:endParaRPr lang="en-US" sz="2800" dirty="0">
+                        <a:latin typeface="Arial" panose="020B0604020202020204" pitchFamily="34" charset="0"/>
+                        <a:cs typeface="Arial" panose="020B0604020202020204" pitchFamily="34" charset="0"/>
+                      </a:endParaRPr>
+                    </a:p>
+                  </a:txBody>
+                  <a:tcPr anchor="ctr">
+                    <a:lnL w="12700" cap="flat" cmpd="sng" algn="ctr">
+                      <a:solidFill>
+                        <a:schemeClr val="tx1"/>
+                      </a:solidFill>
+                      <a:prstDash val="solid"/>
+                      <a:round/>
+                      <a:headEnd type="none" w="med" len="med"/>
+                      <a:tailEnd type="none" w="med" len="med"/>
+                    </a:lnL>
+                    <a:lnR w="12700" cap="flat" cmpd="sng" algn="ctr">
+                      <a:solidFill>
+                        <a:schemeClr val="tx1"/>
+                      </a:solidFill>
+                      <a:prstDash val="solid"/>
+                      <a:round/>
+                      <a:headEnd type="none" w="med" len="med"/>
+                      <a:tailEnd type="none" w="med" len="med"/>
+                    </a:lnR>
+                    <a:lnT w="12700" cap="flat" cmpd="sng" algn="ctr">
+                      <a:solidFill>
+                        <a:schemeClr val="tx1"/>
+                      </a:solidFill>
+                      <a:prstDash val="solid"/>
+                      <a:round/>
+                      <a:headEnd type="none" w="med" len="med"/>
+                      <a:tailEnd type="none" w="med" len="med"/>
+                    </a:lnT>
+                    <a:lnB w="12700" cap="flat" cmpd="sng" algn="ctr">
+                      <a:solidFill>
+                        <a:schemeClr val="tx1"/>
+                      </a:solidFill>
+                      <a:prstDash val="solid"/>
+                      <a:round/>
+                      <a:headEnd type="none" w="med" len="med"/>
+                      <a:tailEnd type="none" w="med" len="med"/>
+                    </a:lnB>
+                    <a:solidFill>
+                      <a:schemeClr val="accent4">
+                        <a:alpha val="65000"/>
+                      </a:schemeClr>
+                    </a:solidFill>
+                  </a:tcPr>
+                </a:tc>
+                <a:tc>
+                  <a:txBody>
+                    <a:bodyPr/>
+                    <a:lstStyle/>
+                    <a:p>
+                      <a:endParaRPr lang="en-US" sz="2800" dirty="0">
+                        <a:latin typeface="Arial" panose="020B0604020202020204" pitchFamily="34" charset="0"/>
+                        <a:cs typeface="Arial" panose="020B0604020202020204" pitchFamily="34" charset="0"/>
+                      </a:endParaRPr>
+                    </a:p>
+                  </a:txBody>
+                  <a:tcPr anchor="ctr">
+                    <a:lnL w="12700" cap="flat" cmpd="sng" algn="ctr">
+                      <a:solidFill>
+                        <a:schemeClr val="tx1"/>
+                      </a:solidFill>
+                      <a:prstDash val="solid"/>
+                      <a:round/>
+                      <a:headEnd type="none" w="med" len="med"/>
+                      <a:tailEnd type="none" w="med" len="med"/>
+                    </a:lnL>
+                    <a:lnR w="12700" cap="flat" cmpd="sng" algn="ctr">
+                      <a:solidFill>
+                        <a:schemeClr val="tx1"/>
+                      </a:solidFill>
+                      <a:prstDash val="solid"/>
+                      <a:round/>
+                      <a:headEnd type="none" w="med" len="med"/>
+                      <a:tailEnd type="none" w="med" len="med"/>
+                    </a:lnR>
+                    <a:lnT w="12700" cap="flat" cmpd="sng" algn="ctr">
+                      <a:solidFill>
+                        <a:schemeClr val="tx1"/>
+                      </a:solidFill>
+                      <a:prstDash val="solid"/>
+                      <a:round/>
+                      <a:headEnd type="none" w="med" len="med"/>
+                      <a:tailEnd type="none" w="med" len="med"/>
+                    </a:lnT>
+                    <a:lnB w="12700" cap="flat" cmpd="sng" algn="ctr">
+                      <a:solidFill>
+                        <a:schemeClr val="tx1"/>
+                      </a:solidFill>
+                      <a:prstDash val="solid"/>
+                      <a:round/>
+                      <a:headEnd type="none" w="med" len="med"/>
+                      <a:tailEnd type="none" w="med" len="med"/>
+                    </a:lnB>
+                    <a:solidFill>
+                      <a:schemeClr val="accent4">
+                        <a:alpha val="90000"/>
+                      </a:schemeClr>
+                    </a:solidFill>
+                  </a:tcPr>
+                </a:tc>
+                <a:tc>
+                  <a:txBody>
+                    <a:bodyPr/>
+                    <a:lstStyle/>
+                    <a:p>
+                      <a:endParaRPr lang="en-US" sz="2800" dirty="0">
+                        <a:latin typeface="Arial" panose="020B0604020202020204" pitchFamily="34" charset="0"/>
+                        <a:cs typeface="Arial" panose="020B0604020202020204" pitchFamily="34" charset="0"/>
+                      </a:endParaRPr>
+                    </a:p>
+                  </a:txBody>
+                  <a:tcPr anchor="ctr">
+                    <a:lnL w="12700" cap="flat" cmpd="sng" algn="ctr">
+                      <a:solidFill>
+                        <a:schemeClr val="tx1"/>
+                      </a:solidFill>
+                      <a:prstDash val="solid"/>
+                      <a:round/>
+                      <a:headEnd type="none" w="med" len="med"/>
+                      <a:tailEnd type="none" w="med" len="med"/>
+                    </a:lnL>
+                    <a:lnR w="12700" cap="flat" cmpd="sng" algn="ctr">
+                      <a:solidFill>
+                        <a:schemeClr val="tx1"/>
+                      </a:solidFill>
+                      <a:prstDash val="solid"/>
+                      <a:round/>
+                      <a:headEnd type="none" w="med" len="med"/>
+                      <a:tailEnd type="none" w="med" len="med"/>
+                    </a:lnR>
+                    <a:lnT w="12700" cap="flat" cmpd="sng" algn="ctr">
+                      <a:solidFill>
+                        <a:schemeClr val="tx1"/>
+                      </a:solidFill>
+                      <a:prstDash val="solid"/>
+                      <a:round/>
+                      <a:headEnd type="none" w="med" len="med"/>
+                      <a:tailEnd type="none" w="med" len="med"/>
+                    </a:lnT>
+                    <a:lnB w="12700" cap="flat" cmpd="sng" algn="ctr">
+                      <a:solidFill>
+                        <a:schemeClr val="tx1"/>
+                      </a:solidFill>
+                      <a:prstDash val="solid"/>
+                      <a:round/>
+                      <a:headEnd type="none" w="med" len="med"/>
+                      <a:tailEnd type="none" w="med" len="med"/>
+                    </a:lnB>
+                    <a:solidFill>
+                      <a:srgbClr val="FF0000">
+                        <a:alpha val="85000"/>
+                      </a:srgbClr>
+                    </a:solidFill>
+                  </a:tcPr>
+                </a:tc>
+                <a:extLst>
+                  <a:ext uri="{0D108BD9-81ED-4DB2-BD59-A6C34878D82A}">
+                    <a16:rowId xmlns:a16="http://schemas.microsoft.com/office/drawing/2014/main" val="3472813447"/>
+                  </a:ext>
+                </a:extLst>
+              </a:tr>
+              <a:tr h="1097280">
+                <a:tc>
+                  <a:txBody>
+                    <a:bodyPr/>
+                    <a:lstStyle/>
+                    <a:p>
+                      <a:endParaRPr lang="en-US" sz="2800" dirty="0">
+                        <a:latin typeface="Arial" panose="020B0604020202020204" pitchFamily="34" charset="0"/>
+                        <a:cs typeface="Arial" panose="020B0604020202020204" pitchFamily="34" charset="0"/>
+                      </a:endParaRPr>
+                    </a:p>
+                  </a:txBody>
+                  <a:tcPr anchor="ctr">
+                    <a:lnL w="12700" cap="flat" cmpd="sng" algn="ctr">
+                      <a:solidFill>
+                        <a:schemeClr val="tx1"/>
+                      </a:solidFill>
+                      <a:prstDash val="solid"/>
+                      <a:round/>
+                      <a:headEnd type="none" w="med" len="med"/>
+                      <a:tailEnd type="none" w="med" len="med"/>
+                    </a:lnL>
+                    <a:lnR w="12700" cap="flat" cmpd="sng" algn="ctr">
+                      <a:solidFill>
+                        <a:schemeClr val="tx1"/>
+                      </a:solidFill>
+                      <a:prstDash val="solid"/>
+                      <a:round/>
+                      <a:headEnd type="none" w="med" len="med"/>
+                      <a:tailEnd type="none" w="med" len="med"/>
+                    </a:lnR>
+                    <a:lnT w="12700" cap="flat" cmpd="sng" algn="ctr">
+                      <a:solidFill>
+                        <a:schemeClr val="tx1"/>
+                      </a:solidFill>
+                      <a:prstDash val="solid"/>
+                      <a:round/>
+                      <a:headEnd type="none" w="med" len="med"/>
+                      <a:tailEnd type="none" w="med" len="med"/>
+                    </a:lnT>
+                    <a:lnB w="12700" cap="flat" cmpd="sng" algn="ctr">
+                      <a:solidFill>
+                        <a:schemeClr val="tx1"/>
+                      </a:solidFill>
+                      <a:prstDash val="solid"/>
+                      <a:round/>
+                      <a:headEnd type="none" w="med" len="med"/>
+                      <a:tailEnd type="none" w="med" len="med"/>
+                    </a:lnB>
+                    <a:solidFill>
+                      <a:schemeClr val="accent4">
+                        <a:alpha val="40000"/>
+                      </a:schemeClr>
+                    </a:solidFill>
+                  </a:tcPr>
+                </a:tc>
+                <a:tc>
+                  <a:txBody>
+                    <a:bodyPr/>
+                    <a:lstStyle/>
+                    <a:p>
+                      <a:endParaRPr lang="en-US" sz="2800" dirty="0">
+                        <a:latin typeface="Arial" panose="020B0604020202020204" pitchFamily="34" charset="0"/>
+                        <a:cs typeface="Arial" panose="020B0604020202020204" pitchFamily="34" charset="0"/>
+                      </a:endParaRPr>
+                    </a:p>
+                  </a:txBody>
+                  <a:tcPr anchor="ctr">
+                    <a:lnL w="12700" cap="flat" cmpd="sng" algn="ctr">
+                      <a:solidFill>
+                        <a:schemeClr val="tx1"/>
+                      </a:solidFill>
+                      <a:prstDash val="solid"/>
+                      <a:round/>
+                      <a:headEnd type="none" w="med" len="med"/>
+                      <a:tailEnd type="none" w="med" len="med"/>
+                    </a:lnL>
+                    <a:lnR w="12700" cap="flat" cmpd="sng" algn="ctr">
+                      <a:solidFill>
+                        <a:schemeClr val="tx1"/>
+                      </a:solidFill>
+                      <a:prstDash val="solid"/>
+                      <a:round/>
+                      <a:headEnd type="none" w="med" len="med"/>
+                      <a:tailEnd type="none" w="med" len="med"/>
+                    </a:lnR>
+                    <a:lnT w="12700" cap="flat" cmpd="sng" algn="ctr">
+                      <a:solidFill>
+                        <a:schemeClr val="tx1"/>
+                      </a:solidFill>
+                      <a:prstDash val="solid"/>
+                      <a:round/>
+                      <a:headEnd type="none" w="med" len="med"/>
+                      <a:tailEnd type="none" w="med" len="med"/>
+                    </a:lnT>
+                    <a:lnB w="12700" cap="flat" cmpd="sng" algn="ctr">
+                      <a:solidFill>
+                        <a:schemeClr val="tx1"/>
+                      </a:solidFill>
+                      <a:prstDash val="solid"/>
+                      <a:round/>
+                      <a:headEnd type="none" w="med" len="med"/>
+                      <a:tailEnd type="none" w="med" len="med"/>
+                    </a:lnB>
+                    <a:solidFill>
+                      <a:srgbClr val="ED7D31">
+                        <a:alpha val="40000"/>
+                      </a:srgbClr>
+                    </a:solidFill>
+                  </a:tcPr>
+                </a:tc>
+                <a:tc>
+                  <a:txBody>
+                    <a:bodyPr/>
+                    <a:lstStyle/>
+                    <a:p>
+                      <a:endParaRPr lang="en-US" sz="2800" dirty="0">
+                        <a:latin typeface="Arial" panose="020B0604020202020204" pitchFamily="34" charset="0"/>
+                        <a:cs typeface="Arial" panose="020B0604020202020204" pitchFamily="34" charset="0"/>
+                      </a:endParaRPr>
+                    </a:p>
+                  </a:txBody>
+                  <a:tcPr anchor="ctr">
+                    <a:lnL w="12700" cap="flat" cmpd="sng" algn="ctr">
+                      <a:solidFill>
+                        <a:schemeClr val="tx1"/>
+                      </a:solidFill>
+                      <a:prstDash val="solid"/>
+                      <a:round/>
+                      <a:headEnd type="none" w="med" len="med"/>
+                      <a:tailEnd type="none" w="med" len="med"/>
+                    </a:lnL>
+                    <a:lnR w="12700" cap="flat" cmpd="sng" algn="ctr">
+                      <a:solidFill>
+                        <a:schemeClr val="tx1"/>
+                      </a:solidFill>
+                      <a:prstDash val="solid"/>
+                      <a:round/>
+                      <a:headEnd type="none" w="med" len="med"/>
+                      <a:tailEnd type="none" w="med" len="med"/>
+                    </a:lnR>
+                    <a:lnT w="12700" cap="flat" cmpd="sng" algn="ctr">
+                      <a:solidFill>
+                        <a:schemeClr val="tx1"/>
+                      </a:solidFill>
+                      <a:prstDash val="solid"/>
+                      <a:round/>
+                      <a:headEnd type="none" w="med" len="med"/>
+                      <a:tailEnd type="none" w="med" len="med"/>
+                    </a:lnT>
+                    <a:lnB w="12700" cap="flat" cmpd="sng" algn="ctr">
+                      <a:solidFill>
+                        <a:schemeClr val="tx1"/>
+                      </a:solidFill>
+                      <a:prstDash val="solid"/>
+                      <a:round/>
+                      <a:headEnd type="none" w="med" len="med"/>
+                      <a:tailEnd type="none" w="med" len="med"/>
+                    </a:lnB>
+                    <a:solidFill>
+                      <a:srgbClr val="ED7D31">
+                        <a:alpha val="60000"/>
+                      </a:srgbClr>
+                    </a:solidFill>
+                  </a:tcPr>
+                </a:tc>
+                <a:tc>
+                  <a:txBody>
+                    <a:bodyPr/>
+                    <a:lstStyle/>
+                    <a:p>
+                      <a:endParaRPr lang="en-US" sz="2800" dirty="0">
+                        <a:latin typeface="Arial" panose="020B0604020202020204" pitchFamily="34" charset="0"/>
+                        <a:cs typeface="Arial" panose="020B0604020202020204" pitchFamily="34" charset="0"/>
+                      </a:endParaRPr>
+                    </a:p>
+                  </a:txBody>
+                  <a:tcPr anchor="ctr">
+                    <a:lnL w="12700" cap="flat" cmpd="sng" algn="ctr">
+                      <a:solidFill>
+                        <a:schemeClr val="tx1"/>
+                      </a:solidFill>
+                      <a:prstDash val="solid"/>
+                      <a:round/>
+                      <a:headEnd type="none" w="med" len="med"/>
+                      <a:tailEnd type="none" w="med" len="med"/>
+                    </a:lnL>
+                    <a:lnR w="12700" cap="flat" cmpd="sng" algn="ctr">
+                      <a:solidFill>
+                        <a:schemeClr val="tx1"/>
+                      </a:solidFill>
+                      <a:prstDash val="solid"/>
+                      <a:round/>
+                      <a:headEnd type="none" w="med" len="med"/>
+                      <a:tailEnd type="none" w="med" len="med"/>
+                    </a:lnR>
+                    <a:lnT w="12700" cap="flat" cmpd="sng" algn="ctr">
+                      <a:solidFill>
+                        <a:schemeClr val="tx1"/>
+                      </a:solidFill>
+                      <a:prstDash val="solid"/>
+                      <a:round/>
+                      <a:headEnd type="none" w="med" len="med"/>
+                      <a:tailEnd type="none" w="med" len="med"/>
+                    </a:lnT>
+                    <a:lnB w="12700" cap="flat" cmpd="sng" algn="ctr">
+                      <a:solidFill>
+                        <a:schemeClr val="tx1"/>
+                      </a:solidFill>
+                      <a:prstDash val="solid"/>
+                      <a:round/>
+                      <a:headEnd type="none" w="med" len="med"/>
+                      <a:tailEnd type="none" w="med" len="med"/>
+                    </a:lnB>
+                    <a:solidFill>
+                      <a:srgbClr val="ED7D31">
+                        <a:alpha val="85000"/>
+                      </a:srgbClr>
+                    </a:solidFill>
+                  </a:tcPr>
+                </a:tc>
+                <a:extLst>
+                  <a:ext uri="{0D108BD9-81ED-4DB2-BD59-A6C34878D82A}">
+                    <a16:rowId xmlns:a16="http://schemas.microsoft.com/office/drawing/2014/main" val="1137572807"/>
+                  </a:ext>
+                </a:extLst>
+              </a:tr>
+              <a:tr h="1097280">
+                <a:tc>
+                  <a:txBody>
+                    <a:bodyPr/>
+                    <a:lstStyle/>
+                    <a:p>
+                      <a:endParaRPr lang="en-US" sz="2800" dirty="0">
+                        <a:latin typeface="Arial" panose="020B0604020202020204" pitchFamily="34" charset="0"/>
+                        <a:cs typeface="Arial" panose="020B0604020202020204" pitchFamily="34" charset="0"/>
+                      </a:endParaRPr>
+                    </a:p>
+                  </a:txBody>
+                  <a:tcPr anchor="ctr">
+                    <a:lnL w="12700" cap="flat" cmpd="sng" algn="ctr">
+                      <a:solidFill>
+                        <a:schemeClr val="tx1"/>
+                      </a:solidFill>
+                      <a:prstDash val="solid"/>
+                      <a:round/>
+                      <a:headEnd type="none" w="med" len="med"/>
+                      <a:tailEnd type="none" w="med" len="med"/>
+                    </a:lnL>
+                    <a:lnR w="12700" cap="flat" cmpd="sng" algn="ctr">
+                      <a:solidFill>
+                        <a:schemeClr val="tx1"/>
+                      </a:solidFill>
+                      <a:prstDash val="solid"/>
+                      <a:round/>
+                      <a:headEnd type="none" w="med" len="med"/>
+                      <a:tailEnd type="none" w="med" len="med"/>
+                    </a:lnR>
+                    <a:lnT w="12700" cap="flat" cmpd="sng" algn="ctr">
+                      <a:solidFill>
+                        <a:schemeClr val="tx1"/>
+                      </a:solidFill>
+                      <a:prstDash val="solid"/>
+                      <a:round/>
+                      <a:headEnd type="none" w="med" len="med"/>
+                      <a:tailEnd type="none" w="med" len="med"/>
+                    </a:lnT>
+                    <a:lnB w="12700" cap="flat" cmpd="sng" algn="ctr">
+                      <a:solidFill>
+                        <a:schemeClr val="tx1"/>
+                      </a:solidFill>
+                      <a:prstDash val="solid"/>
+                      <a:round/>
+                      <a:headEnd type="none" w="med" len="med"/>
+                      <a:tailEnd type="none" w="med" len="med"/>
+                    </a:lnB>
+                    <a:solidFill>
+                      <a:srgbClr val="00B0F0">
+                        <a:alpha val="20000"/>
+                      </a:srgbClr>
+                    </a:solidFill>
+                  </a:tcPr>
+                </a:tc>
+                <a:tc>
+                  <a:txBody>
+                    <a:bodyPr/>
+                    <a:lstStyle/>
+                    <a:p>
+                      <a:endParaRPr lang="en-US" sz="2800" dirty="0">
+                        <a:latin typeface="Arial" panose="020B0604020202020204" pitchFamily="34" charset="0"/>
+                        <a:cs typeface="Arial" panose="020B0604020202020204" pitchFamily="34" charset="0"/>
+                      </a:endParaRPr>
+                    </a:p>
+                  </a:txBody>
+                  <a:tcPr anchor="ctr">
+                    <a:lnL w="12700" cap="flat" cmpd="sng" algn="ctr">
+                      <a:solidFill>
+                        <a:schemeClr val="tx1"/>
+                      </a:solidFill>
+                      <a:prstDash val="solid"/>
+                      <a:round/>
+                      <a:headEnd type="none" w="med" len="med"/>
+                      <a:tailEnd type="none" w="med" len="med"/>
+                    </a:lnL>
+                    <a:lnR w="12700" cap="flat" cmpd="sng" algn="ctr">
+                      <a:solidFill>
+                        <a:schemeClr val="tx1"/>
+                      </a:solidFill>
+                      <a:prstDash val="solid"/>
+                      <a:round/>
+                      <a:headEnd type="none" w="med" len="med"/>
+                      <a:tailEnd type="none" w="med" len="med"/>
+                    </a:lnR>
+                    <a:lnT w="12700" cap="flat" cmpd="sng" algn="ctr">
+                      <a:solidFill>
+                        <a:schemeClr val="tx1"/>
+                      </a:solidFill>
+                      <a:prstDash val="solid"/>
+                      <a:round/>
+                      <a:headEnd type="none" w="med" len="med"/>
+                      <a:tailEnd type="none" w="med" len="med"/>
+                    </a:lnT>
+                    <a:lnB w="12700" cap="flat" cmpd="sng" algn="ctr">
+                      <a:solidFill>
+                        <a:schemeClr val="tx1"/>
+                      </a:solidFill>
+                      <a:prstDash val="solid"/>
+                      <a:round/>
+                      <a:headEnd type="none" w="med" len="med"/>
+                      <a:tailEnd type="none" w="med" len="med"/>
+                    </a:lnB>
+                    <a:solidFill>
+                      <a:srgbClr val="00B0F0">
+                        <a:alpha val="40000"/>
+                      </a:srgbClr>
+                    </a:solidFill>
+                  </a:tcPr>
+                </a:tc>
+                <a:tc>
+                  <a:txBody>
+                    <a:bodyPr/>
+                    <a:lstStyle/>
+                    <a:p>
+                      <a:endParaRPr lang="en-US" sz="2800" dirty="0">
+                        <a:latin typeface="Arial" panose="020B0604020202020204" pitchFamily="34" charset="0"/>
+                        <a:cs typeface="Arial" panose="020B0604020202020204" pitchFamily="34" charset="0"/>
+                      </a:endParaRPr>
+                    </a:p>
+                  </a:txBody>
+                  <a:tcPr anchor="ctr">
+                    <a:lnL w="12700" cap="flat" cmpd="sng" algn="ctr">
+                      <a:solidFill>
+                        <a:schemeClr val="tx1"/>
+                      </a:solidFill>
+                      <a:prstDash val="solid"/>
+                      <a:round/>
+                      <a:headEnd type="none" w="med" len="med"/>
+                      <a:tailEnd type="none" w="med" len="med"/>
+                    </a:lnL>
+                    <a:lnR w="12700" cap="flat" cmpd="sng" algn="ctr">
+                      <a:solidFill>
+                        <a:schemeClr val="tx1"/>
+                      </a:solidFill>
+                      <a:prstDash val="solid"/>
+                      <a:round/>
+                      <a:headEnd type="none" w="med" len="med"/>
+                      <a:tailEnd type="none" w="med" len="med"/>
+                    </a:lnR>
+                    <a:lnT w="12700" cap="flat" cmpd="sng" algn="ctr">
+                      <a:solidFill>
+                        <a:schemeClr val="tx1"/>
+                      </a:solidFill>
+                      <a:prstDash val="solid"/>
+                      <a:round/>
+                      <a:headEnd type="none" w="med" len="med"/>
+                      <a:tailEnd type="none" w="med" len="med"/>
+                    </a:lnT>
+                    <a:lnB w="12700" cap="flat" cmpd="sng" algn="ctr">
+                      <a:solidFill>
+                        <a:schemeClr val="tx1"/>
+                      </a:solidFill>
+                      <a:prstDash val="solid"/>
+                      <a:round/>
+                      <a:headEnd type="none" w="med" len="med"/>
+                      <a:tailEnd type="none" w="med" len="med"/>
+                    </a:lnB>
+                    <a:solidFill>
+                      <a:srgbClr val="00B0F0">
+                        <a:alpha val="60000"/>
+                      </a:srgbClr>
+                    </a:solidFill>
+                  </a:tcPr>
+                </a:tc>
+                <a:tc>
+                  <a:txBody>
+                    <a:bodyPr/>
+                    <a:lstStyle/>
+                    <a:p>
+                      <a:endParaRPr lang="en-US" sz="2800" dirty="0">
+                        <a:latin typeface="Arial" panose="020B0604020202020204" pitchFamily="34" charset="0"/>
+                        <a:cs typeface="Arial" panose="020B0604020202020204" pitchFamily="34" charset="0"/>
+                      </a:endParaRPr>
+                    </a:p>
+                  </a:txBody>
+                  <a:tcPr anchor="ctr">
+                    <a:lnL w="12700" cap="flat" cmpd="sng" algn="ctr">
+                      <a:solidFill>
+                        <a:schemeClr val="tx1"/>
+                      </a:solidFill>
+                      <a:prstDash val="solid"/>
+                      <a:round/>
+                      <a:headEnd type="none" w="med" len="med"/>
+                      <a:tailEnd type="none" w="med" len="med"/>
+                    </a:lnL>
+                    <a:lnR w="12700" cap="flat" cmpd="sng" algn="ctr">
+                      <a:solidFill>
+                        <a:schemeClr val="tx1"/>
+                      </a:solidFill>
+                      <a:prstDash val="solid"/>
+                      <a:round/>
+                      <a:headEnd type="none" w="med" len="med"/>
+                      <a:tailEnd type="none" w="med" len="med"/>
+                    </a:lnR>
+                    <a:lnT w="12700" cap="flat" cmpd="sng" algn="ctr">
+                      <a:solidFill>
+                        <a:schemeClr val="tx1"/>
+                      </a:solidFill>
+                      <a:prstDash val="solid"/>
+                      <a:round/>
+                      <a:headEnd type="none" w="med" len="med"/>
+                      <a:tailEnd type="none" w="med" len="med"/>
+                    </a:lnT>
+                    <a:lnB w="12700" cap="flat" cmpd="sng" algn="ctr">
+                      <a:solidFill>
+                        <a:schemeClr val="tx1"/>
+                      </a:solidFill>
+                      <a:prstDash val="solid"/>
+                      <a:round/>
+                      <a:headEnd type="none" w="med" len="med"/>
+                      <a:tailEnd type="none" w="med" len="med"/>
+                    </a:lnB>
+                    <a:solidFill>
+                      <a:srgbClr val="00B0F0">
+                        <a:alpha val="85000"/>
+                      </a:srgbClr>
+                    </a:solidFill>
+                  </a:tcPr>
+                </a:tc>
+                <a:extLst>
+                  <a:ext uri="{0D108BD9-81ED-4DB2-BD59-A6C34878D82A}">
+                    <a16:rowId xmlns:a16="http://schemas.microsoft.com/office/drawing/2014/main" val="2979995543"/>
+                  </a:ext>
+                </a:extLst>
+              </a:tr>
+              <a:tr h="1097280">
+                <a:tc>
+                  <a:txBody>
+                    <a:bodyPr/>
+                    <a:lstStyle/>
+                    <a:p>
+                      <a:endParaRPr lang="en-US" sz="2800" dirty="0">
+                        <a:latin typeface="Arial" panose="020B0604020202020204" pitchFamily="34" charset="0"/>
+                        <a:cs typeface="Arial" panose="020B0604020202020204" pitchFamily="34" charset="0"/>
+                      </a:endParaRPr>
+                    </a:p>
+                  </a:txBody>
+                  <a:tcPr anchor="ctr">
+                    <a:lnL w="12700" cap="flat" cmpd="sng" algn="ctr">
+                      <a:solidFill>
+                        <a:schemeClr val="tx1"/>
+                      </a:solidFill>
+                      <a:prstDash val="solid"/>
+                      <a:round/>
+                      <a:headEnd type="none" w="med" len="med"/>
+                      <a:tailEnd type="none" w="med" len="med"/>
+                    </a:lnL>
+                    <a:lnR w="12700" cap="flat" cmpd="sng" algn="ctr">
+                      <a:solidFill>
+                        <a:schemeClr val="tx1"/>
+                      </a:solidFill>
+                      <a:prstDash val="solid"/>
+                      <a:round/>
+                      <a:headEnd type="none" w="med" len="med"/>
+                      <a:tailEnd type="none" w="med" len="med"/>
+                    </a:lnR>
+                    <a:lnT w="12700" cap="flat" cmpd="sng" algn="ctr">
+                      <a:solidFill>
+                        <a:schemeClr val="tx1"/>
+                      </a:solidFill>
+                      <a:prstDash val="solid"/>
+                      <a:round/>
+                      <a:headEnd type="none" w="med" len="med"/>
+                      <a:tailEnd type="none" w="med" len="med"/>
+                    </a:lnT>
+                    <a:lnB w="12700" cap="flat" cmpd="sng" algn="ctr">
+                      <a:solidFill>
+                        <a:schemeClr val="tx1"/>
+                      </a:solidFill>
+                      <a:prstDash val="solid"/>
+                      <a:round/>
+                      <a:headEnd type="none" w="med" len="med"/>
+                      <a:tailEnd type="none" w="med" len="med"/>
+                    </a:lnB>
+                    <a:solidFill>
+                      <a:srgbClr val="7030A0">
+                        <a:alpha val="20000"/>
+                      </a:srgbClr>
+                    </a:solidFill>
+                  </a:tcPr>
+                </a:tc>
+                <a:tc>
+                  <a:txBody>
+                    <a:bodyPr/>
+                    <a:lstStyle/>
+                    <a:p>
+                      <a:endParaRPr lang="en-US" sz="2800" dirty="0">
+                        <a:latin typeface="Arial" panose="020B0604020202020204" pitchFamily="34" charset="0"/>
+                        <a:cs typeface="Arial" panose="020B0604020202020204" pitchFamily="34" charset="0"/>
+                      </a:endParaRPr>
+                    </a:p>
+                  </a:txBody>
+                  <a:tcPr anchor="ctr">
+                    <a:lnL w="12700" cap="flat" cmpd="sng" algn="ctr">
+                      <a:solidFill>
+                        <a:schemeClr val="tx1"/>
+                      </a:solidFill>
+                      <a:prstDash val="solid"/>
+                      <a:round/>
+                      <a:headEnd type="none" w="med" len="med"/>
+                      <a:tailEnd type="none" w="med" len="med"/>
+                    </a:lnL>
+                    <a:lnR w="12700" cap="flat" cmpd="sng" algn="ctr">
+                      <a:solidFill>
+                        <a:schemeClr val="tx1"/>
+                      </a:solidFill>
+                      <a:prstDash val="solid"/>
+                      <a:round/>
+                      <a:headEnd type="none" w="med" len="med"/>
+                      <a:tailEnd type="none" w="med" len="med"/>
+                    </a:lnR>
+                    <a:lnT w="12700" cap="flat" cmpd="sng" algn="ctr">
+                      <a:solidFill>
+                        <a:schemeClr val="tx1"/>
+                      </a:solidFill>
+                      <a:prstDash val="solid"/>
+                      <a:round/>
+                      <a:headEnd type="none" w="med" len="med"/>
+                      <a:tailEnd type="none" w="med" len="med"/>
+                    </a:lnT>
+                    <a:lnB w="12700" cap="flat" cmpd="sng" algn="ctr">
+                      <a:solidFill>
+                        <a:schemeClr val="tx1"/>
+                      </a:solidFill>
+                      <a:prstDash val="solid"/>
+                      <a:round/>
+                      <a:headEnd type="none" w="med" len="med"/>
+                      <a:tailEnd type="none" w="med" len="med"/>
+                    </a:lnB>
+                    <a:solidFill>
+                      <a:srgbClr val="7030A0">
+                        <a:alpha val="40000"/>
+                      </a:srgbClr>
+                    </a:solidFill>
+                  </a:tcPr>
+                </a:tc>
+                <a:tc>
+                  <a:txBody>
+                    <a:bodyPr/>
+                    <a:lstStyle/>
+                    <a:p>
+                      <a:endParaRPr lang="en-US" sz="2800" dirty="0">
+                        <a:latin typeface="Arial" panose="020B0604020202020204" pitchFamily="34" charset="0"/>
+                        <a:cs typeface="Arial" panose="020B0604020202020204" pitchFamily="34" charset="0"/>
+                      </a:endParaRPr>
+                    </a:p>
+                  </a:txBody>
+                  <a:tcPr anchor="ctr">
+                    <a:lnL w="12700" cap="flat" cmpd="sng" algn="ctr">
+                      <a:solidFill>
+                        <a:schemeClr val="tx1"/>
+                      </a:solidFill>
+                      <a:prstDash val="solid"/>
+                      <a:round/>
+                      <a:headEnd type="none" w="med" len="med"/>
+                      <a:tailEnd type="none" w="med" len="med"/>
+                    </a:lnL>
+                    <a:lnR w="12700" cap="flat" cmpd="sng" algn="ctr">
+                      <a:solidFill>
+                        <a:schemeClr val="tx1"/>
+                      </a:solidFill>
+                      <a:prstDash val="solid"/>
+                      <a:round/>
+                      <a:headEnd type="none" w="med" len="med"/>
+                      <a:tailEnd type="none" w="med" len="med"/>
+                    </a:lnR>
+                    <a:lnT w="12700" cap="flat" cmpd="sng" algn="ctr">
+                      <a:solidFill>
+                        <a:schemeClr val="tx1"/>
+                      </a:solidFill>
+                      <a:prstDash val="solid"/>
+                      <a:round/>
+                      <a:headEnd type="none" w="med" len="med"/>
+                      <a:tailEnd type="none" w="med" len="med"/>
+                    </a:lnT>
+                    <a:lnB w="12700" cap="flat" cmpd="sng" algn="ctr">
+                      <a:solidFill>
+                        <a:schemeClr val="tx1"/>
+                      </a:solidFill>
+                      <a:prstDash val="solid"/>
+                      <a:round/>
+                      <a:headEnd type="none" w="med" len="med"/>
+                      <a:tailEnd type="none" w="med" len="med"/>
+                    </a:lnB>
+                    <a:solidFill>
+                      <a:srgbClr val="7030A0">
+                        <a:alpha val="60000"/>
+                      </a:srgbClr>
+                    </a:solidFill>
+                  </a:tcPr>
+                </a:tc>
+                <a:tc>
+                  <a:txBody>
+                    <a:bodyPr/>
+                    <a:lstStyle/>
+                    <a:p>
+                      <a:endParaRPr lang="en-US" sz="2800" dirty="0">
+                        <a:latin typeface="Arial" panose="020B0604020202020204" pitchFamily="34" charset="0"/>
+                        <a:cs typeface="Arial" panose="020B0604020202020204" pitchFamily="34" charset="0"/>
+                      </a:endParaRPr>
+                    </a:p>
+                  </a:txBody>
+                  <a:tcPr anchor="ctr">
+                    <a:lnL w="12700" cap="flat" cmpd="sng" algn="ctr">
+                      <a:solidFill>
+                        <a:schemeClr val="tx1"/>
+                      </a:solidFill>
+                      <a:prstDash val="solid"/>
+                      <a:round/>
+                      <a:headEnd type="none" w="med" len="med"/>
+                      <a:tailEnd type="none" w="med" len="med"/>
+                    </a:lnL>
+                    <a:lnR w="12700" cap="flat" cmpd="sng" algn="ctr">
+                      <a:solidFill>
+                        <a:schemeClr val="tx1"/>
+                      </a:solidFill>
+                      <a:prstDash val="solid"/>
+                      <a:round/>
+                      <a:headEnd type="none" w="med" len="med"/>
+                      <a:tailEnd type="none" w="med" len="med"/>
+                    </a:lnR>
+                    <a:lnT w="12700" cap="flat" cmpd="sng" algn="ctr">
+                      <a:solidFill>
+                        <a:schemeClr val="tx1"/>
+                      </a:solidFill>
+                      <a:prstDash val="solid"/>
+                      <a:round/>
+                      <a:headEnd type="none" w="med" len="med"/>
+                      <a:tailEnd type="none" w="med" len="med"/>
+                    </a:lnT>
+                    <a:lnB w="12700" cap="flat" cmpd="sng" algn="ctr">
+                      <a:solidFill>
+                        <a:schemeClr val="tx1"/>
+                      </a:solidFill>
+                      <a:prstDash val="solid"/>
+                      <a:round/>
+                      <a:headEnd type="none" w="med" len="med"/>
+                      <a:tailEnd type="none" w="med" len="med"/>
+                    </a:lnB>
+                    <a:solidFill>
+                      <a:srgbClr val="7030A0">
+                        <a:alpha val="85000"/>
+                      </a:srgbClr>
+                    </a:solidFill>
+                  </a:tcPr>
+                </a:tc>
+                <a:extLst>
+                  <a:ext uri="{0D108BD9-81ED-4DB2-BD59-A6C34878D82A}">
+                    <a16:rowId xmlns:a16="http://schemas.microsoft.com/office/drawing/2014/main" val="3498302079"/>
+                  </a:ext>
+                </a:extLst>
+              </a:tr>
+            </a:tbl>
+          </a:graphicData>
+        </a:graphic>
+      </p:graphicFrame>
+      <p:graphicFrame>
+        <p:nvGraphicFramePr>
+          <p:cNvPr id="4" name="Table 3">
+            <a:extLst>
+              <a:ext uri="{FF2B5EF4-FFF2-40B4-BE49-F238E27FC236}">
+                <a16:creationId xmlns:a16="http://schemas.microsoft.com/office/drawing/2014/main" id="{D2EDCA3E-DFAF-4C34-B8BE-302BF7C40E8C}"/>
+              </a:ext>
+            </a:extLst>
+          </p:cNvPr>
+          <p:cNvGraphicFramePr>
+            <a:graphicFrameLocks noGrp="1"/>
+          </p:cNvGraphicFramePr>
+          <p:nvPr>
+            <p:extLst>
+              <p:ext uri="{D42A27DB-BD31-4B8C-83A1-F6EECF244321}">
+                <p14:modId xmlns:p14="http://schemas.microsoft.com/office/powerpoint/2010/main" val="4287126628"/>
+              </p:ext>
+            </p:extLst>
+          </p:nvPr>
+        </p:nvGraphicFramePr>
+        <p:xfrm>
+          <a:off x="818976" y="12729863"/>
+          <a:ext cx="3657600" cy="4389120"/>
+        </p:xfrm>
+        <a:graphic>
+          <a:graphicData uri="http://schemas.openxmlformats.org/drawingml/2006/table">
+            <a:tbl>
+              <a:tblPr firstRow="1" bandRow="1">
+                <a:tableStyleId>{2D5ABB26-0587-4C30-8999-92F81FD0307C}</a:tableStyleId>
+              </a:tblPr>
+              <a:tblGrid>
+                <a:gridCol w="1097280">
+                  <a:extLst>
+                    <a:ext uri="{9D8B030D-6E8A-4147-A177-3AD203B41FA5}">
+                      <a16:colId xmlns:a16="http://schemas.microsoft.com/office/drawing/2014/main" val="2105664490"/>
+                    </a:ext>
+                  </a:extLst>
+                </a:gridCol>
+                <a:gridCol w="2560320">
+                  <a:extLst>
+                    <a:ext uri="{9D8B030D-6E8A-4147-A177-3AD203B41FA5}">
+                      <a16:colId xmlns:a16="http://schemas.microsoft.com/office/drawing/2014/main" val="3184315293"/>
+                    </a:ext>
+                  </a:extLst>
+                </a:gridCol>
+              </a:tblGrid>
+              <a:tr h="1097280">
+                <a:tc>
+                  <a:txBody>
+                    <a:bodyPr/>
+                    <a:lstStyle/>
+                    <a:p>
+                      <a:endParaRPr lang="en-US" sz="2800" dirty="0">
+                        <a:latin typeface="Arial" panose="020B0604020202020204" pitchFamily="34" charset="0"/>
+                        <a:cs typeface="Arial" panose="020B0604020202020204" pitchFamily="34" charset="0"/>
+                      </a:endParaRPr>
+                    </a:p>
+                  </a:txBody>
+                  <a:tcPr anchor="ctr">
+                    <a:lnL w="12700" cap="flat" cmpd="sng" algn="ctr">
+                      <a:solidFill>
+                        <a:schemeClr val="tx1"/>
+                      </a:solidFill>
+                      <a:prstDash val="solid"/>
+                      <a:round/>
+                      <a:headEnd type="none" w="med" len="med"/>
+                      <a:tailEnd type="none" w="med" len="med"/>
+                    </a:lnL>
+                    <a:lnR w="12700" cap="flat" cmpd="sng" algn="ctr">
+                      <a:solidFill>
+                        <a:schemeClr val="tx1"/>
+                      </a:solidFill>
+                      <a:prstDash val="solid"/>
+                      <a:round/>
+                      <a:headEnd type="none" w="med" len="med"/>
+                      <a:tailEnd type="none" w="med" len="med"/>
+                    </a:lnR>
+                    <a:lnT w="12700" cap="flat" cmpd="sng" algn="ctr">
+                      <a:solidFill>
+                        <a:schemeClr val="tx1"/>
+                      </a:solidFill>
+                      <a:prstDash val="solid"/>
+                      <a:round/>
+                      <a:headEnd type="none" w="med" len="med"/>
+                      <a:tailEnd type="none" w="med" len="med"/>
+                    </a:lnT>
+                    <a:lnB w="12700" cap="flat" cmpd="sng" algn="ctr">
+                      <a:solidFill>
+                        <a:schemeClr val="tx1"/>
+                      </a:solidFill>
+                      <a:prstDash val="solid"/>
+                      <a:round/>
+                      <a:headEnd type="none" w="med" len="med"/>
+                      <a:tailEnd type="none" w="med" len="med"/>
+                    </a:lnB>
+                    <a:solidFill>
+                      <a:srgbClr val="C9E552"/>
+                    </a:solidFill>
+                  </a:tcPr>
+                </a:tc>
+                <a:tc>
+                  <a:txBody>
+                    <a:bodyPr/>
+                    <a:lstStyle/>
+                    <a:p>
+                      <a:pPr algn="l"/>
+                      <a:r>
+                        <a:rPr lang="en-US" sz="2800" dirty="0">
+                          <a:latin typeface="Arial" panose="020B0604020202020204" pitchFamily="34" charset="0"/>
+                          <a:cs typeface="Arial" panose="020B0604020202020204" pitchFamily="34" charset="0"/>
+                        </a:rPr>
+                        <a:t> 1150 – 1475</a:t>
+                      </a:r>
+                    </a:p>
+                  </a:txBody>
+                  <a:tcPr anchor="ctr">
+                    <a:lnL w="12700" cap="flat" cmpd="sng" algn="ctr">
+                      <a:solidFill>
+                        <a:schemeClr val="tx1"/>
+                      </a:solidFill>
+                      <a:prstDash val="solid"/>
+                      <a:round/>
+                      <a:headEnd type="none" w="med" len="med"/>
+                      <a:tailEnd type="none" w="med" len="med"/>
+                    </a:lnL>
+                    <a:lnR w="12700" cap="flat" cmpd="sng" algn="ctr">
+                      <a:noFill/>
+                      <a:prstDash val="solid"/>
+                      <a:round/>
+                      <a:headEnd type="none" w="med" len="med"/>
+                      <a:tailEnd type="none" w="med" len="med"/>
+                    </a:lnR>
+                    <a:lnT w="12700" cap="flat" cmpd="sng" algn="ctr">
+                      <a:noFill/>
+                      <a:prstDash val="solid"/>
+                      <a:round/>
+                      <a:headEnd type="none" w="med" len="med"/>
+                      <a:tailEnd type="none" w="med" len="med"/>
+                    </a:lnT>
+                    <a:lnB w="12700" cap="flat" cmpd="sng" algn="ctr">
+                      <a:noFill/>
+                      <a:prstDash val="solid"/>
+                      <a:round/>
+                      <a:headEnd type="none" w="med" len="med"/>
+                      <a:tailEnd type="none" w="med" len="med"/>
+                    </a:lnB>
+                    <a:lnTlToBr w="12700" cmpd="sng">
+                      <a:noFill/>
+                      <a:prstDash val="solid"/>
+                    </a:lnTlToBr>
+                    <a:lnBlToTr w="12700" cmpd="sng">
+                      <a:noFill/>
+                      <a:prstDash val="solid"/>
+                    </a:lnBlToTr>
+                    <a:noFill/>
+                  </a:tcPr>
+                </a:tc>
+                <a:extLst>
+                  <a:ext uri="{0D108BD9-81ED-4DB2-BD59-A6C34878D82A}">
+                    <a16:rowId xmlns:a16="http://schemas.microsoft.com/office/drawing/2014/main" val="885878007"/>
+                  </a:ext>
+                </a:extLst>
+              </a:tr>
+              <a:tr h="1097280">
+                <a:tc>
+                  <a:txBody>
+                    <a:bodyPr/>
+                    <a:lstStyle/>
+                    <a:p>
+                      <a:endParaRPr lang="en-US" sz="2800" dirty="0">
+                        <a:latin typeface="Arial" panose="020B0604020202020204" pitchFamily="34" charset="0"/>
+                        <a:cs typeface="Arial" panose="020B0604020202020204" pitchFamily="34" charset="0"/>
+                      </a:endParaRPr>
+                    </a:p>
+                  </a:txBody>
+                  <a:tcPr anchor="ctr">
+                    <a:lnL w="12700" cap="flat" cmpd="sng" algn="ctr">
+                      <a:solidFill>
+                        <a:schemeClr val="tx1"/>
+                      </a:solidFill>
+                      <a:prstDash val="solid"/>
+                      <a:round/>
+                      <a:headEnd type="none" w="med" len="med"/>
+                      <a:tailEnd type="none" w="med" len="med"/>
+                    </a:lnL>
+                    <a:lnR w="12700" cap="flat" cmpd="sng" algn="ctr">
+                      <a:solidFill>
+                        <a:schemeClr val="tx1"/>
+                      </a:solidFill>
+                      <a:prstDash val="solid"/>
+                      <a:round/>
+                      <a:headEnd type="none" w="med" len="med"/>
+                      <a:tailEnd type="none" w="med" len="med"/>
+                    </a:lnR>
+                    <a:lnT w="12700" cap="flat" cmpd="sng" algn="ctr">
+                      <a:solidFill>
+                        <a:schemeClr val="tx1"/>
+                      </a:solidFill>
+                      <a:prstDash val="solid"/>
+                      <a:round/>
+                      <a:headEnd type="none" w="med" len="med"/>
+                      <a:tailEnd type="none" w="med" len="med"/>
+                    </a:lnT>
+                    <a:lnB w="12700" cap="flat" cmpd="sng" algn="ctr">
+                      <a:solidFill>
+                        <a:schemeClr val="tx1"/>
+                      </a:solidFill>
+                      <a:prstDash val="solid"/>
+                      <a:round/>
+                      <a:headEnd type="none" w="med" len="med"/>
+                      <a:tailEnd type="none" w="med" len="med"/>
+                    </a:lnB>
+                    <a:solidFill>
+                      <a:srgbClr val="4EB99D"/>
+                    </a:solidFill>
+                  </a:tcPr>
+                </a:tc>
+                <a:tc>
+                  <a:txBody>
+                    <a:bodyPr/>
+                    <a:lstStyle/>
+                    <a:p>
+                      <a:pPr marL="0" marR="0" lvl="0" indent="0" algn="l" defTabSz="1097280" rtl="0" eaLnBrk="1" fontAlgn="auto" latinLnBrk="0" hangingPunct="1">
+                        <a:lnSpc>
+                          <a:spcPct val="100000"/>
+                        </a:lnSpc>
+                        <a:spcBef>
+                          <a:spcPts val="0"/>
+                        </a:spcBef>
+                        <a:spcAft>
+                          <a:spcPts val="0"/>
+                        </a:spcAft>
+                        <a:buClrTx/>
+                        <a:buSzTx/>
+                        <a:buFontTx/>
+                        <a:buNone/>
+                        <a:tabLst/>
+                        <a:defRPr/>
+                      </a:pPr>
+                      <a:r>
+                        <a:rPr lang="en-US" sz="2800" dirty="0">
+                          <a:latin typeface="Arial" panose="020B0604020202020204" pitchFamily="34" charset="0"/>
+                          <a:cs typeface="Arial" panose="020B0604020202020204" pitchFamily="34" charset="0"/>
+                        </a:rPr>
+                        <a:t> 825 – 1150</a:t>
+                      </a:r>
+                      <a:endParaRPr lang="en-US" sz="2800" i="1" dirty="0">
+                        <a:latin typeface="Arial" panose="020B0604020202020204" pitchFamily="34" charset="0"/>
+                        <a:cs typeface="Arial" panose="020B0604020202020204" pitchFamily="34" charset="0"/>
+                      </a:endParaRPr>
+                    </a:p>
+                  </a:txBody>
+                  <a:tcPr anchor="ctr">
+                    <a:lnL w="12700" cap="flat" cmpd="sng" algn="ctr">
+                      <a:solidFill>
+                        <a:schemeClr val="tx1"/>
+                      </a:solidFill>
+                      <a:prstDash val="solid"/>
+                      <a:round/>
+                      <a:headEnd type="none" w="med" len="med"/>
+                      <a:tailEnd type="none" w="med" len="med"/>
+                    </a:lnL>
+                    <a:lnR w="12700" cap="flat" cmpd="sng" algn="ctr">
+                      <a:noFill/>
+                      <a:prstDash val="solid"/>
+                      <a:round/>
+                      <a:headEnd type="none" w="med" len="med"/>
+                      <a:tailEnd type="none" w="med" len="med"/>
+                    </a:lnR>
+                    <a:lnT w="12700" cap="flat" cmpd="sng" algn="ctr">
+                      <a:noFill/>
+                      <a:prstDash val="solid"/>
+                      <a:round/>
+                      <a:headEnd type="none" w="med" len="med"/>
+                      <a:tailEnd type="none" w="med" len="med"/>
+                    </a:lnT>
+                    <a:lnB w="12700" cap="flat" cmpd="sng" algn="ctr">
+                      <a:noFill/>
+                      <a:prstDash val="solid"/>
+                      <a:round/>
+                      <a:headEnd type="none" w="med" len="med"/>
+                      <a:tailEnd type="none" w="med" len="med"/>
+                    </a:lnB>
+                    <a:lnTlToBr w="12700" cmpd="sng">
+                      <a:noFill/>
+                      <a:prstDash val="solid"/>
+                    </a:lnTlToBr>
+                    <a:lnBlToTr w="12700" cmpd="sng">
+                      <a:noFill/>
+                      <a:prstDash val="solid"/>
+                    </a:lnBlToTr>
+                    <a:noFill/>
+                  </a:tcPr>
+                </a:tc>
+                <a:extLst>
+                  <a:ext uri="{0D108BD9-81ED-4DB2-BD59-A6C34878D82A}">
+                    <a16:rowId xmlns:a16="http://schemas.microsoft.com/office/drawing/2014/main" val="2619662295"/>
+                  </a:ext>
+                </a:extLst>
+              </a:tr>
+              <a:tr h="1097280">
+                <a:tc>
+                  <a:txBody>
+                    <a:bodyPr/>
+                    <a:lstStyle/>
+                    <a:p>
+                      <a:endParaRPr lang="en-US" sz="2800" dirty="0">
+                        <a:latin typeface="Arial" panose="020B0604020202020204" pitchFamily="34" charset="0"/>
+                        <a:cs typeface="Arial" panose="020B0604020202020204" pitchFamily="34" charset="0"/>
+                      </a:endParaRPr>
+                    </a:p>
+                  </a:txBody>
+                  <a:tcPr anchor="ctr">
+                    <a:lnL w="12700" cap="flat" cmpd="sng" algn="ctr">
+                      <a:solidFill>
+                        <a:schemeClr val="tx1"/>
+                      </a:solidFill>
+                      <a:prstDash val="solid"/>
+                      <a:round/>
+                      <a:headEnd type="none" w="med" len="med"/>
+                      <a:tailEnd type="none" w="med" len="med"/>
+                    </a:lnL>
+                    <a:lnR w="12700" cap="flat" cmpd="sng" algn="ctr">
+                      <a:solidFill>
+                        <a:schemeClr val="tx1"/>
+                      </a:solidFill>
+                      <a:prstDash val="solid"/>
+                      <a:round/>
+                      <a:headEnd type="none" w="med" len="med"/>
+                      <a:tailEnd type="none" w="med" len="med"/>
+                    </a:lnR>
+                    <a:lnT w="12700" cap="flat" cmpd="sng" algn="ctr">
+                      <a:solidFill>
+                        <a:schemeClr val="tx1"/>
+                      </a:solidFill>
+                      <a:prstDash val="solid"/>
+                      <a:round/>
+                      <a:headEnd type="none" w="med" len="med"/>
+                      <a:tailEnd type="none" w="med" len="med"/>
+                    </a:lnT>
+                    <a:lnB w="12700" cap="flat" cmpd="sng" algn="ctr">
+                      <a:solidFill>
+                        <a:schemeClr val="tx1"/>
+                      </a:solidFill>
+                      <a:prstDash val="solid"/>
+                      <a:round/>
+                      <a:headEnd type="none" w="med" len="med"/>
+                      <a:tailEnd type="none" w="med" len="med"/>
+                    </a:lnB>
+                    <a:solidFill>
+                      <a:srgbClr val="5D80A4"/>
+                    </a:solidFill>
+                  </a:tcPr>
+                </a:tc>
+                <a:tc>
+                  <a:txBody>
+                    <a:bodyPr/>
+                    <a:lstStyle/>
+                    <a:p>
+                      <a:pPr marL="0" marR="0" lvl="0" indent="0" algn="l" defTabSz="1097280" rtl="0" eaLnBrk="1" fontAlgn="auto" latinLnBrk="0" hangingPunct="1">
+                        <a:lnSpc>
+                          <a:spcPct val="100000"/>
+                        </a:lnSpc>
+                        <a:spcBef>
+                          <a:spcPts val="0"/>
+                        </a:spcBef>
+                        <a:spcAft>
+                          <a:spcPts val="0"/>
+                        </a:spcAft>
+                        <a:buClrTx/>
+                        <a:buSzTx/>
+                        <a:buFontTx/>
+                        <a:buNone/>
+                        <a:tabLst/>
+                        <a:defRPr/>
+                      </a:pPr>
+                      <a:r>
+                        <a:rPr lang="en-US" sz="2800" dirty="0">
+                          <a:latin typeface="Arial" panose="020B0604020202020204" pitchFamily="34" charset="0"/>
+                          <a:cs typeface="Arial" panose="020B0604020202020204" pitchFamily="34" charset="0"/>
+                        </a:rPr>
+                        <a:t> 500 – 825</a:t>
+                      </a:r>
+                      <a:endParaRPr lang="en-US" sz="2800" i="1" dirty="0">
+                        <a:latin typeface="Arial" panose="020B0604020202020204" pitchFamily="34" charset="0"/>
+                        <a:cs typeface="Arial" panose="020B0604020202020204" pitchFamily="34" charset="0"/>
+                      </a:endParaRPr>
+                    </a:p>
+                  </a:txBody>
+                  <a:tcPr anchor="ctr">
+                    <a:lnL w="12700" cap="flat" cmpd="sng" algn="ctr">
+                      <a:solidFill>
+                        <a:schemeClr val="tx1"/>
+                      </a:solidFill>
+                      <a:prstDash val="solid"/>
+                      <a:round/>
+                      <a:headEnd type="none" w="med" len="med"/>
+                      <a:tailEnd type="none" w="med" len="med"/>
+                    </a:lnL>
+                    <a:lnR w="12700" cap="flat" cmpd="sng" algn="ctr">
+                      <a:noFill/>
+                      <a:prstDash val="solid"/>
+                      <a:round/>
+                      <a:headEnd type="none" w="med" len="med"/>
+                      <a:tailEnd type="none" w="med" len="med"/>
+                    </a:lnR>
+                    <a:lnT w="12700" cap="flat" cmpd="sng" algn="ctr">
+                      <a:noFill/>
+                      <a:prstDash val="solid"/>
+                      <a:round/>
+                      <a:headEnd type="none" w="med" len="med"/>
+                      <a:tailEnd type="none" w="med" len="med"/>
+                    </a:lnT>
+                    <a:lnB w="12700" cap="flat" cmpd="sng" algn="ctr">
+                      <a:noFill/>
+                      <a:prstDash val="solid"/>
+                      <a:round/>
+                      <a:headEnd type="none" w="med" len="med"/>
+                      <a:tailEnd type="none" w="med" len="med"/>
+                    </a:lnB>
+                    <a:lnTlToBr w="12700" cmpd="sng">
+                      <a:noFill/>
+                      <a:prstDash val="solid"/>
+                    </a:lnTlToBr>
+                    <a:lnBlToTr w="12700" cmpd="sng">
+                      <a:noFill/>
+                      <a:prstDash val="solid"/>
+                    </a:lnBlToTr>
+                    <a:noFill/>
+                  </a:tcPr>
+                </a:tc>
+                <a:extLst>
+                  <a:ext uri="{0D108BD9-81ED-4DB2-BD59-A6C34878D82A}">
+                    <a16:rowId xmlns:a16="http://schemas.microsoft.com/office/drawing/2014/main" val="3706373931"/>
+                  </a:ext>
+                </a:extLst>
+              </a:tr>
+              <a:tr h="1097280">
+                <a:tc>
+                  <a:txBody>
+                    <a:bodyPr/>
+                    <a:lstStyle/>
+                    <a:p>
+                      <a:endParaRPr lang="en-US" sz="2800" dirty="0">
+                        <a:latin typeface="Arial" panose="020B0604020202020204" pitchFamily="34" charset="0"/>
+                        <a:cs typeface="Arial" panose="020B0604020202020204" pitchFamily="34" charset="0"/>
+                      </a:endParaRPr>
+                    </a:p>
+                  </a:txBody>
+                  <a:tcPr anchor="ctr">
+                    <a:lnL w="12700" cap="flat" cmpd="sng" algn="ctr">
+                      <a:solidFill>
+                        <a:schemeClr val="tx1"/>
+                      </a:solidFill>
+                      <a:prstDash val="solid"/>
+                      <a:round/>
+                      <a:headEnd type="none" w="med" len="med"/>
+                      <a:tailEnd type="none" w="med" len="med"/>
+                    </a:lnL>
+                    <a:lnR w="12700" cap="flat" cmpd="sng" algn="ctr">
+                      <a:solidFill>
+                        <a:schemeClr val="tx1"/>
+                      </a:solidFill>
+                      <a:prstDash val="solid"/>
+                      <a:round/>
+                      <a:headEnd type="none" w="med" len="med"/>
+                      <a:tailEnd type="none" w="med" len="med"/>
+                    </a:lnR>
+                    <a:lnT w="12700" cap="flat" cmpd="sng" algn="ctr">
+                      <a:solidFill>
+                        <a:schemeClr val="tx1"/>
+                      </a:solidFill>
+                      <a:prstDash val="solid"/>
+                      <a:round/>
+                      <a:headEnd type="none" w="med" len="med"/>
+                      <a:tailEnd type="none" w="med" len="med"/>
+                    </a:lnT>
+                    <a:lnB w="12700" cap="flat" cmpd="sng" algn="ctr">
+                      <a:solidFill>
+                        <a:schemeClr val="tx1"/>
+                      </a:solidFill>
+                      <a:prstDash val="solid"/>
+                      <a:round/>
+                      <a:headEnd type="none" w="med" len="med"/>
+                      <a:tailEnd type="none" w="med" len="med"/>
+                    </a:lnB>
+                    <a:solidFill>
+                      <a:srgbClr val="693476"/>
+                    </a:solidFill>
+                  </a:tcPr>
+                </a:tc>
+                <a:tc>
+                  <a:txBody>
+                    <a:bodyPr/>
+                    <a:lstStyle/>
+                    <a:p>
+                      <a:pPr algn="l"/>
+                      <a:r>
+                        <a:rPr lang="en-US" sz="2800" dirty="0">
+                          <a:latin typeface="Arial" panose="020B0604020202020204" pitchFamily="34" charset="0"/>
+                          <a:cs typeface="Arial" panose="020B0604020202020204" pitchFamily="34" charset="0"/>
+                        </a:rPr>
+                        <a:t> 175 – 500</a:t>
+                      </a:r>
+                    </a:p>
+                  </a:txBody>
+                  <a:tcPr anchor="ctr">
+                    <a:lnL w="12700" cap="flat" cmpd="sng" algn="ctr">
+                      <a:solidFill>
+                        <a:schemeClr val="tx1"/>
+                      </a:solidFill>
+                      <a:prstDash val="solid"/>
+                      <a:round/>
+                      <a:headEnd type="none" w="med" len="med"/>
+                      <a:tailEnd type="none" w="med" len="med"/>
+                    </a:lnL>
+                    <a:lnR w="12700" cap="flat" cmpd="sng" algn="ctr">
+                      <a:noFill/>
+                      <a:prstDash val="solid"/>
+                      <a:round/>
+                      <a:headEnd type="none" w="med" len="med"/>
+                      <a:tailEnd type="none" w="med" len="med"/>
+                    </a:lnR>
+                    <a:lnT w="12700" cap="flat" cmpd="sng" algn="ctr">
+                      <a:noFill/>
+                      <a:prstDash val="solid"/>
+                      <a:round/>
+                      <a:headEnd type="none" w="med" len="med"/>
+                      <a:tailEnd type="none" w="med" len="med"/>
+                    </a:lnT>
+                    <a:lnB w="12700" cap="flat" cmpd="sng" algn="ctr">
+                      <a:noFill/>
+                      <a:prstDash val="solid"/>
+                      <a:round/>
+                      <a:headEnd type="none" w="med" len="med"/>
+                      <a:tailEnd type="none" w="med" len="med"/>
+                    </a:lnB>
+                    <a:lnTlToBr w="12700" cmpd="sng">
+                      <a:noFill/>
+                      <a:prstDash val="solid"/>
+                    </a:lnTlToBr>
+                    <a:lnBlToTr w="12700" cmpd="sng">
+                      <a:noFill/>
+                      <a:prstDash val="solid"/>
+                    </a:lnBlToTr>
+                    <a:noFill/>
+                  </a:tcPr>
+                </a:tc>
+                <a:extLst>
+                  <a:ext uri="{0D108BD9-81ED-4DB2-BD59-A6C34878D82A}">
+                    <a16:rowId xmlns:a16="http://schemas.microsoft.com/office/drawing/2014/main" val="284509278"/>
+                  </a:ext>
+                </a:extLst>
+              </a:tr>
+            </a:tbl>
+          </a:graphicData>
+        </a:graphic>
+      </p:graphicFrame>
+      <p:grpSp>
+        <p:nvGrpSpPr>
+          <p:cNvPr id="75" name="Group 74">
+            <a:extLst>
+              <a:ext uri="{FF2B5EF4-FFF2-40B4-BE49-F238E27FC236}">
+                <a16:creationId xmlns:a16="http://schemas.microsoft.com/office/drawing/2014/main" id="{CAE1CD99-A125-438D-86C0-65EB5B301340}"/>
+              </a:ext>
+            </a:extLst>
+          </p:cNvPr>
+          <p:cNvGrpSpPr/>
+          <p:nvPr/>
+        </p:nvGrpSpPr>
+        <p:grpSpPr>
+          <a:xfrm>
+            <a:off x="848941" y="11847109"/>
+            <a:ext cx="3627637" cy="523348"/>
+            <a:chOff x="1126029" y="12621238"/>
+            <a:chExt cx="3627637" cy="523347"/>
+          </a:xfrm>
+        </p:grpSpPr>
+        <p:sp>
+          <p:nvSpPr>
+            <p:cNvPr id="7" name="TextBox 6">
+              <a:extLst>
+                <a:ext uri="{FF2B5EF4-FFF2-40B4-BE49-F238E27FC236}">
+                  <a16:creationId xmlns:a16="http://schemas.microsoft.com/office/drawing/2014/main" id="{B490BA0E-DF6C-4677-BE3F-529E08E68888}"/>
+                </a:ext>
+              </a:extLst>
+            </p:cNvPr>
+            <p:cNvSpPr txBox="1"/>
+            <p:nvPr/>
+          </p:nvSpPr>
+          <p:spPr>
+            <a:xfrm>
+              <a:off x="1693955" y="12621238"/>
+              <a:ext cx="3059711" cy="523347"/>
+            </a:xfrm>
+            <a:prstGeom prst="rect">
+              <a:avLst/>
+            </a:prstGeom>
+            <a:noFill/>
+          </p:spPr>
+          <p:txBody>
+            <a:bodyPr wrap="square" rtlCol="0">
+              <a:spAutoFit/>
+            </a:bodyPr>
+            <a:lstStyle/>
+            <a:p>
+              <a:pPr algn="ctr"/>
+              <a:r>
+                <a:rPr lang="en-US" sz="2801" dirty="0">
+                  <a:latin typeface="Arial" panose="020B0604020202020204" pitchFamily="34" charset="0"/>
+                  <a:cs typeface="Arial" panose="020B0604020202020204" pitchFamily="34" charset="0"/>
+                </a:rPr>
+                <a:t>AR6 CB (Gt CO2)</a:t>
+              </a:r>
+            </a:p>
+          </p:txBody>
+        </p:sp>
+        <p:sp>
+          <p:nvSpPr>
+            <p:cNvPr id="45" name="Flowchart: Process 44">
+              <a:extLst>
+                <a:ext uri="{FF2B5EF4-FFF2-40B4-BE49-F238E27FC236}">
+                  <a16:creationId xmlns:a16="http://schemas.microsoft.com/office/drawing/2014/main" id="{F77E526F-8C03-4254-A488-3EF640E08ECC}"/>
+                </a:ext>
+              </a:extLst>
+            </p:cNvPr>
+            <p:cNvSpPr/>
+            <p:nvPr/>
+          </p:nvSpPr>
+          <p:spPr>
+            <a:xfrm>
+              <a:off x="1126029" y="12699968"/>
+              <a:ext cx="365760" cy="365760"/>
+            </a:xfrm>
+            <a:prstGeom prst="flowChartProcess">
+              <a:avLst/>
+            </a:prstGeom>
+            <a:gradFill>
+              <a:gsLst>
+                <a:gs pos="0">
+                  <a:srgbClr val="C9E552"/>
+                </a:gs>
+                <a:gs pos="35000">
+                  <a:srgbClr val="4EB99D"/>
+                </a:gs>
+                <a:gs pos="66000">
+                  <a:srgbClr val="5D80A4"/>
+                </a:gs>
+                <a:gs pos="100000">
+                  <a:srgbClr val="693476"/>
+                </a:gs>
+              </a:gsLst>
+              <a:lin ang="5400000" scaled="1"/>
+            </a:gradFill>
+            <a:ln w="34925">
+              <a:solidFill>
+                <a:schemeClr val="tx1"/>
+              </a:solidFill>
+            </a:ln>
+          </p:spPr>
+          <p:style>
+            <a:lnRef idx="2">
+              <a:schemeClr val="accent1">
+                <a:shade val="50000"/>
+              </a:schemeClr>
+            </a:lnRef>
+            <a:fillRef idx="1">
+              <a:schemeClr val="accent1"/>
+            </a:fillRef>
+            <a:effectRef idx="0">
+              <a:schemeClr val="accent1"/>
+            </a:effectRef>
+            <a:fontRef idx="minor">
+              <a:schemeClr val="lt1"/>
+            </a:fontRef>
+          </p:style>
+          <p:txBody>
+            <a:bodyPr rtlCol="0" anchor="ctr"/>
+            <a:lstStyle/>
+            <a:p>
+              <a:pPr algn="ctr"/>
+              <a:endParaRPr lang="en-US" dirty="0"/>
+            </a:p>
+          </p:txBody>
+        </p:sp>
+      </p:grpSp>
+      <p:grpSp>
+        <p:nvGrpSpPr>
+          <p:cNvPr id="72" name="Group 71">
+            <a:extLst>
+              <a:ext uri="{FF2B5EF4-FFF2-40B4-BE49-F238E27FC236}">
+                <a16:creationId xmlns:a16="http://schemas.microsoft.com/office/drawing/2014/main" id="{CD25D59B-112F-4AAC-BF9B-8617070059C0}"/>
+              </a:ext>
+            </a:extLst>
+          </p:cNvPr>
+          <p:cNvGrpSpPr/>
+          <p:nvPr/>
+        </p:nvGrpSpPr>
+        <p:grpSpPr>
+          <a:xfrm>
+            <a:off x="3869678" y="17541155"/>
+            <a:ext cx="6631009" cy="1386171"/>
+            <a:chOff x="4723843" y="18259507"/>
+            <a:chExt cx="6631009" cy="1386172"/>
+          </a:xfrm>
+        </p:grpSpPr>
+        <p:grpSp>
+          <p:nvGrpSpPr>
+            <p:cNvPr id="71" name="Group 70">
+              <a:extLst>
+                <a:ext uri="{FF2B5EF4-FFF2-40B4-BE49-F238E27FC236}">
+                  <a16:creationId xmlns:a16="http://schemas.microsoft.com/office/drawing/2014/main" id="{15F0975B-33A7-44EE-A521-35FF5AEEA0F0}"/>
+                </a:ext>
+              </a:extLst>
+            </p:cNvPr>
+            <p:cNvGrpSpPr/>
+            <p:nvPr/>
+          </p:nvGrpSpPr>
+          <p:grpSpPr>
+            <a:xfrm>
+              <a:off x="4723843" y="18259507"/>
+              <a:ext cx="5443963" cy="538039"/>
+              <a:chOff x="4723843" y="18259507"/>
+              <a:chExt cx="5443963" cy="538039"/>
+            </a:xfrm>
+          </p:grpSpPr>
+          <p:sp>
+            <p:nvSpPr>
+              <p:cNvPr id="43" name="TextBox 42">
+                <a:extLst>
+                  <a:ext uri="{FF2B5EF4-FFF2-40B4-BE49-F238E27FC236}">
+                    <a16:creationId xmlns:a16="http://schemas.microsoft.com/office/drawing/2014/main" id="{160150F4-ACD0-43E4-A1A4-AA284B3D02F6}"/>
+                  </a:ext>
+                </a:extLst>
+              </p:cNvPr>
+              <p:cNvSpPr txBox="1"/>
+              <p:nvPr/>
+            </p:nvSpPr>
+            <p:spPr>
+              <a:xfrm rot="19945816">
+                <a:off x="4723843" y="18259507"/>
+                <a:ext cx="2103120" cy="538039"/>
+              </a:xfrm>
+              <a:prstGeom prst="rect">
+                <a:avLst/>
+              </a:prstGeom>
+              <a:noFill/>
+            </p:spPr>
+            <p:txBody>
+              <a:bodyPr wrap="square">
+                <a:spAutoFit/>
+              </a:bodyPr>
+              <a:lstStyle/>
+              <a:p>
+                <a:pPr algn="r"/>
+                <a:r>
+                  <a:rPr lang="en-US" sz="2801" b="1" dirty="0">
+                    <a:latin typeface="Arial" panose="020B0604020202020204" pitchFamily="34" charset="0"/>
+                    <a:cs typeface="Arial" panose="020B0604020202020204" pitchFamily="34" charset="0"/>
+                  </a:rPr>
+                  <a:t>No-LCP</a:t>
+                </a:r>
+              </a:p>
+            </p:txBody>
+          </p:sp>
+          <p:sp>
+            <p:nvSpPr>
+              <p:cNvPr id="60" name="TextBox 59">
+                <a:extLst>
+                  <a:ext uri="{FF2B5EF4-FFF2-40B4-BE49-F238E27FC236}">
+                    <a16:creationId xmlns:a16="http://schemas.microsoft.com/office/drawing/2014/main" id="{1EFDDACB-8EB9-4659-8671-636EE297C6F3}"/>
+                  </a:ext>
+                </a:extLst>
+              </p:cNvPr>
+              <p:cNvSpPr txBox="1"/>
+              <p:nvPr/>
+            </p:nvSpPr>
+            <p:spPr>
+              <a:xfrm rot="19945816">
+                <a:off x="5837457" y="18259507"/>
+                <a:ext cx="2103120" cy="538039"/>
+              </a:xfrm>
+              <a:prstGeom prst="rect">
+                <a:avLst/>
+              </a:prstGeom>
+              <a:noFill/>
+            </p:spPr>
+            <p:txBody>
+              <a:bodyPr wrap="square">
+                <a:spAutoFit/>
+              </a:bodyPr>
+              <a:lstStyle/>
+              <a:p>
+                <a:pPr algn="r"/>
+                <a:r>
+                  <a:rPr lang="en-US" sz="2801" b="1" dirty="0">
+                    <a:latin typeface="Arial" panose="020B0604020202020204" pitchFamily="34" charset="0"/>
+                    <a:cs typeface="Arial" panose="020B0604020202020204" pitchFamily="34" charset="0"/>
+                  </a:rPr>
+                  <a:t>10%-LCP</a:t>
+                </a:r>
+              </a:p>
+            </p:txBody>
+          </p:sp>
+          <p:sp>
+            <p:nvSpPr>
+              <p:cNvPr id="61" name="TextBox 60">
+                <a:extLst>
+                  <a:ext uri="{FF2B5EF4-FFF2-40B4-BE49-F238E27FC236}">
+                    <a16:creationId xmlns:a16="http://schemas.microsoft.com/office/drawing/2014/main" id="{332410F2-8F28-481F-84A1-3246EC29B0F5}"/>
+                  </a:ext>
+                </a:extLst>
+              </p:cNvPr>
+              <p:cNvSpPr txBox="1"/>
+              <p:nvPr/>
+            </p:nvSpPr>
+            <p:spPr>
+              <a:xfrm rot="19945816">
+                <a:off x="6951071" y="18259507"/>
+                <a:ext cx="2103120" cy="538039"/>
+              </a:xfrm>
+              <a:prstGeom prst="rect">
+                <a:avLst/>
+              </a:prstGeom>
+              <a:noFill/>
+            </p:spPr>
+            <p:txBody>
+              <a:bodyPr wrap="square">
+                <a:spAutoFit/>
+              </a:bodyPr>
+              <a:lstStyle/>
+              <a:p>
+                <a:pPr algn="r"/>
+                <a:r>
+                  <a:rPr lang="en-US" sz="2801" b="1" dirty="0">
+                    <a:latin typeface="Arial" panose="020B0604020202020204" pitchFamily="34" charset="0"/>
+                    <a:cs typeface="Arial" panose="020B0604020202020204" pitchFamily="34" charset="0"/>
+                  </a:rPr>
+                  <a:t>50%-LCP</a:t>
+                </a:r>
+              </a:p>
+            </p:txBody>
+          </p:sp>
+          <p:sp>
+            <p:nvSpPr>
+              <p:cNvPr id="62" name="TextBox 61">
+                <a:extLst>
+                  <a:ext uri="{FF2B5EF4-FFF2-40B4-BE49-F238E27FC236}">
+                    <a16:creationId xmlns:a16="http://schemas.microsoft.com/office/drawing/2014/main" id="{27C6E5D1-A531-41E2-8B83-6CC2ECABD2C0}"/>
+                  </a:ext>
+                </a:extLst>
+              </p:cNvPr>
+              <p:cNvSpPr txBox="1"/>
+              <p:nvPr/>
+            </p:nvSpPr>
+            <p:spPr>
+              <a:xfrm rot="19945816">
+                <a:off x="8064686" y="18259507"/>
+                <a:ext cx="2103120" cy="538039"/>
+              </a:xfrm>
+              <a:prstGeom prst="rect">
+                <a:avLst/>
+              </a:prstGeom>
+              <a:noFill/>
+            </p:spPr>
+            <p:txBody>
+              <a:bodyPr wrap="square">
+                <a:spAutoFit/>
+              </a:bodyPr>
+              <a:lstStyle/>
+              <a:p>
+                <a:pPr algn="r"/>
+                <a:r>
+                  <a:rPr lang="en-US" sz="2801" b="1" dirty="0">
+                    <a:latin typeface="Arial" panose="020B0604020202020204" pitchFamily="34" charset="0"/>
+                    <a:cs typeface="Arial" panose="020B0604020202020204" pitchFamily="34" charset="0"/>
+                  </a:rPr>
+                  <a:t>100%-LCP</a:t>
+                </a:r>
+              </a:p>
+            </p:txBody>
+          </p:sp>
+        </p:grpSp>
+        <p:sp>
+          <p:nvSpPr>
+            <p:cNvPr id="64" name="TextBox 63">
+              <a:extLst>
+                <a:ext uri="{FF2B5EF4-FFF2-40B4-BE49-F238E27FC236}">
+                  <a16:creationId xmlns:a16="http://schemas.microsoft.com/office/drawing/2014/main" id="{3E046D9A-5B0D-4A3F-96ED-CCBB8CE70034}"/>
+                </a:ext>
+              </a:extLst>
+            </p:cNvPr>
+            <p:cNvSpPr txBox="1"/>
+            <p:nvPr/>
+          </p:nvSpPr>
+          <p:spPr>
+            <a:xfrm>
+              <a:off x="4771172" y="19107640"/>
+              <a:ext cx="6583680" cy="538039"/>
+            </a:xfrm>
+            <a:prstGeom prst="rect">
+              <a:avLst/>
+            </a:prstGeom>
+            <a:noFill/>
+          </p:spPr>
+          <p:txBody>
+            <a:bodyPr wrap="square">
+              <a:spAutoFit/>
+            </a:bodyPr>
+            <a:lstStyle/>
+            <a:p>
+              <a:pPr algn="ctr"/>
+              <a:r>
+                <a:rPr lang="en-US" sz="2801" b="1" dirty="0">
+                  <a:latin typeface="Arial" panose="020B0604020202020204" pitchFamily="34" charset="0"/>
+                  <a:cs typeface="Arial" panose="020B0604020202020204" pitchFamily="34" charset="0"/>
+                </a:rPr>
+                <a:t>Land carbon pricing (LCP) strength</a:t>
+              </a:r>
+              <a:endParaRPr lang="en-US" sz="2801" b="1" i="1" dirty="0">
+                <a:latin typeface="Arial" panose="020B0604020202020204" pitchFamily="34" charset="0"/>
+                <a:cs typeface="Arial" panose="020B0604020202020204" pitchFamily="34" charset="0"/>
+              </a:endParaRPr>
+            </a:p>
+          </p:txBody>
+        </p:sp>
+      </p:grpSp>
+      <p:grpSp>
+        <p:nvGrpSpPr>
+          <p:cNvPr id="2" name="Group 1">
+            <a:extLst>
+              <a:ext uri="{FF2B5EF4-FFF2-40B4-BE49-F238E27FC236}">
+                <a16:creationId xmlns:a16="http://schemas.microsoft.com/office/drawing/2014/main" id="{DDFA502D-F9A4-4955-A909-C19FB6B2FE63}"/>
+              </a:ext>
+            </a:extLst>
+          </p:cNvPr>
+          <p:cNvGrpSpPr/>
+          <p:nvPr/>
+        </p:nvGrpSpPr>
+        <p:grpSpPr>
+          <a:xfrm>
+            <a:off x="5957028" y="4239912"/>
+            <a:ext cx="13076300" cy="2708219"/>
+            <a:chOff x="5957028" y="4116342"/>
+            <a:chExt cx="13076300" cy="2708219"/>
+          </a:xfrm>
+        </p:grpSpPr>
+        <p:sp>
+          <p:nvSpPr>
+            <p:cNvPr id="22" name="Oval 21">
+              <a:extLst>
+                <a:ext uri="{FF2B5EF4-FFF2-40B4-BE49-F238E27FC236}">
+                  <a16:creationId xmlns:a16="http://schemas.microsoft.com/office/drawing/2014/main" id="{A4E906A1-480A-4CCF-933F-353F23BF276C}"/>
+                </a:ext>
+              </a:extLst>
+            </p:cNvPr>
+            <p:cNvSpPr/>
+            <p:nvPr/>
+          </p:nvSpPr>
+          <p:spPr>
+            <a:xfrm>
+              <a:off x="18369556" y="6158656"/>
+              <a:ext cx="237744" cy="237744"/>
+            </a:xfrm>
+            <a:prstGeom prst="ellipse">
+              <a:avLst/>
+            </a:prstGeom>
+            <a:solidFill>
+              <a:srgbClr val="FF0000">
+                <a:alpha val="90000"/>
+              </a:srgbClr>
+            </a:solidFill>
+            <a:ln>
+              <a:solidFill>
+                <a:schemeClr val="tx1"/>
+              </a:solidFill>
+            </a:ln>
+          </p:spPr>
+          <p:style>
+            <a:lnRef idx="2">
+              <a:schemeClr val="accent1">
+                <a:shade val="50000"/>
+              </a:schemeClr>
+            </a:lnRef>
+            <a:fillRef idx="1">
+              <a:schemeClr val="accent1"/>
+            </a:fillRef>
+            <a:effectRef idx="0">
+              <a:schemeClr val="accent1"/>
+            </a:effectRef>
+            <a:fontRef idx="minor">
+              <a:schemeClr val="lt1"/>
+            </a:fontRef>
+          </p:style>
+          <p:txBody>
+            <a:bodyPr rtlCol="0" anchor="ctr"/>
+            <a:lstStyle/>
+            <a:p>
+              <a:pPr algn="ctr"/>
+              <a:endParaRPr lang="en-US"/>
+            </a:p>
+          </p:txBody>
+        </p:sp>
+        <p:sp>
+          <p:nvSpPr>
+            <p:cNvPr id="23" name="Oval 22">
+              <a:extLst>
+                <a:ext uri="{FF2B5EF4-FFF2-40B4-BE49-F238E27FC236}">
+                  <a16:creationId xmlns:a16="http://schemas.microsoft.com/office/drawing/2014/main" id="{3E900DD7-AE22-49A6-AA6B-992196873EC7}"/>
+                </a:ext>
+              </a:extLst>
+            </p:cNvPr>
+            <p:cNvSpPr/>
+            <p:nvPr/>
+          </p:nvSpPr>
+          <p:spPr>
+            <a:xfrm>
+              <a:off x="18795584" y="6586817"/>
+              <a:ext cx="237744" cy="237744"/>
+            </a:xfrm>
+            <a:prstGeom prst="ellipse">
+              <a:avLst/>
+            </a:prstGeom>
+            <a:solidFill>
+              <a:srgbClr val="00B0F0">
+                <a:alpha val="85000"/>
+              </a:srgbClr>
+            </a:solidFill>
+            <a:ln>
+              <a:solidFill>
+                <a:schemeClr val="tx1"/>
+              </a:solidFill>
+            </a:ln>
+          </p:spPr>
+          <p:style>
+            <a:lnRef idx="2">
+              <a:schemeClr val="accent1">
+                <a:shade val="50000"/>
+              </a:schemeClr>
+            </a:lnRef>
+            <a:fillRef idx="1">
+              <a:schemeClr val="accent1"/>
+            </a:fillRef>
+            <a:effectRef idx="0">
+              <a:schemeClr val="accent1"/>
+            </a:effectRef>
+            <a:fontRef idx="minor">
+              <a:schemeClr val="lt1"/>
+            </a:fontRef>
+          </p:style>
+          <p:txBody>
+            <a:bodyPr rtlCol="0" anchor="ctr"/>
+            <a:lstStyle/>
+            <a:p>
+              <a:pPr algn="ctr"/>
+              <a:endParaRPr lang="en-US"/>
+            </a:p>
+          </p:txBody>
+        </p:sp>
+        <p:sp>
+          <p:nvSpPr>
+            <p:cNvPr id="24" name="Oval 23">
+              <a:extLst>
+                <a:ext uri="{FF2B5EF4-FFF2-40B4-BE49-F238E27FC236}">
+                  <a16:creationId xmlns:a16="http://schemas.microsoft.com/office/drawing/2014/main" id="{84265339-37E4-4D20-86D8-F297C22BA70C}"/>
+                </a:ext>
+              </a:extLst>
+            </p:cNvPr>
+            <p:cNvSpPr/>
+            <p:nvPr/>
+          </p:nvSpPr>
+          <p:spPr>
+            <a:xfrm>
+              <a:off x="18734350" y="6503066"/>
+              <a:ext cx="237744" cy="237744"/>
+            </a:xfrm>
+            <a:prstGeom prst="ellipse">
+              <a:avLst/>
+            </a:prstGeom>
+            <a:solidFill>
+              <a:schemeClr val="accent2">
+                <a:alpha val="90000"/>
+              </a:schemeClr>
+            </a:solidFill>
+            <a:ln>
+              <a:solidFill>
+                <a:schemeClr val="tx1"/>
+              </a:solidFill>
+            </a:ln>
+          </p:spPr>
+          <p:style>
+            <a:lnRef idx="2">
+              <a:schemeClr val="accent1">
+                <a:shade val="50000"/>
+              </a:schemeClr>
+            </a:lnRef>
+            <a:fillRef idx="1">
+              <a:schemeClr val="accent1"/>
+            </a:fillRef>
+            <a:effectRef idx="0">
+              <a:schemeClr val="accent1"/>
+            </a:effectRef>
+            <a:fontRef idx="minor">
+              <a:schemeClr val="lt1"/>
+            </a:fontRef>
+          </p:style>
+          <p:txBody>
+            <a:bodyPr rtlCol="0" anchor="ctr"/>
+            <a:lstStyle/>
+            <a:p>
+              <a:pPr algn="ctr"/>
+              <a:endParaRPr lang="en-US"/>
+            </a:p>
+          </p:txBody>
+        </p:sp>
+        <p:sp>
+          <p:nvSpPr>
+            <p:cNvPr id="25" name="Oval 24">
+              <a:extLst>
+                <a:ext uri="{FF2B5EF4-FFF2-40B4-BE49-F238E27FC236}">
+                  <a16:creationId xmlns:a16="http://schemas.microsoft.com/office/drawing/2014/main" id="{A9DD5E20-8862-484D-85E9-7AD7B1A9EBC4}"/>
+                </a:ext>
+              </a:extLst>
+            </p:cNvPr>
+            <p:cNvSpPr/>
+            <p:nvPr/>
+          </p:nvSpPr>
+          <p:spPr>
+            <a:xfrm>
+              <a:off x="16269421" y="4116342"/>
+              <a:ext cx="237744" cy="237744"/>
+            </a:xfrm>
+            <a:prstGeom prst="ellipse">
+              <a:avLst/>
+            </a:prstGeom>
+            <a:solidFill>
+              <a:schemeClr val="accent4">
+                <a:alpha val="40000"/>
+              </a:schemeClr>
+            </a:solidFill>
+            <a:ln>
+              <a:solidFill>
+                <a:schemeClr val="tx1"/>
+              </a:solidFill>
+            </a:ln>
+          </p:spPr>
+          <p:style>
+            <a:lnRef idx="2">
+              <a:schemeClr val="accent1">
+                <a:shade val="50000"/>
+              </a:schemeClr>
+            </a:lnRef>
+            <a:fillRef idx="1">
+              <a:schemeClr val="accent1"/>
+            </a:fillRef>
+            <a:effectRef idx="0">
+              <a:schemeClr val="accent1"/>
+            </a:effectRef>
+            <a:fontRef idx="minor">
+              <a:schemeClr val="lt1"/>
+            </a:fontRef>
+          </p:style>
+          <p:txBody>
+            <a:bodyPr rtlCol="0" anchor="ctr"/>
+            <a:lstStyle/>
+            <a:p>
+              <a:pPr algn="ctr"/>
+              <a:endParaRPr lang="en-US"/>
+            </a:p>
+          </p:txBody>
+        </p:sp>
+        <p:sp>
+          <p:nvSpPr>
+            <p:cNvPr id="26" name="Oval 25">
+              <a:extLst>
+                <a:ext uri="{FF2B5EF4-FFF2-40B4-BE49-F238E27FC236}">
+                  <a16:creationId xmlns:a16="http://schemas.microsoft.com/office/drawing/2014/main" id="{D54CA07E-C2AA-4F6D-890E-5C3DC352617C}"/>
+                </a:ext>
+              </a:extLst>
+            </p:cNvPr>
+            <p:cNvSpPr/>
+            <p:nvPr/>
+          </p:nvSpPr>
+          <p:spPr>
+            <a:xfrm>
+              <a:off x="16849795" y="4671940"/>
+              <a:ext cx="237744" cy="237744"/>
+            </a:xfrm>
+            <a:prstGeom prst="ellipse">
+              <a:avLst/>
+            </a:prstGeom>
+            <a:solidFill>
+              <a:schemeClr val="accent4">
+                <a:alpha val="65000"/>
+              </a:schemeClr>
+            </a:solidFill>
+            <a:ln>
+              <a:solidFill>
+                <a:schemeClr val="tx1"/>
+              </a:solidFill>
+            </a:ln>
+          </p:spPr>
+          <p:style>
+            <a:lnRef idx="2">
+              <a:schemeClr val="accent1">
+                <a:shade val="50000"/>
+              </a:schemeClr>
+            </a:lnRef>
+            <a:fillRef idx="1">
+              <a:schemeClr val="accent1"/>
+            </a:fillRef>
+            <a:effectRef idx="0">
+              <a:schemeClr val="accent1"/>
+            </a:effectRef>
+            <a:fontRef idx="minor">
+              <a:schemeClr val="lt1"/>
+            </a:fontRef>
+          </p:style>
+          <p:txBody>
+            <a:bodyPr rtlCol="0" anchor="ctr"/>
+            <a:lstStyle/>
+            <a:p>
+              <a:pPr algn="ctr"/>
+              <a:endParaRPr lang="en-US"/>
+            </a:p>
+          </p:txBody>
+        </p:sp>
+        <p:sp>
+          <p:nvSpPr>
+            <p:cNvPr id="27" name="Oval 26">
+              <a:extLst>
+                <a:ext uri="{FF2B5EF4-FFF2-40B4-BE49-F238E27FC236}">
+                  <a16:creationId xmlns:a16="http://schemas.microsoft.com/office/drawing/2014/main" id="{6C5301C2-911B-44BB-9FB2-34AE12CB20AB}"/>
+                </a:ext>
+              </a:extLst>
+            </p:cNvPr>
+            <p:cNvSpPr/>
+            <p:nvPr/>
+          </p:nvSpPr>
+          <p:spPr>
+            <a:xfrm>
+              <a:off x="17843142" y="5640500"/>
+              <a:ext cx="237744" cy="237744"/>
+            </a:xfrm>
+            <a:prstGeom prst="ellipse">
+              <a:avLst/>
+            </a:prstGeom>
+            <a:solidFill>
+              <a:schemeClr val="accent4">
+                <a:alpha val="90000"/>
+              </a:schemeClr>
+            </a:solidFill>
+            <a:ln>
+              <a:solidFill>
+                <a:schemeClr val="tx1"/>
+              </a:solidFill>
+            </a:ln>
+          </p:spPr>
+          <p:style>
+            <a:lnRef idx="2">
+              <a:schemeClr val="accent1">
+                <a:shade val="50000"/>
+              </a:schemeClr>
+            </a:lnRef>
+            <a:fillRef idx="1">
+              <a:schemeClr val="accent1"/>
+            </a:fillRef>
+            <a:effectRef idx="0">
+              <a:schemeClr val="accent1"/>
+            </a:effectRef>
+            <a:fontRef idx="minor">
+              <a:schemeClr val="lt1"/>
+            </a:fontRef>
+          </p:style>
+          <p:txBody>
+            <a:bodyPr rtlCol="0" anchor="ctr"/>
+            <a:lstStyle/>
+            <a:p>
+              <a:pPr algn="ctr"/>
+              <a:endParaRPr lang="en-US"/>
+            </a:p>
+          </p:txBody>
+        </p:sp>
+        <p:sp>
+          <p:nvSpPr>
+            <p:cNvPr id="29" name="Oval 28">
+              <a:extLst>
+                <a:ext uri="{FF2B5EF4-FFF2-40B4-BE49-F238E27FC236}">
+                  <a16:creationId xmlns:a16="http://schemas.microsoft.com/office/drawing/2014/main" id="{378CE150-B23E-4D8F-82E1-5F849AE7C8DE}"/>
+                </a:ext>
+              </a:extLst>
+            </p:cNvPr>
+            <p:cNvSpPr/>
+            <p:nvPr/>
+          </p:nvSpPr>
+          <p:spPr>
+            <a:xfrm>
+              <a:off x="14826534" y="6219771"/>
+              <a:ext cx="237744" cy="237744"/>
+            </a:xfrm>
+            <a:prstGeom prst="ellipse">
+              <a:avLst/>
+            </a:prstGeom>
+            <a:solidFill>
+              <a:srgbClr val="7030A0">
+                <a:alpha val="85000"/>
+              </a:srgbClr>
+            </a:solidFill>
+            <a:ln>
+              <a:solidFill>
+                <a:schemeClr val="tx1"/>
+              </a:solidFill>
+            </a:ln>
+          </p:spPr>
+          <p:style>
+            <a:lnRef idx="2">
+              <a:schemeClr val="accent1">
+                <a:shade val="50000"/>
+              </a:schemeClr>
+            </a:lnRef>
+            <a:fillRef idx="1">
+              <a:schemeClr val="accent1"/>
+            </a:fillRef>
+            <a:effectRef idx="0">
+              <a:schemeClr val="accent1"/>
+            </a:effectRef>
+            <a:fontRef idx="minor">
+              <a:schemeClr val="lt1"/>
+            </a:fontRef>
+          </p:style>
+          <p:txBody>
+            <a:bodyPr rtlCol="0" anchor="ctr"/>
+            <a:lstStyle/>
+            <a:p>
+              <a:pPr algn="ctr"/>
+              <a:endParaRPr lang="en-US"/>
+            </a:p>
+          </p:txBody>
+        </p:sp>
+        <p:sp>
+          <p:nvSpPr>
+            <p:cNvPr id="40" name="Oval 39">
+              <a:extLst>
+                <a:ext uri="{FF2B5EF4-FFF2-40B4-BE49-F238E27FC236}">
+                  <a16:creationId xmlns:a16="http://schemas.microsoft.com/office/drawing/2014/main" id="{22C5331B-F611-4BB5-863C-9623F41F127F}"/>
+                </a:ext>
+              </a:extLst>
+            </p:cNvPr>
+            <p:cNvSpPr/>
+            <p:nvPr/>
+          </p:nvSpPr>
+          <p:spPr>
+            <a:xfrm>
+              <a:off x="8136224" y="6158656"/>
+              <a:ext cx="237744" cy="237744"/>
+            </a:xfrm>
+            <a:prstGeom prst="ellipse">
+              <a:avLst/>
+            </a:prstGeom>
+            <a:solidFill>
+              <a:srgbClr val="FF0000">
+                <a:alpha val="90000"/>
+              </a:srgbClr>
+            </a:solidFill>
+            <a:ln>
+              <a:solidFill>
+                <a:schemeClr val="tx1"/>
+              </a:solidFill>
+            </a:ln>
+          </p:spPr>
+          <p:style>
+            <a:lnRef idx="2">
+              <a:schemeClr val="accent1">
+                <a:shade val="50000"/>
+              </a:schemeClr>
+            </a:lnRef>
+            <a:fillRef idx="1">
+              <a:schemeClr val="accent1"/>
+            </a:fillRef>
+            <a:effectRef idx="0">
+              <a:schemeClr val="accent1"/>
+            </a:effectRef>
+            <a:fontRef idx="minor">
+              <a:schemeClr val="lt1"/>
+            </a:fontRef>
+          </p:style>
+          <p:txBody>
+            <a:bodyPr rtlCol="0" anchor="ctr"/>
+            <a:lstStyle/>
+            <a:p>
+              <a:pPr algn="ctr"/>
+              <a:endParaRPr lang="en-US"/>
+            </a:p>
+          </p:txBody>
+        </p:sp>
+        <p:sp>
+          <p:nvSpPr>
+            <p:cNvPr id="41" name="Oval 40">
+              <a:extLst>
+                <a:ext uri="{FF2B5EF4-FFF2-40B4-BE49-F238E27FC236}">
+                  <a16:creationId xmlns:a16="http://schemas.microsoft.com/office/drawing/2014/main" id="{500BE7EB-9975-4D13-827F-8CA69C2DE80F}"/>
+                </a:ext>
+              </a:extLst>
+            </p:cNvPr>
+            <p:cNvSpPr/>
+            <p:nvPr/>
+          </p:nvSpPr>
+          <p:spPr>
+            <a:xfrm>
+              <a:off x="9051345" y="6586817"/>
+              <a:ext cx="237744" cy="237744"/>
+            </a:xfrm>
+            <a:prstGeom prst="ellipse">
+              <a:avLst/>
+            </a:prstGeom>
+            <a:solidFill>
+              <a:srgbClr val="00B0F0">
+                <a:alpha val="85000"/>
+              </a:srgbClr>
+            </a:solidFill>
+            <a:ln>
+              <a:solidFill>
+                <a:schemeClr val="tx1"/>
+              </a:solidFill>
+            </a:ln>
+          </p:spPr>
+          <p:style>
+            <a:lnRef idx="2">
+              <a:schemeClr val="accent1">
+                <a:shade val="50000"/>
+              </a:schemeClr>
+            </a:lnRef>
+            <a:fillRef idx="1">
+              <a:schemeClr val="accent1"/>
+            </a:fillRef>
+            <a:effectRef idx="0">
+              <a:schemeClr val="accent1"/>
+            </a:effectRef>
+            <a:fontRef idx="minor">
+              <a:schemeClr val="lt1"/>
+            </a:fontRef>
+          </p:style>
+          <p:txBody>
+            <a:bodyPr rtlCol="0" anchor="ctr"/>
+            <a:lstStyle/>
+            <a:p>
+              <a:pPr algn="ctr"/>
+              <a:endParaRPr lang="en-US"/>
+            </a:p>
+          </p:txBody>
+        </p:sp>
+        <p:sp>
+          <p:nvSpPr>
+            <p:cNvPr id="42" name="Oval 41">
+              <a:extLst>
+                <a:ext uri="{FF2B5EF4-FFF2-40B4-BE49-F238E27FC236}">
+                  <a16:creationId xmlns:a16="http://schemas.microsoft.com/office/drawing/2014/main" id="{DF8A652B-F449-4A17-B028-DF3CFD143366}"/>
+                </a:ext>
+              </a:extLst>
+            </p:cNvPr>
+            <p:cNvSpPr/>
+            <p:nvPr/>
+          </p:nvSpPr>
+          <p:spPr>
+            <a:xfrm>
+              <a:off x="8107618" y="6503066"/>
+              <a:ext cx="237744" cy="237744"/>
+            </a:xfrm>
+            <a:prstGeom prst="ellipse">
+              <a:avLst/>
+            </a:prstGeom>
+            <a:solidFill>
+              <a:schemeClr val="accent2">
+                <a:alpha val="90000"/>
+              </a:schemeClr>
+            </a:solidFill>
+            <a:ln>
+              <a:solidFill>
+                <a:schemeClr val="tx1"/>
+              </a:solidFill>
+            </a:ln>
+          </p:spPr>
+          <p:style>
+            <a:lnRef idx="2">
+              <a:schemeClr val="accent1">
+                <a:shade val="50000"/>
+              </a:schemeClr>
+            </a:lnRef>
+            <a:fillRef idx="1">
+              <a:schemeClr val="accent1"/>
+            </a:fillRef>
+            <a:effectRef idx="0">
+              <a:schemeClr val="accent1"/>
+            </a:effectRef>
+            <a:fontRef idx="minor">
+              <a:schemeClr val="lt1"/>
+            </a:fontRef>
+          </p:style>
+          <p:txBody>
+            <a:bodyPr rtlCol="0" anchor="ctr"/>
+            <a:lstStyle/>
+            <a:p>
+              <a:pPr algn="ctr"/>
+              <a:endParaRPr lang="en-US"/>
+            </a:p>
+          </p:txBody>
+        </p:sp>
+        <p:sp>
+          <p:nvSpPr>
+            <p:cNvPr id="46" name="Oval 45">
+              <a:extLst>
+                <a:ext uri="{FF2B5EF4-FFF2-40B4-BE49-F238E27FC236}">
+                  <a16:creationId xmlns:a16="http://schemas.microsoft.com/office/drawing/2014/main" id="{10FA24EB-8364-48FC-A1D6-F0E09B0335FE}"/>
+                </a:ext>
+              </a:extLst>
+            </p:cNvPr>
+            <p:cNvSpPr/>
+            <p:nvPr/>
+          </p:nvSpPr>
+          <p:spPr>
+            <a:xfrm>
+              <a:off x="7141878" y="4116342"/>
+              <a:ext cx="237744" cy="237744"/>
+            </a:xfrm>
+            <a:prstGeom prst="ellipse">
+              <a:avLst/>
+            </a:prstGeom>
+            <a:solidFill>
+              <a:schemeClr val="accent4">
+                <a:alpha val="40000"/>
+              </a:schemeClr>
+            </a:solidFill>
+            <a:ln>
+              <a:solidFill>
+                <a:schemeClr val="tx1"/>
+              </a:solidFill>
+            </a:ln>
+          </p:spPr>
+          <p:style>
+            <a:lnRef idx="2">
+              <a:schemeClr val="accent1">
+                <a:shade val="50000"/>
+              </a:schemeClr>
+            </a:lnRef>
+            <a:fillRef idx="1">
+              <a:schemeClr val="accent1"/>
+            </a:fillRef>
+            <a:effectRef idx="0">
+              <a:schemeClr val="accent1"/>
+            </a:effectRef>
+            <a:fontRef idx="minor">
+              <a:schemeClr val="lt1"/>
+            </a:fontRef>
+          </p:style>
+          <p:txBody>
+            <a:bodyPr rtlCol="0" anchor="ctr"/>
+            <a:lstStyle/>
+            <a:p>
+              <a:pPr algn="ctr"/>
+              <a:endParaRPr lang="en-US"/>
+            </a:p>
+          </p:txBody>
+        </p:sp>
+        <p:sp>
+          <p:nvSpPr>
+            <p:cNvPr id="47" name="Oval 46">
+              <a:extLst>
+                <a:ext uri="{FF2B5EF4-FFF2-40B4-BE49-F238E27FC236}">
+                  <a16:creationId xmlns:a16="http://schemas.microsoft.com/office/drawing/2014/main" id="{14583094-0729-45FD-AA3B-39EDD9506C31}"/>
+                </a:ext>
+              </a:extLst>
+            </p:cNvPr>
+            <p:cNvSpPr/>
+            <p:nvPr/>
+          </p:nvSpPr>
+          <p:spPr>
+            <a:xfrm>
+              <a:off x="7396247" y="4682573"/>
+              <a:ext cx="237744" cy="237744"/>
+            </a:xfrm>
+            <a:prstGeom prst="ellipse">
+              <a:avLst/>
+            </a:prstGeom>
+            <a:solidFill>
+              <a:schemeClr val="accent4">
+                <a:alpha val="65000"/>
+              </a:schemeClr>
+            </a:solidFill>
+            <a:ln>
+              <a:solidFill>
+                <a:schemeClr val="tx1"/>
+              </a:solidFill>
+            </a:ln>
+          </p:spPr>
+          <p:style>
+            <a:lnRef idx="2">
+              <a:schemeClr val="accent1">
+                <a:shade val="50000"/>
+              </a:schemeClr>
+            </a:lnRef>
+            <a:fillRef idx="1">
+              <a:schemeClr val="accent1"/>
+            </a:fillRef>
+            <a:effectRef idx="0">
+              <a:schemeClr val="accent1"/>
+            </a:effectRef>
+            <a:fontRef idx="minor">
+              <a:schemeClr val="lt1"/>
+            </a:fontRef>
+          </p:style>
+          <p:txBody>
+            <a:bodyPr rtlCol="0" anchor="ctr"/>
+            <a:lstStyle/>
+            <a:p>
+              <a:pPr algn="ctr"/>
+              <a:endParaRPr lang="en-US"/>
+            </a:p>
+          </p:txBody>
+        </p:sp>
+        <p:sp>
+          <p:nvSpPr>
+            <p:cNvPr id="48" name="Oval 47">
+              <a:extLst>
+                <a:ext uri="{FF2B5EF4-FFF2-40B4-BE49-F238E27FC236}">
+                  <a16:creationId xmlns:a16="http://schemas.microsoft.com/office/drawing/2014/main" id="{588CB119-3774-43D8-89DE-ADDD4803B0B8}"/>
+                </a:ext>
+              </a:extLst>
+            </p:cNvPr>
+            <p:cNvSpPr/>
+            <p:nvPr/>
+          </p:nvSpPr>
+          <p:spPr>
+            <a:xfrm>
+              <a:off x="7875446" y="5640500"/>
+              <a:ext cx="237744" cy="237744"/>
+            </a:xfrm>
+            <a:prstGeom prst="ellipse">
+              <a:avLst/>
+            </a:prstGeom>
+            <a:solidFill>
+              <a:schemeClr val="accent4">
+                <a:alpha val="85000"/>
+              </a:schemeClr>
+            </a:solidFill>
+            <a:ln>
+              <a:solidFill>
+                <a:schemeClr val="tx1"/>
+              </a:solidFill>
+            </a:ln>
+          </p:spPr>
+          <p:style>
+            <a:lnRef idx="2">
+              <a:schemeClr val="accent1">
+                <a:shade val="50000"/>
+              </a:schemeClr>
+            </a:lnRef>
+            <a:fillRef idx="1">
+              <a:schemeClr val="accent1"/>
+            </a:fillRef>
+            <a:effectRef idx="0">
+              <a:schemeClr val="accent1"/>
+            </a:effectRef>
+            <a:fontRef idx="minor">
+              <a:schemeClr val="lt1"/>
+            </a:fontRef>
+          </p:style>
+          <p:txBody>
+            <a:bodyPr rtlCol="0" anchor="ctr"/>
+            <a:lstStyle/>
+            <a:p>
+              <a:pPr algn="ctr"/>
+              <a:endParaRPr lang="en-US"/>
+            </a:p>
+          </p:txBody>
+        </p:sp>
+        <p:sp>
+          <p:nvSpPr>
+            <p:cNvPr id="49" name="Oval 48">
+              <a:extLst>
+                <a:ext uri="{FF2B5EF4-FFF2-40B4-BE49-F238E27FC236}">
+                  <a16:creationId xmlns:a16="http://schemas.microsoft.com/office/drawing/2014/main" id="{EC36FB84-EC4F-44ED-842D-D37E0D34AC38}"/>
+                </a:ext>
+              </a:extLst>
+            </p:cNvPr>
+            <p:cNvSpPr/>
+            <p:nvPr/>
+          </p:nvSpPr>
+          <p:spPr>
+            <a:xfrm>
+              <a:off x="7124957" y="6219771"/>
+              <a:ext cx="237744" cy="237744"/>
+            </a:xfrm>
+            <a:prstGeom prst="ellipse">
+              <a:avLst/>
+            </a:prstGeom>
+            <a:solidFill>
+              <a:srgbClr val="7030A0">
+                <a:alpha val="85000"/>
+              </a:srgbClr>
+            </a:solidFill>
+            <a:ln>
+              <a:solidFill>
+                <a:schemeClr val="tx1"/>
+              </a:solidFill>
+            </a:ln>
+          </p:spPr>
+          <p:style>
+            <a:lnRef idx="2">
+              <a:schemeClr val="accent1">
+                <a:shade val="50000"/>
+              </a:schemeClr>
+            </a:lnRef>
+            <a:fillRef idx="1">
+              <a:schemeClr val="accent1"/>
+            </a:fillRef>
+            <a:effectRef idx="0">
+              <a:schemeClr val="accent1"/>
+            </a:effectRef>
+            <a:fontRef idx="minor">
+              <a:schemeClr val="lt1"/>
+            </a:fontRef>
+          </p:style>
+          <p:txBody>
+            <a:bodyPr rtlCol="0" anchor="ctr"/>
+            <a:lstStyle/>
+            <a:p>
+              <a:pPr algn="ctr"/>
+              <a:endParaRPr lang="en-US"/>
+            </a:p>
+          </p:txBody>
+        </p:sp>
+        <p:sp>
+          <p:nvSpPr>
+            <p:cNvPr id="50" name="Oval 49">
+              <a:extLst>
+                <a:ext uri="{FF2B5EF4-FFF2-40B4-BE49-F238E27FC236}">
+                  <a16:creationId xmlns:a16="http://schemas.microsoft.com/office/drawing/2014/main" id="{7CB129CE-9EA3-465F-8253-3F902EC115DA}"/>
+                </a:ext>
+              </a:extLst>
+            </p:cNvPr>
+            <p:cNvSpPr/>
+            <p:nvPr/>
+          </p:nvSpPr>
+          <p:spPr>
+            <a:xfrm>
+              <a:off x="8824760" y="4658720"/>
+              <a:ext cx="237744" cy="237744"/>
+            </a:xfrm>
+            <a:prstGeom prst="ellipse">
+              <a:avLst/>
+            </a:prstGeom>
+            <a:solidFill>
+              <a:srgbClr val="00B0F0">
+                <a:alpha val="20000"/>
+              </a:srgbClr>
+            </a:solidFill>
+            <a:ln>
+              <a:solidFill>
+                <a:schemeClr val="tx1"/>
+              </a:solidFill>
+            </a:ln>
+          </p:spPr>
+          <p:style>
+            <a:lnRef idx="2">
+              <a:schemeClr val="accent1">
+                <a:shade val="50000"/>
+              </a:schemeClr>
+            </a:lnRef>
+            <a:fillRef idx="1">
+              <a:schemeClr val="accent1"/>
+            </a:fillRef>
+            <a:effectRef idx="0">
+              <a:schemeClr val="accent1"/>
+            </a:effectRef>
+            <a:fontRef idx="minor">
+              <a:schemeClr val="lt1"/>
+            </a:fontRef>
+          </p:style>
+          <p:txBody>
+            <a:bodyPr rtlCol="0" anchor="ctr"/>
+            <a:lstStyle/>
+            <a:p>
+              <a:pPr algn="ctr"/>
+              <a:endParaRPr lang="en-US"/>
+            </a:p>
+          </p:txBody>
+        </p:sp>
+        <p:sp>
+          <p:nvSpPr>
+            <p:cNvPr id="51" name="Oval 50">
+              <a:extLst>
+                <a:ext uri="{FF2B5EF4-FFF2-40B4-BE49-F238E27FC236}">
+                  <a16:creationId xmlns:a16="http://schemas.microsoft.com/office/drawing/2014/main" id="{57BF44A4-AE73-47ED-9699-D8D083839195}"/>
+                </a:ext>
+              </a:extLst>
+            </p:cNvPr>
+            <p:cNvSpPr/>
+            <p:nvPr/>
+          </p:nvSpPr>
+          <p:spPr>
+            <a:xfrm>
+              <a:off x="8922366" y="5442238"/>
+              <a:ext cx="237744" cy="237744"/>
+            </a:xfrm>
+            <a:prstGeom prst="ellipse">
+              <a:avLst/>
+            </a:prstGeom>
+            <a:solidFill>
+              <a:srgbClr val="00B0F0">
+                <a:alpha val="40000"/>
+              </a:srgbClr>
+            </a:solidFill>
+            <a:ln>
+              <a:solidFill>
+                <a:schemeClr val="tx1"/>
+              </a:solidFill>
+            </a:ln>
+          </p:spPr>
+          <p:style>
+            <a:lnRef idx="2">
+              <a:schemeClr val="accent1">
+                <a:shade val="50000"/>
+              </a:schemeClr>
+            </a:lnRef>
+            <a:fillRef idx="1">
+              <a:schemeClr val="accent1"/>
+            </a:fillRef>
+            <a:effectRef idx="0">
+              <a:schemeClr val="accent1"/>
+            </a:effectRef>
+            <a:fontRef idx="minor">
+              <a:schemeClr val="lt1"/>
+            </a:fontRef>
+          </p:style>
+          <p:txBody>
+            <a:bodyPr rtlCol="0" anchor="ctr"/>
+            <a:lstStyle/>
+            <a:p>
+              <a:pPr algn="ctr"/>
+              <a:endParaRPr lang="en-US"/>
+            </a:p>
+          </p:txBody>
+        </p:sp>
+        <p:sp>
+          <p:nvSpPr>
+            <p:cNvPr id="52" name="Oval 51">
+              <a:extLst>
+                <a:ext uri="{FF2B5EF4-FFF2-40B4-BE49-F238E27FC236}">
+                  <a16:creationId xmlns:a16="http://schemas.microsoft.com/office/drawing/2014/main" id="{C13C17B0-7693-4A52-912E-25C017990840}"/>
+                </a:ext>
+              </a:extLst>
+            </p:cNvPr>
+            <p:cNvSpPr/>
+            <p:nvPr/>
+          </p:nvSpPr>
+          <p:spPr>
+            <a:xfrm>
+              <a:off x="9019972" y="6230404"/>
+              <a:ext cx="237744" cy="237744"/>
+            </a:xfrm>
+            <a:prstGeom prst="ellipse">
+              <a:avLst/>
+            </a:prstGeom>
+            <a:solidFill>
+              <a:srgbClr val="00B0F0">
+                <a:alpha val="60000"/>
+              </a:srgbClr>
+            </a:solidFill>
+            <a:ln>
+              <a:solidFill>
+                <a:schemeClr val="tx1"/>
+              </a:solidFill>
+            </a:ln>
+          </p:spPr>
+          <p:style>
+            <a:lnRef idx="2">
+              <a:schemeClr val="accent1">
+                <a:shade val="50000"/>
+              </a:schemeClr>
+            </a:lnRef>
+            <a:fillRef idx="1">
+              <a:schemeClr val="accent1"/>
+            </a:fillRef>
+            <a:effectRef idx="0">
+              <a:schemeClr val="accent1"/>
+            </a:effectRef>
+            <a:fontRef idx="minor">
+              <a:schemeClr val="lt1"/>
+            </a:fontRef>
+          </p:style>
+          <p:txBody>
+            <a:bodyPr rtlCol="0" anchor="ctr"/>
+            <a:lstStyle/>
+            <a:p>
+              <a:pPr algn="ctr"/>
+              <a:endParaRPr lang="en-US"/>
+            </a:p>
+          </p:txBody>
+        </p:sp>
+        <p:sp>
+          <p:nvSpPr>
+            <p:cNvPr id="54" name="Oval 53">
+              <a:extLst>
+                <a:ext uri="{FF2B5EF4-FFF2-40B4-BE49-F238E27FC236}">
+                  <a16:creationId xmlns:a16="http://schemas.microsoft.com/office/drawing/2014/main" id="{F0AD433D-B910-44CE-8D29-B35E2B4168B7}"/>
+                </a:ext>
+              </a:extLst>
+            </p:cNvPr>
+            <p:cNvSpPr/>
+            <p:nvPr/>
+          </p:nvSpPr>
+          <p:spPr>
+            <a:xfrm>
+              <a:off x="7848573" y="5844912"/>
+              <a:ext cx="237744" cy="237744"/>
+            </a:xfrm>
+            <a:prstGeom prst="ellipse">
+              <a:avLst/>
+            </a:prstGeom>
+            <a:solidFill>
+              <a:schemeClr val="accent2">
+                <a:alpha val="60000"/>
+              </a:schemeClr>
+            </a:solidFill>
+            <a:ln>
+              <a:solidFill>
+                <a:schemeClr val="tx1"/>
+              </a:solidFill>
+            </a:ln>
+          </p:spPr>
+          <p:style>
+            <a:lnRef idx="2">
+              <a:schemeClr val="accent1">
+                <a:shade val="50000"/>
+              </a:schemeClr>
+            </a:lnRef>
+            <a:fillRef idx="1">
+              <a:schemeClr val="accent1"/>
+            </a:fillRef>
+            <a:effectRef idx="0">
+              <a:schemeClr val="accent1"/>
+            </a:effectRef>
+            <a:fontRef idx="minor">
+              <a:schemeClr val="lt1"/>
+            </a:fontRef>
+          </p:style>
+          <p:txBody>
+            <a:bodyPr rtlCol="0" anchor="ctr"/>
+            <a:lstStyle/>
+            <a:p>
+              <a:pPr algn="ctr"/>
+              <a:endParaRPr lang="en-US"/>
+            </a:p>
+          </p:txBody>
+        </p:sp>
+        <p:sp>
+          <p:nvSpPr>
+            <p:cNvPr id="55" name="Oval 54">
+              <a:extLst>
+                <a:ext uri="{FF2B5EF4-FFF2-40B4-BE49-F238E27FC236}">
+                  <a16:creationId xmlns:a16="http://schemas.microsoft.com/office/drawing/2014/main" id="{4A53B405-3361-418C-8729-DCDE0A23E2D3}"/>
+                </a:ext>
+              </a:extLst>
+            </p:cNvPr>
+            <p:cNvSpPr/>
+            <p:nvPr/>
+          </p:nvSpPr>
+          <p:spPr>
+            <a:xfrm>
+              <a:off x="7388965" y="4739562"/>
+              <a:ext cx="237744" cy="237744"/>
+            </a:xfrm>
+            <a:prstGeom prst="ellipse">
+              <a:avLst/>
+            </a:prstGeom>
+            <a:solidFill>
+              <a:schemeClr val="accent2">
+                <a:alpha val="60000"/>
+              </a:schemeClr>
+            </a:solidFill>
+            <a:ln>
+              <a:solidFill>
+                <a:schemeClr val="tx1"/>
+              </a:solidFill>
+            </a:ln>
+          </p:spPr>
+          <p:style>
+            <a:lnRef idx="2">
+              <a:schemeClr val="accent1">
+                <a:shade val="50000"/>
+              </a:schemeClr>
+            </a:lnRef>
+            <a:fillRef idx="1">
+              <a:schemeClr val="accent1"/>
+            </a:fillRef>
+            <a:effectRef idx="0">
+              <a:schemeClr val="accent1"/>
+            </a:effectRef>
+            <a:fontRef idx="minor">
+              <a:schemeClr val="lt1"/>
+            </a:fontRef>
+          </p:style>
+          <p:txBody>
+            <a:bodyPr rtlCol="0" anchor="ctr"/>
+            <a:lstStyle/>
+            <a:p>
+              <a:pPr algn="ctr"/>
+              <a:endParaRPr lang="en-US"/>
+            </a:p>
+          </p:txBody>
+        </p:sp>
+        <p:sp>
+          <p:nvSpPr>
+            <p:cNvPr id="56" name="Oval 55">
+              <a:extLst>
+                <a:ext uri="{FF2B5EF4-FFF2-40B4-BE49-F238E27FC236}">
+                  <a16:creationId xmlns:a16="http://schemas.microsoft.com/office/drawing/2014/main" id="{795CC560-0D77-4CCD-B076-F00A67B07F32}"/>
+                </a:ext>
+              </a:extLst>
+            </p:cNvPr>
+            <p:cNvSpPr/>
+            <p:nvPr/>
+          </p:nvSpPr>
+          <p:spPr>
+            <a:xfrm>
+              <a:off x="16819183" y="4660734"/>
+              <a:ext cx="237744" cy="237744"/>
+            </a:xfrm>
+            <a:prstGeom prst="ellipse">
+              <a:avLst/>
+            </a:prstGeom>
+            <a:solidFill>
+              <a:srgbClr val="00B0F0">
+                <a:alpha val="20000"/>
+              </a:srgbClr>
+            </a:solidFill>
+            <a:ln>
+              <a:solidFill>
+                <a:schemeClr val="tx1"/>
+              </a:solidFill>
+            </a:ln>
+          </p:spPr>
+          <p:style>
+            <a:lnRef idx="2">
+              <a:schemeClr val="accent1">
+                <a:shade val="50000"/>
+              </a:schemeClr>
+            </a:lnRef>
+            <a:fillRef idx="1">
+              <a:schemeClr val="accent1"/>
+            </a:fillRef>
+            <a:effectRef idx="0">
+              <a:schemeClr val="accent1"/>
+            </a:effectRef>
+            <a:fontRef idx="minor">
+              <a:schemeClr val="lt1"/>
+            </a:fontRef>
+          </p:style>
+          <p:txBody>
+            <a:bodyPr rtlCol="0" anchor="ctr"/>
+            <a:lstStyle/>
+            <a:p>
+              <a:pPr algn="ctr"/>
+              <a:endParaRPr lang="en-US"/>
+            </a:p>
+          </p:txBody>
+        </p:sp>
+        <p:sp>
+          <p:nvSpPr>
+            <p:cNvPr id="57" name="Oval 56">
+              <a:extLst>
+                <a:ext uri="{FF2B5EF4-FFF2-40B4-BE49-F238E27FC236}">
+                  <a16:creationId xmlns:a16="http://schemas.microsoft.com/office/drawing/2014/main" id="{C4D45120-0C1A-4E74-94DE-7936D293E844}"/>
+                </a:ext>
+              </a:extLst>
+            </p:cNvPr>
+            <p:cNvSpPr/>
+            <p:nvPr/>
+          </p:nvSpPr>
+          <p:spPr>
+            <a:xfrm>
+              <a:off x="17625500" y="5439581"/>
+              <a:ext cx="237744" cy="237744"/>
+            </a:xfrm>
+            <a:prstGeom prst="ellipse">
+              <a:avLst/>
+            </a:prstGeom>
+            <a:solidFill>
+              <a:srgbClr val="00B0F0">
+                <a:alpha val="40000"/>
+              </a:srgbClr>
+            </a:solidFill>
+            <a:ln>
+              <a:solidFill>
+                <a:schemeClr val="tx1"/>
+              </a:solidFill>
+            </a:ln>
+          </p:spPr>
+          <p:style>
+            <a:lnRef idx="2">
+              <a:schemeClr val="accent1">
+                <a:shade val="50000"/>
+              </a:schemeClr>
+            </a:lnRef>
+            <a:fillRef idx="1">
+              <a:schemeClr val="accent1"/>
+            </a:fillRef>
+            <a:effectRef idx="0">
+              <a:schemeClr val="accent1"/>
+            </a:effectRef>
+            <a:fontRef idx="minor">
+              <a:schemeClr val="lt1"/>
+            </a:fontRef>
+          </p:style>
+          <p:txBody>
+            <a:bodyPr rtlCol="0" anchor="ctr"/>
+            <a:lstStyle/>
+            <a:p>
+              <a:pPr algn="ctr"/>
+              <a:endParaRPr lang="en-US"/>
+            </a:p>
+          </p:txBody>
+        </p:sp>
+        <p:sp>
+          <p:nvSpPr>
+            <p:cNvPr id="58" name="Oval 57">
+              <a:extLst>
+                <a:ext uri="{FF2B5EF4-FFF2-40B4-BE49-F238E27FC236}">
+                  <a16:creationId xmlns:a16="http://schemas.microsoft.com/office/drawing/2014/main" id="{A90335BE-939C-4E53-B93E-A406307C45DC}"/>
+                </a:ext>
+              </a:extLst>
+            </p:cNvPr>
+            <p:cNvSpPr/>
+            <p:nvPr/>
+          </p:nvSpPr>
+          <p:spPr>
+            <a:xfrm>
+              <a:off x="18441839" y="6227747"/>
+              <a:ext cx="237744" cy="237744"/>
+            </a:xfrm>
+            <a:prstGeom prst="ellipse">
+              <a:avLst/>
+            </a:prstGeom>
+            <a:solidFill>
+              <a:srgbClr val="00B0F0">
+                <a:alpha val="60000"/>
+              </a:srgbClr>
+            </a:solidFill>
+            <a:ln>
+              <a:solidFill>
+                <a:schemeClr val="tx1"/>
+              </a:solidFill>
+            </a:ln>
+          </p:spPr>
+          <p:style>
+            <a:lnRef idx="2">
+              <a:schemeClr val="accent1">
+                <a:shade val="50000"/>
+              </a:schemeClr>
+            </a:lnRef>
+            <a:fillRef idx="1">
+              <a:schemeClr val="accent1"/>
+            </a:fillRef>
+            <a:effectRef idx="0">
+              <a:schemeClr val="accent1"/>
+            </a:effectRef>
+            <a:fontRef idx="minor">
+              <a:schemeClr val="lt1"/>
+            </a:fontRef>
+          </p:style>
+          <p:txBody>
+            <a:bodyPr rtlCol="0" anchor="ctr"/>
+            <a:lstStyle/>
+            <a:p>
+              <a:pPr algn="ctr"/>
+              <a:endParaRPr lang="en-US"/>
+            </a:p>
+          </p:txBody>
+        </p:sp>
+        <p:sp>
+          <p:nvSpPr>
+            <p:cNvPr id="63" name="Oval 62">
+              <a:extLst>
+                <a:ext uri="{FF2B5EF4-FFF2-40B4-BE49-F238E27FC236}">
+                  <a16:creationId xmlns:a16="http://schemas.microsoft.com/office/drawing/2014/main" id="{D1AE4156-44B6-409A-BDC0-79E12FCB072F}"/>
+                </a:ext>
+              </a:extLst>
+            </p:cNvPr>
+            <p:cNvSpPr/>
+            <p:nvPr/>
+          </p:nvSpPr>
+          <p:spPr>
+            <a:xfrm>
+              <a:off x="6789727" y="5728584"/>
+              <a:ext cx="237744" cy="237744"/>
+            </a:xfrm>
+            <a:prstGeom prst="ellipse">
+              <a:avLst/>
+            </a:prstGeom>
+            <a:solidFill>
+              <a:srgbClr val="7030A0">
+                <a:alpha val="60000"/>
+              </a:srgbClr>
+            </a:solidFill>
+            <a:ln>
+              <a:solidFill>
+                <a:schemeClr val="tx1"/>
+              </a:solidFill>
+            </a:ln>
+          </p:spPr>
+          <p:style>
+            <a:lnRef idx="2">
+              <a:schemeClr val="accent1">
+                <a:shade val="50000"/>
+              </a:schemeClr>
+            </a:lnRef>
+            <a:fillRef idx="1">
+              <a:schemeClr val="accent1"/>
+            </a:fillRef>
+            <a:effectRef idx="0">
+              <a:schemeClr val="accent1"/>
+            </a:effectRef>
+            <a:fontRef idx="minor">
+              <a:schemeClr val="lt1"/>
+            </a:fontRef>
+          </p:style>
+          <p:txBody>
+            <a:bodyPr rtlCol="0" anchor="ctr"/>
+            <a:lstStyle/>
+            <a:p>
+              <a:pPr algn="ctr"/>
+              <a:endParaRPr lang="en-US"/>
+            </a:p>
+          </p:txBody>
+        </p:sp>
+        <p:sp>
+          <p:nvSpPr>
+            <p:cNvPr id="65" name="Oval 64">
+              <a:extLst>
+                <a:ext uri="{FF2B5EF4-FFF2-40B4-BE49-F238E27FC236}">
+                  <a16:creationId xmlns:a16="http://schemas.microsoft.com/office/drawing/2014/main" id="{44901E3B-F3C0-4855-A127-8E83F39BE357}"/>
+                </a:ext>
+              </a:extLst>
+            </p:cNvPr>
+            <p:cNvSpPr/>
+            <p:nvPr/>
+          </p:nvSpPr>
+          <p:spPr>
+            <a:xfrm>
+              <a:off x="6245233" y="4774910"/>
+              <a:ext cx="237744" cy="237744"/>
+            </a:xfrm>
+            <a:prstGeom prst="ellipse">
+              <a:avLst/>
+            </a:prstGeom>
+            <a:solidFill>
+              <a:srgbClr val="7030A0">
+                <a:alpha val="40000"/>
+              </a:srgbClr>
+            </a:solidFill>
+            <a:ln>
+              <a:solidFill>
+                <a:schemeClr val="tx1"/>
+              </a:solidFill>
+            </a:ln>
+          </p:spPr>
+          <p:style>
+            <a:lnRef idx="2">
+              <a:schemeClr val="accent1">
+                <a:shade val="50000"/>
+              </a:schemeClr>
+            </a:lnRef>
+            <a:fillRef idx="1">
+              <a:schemeClr val="accent1"/>
+            </a:fillRef>
+            <a:effectRef idx="0">
+              <a:schemeClr val="accent1"/>
+            </a:effectRef>
+            <a:fontRef idx="minor">
+              <a:schemeClr val="lt1"/>
+            </a:fontRef>
+          </p:style>
+          <p:txBody>
+            <a:bodyPr rtlCol="0" anchor="ctr"/>
+            <a:lstStyle/>
+            <a:p>
+              <a:pPr algn="ctr"/>
+              <a:endParaRPr lang="en-US"/>
+            </a:p>
+          </p:txBody>
+        </p:sp>
+        <p:sp>
+          <p:nvSpPr>
+            <p:cNvPr id="66" name="Oval 65">
+              <a:extLst>
+                <a:ext uri="{FF2B5EF4-FFF2-40B4-BE49-F238E27FC236}">
+                  <a16:creationId xmlns:a16="http://schemas.microsoft.com/office/drawing/2014/main" id="{B2AA2868-13C7-4D9F-81F4-44701713219E}"/>
+                </a:ext>
+              </a:extLst>
+            </p:cNvPr>
+            <p:cNvSpPr/>
+            <p:nvPr/>
+          </p:nvSpPr>
+          <p:spPr>
+            <a:xfrm>
+              <a:off x="5957028" y="4191238"/>
+              <a:ext cx="237744" cy="237744"/>
+            </a:xfrm>
+            <a:prstGeom prst="ellipse">
+              <a:avLst/>
+            </a:prstGeom>
+            <a:solidFill>
+              <a:srgbClr val="7030A0">
+                <a:alpha val="20000"/>
+              </a:srgbClr>
+            </a:solidFill>
+            <a:ln>
+              <a:solidFill>
+                <a:schemeClr val="tx1"/>
+              </a:solidFill>
+            </a:ln>
+          </p:spPr>
+          <p:style>
+            <a:lnRef idx="2">
+              <a:schemeClr val="accent1">
+                <a:shade val="50000"/>
+              </a:schemeClr>
+            </a:lnRef>
+            <a:fillRef idx="1">
+              <a:schemeClr val="accent1"/>
+            </a:fillRef>
+            <a:effectRef idx="0">
+              <a:schemeClr val="accent1"/>
+            </a:effectRef>
+            <a:fontRef idx="minor">
+              <a:schemeClr val="lt1"/>
+            </a:fontRef>
+          </p:style>
+          <p:txBody>
+            <a:bodyPr rtlCol="0" anchor="ctr"/>
+            <a:lstStyle/>
+            <a:p>
+              <a:pPr algn="ctr"/>
+              <a:endParaRPr lang="en-US"/>
+            </a:p>
+          </p:txBody>
+        </p:sp>
+        <p:sp>
+          <p:nvSpPr>
+            <p:cNvPr id="68" name="Oval 67">
+              <a:extLst>
+                <a:ext uri="{FF2B5EF4-FFF2-40B4-BE49-F238E27FC236}">
+                  <a16:creationId xmlns:a16="http://schemas.microsoft.com/office/drawing/2014/main" id="{E48B4BF2-5A99-47B5-8995-0B5A505A8217}"/>
+                </a:ext>
+              </a:extLst>
+            </p:cNvPr>
+            <p:cNvSpPr/>
+            <p:nvPr/>
+          </p:nvSpPr>
+          <p:spPr>
+            <a:xfrm>
+              <a:off x="14340867" y="5728584"/>
+              <a:ext cx="237744" cy="237744"/>
+            </a:xfrm>
+            <a:prstGeom prst="ellipse">
+              <a:avLst/>
+            </a:prstGeom>
+            <a:solidFill>
+              <a:srgbClr val="7030A0">
+                <a:alpha val="60000"/>
+              </a:srgbClr>
+            </a:solidFill>
+            <a:ln>
+              <a:solidFill>
+                <a:schemeClr val="tx1"/>
+              </a:solidFill>
+            </a:ln>
+          </p:spPr>
+          <p:style>
+            <a:lnRef idx="2">
+              <a:schemeClr val="accent1">
+                <a:shade val="50000"/>
+              </a:schemeClr>
+            </a:lnRef>
+            <a:fillRef idx="1">
+              <a:schemeClr val="accent1"/>
+            </a:fillRef>
+            <a:effectRef idx="0">
+              <a:schemeClr val="accent1"/>
+            </a:effectRef>
+            <a:fontRef idx="minor">
+              <a:schemeClr val="lt1"/>
+            </a:fontRef>
+          </p:style>
+          <p:txBody>
+            <a:bodyPr rtlCol="0" anchor="ctr"/>
+            <a:lstStyle/>
+            <a:p>
+              <a:pPr algn="ctr"/>
+              <a:endParaRPr lang="en-US"/>
+            </a:p>
+          </p:txBody>
+        </p:sp>
+        <p:sp>
+          <p:nvSpPr>
+            <p:cNvPr id="69" name="Oval 68">
+              <a:extLst>
+                <a:ext uri="{FF2B5EF4-FFF2-40B4-BE49-F238E27FC236}">
+                  <a16:creationId xmlns:a16="http://schemas.microsoft.com/office/drawing/2014/main" id="{C2C50923-32C5-4469-93B3-64AEC71F3056}"/>
+                </a:ext>
+              </a:extLst>
+            </p:cNvPr>
+            <p:cNvSpPr/>
+            <p:nvPr/>
+          </p:nvSpPr>
+          <p:spPr>
+            <a:xfrm>
+              <a:off x="13359052" y="4774910"/>
+              <a:ext cx="237744" cy="237744"/>
+            </a:xfrm>
+            <a:prstGeom prst="ellipse">
+              <a:avLst/>
+            </a:prstGeom>
+            <a:solidFill>
+              <a:srgbClr val="7030A0">
+                <a:alpha val="40000"/>
+              </a:srgbClr>
+            </a:solidFill>
+            <a:ln>
+              <a:solidFill>
+                <a:schemeClr val="tx1"/>
+              </a:solidFill>
+            </a:ln>
+          </p:spPr>
+          <p:style>
+            <a:lnRef idx="2">
+              <a:schemeClr val="accent1">
+                <a:shade val="50000"/>
+              </a:schemeClr>
+            </a:lnRef>
+            <a:fillRef idx="1">
+              <a:schemeClr val="accent1"/>
+            </a:fillRef>
+            <a:effectRef idx="0">
+              <a:schemeClr val="accent1"/>
+            </a:effectRef>
+            <a:fontRef idx="minor">
+              <a:schemeClr val="lt1"/>
+            </a:fontRef>
+          </p:style>
+          <p:txBody>
+            <a:bodyPr rtlCol="0" anchor="ctr"/>
+            <a:lstStyle/>
+            <a:p>
+              <a:pPr algn="ctr"/>
+              <a:endParaRPr lang="en-US"/>
+            </a:p>
+          </p:txBody>
+        </p:sp>
+        <p:sp>
+          <p:nvSpPr>
+            <p:cNvPr id="74" name="Oval 73">
+              <a:extLst>
+                <a:ext uri="{FF2B5EF4-FFF2-40B4-BE49-F238E27FC236}">
+                  <a16:creationId xmlns:a16="http://schemas.microsoft.com/office/drawing/2014/main" id="{8749E2CE-02CB-4946-9E98-3C76BE77D4A5}"/>
+                </a:ext>
+              </a:extLst>
+            </p:cNvPr>
+            <p:cNvSpPr/>
+            <p:nvPr/>
+          </p:nvSpPr>
+          <p:spPr>
+            <a:xfrm>
+              <a:off x="12752796" y="4191238"/>
+              <a:ext cx="237744" cy="237744"/>
+            </a:xfrm>
+            <a:prstGeom prst="ellipse">
+              <a:avLst/>
+            </a:prstGeom>
+            <a:solidFill>
+              <a:srgbClr val="7030A0">
+                <a:alpha val="20000"/>
+              </a:srgbClr>
+            </a:solidFill>
+            <a:ln>
+              <a:solidFill>
+                <a:schemeClr val="tx1"/>
+              </a:solidFill>
+            </a:ln>
+          </p:spPr>
+          <p:style>
+            <a:lnRef idx="2">
+              <a:schemeClr val="accent1">
+                <a:shade val="50000"/>
+              </a:schemeClr>
+            </a:lnRef>
+            <a:fillRef idx="1">
+              <a:schemeClr val="accent1"/>
+            </a:fillRef>
+            <a:effectRef idx="0">
+              <a:schemeClr val="accent1"/>
+            </a:effectRef>
+            <a:fontRef idx="minor">
+              <a:schemeClr val="lt1"/>
+            </a:fontRef>
+          </p:style>
+          <p:txBody>
+            <a:bodyPr rtlCol="0" anchor="ctr"/>
+            <a:lstStyle/>
+            <a:p>
+              <a:pPr algn="ctr"/>
+              <a:endParaRPr lang="en-US"/>
+            </a:p>
+          </p:txBody>
+        </p:sp>
+        <p:sp>
+          <p:nvSpPr>
+            <p:cNvPr id="76" name="Oval 75">
+              <a:extLst>
+                <a:ext uri="{FF2B5EF4-FFF2-40B4-BE49-F238E27FC236}">
+                  <a16:creationId xmlns:a16="http://schemas.microsoft.com/office/drawing/2014/main" id="{D2C43FE1-0574-4D55-BC3C-EC8B9AAEBE83}"/>
+                </a:ext>
+              </a:extLst>
+            </p:cNvPr>
+            <p:cNvSpPr/>
+            <p:nvPr/>
+          </p:nvSpPr>
+          <p:spPr>
+            <a:xfrm>
+              <a:off x="18049714" y="5858107"/>
+              <a:ext cx="237744" cy="237744"/>
+            </a:xfrm>
+            <a:prstGeom prst="ellipse">
+              <a:avLst/>
+            </a:prstGeom>
+            <a:solidFill>
+              <a:schemeClr val="accent2">
+                <a:alpha val="60000"/>
+              </a:schemeClr>
+            </a:solidFill>
+            <a:ln>
+              <a:solidFill>
+                <a:schemeClr val="tx1"/>
+              </a:solidFill>
+            </a:ln>
+          </p:spPr>
+          <p:style>
+            <a:lnRef idx="2">
+              <a:schemeClr val="accent1">
+                <a:shade val="50000"/>
+              </a:schemeClr>
+            </a:lnRef>
+            <a:fillRef idx="1">
+              <a:schemeClr val="accent1"/>
+            </a:fillRef>
+            <a:effectRef idx="0">
+              <a:schemeClr val="accent1"/>
+            </a:effectRef>
+            <a:fontRef idx="minor">
+              <a:schemeClr val="lt1"/>
+            </a:fontRef>
+          </p:style>
+          <p:txBody>
+            <a:bodyPr rtlCol="0" anchor="ctr"/>
+            <a:lstStyle/>
+            <a:p>
+              <a:pPr algn="ctr"/>
+              <a:endParaRPr lang="en-US"/>
+            </a:p>
+          </p:txBody>
+        </p:sp>
+        <p:sp>
+          <p:nvSpPr>
+            <p:cNvPr id="77" name="Oval 76">
+              <a:extLst>
+                <a:ext uri="{FF2B5EF4-FFF2-40B4-BE49-F238E27FC236}">
+                  <a16:creationId xmlns:a16="http://schemas.microsoft.com/office/drawing/2014/main" id="{569990B5-D903-4D81-AFE5-7D0005D00CC1}"/>
+                </a:ext>
+              </a:extLst>
+            </p:cNvPr>
+            <p:cNvSpPr/>
+            <p:nvPr/>
+          </p:nvSpPr>
+          <p:spPr>
+            <a:xfrm>
+              <a:off x="16889368" y="4737048"/>
+              <a:ext cx="237744" cy="237744"/>
+            </a:xfrm>
+            <a:prstGeom prst="ellipse">
+              <a:avLst/>
+            </a:prstGeom>
+            <a:solidFill>
+              <a:schemeClr val="accent2">
+                <a:alpha val="60000"/>
+              </a:schemeClr>
+            </a:solidFill>
+            <a:ln>
+              <a:solidFill>
+                <a:schemeClr val="tx1"/>
+              </a:solidFill>
+            </a:ln>
+          </p:spPr>
+          <p:style>
+            <a:lnRef idx="2">
+              <a:schemeClr val="accent1">
+                <a:shade val="50000"/>
+              </a:schemeClr>
+            </a:lnRef>
+            <a:fillRef idx="1">
+              <a:schemeClr val="accent1"/>
+            </a:fillRef>
+            <a:effectRef idx="0">
+              <a:schemeClr val="accent1"/>
+            </a:effectRef>
+            <a:fontRef idx="minor">
+              <a:schemeClr val="lt1"/>
+            </a:fontRef>
+          </p:style>
+          <p:txBody>
+            <a:bodyPr rtlCol="0" anchor="ctr"/>
+            <a:lstStyle/>
+            <a:p>
+              <a:pPr algn="ctr"/>
+              <a:endParaRPr lang="en-US"/>
+            </a:p>
+          </p:txBody>
+        </p:sp>
+      </p:grpSp>
+      <p:grpSp>
+        <p:nvGrpSpPr>
+          <p:cNvPr id="67" name="Group 66">
+            <a:extLst>
+              <a:ext uri="{FF2B5EF4-FFF2-40B4-BE49-F238E27FC236}">
+                <a16:creationId xmlns:a16="http://schemas.microsoft.com/office/drawing/2014/main" id="{3A53E9D1-3857-4047-86EC-B836700193B4}"/>
+              </a:ext>
+            </a:extLst>
+          </p:cNvPr>
+          <p:cNvGrpSpPr/>
+          <p:nvPr/>
+        </p:nvGrpSpPr>
+        <p:grpSpPr>
+          <a:xfrm>
+            <a:off x="5066299" y="11847085"/>
+            <a:ext cx="3953673" cy="538039"/>
+            <a:chOff x="5343387" y="12614499"/>
+            <a:chExt cx="3953673" cy="538039"/>
+          </a:xfrm>
+        </p:grpSpPr>
+        <p:sp>
+          <p:nvSpPr>
+            <p:cNvPr id="78" name="TextBox 77">
+              <a:extLst>
+                <a:ext uri="{FF2B5EF4-FFF2-40B4-BE49-F238E27FC236}">
+                  <a16:creationId xmlns:a16="http://schemas.microsoft.com/office/drawing/2014/main" id="{6480E6AA-8B09-42E6-AA19-DD628635A623}"/>
+                </a:ext>
+              </a:extLst>
+            </p:cNvPr>
+            <p:cNvSpPr txBox="1"/>
+            <p:nvPr/>
+          </p:nvSpPr>
+          <p:spPr>
+            <a:xfrm>
+              <a:off x="5639460" y="12614499"/>
+              <a:ext cx="3657600" cy="538039"/>
+            </a:xfrm>
+            <a:prstGeom prst="rect">
+              <a:avLst/>
+            </a:prstGeom>
+            <a:noFill/>
+          </p:spPr>
+          <p:txBody>
+            <a:bodyPr wrap="square" rtlCol="0">
+              <a:spAutoFit/>
+            </a:bodyPr>
+            <a:lstStyle/>
+            <a:p>
+              <a:pPr algn="ctr"/>
+              <a:r>
+                <a:rPr lang="en-US" sz="2801" dirty="0">
+                  <a:latin typeface="Arial" panose="020B0604020202020204" pitchFamily="34" charset="0"/>
+                  <a:cs typeface="Arial" panose="020B0604020202020204" pitchFamily="34" charset="0"/>
+                </a:rPr>
+                <a:t>This study (GCAM)</a:t>
+              </a:r>
+            </a:p>
+          </p:txBody>
+        </p:sp>
+        <p:sp>
+          <p:nvSpPr>
+            <p:cNvPr id="79" name="Oval 78">
+              <a:extLst>
+                <a:ext uri="{FF2B5EF4-FFF2-40B4-BE49-F238E27FC236}">
+                  <a16:creationId xmlns:a16="http://schemas.microsoft.com/office/drawing/2014/main" id="{75A3DF13-D0D9-4646-8AD0-14FC73B49244}"/>
+                </a:ext>
+              </a:extLst>
+            </p:cNvPr>
+            <p:cNvSpPr/>
+            <p:nvPr/>
+          </p:nvSpPr>
+          <p:spPr>
+            <a:xfrm>
+              <a:off x="5343387" y="12693229"/>
+              <a:ext cx="365760" cy="365760"/>
+            </a:xfrm>
+            <a:prstGeom prst="ellipse">
+              <a:avLst/>
+            </a:prstGeom>
+            <a:gradFill>
+              <a:gsLst>
+                <a:gs pos="0">
+                  <a:srgbClr val="FF0000"/>
+                </a:gs>
+                <a:gs pos="52000">
+                  <a:srgbClr val="FFC000"/>
+                </a:gs>
+                <a:gs pos="28000">
+                  <a:srgbClr val="ED7D31"/>
+                </a:gs>
+                <a:gs pos="76000">
+                  <a:srgbClr val="00B0F0"/>
+                </a:gs>
+                <a:gs pos="100000">
+                  <a:srgbClr val="7030A0"/>
+                </a:gs>
+              </a:gsLst>
+              <a:lin ang="5400000" scaled="1"/>
+            </a:gradFill>
+            <a:ln w="34925">
+              <a:solidFill>
+                <a:schemeClr val="tx1"/>
+              </a:solidFill>
+            </a:ln>
+          </p:spPr>
+          <p:style>
+            <a:lnRef idx="2">
+              <a:schemeClr val="accent1">
+                <a:shade val="50000"/>
+              </a:schemeClr>
+            </a:lnRef>
+            <a:fillRef idx="1">
+              <a:schemeClr val="accent1"/>
+            </a:fillRef>
+            <a:effectRef idx="0">
+              <a:schemeClr val="accent1"/>
+            </a:effectRef>
+            <a:fontRef idx="minor">
+              <a:schemeClr val="lt1"/>
+            </a:fontRef>
+          </p:style>
+          <p:txBody>
+            <a:bodyPr rtlCol="0" anchor="ctr"/>
+            <a:lstStyle/>
+            <a:p>
+              <a:pPr algn="ctr"/>
+              <a:endParaRPr lang="en-US"/>
+            </a:p>
+          </p:txBody>
+        </p:sp>
+      </p:grpSp>
       <p:sp>
         <p:nvSpPr>
           <p:cNvPr id="8" name="TextBox 7">
@@ -18652,7 +24506,7 @@
 </p:sld>
 </file>
 
-<file path=ppt/slides/slide4.xml><?xml version="1.0" encoding="utf-8"?>
+<file path=ppt/slides/slide5.xml><?xml version="1.0" encoding="utf-8"?>
 <p:sld xmlns:a="http://schemas.openxmlformats.org/drawingml/2006/main" xmlns:r="http://schemas.openxmlformats.org/officeDocument/2006/relationships" xmlns:p="http://schemas.openxmlformats.org/presentationml/2006/main">
   <p:cSld>
     <p:spTree>
@@ -22890,7 +28744,7 @@
 </p:sld>
 </file>
 
-<file path=ppt/slides/slide5.xml><?xml version="1.0" encoding="utf-8"?>
+<file path=ppt/slides/slide6.xml><?xml version="1.0" encoding="utf-8"?>
 <p:sld xmlns:a="http://schemas.openxmlformats.org/drawingml/2006/main" xmlns:r="http://schemas.openxmlformats.org/officeDocument/2006/relationships" xmlns:p="http://schemas.openxmlformats.org/presentationml/2006/main">
   <p:cSld>
     <p:spTree>

--- a/output/GCAM/Main/MainFig1_BECCS_LULUCF_FFI_AR6_GCAM.pptx
+++ b/output/GCAM/Main/MainFig1_BECCS_LULUCF_FFI_AR6_GCAM.pptx
@@ -5,12 +5,13 @@
     <p:sldMasterId id="2147483684" r:id="rId1"/>
   </p:sldMasterIdLst>
   <p:sldIdLst>
-    <p:sldId id="263" r:id="rId2"/>
-    <p:sldId id="262" r:id="rId3"/>
-    <p:sldId id="261" r:id="rId4"/>
-    <p:sldId id="260" r:id="rId5"/>
-    <p:sldId id="258" r:id="rId6"/>
-    <p:sldId id="259" r:id="rId7"/>
+    <p:sldId id="265" r:id="rId2"/>
+    <p:sldId id="263" r:id="rId3"/>
+    <p:sldId id="262" r:id="rId4"/>
+    <p:sldId id="261" r:id="rId5"/>
+    <p:sldId id="260" r:id="rId6"/>
+    <p:sldId id="258" r:id="rId7"/>
+    <p:sldId id="259" r:id="rId8"/>
   </p:sldIdLst>
   <p:sldSz cx="21945600" cy="19202400"/>
   <p:notesSz cx="6858000" cy="9144000"/>
@@ -248,7 +249,7 @@
           <a:p>
             <a:fld id="{F4D812FA-322C-410E-8A30-AB73E03FA798}" type="datetimeFigureOut">
               <a:rPr lang="en-US" smtClean="0"/>
-              <a:t>6/19/2023</a:t>
+              <a:t>11/28/2023</a:t>
             </a:fld>
             <a:endParaRPr lang="en-US"/>
           </a:p>
@@ -418,7 +419,7 @@
           <a:p>
             <a:fld id="{F4D812FA-322C-410E-8A30-AB73E03FA798}" type="datetimeFigureOut">
               <a:rPr lang="en-US" smtClean="0"/>
-              <a:t>6/19/2023</a:t>
+              <a:t>11/28/2023</a:t>
             </a:fld>
             <a:endParaRPr lang="en-US"/>
           </a:p>
@@ -598,7 +599,7 @@
           <a:p>
             <a:fld id="{F4D812FA-322C-410E-8A30-AB73E03FA798}" type="datetimeFigureOut">
               <a:rPr lang="en-US" smtClean="0"/>
-              <a:t>6/19/2023</a:t>
+              <a:t>11/28/2023</a:t>
             </a:fld>
             <a:endParaRPr lang="en-US"/>
           </a:p>
@@ -768,7 +769,7 @@
           <a:p>
             <a:fld id="{F4D812FA-322C-410E-8A30-AB73E03FA798}" type="datetimeFigureOut">
               <a:rPr lang="en-US" smtClean="0"/>
-              <a:t>6/19/2023</a:t>
+              <a:t>11/28/2023</a:t>
             </a:fld>
             <a:endParaRPr lang="en-US"/>
           </a:p>
@@ -1012,7 +1013,7 @@
           <a:p>
             <a:fld id="{F4D812FA-322C-410E-8A30-AB73E03FA798}" type="datetimeFigureOut">
               <a:rPr lang="en-US" smtClean="0"/>
-              <a:t>6/19/2023</a:t>
+              <a:t>11/28/2023</a:t>
             </a:fld>
             <a:endParaRPr lang="en-US"/>
           </a:p>
@@ -1244,7 +1245,7 @@
           <a:p>
             <a:fld id="{F4D812FA-322C-410E-8A30-AB73E03FA798}" type="datetimeFigureOut">
               <a:rPr lang="en-US" smtClean="0"/>
-              <a:t>6/19/2023</a:t>
+              <a:t>11/28/2023</a:t>
             </a:fld>
             <a:endParaRPr lang="en-US"/>
           </a:p>
@@ -1611,7 +1612,7 @@
           <a:p>
             <a:fld id="{F4D812FA-322C-410E-8A30-AB73E03FA798}" type="datetimeFigureOut">
               <a:rPr lang="en-US" smtClean="0"/>
-              <a:t>6/19/2023</a:t>
+              <a:t>11/28/2023</a:t>
             </a:fld>
             <a:endParaRPr lang="en-US"/>
           </a:p>
@@ -1729,7 +1730,7 @@
           <a:p>
             <a:fld id="{F4D812FA-322C-410E-8A30-AB73E03FA798}" type="datetimeFigureOut">
               <a:rPr lang="en-US" smtClean="0"/>
-              <a:t>6/19/2023</a:t>
+              <a:t>11/28/2023</a:t>
             </a:fld>
             <a:endParaRPr lang="en-US"/>
           </a:p>
@@ -1824,7 +1825,7 @@
           <a:p>
             <a:fld id="{F4D812FA-322C-410E-8A30-AB73E03FA798}" type="datetimeFigureOut">
               <a:rPr lang="en-US" smtClean="0"/>
-              <a:t>6/19/2023</a:t>
+              <a:t>11/28/2023</a:t>
             </a:fld>
             <a:endParaRPr lang="en-US"/>
           </a:p>
@@ -2101,7 +2102,7 @@
           <a:p>
             <a:fld id="{F4D812FA-322C-410E-8A30-AB73E03FA798}" type="datetimeFigureOut">
               <a:rPr lang="en-US" smtClean="0"/>
-              <a:t>6/19/2023</a:t>
+              <a:t>11/28/2023</a:t>
             </a:fld>
             <a:endParaRPr lang="en-US"/>
           </a:p>
@@ -2358,7 +2359,7 @@
           <a:p>
             <a:fld id="{F4D812FA-322C-410E-8A30-AB73E03FA798}" type="datetimeFigureOut">
               <a:rPr lang="en-US" smtClean="0"/>
-              <a:t>6/19/2023</a:t>
+              <a:t>11/28/2023</a:t>
             </a:fld>
             <a:endParaRPr lang="en-US"/>
           </a:p>
@@ -2571,7 +2572,7 @@
           <a:p>
             <a:fld id="{F4D812FA-322C-410E-8A30-AB73E03FA798}" type="datetimeFigureOut">
               <a:rPr lang="en-US" smtClean="0"/>
-              <a:t>6/19/2023</a:t>
+              <a:t>11/28/2023</a:t>
             </a:fld>
             <a:endParaRPr lang="en-US"/>
           </a:p>
@@ -2960,6 +2961,5886 @@
 </file>
 
 <file path=ppt/slides/slide1.xml><?xml version="1.0" encoding="utf-8"?>
+<p:sld xmlns:a="http://schemas.openxmlformats.org/drawingml/2006/main" xmlns:r="http://schemas.openxmlformats.org/officeDocument/2006/relationships" xmlns:p="http://schemas.openxmlformats.org/presentationml/2006/main">
+  <p:cSld>
+    <p:spTree>
+      <p:nvGrpSpPr>
+        <p:cNvPr id="1" name=""/>
+        <p:cNvGrpSpPr/>
+        <p:nvPr/>
+      </p:nvGrpSpPr>
+      <p:grpSpPr>
+        <a:xfrm>
+          <a:off x="0" y="0"/>
+          <a:ext cx="0" cy="0"/>
+          <a:chOff x="0" y="0"/>
+          <a:chExt cx="0" cy="0"/>
+        </a:xfrm>
+      </p:grpSpPr>
+      <p:pic>
+        <p:nvPicPr>
+          <p:cNvPr id="5" name="Picture 4">
+            <a:extLst>
+              <a:ext uri="{FF2B5EF4-FFF2-40B4-BE49-F238E27FC236}">
+                <a16:creationId xmlns:a16="http://schemas.microsoft.com/office/drawing/2014/main" id="{3365B85A-2C33-017B-48F0-77D758390B67}"/>
+              </a:ext>
+            </a:extLst>
+          </p:cNvPr>
+          <p:cNvPicPr>
+            <a:picLocks noChangeAspect="1"/>
+          </p:cNvPicPr>
+          <p:nvPr/>
+        </p:nvPicPr>
+        <p:blipFill rotWithShape="1">
+          <a:blip r:embed="rId2"/>
+          <a:srcRect l="4" r="11882"/>
+          <a:stretch/>
+        </p:blipFill>
+        <p:spPr>
+          <a:xfrm>
+            <a:off x="-1" y="128016"/>
+            <a:ext cx="21945601" cy="11155680"/>
+          </a:xfrm>
+          <a:prstGeom prst="rect">
+            <a:avLst/>
+          </a:prstGeom>
+        </p:spPr>
+      </p:pic>
+      <p:graphicFrame>
+        <p:nvGraphicFramePr>
+          <p:cNvPr id="6" name="Table 7">
+            <a:extLst>
+              <a:ext uri="{FF2B5EF4-FFF2-40B4-BE49-F238E27FC236}">
+                <a16:creationId xmlns:a16="http://schemas.microsoft.com/office/drawing/2014/main" id="{35E7C72E-8A12-4013-ADFF-FBD589B6AB44}"/>
+              </a:ext>
+            </a:extLst>
+          </p:cNvPr>
+          <p:cNvGraphicFramePr>
+            <a:graphicFrameLocks noGrp="1"/>
+          </p:cNvGraphicFramePr>
+          <p:nvPr>
+            <p:extLst>
+              <p:ext uri="{D42A27DB-BD31-4B8C-83A1-F6EECF244321}">
+                <p14:modId xmlns:p14="http://schemas.microsoft.com/office/powerpoint/2010/main" val="2945314016"/>
+              </p:ext>
+            </p:extLst>
+          </p:nvPr>
+        </p:nvGraphicFramePr>
+        <p:xfrm>
+          <a:off x="4991177" y="12729863"/>
+          <a:ext cx="4389120" cy="4389120"/>
+        </p:xfrm>
+        <a:graphic>
+          <a:graphicData uri="http://schemas.openxmlformats.org/drawingml/2006/table">
+            <a:tbl>
+              <a:tblPr firstRow="1" bandRow="1">
+                <a:tableStyleId>{2D5ABB26-0587-4C30-8999-92F81FD0307C}</a:tableStyleId>
+              </a:tblPr>
+              <a:tblGrid>
+                <a:gridCol w="1097280">
+                  <a:extLst>
+                    <a:ext uri="{9D8B030D-6E8A-4147-A177-3AD203B41FA5}">
+                      <a16:colId xmlns:a16="http://schemas.microsoft.com/office/drawing/2014/main" val="3823680303"/>
+                    </a:ext>
+                  </a:extLst>
+                </a:gridCol>
+                <a:gridCol w="1097280">
+                  <a:extLst>
+                    <a:ext uri="{9D8B030D-6E8A-4147-A177-3AD203B41FA5}">
+                      <a16:colId xmlns:a16="http://schemas.microsoft.com/office/drawing/2014/main" val="3188445508"/>
+                    </a:ext>
+                  </a:extLst>
+                </a:gridCol>
+                <a:gridCol w="1097280">
+                  <a:extLst>
+                    <a:ext uri="{9D8B030D-6E8A-4147-A177-3AD203B41FA5}">
+                      <a16:colId xmlns:a16="http://schemas.microsoft.com/office/drawing/2014/main" val="7948569"/>
+                    </a:ext>
+                  </a:extLst>
+                </a:gridCol>
+                <a:gridCol w="1097280">
+                  <a:extLst>
+                    <a:ext uri="{9D8B030D-6E8A-4147-A177-3AD203B41FA5}">
+                      <a16:colId xmlns:a16="http://schemas.microsoft.com/office/drawing/2014/main" val="684741036"/>
+                    </a:ext>
+                  </a:extLst>
+                </a:gridCol>
+              </a:tblGrid>
+              <a:tr h="1097280">
+                <a:tc>
+                  <a:txBody>
+                    <a:bodyPr/>
+                    <a:lstStyle/>
+                    <a:p>
+                      <a:endParaRPr lang="en-US" sz="2800" dirty="0">
+                        <a:latin typeface="Arial" panose="020B0604020202020204" pitchFamily="34" charset="0"/>
+                        <a:cs typeface="Arial" panose="020B0604020202020204" pitchFamily="34" charset="0"/>
+                      </a:endParaRPr>
+                    </a:p>
+                  </a:txBody>
+                  <a:tcPr anchor="ctr">
+                    <a:lnL w="12700" cap="flat" cmpd="sng" algn="ctr">
+                      <a:solidFill>
+                        <a:schemeClr val="tx1"/>
+                      </a:solidFill>
+                      <a:prstDash val="solid"/>
+                      <a:round/>
+                      <a:headEnd type="none" w="med" len="med"/>
+                      <a:tailEnd type="none" w="med" len="med"/>
+                    </a:lnL>
+                    <a:lnR w="12700" cap="flat" cmpd="sng" algn="ctr">
+                      <a:solidFill>
+                        <a:schemeClr val="tx1"/>
+                      </a:solidFill>
+                      <a:prstDash val="solid"/>
+                      <a:round/>
+                      <a:headEnd type="none" w="med" len="med"/>
+                      <a:tailEnd type="none" w="med" len="med"/>
+                    </a:lnR>
+                    <a:lnT w="12700" cap="flat" cmpd="sng" algn="ctr">
+                      <a:solidFill>
+                        <a:schemeClr val="tx1"/>
+                      </a:solidFill>
+                      <a:prstDash val="solid"/>
+                      <a:round/>
+                      <a:headEnd type="none" w="med" len="med"/>
+                      <a:tailEnd type="none" w="med" len="med"/>
+                    </a:lnT>
+                    <a:lnB w="12700" cap="flat" cmpd="sng" algn="ctr">
+                      <a:solidFill>
+                        <a:schemeClr val="tx1"/>
+                      </a:solidFill>
+                      <a:prstDash val="solid"/>
+                      <a:round/>
+                      <a:headEnd type="none" w="med" len="med"/>
+                      <a:tailEnd type="none" w="med" len="med"/>
+                    </a:lnB>
+                    <a:solidFill>
+                      <a:srgbClr val="FF0000">
+                        <a:alpha val="20000"/>
+                      </a:srgbClr>
+                    </a:solidFill>
+                  </a:tcPr>
+                </a:tc>
+                <a:tc>
+                  <a:txBody>
+                    <a:bodyPr/>
+                    <a:lstStyle/>
+                    <a:p>
+                      <a:endParaRPr lang="en-US" sz="2800" dirty="0">
+                        <a:latin typeface="Arial" panose="020B0604020202020204" pitchFamily="34" charset="0"/>
+                        <a:cs typeface="Arial" panose="020B0604020202020204" pitchFamily="34" charset="0"/>
+                      </a:endParaRPr>
+                    </a:p>
+                  </a:txBody>
+                  <a:tcPr anchor="ctr">
+                    <a:lnL w="12700" cap="flat" cmpd="sng" algn="ctr">
+                      <a:solidFill>
+                        <a:schemeClr val="tx1"/>
+                      </a:solidFill>
+                      <a:prstDash val="solid"/>
+                      <a:round/>
+                      <a:headEnd type="none" w="med" len="med"/>
+                      <a:tailEnd type="none" w="med" len="med"/>
+                    </a:lnL>
+                    <a:lnR w="12700" cap="flat" cmpd="sng" algn="ctr">
+                      <a:solidFill>
+                        <a:schemeClr val="tx1"/>
+                      </a:solidFill>
+                      <a:prstDash val="solid"/>
+                      <a:round/>
+                      <a:headEnd type="none" w="med" len="med"/>
+                      <a:tailEnd type="none" w="med" len="med"/>
+                    </a:lnR>
+                    <a:lnT w="12700" cap="flat" cmpd="sng" algn="ctr">
+                      <a:solidFill>
+                        <a:schemeClr val="tx1"/>
+                      </a:solidFill>
+                      <a:prstDash val="solid"/>
+                      <a:round/>
+                      <a:headEnd type="none" w="med" len="med"/>
+                      <a:tailEnd type="none" w="med" len="med"/>
+                    </a:lnT>
+                    <a:lnB w="12700" cap="flat" cmpd="sng" algn="ctr">
+                      <a:solidFill>
+                        <a:schemeClr val="tx1"/>
+                      </a:solidFill>
+                      <a:prstDash val="solid"/>
+                      <a:round/>
+                      <a:headEnd type="none" w="med" len="med"/>
+                      <a:tailEnd type="none" w="med" len="med"/>
+                    </a:lnB>
+                    <a:solidFill>
+                      <a:srgbClr val="FF0000">
+                        <a:alpha val="40000"/>
+                      </a:srgbClr>
+                    </a:solidFill>
+                  </a:tcPr>
+                </a:tc>
+                <a:tc>
+                  <a:txBody>
+                    <a:bodyPr/>
+                    <a:lstStyle/>
+                    <a:p>
+                      <a:endParaRPr lang="en-US" sz="2800" dirty="0">
+                        <a:latin typeface="Arial" panose="020B0604020202020204" pitchFamily="34" charset="0"/>
+                        <a:cs typeface="Arial" panose="020B0604020202020204" pitchFamily="34" charset="0"/>
+                      </a:endParaRPr>
+                    </a:p>
+                  </a:txBody>
+                  <a:tcPr anchor="ctr">
+                    <a:lnL w="12700" cap="flat" cmpd="sng" algn="ctr">
+                      <a:solidFill>
+                        <a:schemeClr val="tx1"/>
+                      </a:solidFill>
+                      <a:prstDash val="solid"/>
+                      <a:round/>
+                      <a:headEnd type="none" w="med" len="med"/>
+                      <a:tailEnd type="none" w="med" len="med"/>
+                    </a:lnL>
+                    <a:lnR w="12700" cap="flat" cmpd="sng" algn="ctr">
+                      <a:solidFill>
+                        <a:schemeClr val="tx1"/>
+                      </a:solidFill>
+                      <a:prstDash val="solid"/>
+                      <a:round/>
+                      <a:headEnd type="none" w="med" len="med"/>
+                      <a:tailEnd type="none" w="med" len="med"/>
+                    </a:lnR>
+                    <a:lnT w="12700" cap="flat" cmpd="sng" algn="ctr">
+                      <a:solidFill>
+                        <a:schemeClr val="tx1"/>
+                      </a:solidFill>
+                      <a:prstDash val="solid"/>
+                      <a:round/>
+                      <a:headEnd type="none" w="med" len="med"/>
+                      <a:tailEnd type="none" w="med" len="med"/>
+                    </a:lnT>
+                    <a:lnB w="12700" cap="flat" cmpd="sng" algn="ctr">
+                      <a:solidFill>
+                        <a:schemeClr val="tx1"/>
+                      </a:solidFill>
+                      <a:prstDash val="solid"/>
+                      <a:round/>
+                      <a:headEnd type="none" w="med" len="med"/>
+                      <a:tailEnd type="none" w="med" len="med"/>
+                    </a:lnB>
+                    <a:solidFill>
+                      <a:srgbClr val="FF0000">
+                        <a:alpha val="60000"/>
+                      </a:srgbClr>
+                    </a:solidFill>
+                  </a:tcPr>
+                </a:tc>
+                <a:tc>
+                  <a:txBody>
+                    <a:bodyPr/>
+                    <a:lstStyle/>
+                    <a:p>
+                      <a:endParaRPr lang="en-US" sz="2800" dirty="0">
+                        <a:latin typeface="Arial" panose="020B0604020202020204" pitchFamily="34" charset="0"/>
+                        <a:cs typeface="Arial" panose="020B0604020202020204" pitchFamily="34" charset="0"/>
+                      </a:endParaRPr>
+                    </a:p>
+                  </a:txBody>
+                  <a:tcPr anchor="ctr">
+                    <a:lnL w="12700" cap="flat" cmpd="sng" algn="ctr">
+                      <a:solidFill>
+                        <a:schemeClr val="tx1"/>
+                      </a:solidFill>
+                      <a:prstDash val="solid"/>
+                      <a:round/>
+                      <a:headEnd type="none" w="med" len="med"/>
+                      <a:tailEnd type="none" w="med" len="med"/>
+                    </a:lnL>
+                    <a:lnR w="12700" cap="flat" cmpd="sng" algn="ctr">
+                      <a:solidFill>
+                        <a:schemeClr val="tx1"/>
+                      </a:solidFill>
+                      <a:prstDash val="solid"/>
+                      <a:round/>
+                      <a:headEnd type="none" w="med" len="med"/>
+                      <a:tailEnd type="none" w="med" len="med"/>
+                    </a:lnR>
+                    <a:lnT w="12700" cap="flat" cmpd="sng" algn="ctr">
+                      <a:solidFill>
+                        <a:schemeClr val="tx1"/>
+                      </a:solidFill>
+                      <a:prstDash val="solid"/>
+                      <a:round/>
+                      <a:headEnd type="none" w="med" len="med"/>
+                      <a:tailEnd type="none" w="med" len="med"/>
+                    </a:lnT>
+                    <a:lnB w="12700" cap="flat" cmpd="sng" algn="ctr">
+                      <a:solidFill>
+                        <a:schemeClr val="tx1"/>
+                      </a:solidFill>
+                      <a:prstDash val="solid"/>
+                      <a:round/>
+                      <a:headEnd type="none" w="med" len="med"/>
+                      <a:tailEnd type="none" w="med" len="med"/>
+                    </a:lnB>
+                    <a:solidFill>
+                      <a:srgbClr val="FF0000">
+                        <a:alpha val="85000"/>
+                      </a:srgbClr>
+                    </a:solidFill>
+                  </a:tcPr>
+                </a:tc>
+                <a:extLst>
+                  <a:ext uri="{0D108BD9-81ED-4DB2-BD59-A6C34878D82A}">
+                    <a16:rowId xmlns:a16="http://schemas.microsoft.com/office/drawing/2014/main" val="3472813447"/>
+                  </a:ext>
+                </a:extLst>
+              </a:tr>
+              <a:tr h="1097280">
+                <a:tc>
+                  <a:txBody>
+                    <a:bodyPr/>
+                    <a:lstStyle/>
+                    <a:p>
+                      <a:endParaRPr lang="en-US" sz="2800" dirty="0">
+                        <a:latin typeface="Arial" panose="020B0604020202020204" pitchFamily="34" charset="0"/>
+                        <a:cs typeface="Arial" panose="020B0604020202020204" pitchFamily="34" charset="0"/>
+                      </a:endParaRPr>
+                    </a:p>
+                  </a:txBody>
+                  <a:tcPr anchor="ctr">
+                    <a:lnL w="12700" cap="flat" cmpd="sng" algn="ctr">
+                      <a:solidFill>
+                        <a:schemeClr val="tx1"/>
+                      </a:solidFill>
+                      <a:prstDash val="solid"/>
+                      <a:round/>
+                      <a:headEnd type="none" w="med" len="med"/>
+                      <a:tailEnd type="none" w="med" len="med"/>
+                    </a:lnL>
+                    <a:lnR w="12700" cap="flat" cmpd="sng" algn="ctr">
+                      <a:solidFill>
+                        <a:schemeClr val="tx1"/>
+                      </a:solidFill>
+                      <a:prstDash val="solid"/>
+                      <a:round/>
+                      <a:headEnd type="none" w="med" len="med"/>
+                      <a:tailEnd type="none" w="med" len="med"/>
+                    </a:lnR>
+                    <a:lnT w="12700" cap="flat" cmpd="sng" algn="ctr">
+                      <a:solidFill>
+                        <a:schemeClr val="tx1"/>
+                      </a:solidFill>
+                      <a:prstDash val="solid"/>
+                      <a:round/>
+                      <a:headEnd type="none" w="med" len="med"/>
+                      <a:tailEnd type="none" w="med" len="med"/>
+                    </a:lnT>
+                    <a:lnB w="12700" cap="flat" cmpd="sng" algn="ctr">
+                      <a:solidFill>
+                        <a:schemeClr val="tx1"/>
+                      </a:solidFill>
+                      <a:prstDash val="solid"/>
+                      <a:round/>
+                      <a:headEnd type="none" w="med" len="med"/>
+                      <a:tailEnd type="none" w="med" len="med"/>
+                    </a:lnB>
+                    <a:solidFill>
+                      <a:srgbClr val="FF0000">
+                        <a:alpha val="20000"/>
+                      </a:srgbClr>
+                    </a:solidFill>
+                  </a:tcPr>
+                </a:tc>
+                <a:tc>
+                  <a:txBody>
+                    <a:bodyPr/>
+                    <a:lstStyle/>
+                    <a:p>
+                      <a:endParaRPr lang="en-US" sz="2800" dirty="0">
+                        <a:latin typeface="Arial" panose="020B0604020202020204" pitchFamily="34" charset="0"/>
+                        <a:cs typeface="Arial" panose="020B0604020202020204" pitchFamily="34" charset="0"/>
+                      </a:endParaRPr>
+                    </a:p>
+                  </a:txBody>
+                  <a:tcPr anchor="ctr">
+                    <a:lnL w="12700" cap="flat" cmpd="sng" algn="ctr">
+                      <a:solidFill>
+                        <a:schemeClr val="tx1"/>
+                      </a:solidFill>
+                      <a:prstDash val="solid"/>
+                      <a:round/>
+                      <a:headEnd type="none" w="med" len="med"/>
+                      <a:tailEnd type="none" w="med" len="med"/>
+                    </a:lnL>
+                    <a:lnR w="12700" cap="flat" cmpd="sng" algn="ctr">
+                      <a:solidFill>
+                        <a:schemeClr val="tx1"/>
+                      </a:solidFill>
+                      <a:prstDash val="solid"/>
+                      <a:round/>
+                      <a:headEnd type="none" w="med" len="med"/>
+                      <a:tailEnd type="none" w="med" len="med"/>
+                    </a:lnR>
+                    <a:lnT w="12700" cap="flat" cmpd="sng" algn="ctr">
+                      <a:solidFill>
+                        <a:schemeClr val="tx1"/>
+                      </a:solidFill>
+                      <a:prstDash val="solid"/>
+                      <a:round/>
+                      <a:headEnd type="none" w="med" len="med"/>
+                      <a:tailEnd type="none" w="med" len="med"/>
+                    </a:lnT>
+                    <a:lnB w="12700" cap="flat" cmpd="sng" algn="ctr">
+                      <a:solidFill>
+                        <a:schemeClr val="tx1"/>
+                      </a:solidFill>
+                      <a:prstDash val="solid"/>
+                      <a:round/>
+                      <a:headEnd type="none" w="med" len="med"/>
+                      <a:tailEnd type="none" w="med" len="med"/>
+                    </a:lnB>
+                    <a:solidFill>
+                      <a:schemeClr val="accent4">
+                        <a:alpha val="40000"/>
+                      </a:schemeClr>
+                    </a:solidFill>
+                  </a:tcPr>
+                </a:tc>
+                <a:tc>
+                  <a:txBody>
+                    <a:bodyPr/>
+                    <a:lstStyle/>
+                    <a:p>
+                      <a:endParaRPr lang="en-US" sz="2800" dirty="0">
+                        <a:latin typeface="Arial" panose="020B0604020202020204" pitchFamily="34" charset="0"/>
+                        <a:cs typeface="Arial" panose="020B0604020202020204" pitchFamily="34" charset="0"/>
+                      </a:endParaRPr>
+                    </a:p>
+                  </a:txBody>
+                  <a:tcPr anchor="ctr">
+                    <a:lnL w="12700" cap="flat" cmpd="sng" algn="ctr">
+                      <a:solidFill>
+                        <a:schemeClr val="tx1"/>
+                      </a:solidFill>
+                      <a:prstDash val="solid"/>
+                      <a:round/>
+                      <a:headEnd type="none" w="med" len="med"/>
+                      <a:tailEnd type="none" w="med" len="med"/>
+                    </a:lnL>
+                    <a:lnR w="12700" cap="flat" cmpd="sng" algn="ctr">
+                      <a:solidFill>
+                        <a:schemeClr val="tx1"/>
+                      </a:solidFill>
+                      <a:prstDash val="solid"/>
+                      <a:round/>
+                      <a:headEnd type="none" w="med" len="med"/>
+                      <a:tailEnd type="none" w="med" len="med"/>
+                    </a:lnR>
+                    <a:lnT w="12700" cap="flat" cmpd="sng" algn="ctr">
+                      <a:solidFill>
+                        <a:schemeClr val="tx1"/>
+                      </a:solidFill>
+                      <a:prstDash val="solid"/>
+                      <a:round/>
+                      <a:headEnd type="none" w="med" len="med"/>
+                      <a:tailEnd type="none" w="med" len="med"/>
+                    </a:lnT>
+                    <a:lnB w="12700" cap="flat" cmpd="sng" algn="ctr">
+                      <a:solidFill>
+                        <a:schemeClr val="tx1"/>
+                      </a:solidFill>
+                      <a:prstDash val="solid"/>
+                      <a:round/>
+                      <a:headEnd type="none" w="med" len="med"/>
+                      <a:tailEnd type="none" w="med" len="med"/>
+                    </a:lnB>
+                    <a:solidFill>
+                      <a:schemeClr val="accent4">
+                        <a:alpha val="60000"/>
+                      </a:schemeClr>
+                    </a:solidFill>
+                  </a:tcPr>
+                </a:tc>
+                <a:tc>
+                  <a:txBody>
+                    <a:bodyPr/>
+                    <a:lstStyle/>
+                    <a:p>
+                      <a:endParaRPr lang="en-US" sz="2800" dirty="0">
+                        <a:latin typeface="Arial" panose="020B0604020202020204" pitchFamily="34" charset="0"/>
+                        <a:cs typeface="Arial" panose="020B0604020202020204" pitchFamily="34" charset="0"/>
+                      </a:endParaRPr>
+                    </a:p>
+                  </a:txBody>
+                  <a:tcPr anchor="ctr">
+                    <a:lnL w="12700" cap="flat" cmpd="sng" algn="ctr">
+                      <a:solidFill>
+                        <a:schemeClr val="tx1"/>
+                      </a:solidFill>
+                      <a:prstDash val="solid"/>
+                      <a:round/>
+                      <a:headEnd type="none" w="med" len="med"/>
+                      <a:tailEnd type="none" w="med" len="med"/>
+                    </a:lnL>
+                    <a:lnR w="12700" cap="flat" cmpd="sng" algn="ctr">
+                      <a:solidFill>
+                        <a:schemeClr val="tx1"/>
+                      </a:solidFill>
+                      <a:prstDash val="solid"/>
+                      <a:round/>
+                      <a:headEnd type="none" w="med" len="med"/>
+                      <a:tailEnd type="none" w="med" len="med"/>
+                    </a:lnR>
+                    <a:lnT w="12700" cap="flat" cmpd="sng" algn="ctr">
+                      <a:solidFill>
+                        <a:schemeClr val="tx1"/>
+                      </a:solidFill>
+                      <a:prstDash val="solid"/>
+                      <a:round/>
+                      <a:headEnd type="none" w="med" len="med"/>
+                      <a:tailEnd type="none" w="med" len="med"/>
+                    </a:lnT>
+                    <a:lnB w="12700" cap="flat" cmpd="sng" algn="ctr">
+                      <a:solidFill>
+                        <a:schemeClr val="tx1"/>
+                      </a:solidFill>
+                      <a:prstDash val="solid"/>
+                      <a:round/>
+                      <a:headEnd type="none" w="med" len="med"/>
+                      <a:tailEnd type="none" w="med" len="med"/>
+                    </a:lnB>
+                    <a:solidFill>
+                      <a:schemeClr val="accent4">
+                        <a:alpha val="85000"/>
+                      </a:schemeClr>
+                    </a:solidFill>
+                  </a:tcPr>
+                </a:tc>
+                <a:extLst>
+                  <a:ext uri="{0D108BD9-81ED-4DB2-BD59-A6C34878D82A}">
+                    <a16:rowId xmlns:a16="http://schemas.microsoft.com/office/drawing/2014/main" val="1137572807"/>
+                  </a:ext>
+                </a:extLst>
+              </a:tr>
+              <a:tr h="1097280">
+                <a:tc>
+                  <a:txBody>
+                    <a:bodyPr/>
+                    <a:lstStyle/>
+                    <a:p>
+                      <a:endParaRPr lang="en-US" sz="2800" dirty="0">
+                        <a:latin typeface="Arial" panose="020B0604020202020204" pitchFamily="34" charset="0"/>
+                        <a:cs typeface="Arial" panose="020B0604020202020204" pitchFamily="34" charset="0"/>
+                      </a:endParaRPr>
+                    </a:p>
+                  </a:txBody>
+                  <a:tcPr anchor="ctr">
+                    <a:lnL w="12700" cap="flat" cmpd="sng" algn="ctr">
+                      <a:solidFill>
+                        <a:schemeClr val="tx1"/>
+                      </a:solidFill>
+                      <a:prstDash val="solid"/>
+                      <a:round/>
+                      <a:headEnd type="none" w="med" len="med"/>
+                      <a:tailEnd type="none" w="med" len="med"/>
+                    </a:lnL>
+                    <a:lnR w="12700" cap="flat" cmpd="sng" algn="ctr">
+                      <a:solidFill>
+                        <a:schemeClr val="tx1"/>
+                      </a:solidFill>
+                      <a:prstDash val="solid"/>
+                      <a:round/>
+                      <a:headEnd type="none" w="med" len="med"/>
+                      <a:tailEnd type="none" w="med" len="med"/>
+                    </a:lnR>
+                    <a:lnT w="12700" cap="flat" cmpd="sng" algn="ctr">
+                      <a:solidFill>
+                        <a:schemeClr val="tx1"/>
+                      </a:solidFill>
+                      <a:prstDash val="solid"/>
+                      <a:round/>
+                      <a:headEnd type="none" w="med" len="med"/>
+                      <a:tailEnd type="none" w="med" len="med"/>
+                    </a:lnT>
+                    <a:lnB w="12700" cap="flat" cmpd="sng" algn="ctr">
+                      <a:solidFill>
+                        <a:schemeClr val="tx1"/>
+                      </a:solidFill>
+                      <a:prstDash val="solid"/>
+                      <a:round/>
+                      <a:headEnd type="none" w="med" len="med"/>
+                      <a:tailEnd type="none" w="med" len="med"/>
+                    </a:lnB>
+                    <a:solidFill>
+                      <a:srgbClr val="00B0F0">
+                        <a:alpha val="20000"/>
+                      </a:srgbClr>
+                    </a:solidFill>
+                  </a:tcPr>
+                </a:tc>
+                <a:tc>
+                  <a:txBody>
+                    <a:bodyPr/>
+                    <a:lstStyle/>
+                    <a:p>
+                      <a:endParaRPr lang="en-US" sz="2800" dirty="0">
+                        <a:latin typeface="Arial" panose="020B0604020202020204" pitchFamily="34" charset="0"/>
+                        <a:cs typeface="Arial" panose="020B0604020202020204" pitchFamily="34" charset="0"/>
+                      </a:endParaRPr>
+                    </a:p>
+                  </a:txBody>
+                  <a:tcPr anchor="ctr">
+                    <a:lnL w="12700" cap="flat" cmpd="sng" algn="ctr">
+                      <a:solidFill>
+                        <a:schemeClr val="tx1"/>
+                      </a:solidFill>
+                      <a:prstDash val="solid"/>
+                      <a:round/>
+                      <a:headEnd type="none" w="med" len="med"/>
+                      <a:tailEnd type="none" w="med" len="med"/>
+                    </a:lnL>
+                    <a:lnR w="12700" cap="flat" cmpd="sng" algn="ctr">
+                      <a:solidFill>
+                        <a:schemeClr val="tx1"/>
+                      </a:solidFill>
+                      <a:prstDash val="solid"/>
+                      <a:round/>
+                      <a:headEnd type="none" w="med" len="med"/>
+                      <a:tailEnd type="none" w="med" len="med"/>
+                    </a:lnR>
+                    <a:lnT w="12700" cap="flat" cmpd="sng" algn="ctr">
+                      <a:solidFill>
+                        <a:schemeClr val="tx1"/>
+                      </a:solidFill>
+                      <a:prstDash val="solid"/>
+                      <a:round/>
+                      <a:headEnd type="none" w="med" len="med"/>
+                      <a:tailEnd type="none" w="med" len="med"/>
+                    </a:lnT>
+                    <a:lnB w="12700" cap="flat" cmpd="sng" algn="ctr">
+                      <a:solidFill>
+                        <a:schemeClr val="tx1"/>
+                      </a:solidFill>
+                      <a:prstDash val="solid"/>
+                      <a:round/>
+                      <a:headEnd type="none" w="med" len="med"/>
+                      <a:tailEnd type="none" w="med" len="med"/>
+                    </a:lnB>
+                    <a:solidFill>
+                      <a:srgbClr val="00B0F0">
+                        <a:alpha val="40000"/>
+                      </a:srgbClr>
+                    </a:solidFill>
+                  </a:tcPr>
+                </a:tc>
+                <a:tc>
+                  <a:txBody>
+                    <a:bodyPr/>
+                    <a:lstStyle/>
+                    <a:p>
+                      <a:endParaRPr lang="en-US" sz="2800" dirty="0">
+                        <a:latin typeface="Arial" panose="020B0604020202020204" pitchFamily="34" charset="0"/>
+                        <a:cs typeface="Arial" panose="020B0604020202020204" pitchFamily="34" charset="0"/>
+                      </a:endParaRPr>
+                    </a:p>
+                  </a:txBody>
+                  <a:tcPr anchor="ctr">
+                    <a:lnL w="12700" cap="flat" cmpd="sng" algn="ctr">
+                      <a:solidFill>
+                        <a:schemeClr val="tx1"/>
+                      </a:solidFill>
+                      <a:prstDash val="solid"/>
+                      <a:round/>
+                      <a:headEnd type="none" w="med" len="med"/>
+                      <a:tailEnd type="none" w="med" len="med"/>
+                    </a:lnL>
+                    <a:lnR w="12700" cap="flat" cmpd="sng" algn="ctr">
+                      <a:solidFill>
+                        <a:schemeClr val="tx1"/>
+                      </a:solidFill>
+                      <a:prstDash val="solid"/>
+                      <a:round/>
+                      <a:headEnd type="none" w="med" len="med"/>
+                      <a:tailEnd type="none" w="med" len="med"/>
+                    </a:lnR>
+                    <a:lnT w="12700" cap="flat" cmpd="sng" algn="ctr">
+                      <a:solidFill>
+                        <a:schemeClr val="tx1"/>
+                      </a:solidFill>
+                      <a:prstDash val="solid"/>
+                      <a:round/>
+                      <a:headEnd type="none" w="med" len="med"/>
+                      <a:tailEnd type="none" w="med" len="med"/>
+                    </a:lnT>
+                    <a:lnB w="12700" cap="flat" cmpd="sng" algn="ctr">
+                      <a:solidFill>
+                        <a:schemeClr val="tx1"/>
+                      </a:solidFill>
+                      <a:prstDash val="solid"/>
+                      <a:round/>
+                      <a:headEnd type="none" w="med" len="med"/>
+                      <a:tailEnd type="none" w="med" len="med"/>
+                    </a:lnB>
+                    <a:solidFill>
+                      <a:srgbClr val="00B0F0">
+                        <a:alpha val="60000"/>
+                      </a:srgbClr>
+                    </a:solidFill>
+                  </a:tcPr>
+                </a:tc>
+                <a:tc>
+                  <a:txBody>
+                    <a:bodyPr/>
+                    <a:lstStyle/>
+                    <a:p>
+                      <a:endParaRPr lang="en-US" sz="2800" dirty="0">
+                        <a:latin typeface="Arial" panose="020B0604020202020204" pitchFamily="34" charset="0"/>
+                        <a:cs typeface="Arial" panose="020B0604020202020204" pitchFamily="34" charset="0"/>
+                      </a:endParaRPr>
+                    </a:p>
+                  </a:txBody>
+                  <a:tcPr anchor="ctr">
+                    <a:lnL w="12700" cap="flat" cmpd="sng" algn="ctr">
+                      <a:solidFill>
+                        <a:schemeClr val="tx1"/>
+                      </a:solidFill>
+                      <a:prstDash val="solid"/>
+                      <a:round/>
+                      <a:headEnd type="none" w="med" len="med"/>
+                      <a:tailEnd type="none" w="med" len="med"/>
+                    </a:lnL>
+                    <a:lnR w="12700" cap="flat" cmpd="sng" algn="ctr">
+                      <a:solidFill>
+                        <a:schemeClr val="tx1"/>
+                      </a:solidFill>
+                      <a:prstDash val="solid"/>
+                      <a:round/>
+                      <a:headEnd type="none" w="med" len="med"/>
+                      <a:tailEnd type="none" w="med" len="med"/>
+                    </a:lnR>
+                    <a:lnT w="12700" cap="flat" cmpd="sng" algn="ctr">
+                      <a:solidFill>
+                        <a:schemeClr val="tx1"/>
+                      </a:solidFill>
+                      <a:prstDash val="solid"/>
+                      <a:round/>
+                      <a:headEnd type="none" w="med" len="med"/>
+                      <a:tailEnd type="none" w="med" len="med"/>
+                    </a:lnT>
+                    <a:lnB w="12700" cap="flat" cmpd="sng" algn="ctr">
+                      <a:solidFill>
+                        <a:schemeClr val="tx1"/>
+                      </a:solidFill>
+                      <a:prstDash val="solid"/>
+                      <a:round/>
+                      <a:headEnd type="none" w="med" len="med"/>
+                      <a:tailEnd type="none" w="med" len="med"/>
+                    </a:lnB>
+                    <a:solidFill>
+                      <a:srgbClr val="00B0F0">
+                        <a:alpha val="85000"/>
+                      </a:srgbClr>
+                    </a:solidFill>
+                  </a:tcPr>
+                </a:tc>
+                <a:extLst>
+                  <a:ext uri="{0D108BD9-81ED-4DB2-BD59-A6C34878D82A}">
+                    <a16:rowId xmlns:a16="http://schemas.microsoft.com/office/drawing/2014/main" val="2979995543"/>
+                  </a:ext>
+                </a:extLst>
+              </a:tr>
+              <a:tr h="1097280">
+                <a:tc>
+                  <a:txBody>
+                    <a:bodyPr/>
+                    <a:lstStyle/>
+                    <a:p>
+                      <a:endParaRPr lang="en-US" sz="2800" dirty="0">
+                        <a:latin typeface="Arial" panose="020B0604020202020204" pitchFamily="34" charset="0"/>
+                        <a:cs typeface="Arial" panose="020B0604020202020204" pitchFamily="34" charset="0"/>
+                      </a:endParaRPr>
+                    </a:p>
+                  </a:txBody>
+                  <a:tcPr anchor="ctr">
+                    <a:lnL w="12700" cap="flat" cmpd="sng" algn="ctr">
+                      <a:solidFill>
+                        <a:schemeClr val="tx1"/>
+                      </a:solidFill>
+                      <a:prstDash val="solid"/>
+                      <a:round/>
+                      <a:headEnd type="none" w="med" len="med"/>
+                      <a:tailEnd type="none" w="med" len="med"/>
+                    </a:lnL>
+                    <a:lnR w="12700" cap="flat" cmpd="sng" algn="ctr">
+                      <a:solidFill>
+                        <a:schemeClr val="tx1"/>
+                      </a:solidFill>
+                      <a:prstDash val="solid"/>
+                      <a:round/>
+                      <a:headEnd type="none" w="med" len="med"/>
+                      <a:tailEnd type="none" w="med" len="med"/>
+                    </a:lnR>
+                    <a:lnT w="12700" cap="flat" cmpd="sng" algn="ctr">
+                      <a:solidFill>
+                        <a:schemeClr val="tx1"/>
+                      </a:solidFill>
+                      <a:prstDash val="solid"/>
+                      <a:round/>
+                      <a:headEnd type="none" w="med" len="med"/>
+                      <a:tailEnd type="none" w="med" len="med"/>
+                    </a:lnT>
+                    <a:lnB w="12700" cap="flat" cmpd="sng" algn="ctr">
+                      <a:solidFill>
+                        <a:schemeClr val="tx1"/>
+                      </a:solidFill>
+                      <a:prstDash val="solid"/>
+                      <a:round/>
+                      <a:headEnd type="none" w="med" len="med"/>
+                      <a:tailEnd type="none" w="med" len="med"/>
+                    </a:lnB>
+                    <a:solidFill>
+                      <a:srgbClr val="7030A0">
+                        <a:alpha val="20000"/>
+                      </a:srgbClr>
+                    </a:solidFill>
+                  </a:tcPr>
+                </a:tc>
+                <a:tc>
+                  <a:txBody>
+                    <a:bodyPr/>
+                    <a:lstStyle/>
+                    <a:p>
+                      <a:endParaRPr lang="en-US" sz="2800" dirty="0">
+                        <a:latin typeface="Arial" panose="020B0604020202020204" pitchFamily="34" charset="0"/>
+                        <a:cs typeface="Arial" panose="020B0604020202020204" pitchFamily="34" charset="0"/>
+                      </a:endParaRPr>
+                    </a:p>
+                  </a:txBody>
+                  <a:tcPr anchor="ctr">
+                    <a:lnL w="12700" cap="flat" cmpd="sng" algn="ctr">
+                      <a:solidFill>
+                        <a:schemeClr val="tx1"/>
+                      </a:solidFill>
+                      <a:prstDash val="solid"/>
+                      <a:round/>
+                      <a:headEnd type="none" w="med" len="med"/>
+                      <a:tailEnd type="none" w="med" len="med"/>
+                    </a:lnL>
+                    <a:lnR w="12700" cap="flat" cmpd="sng" algn="ctr">
+                      <a:solidFill>
+                        <a:schemeClr val="tx1"/>
+                      </a:solidFill>
+                      <a:prstDash val="solid"/>
+                      <a:round/>
+                      <a:headEnd type="none" w="med" len="med"/>
+                      <a:tailEnd type="none" w="med" len="med"/>
+                    </a:lnR>
+                    <a:lnT w="12700" cap="flat" cmpd="sng" algn="ctr">
+                      <a:solidFill>
+                        <a:schemeClr val="tx1"/>
+                      </a:solidFill>
+                      <a:prstDash val="solid"/>
+                      <a:round/>
+                      <a:headEnd type="none" w="med" len="med"/>
+                      <a:tailEnd type="none" w="med" len="med"/>
+                    </a:lnT>
+                    <a:lnB w="12700" cap="flat" cmpd="sng" algn="ctr">
+                      <a:solidFill>
+                        <a:schemeClr val="tx1"/>
+                      </a:solidFill>
+                      <a:prstDash val="solid"/>
+                      <a:round/>
+                      <a:headEnd type="none" w="med" len="med"/>
+                      <a:tailEnd type="none" w="med" len="med"/>
+                    </a:lnB>
+                    <a:solidFill>
+                      <a:srgbClr val="7030A0">
+                        <a:alpha val="40000"/>
+                      </a:srgbClr>
+                    </a:solidFill>
+                  </a:tcPr>
+                </a:tc>
+                <a:tc>
+                  <a:txBody>
+                    <a:bodyPr/>
+                    <a:lstStyle/>
+                    <a:p>
+                      <a:endParaRPr lang="en-US" sz="2800" dirty="0">
+                        <a:latin typeface="Arial" panose="020B0604020202020204" pitchFamily="34" charset="0"/>
+                        <a:cs typeface="Arial" panose="020B0604020202020204" pitchFamily="34" charset="0"/>
+                      </a:endParaRPr>
+                    </a:p>
+                  </a:txBody>
+                  <a:tcPr anchor="ctr">
+                    <a:lnL w="12700" cap="flat" cmpd="sng" algn="ctr">
+                      <a:solidFill>
+                        <a:schemeClr val="tx1"/>
+                      </a:solidFill>
+                      <a:prstDash val="solid"/>
+                      <a:round/>
+                      <a:headEnd type="none" w="med" len="med"/>
+                      <a:tailEnd type="none" w="med" len="med"/>
+                    </a:lnL>
+                    <a:lnR w="12700" cap="flat" cmpd="sng" algn="ctr">
+                      <a:solidFill>
+                        <a:schemeClr val="tx1"/>
+                      </a:solidFill>
+                      <a:prstDash val="solid"/>
+                      <a:round/>
+                      <a:headEnd type="none" w="med" len="med"/>
+                      <a:tailEnd type="none" w="med" len="med"/>
+                    </a:lnR>
+                    <a:lnT w="12700" cap="flat" cmpd="sng" algn="ctr">
+                      <a:solidFill>
+                        <a:schemeClr val="tx1"/>
+                      </a:solidFill>
+                      <a:prstDash val="solid"/>
+                      <a:round/>
+                      <a:headEnd type="none" w="med" len="med"/>
+                      <a:tailEnd type="none" w="med" len="med"/>
+                    </a:lnT>
+                    <a:lnB w="12700" cap="flat" cmpd="sng" algn="ctr">
+                      <a:solidFill>
+                        <a:schemeClr val="tx1"/>
+                      </a:solidFill>
+                      <a:prstDash val="solid"/>
+                      <a:round/>
+                      <a:headEnd type="none" w="med" len="med"/>
+                      <a:tailEnd type="none" w="med" len="med"/>
+                    </a:lnB>
+                    <a:solidFill>
+                      <a:srgbClr val="7030A0">
+                        <a:alpha val="60000"/>
+                      </a:srgbClr>
+                    </a:solidFill>
+                  </a:tcPr>
+                </a:tc>
+                <a:tc>
+                  <a:txBody>
+                    <a:bodyPr/>
+                    <a:lstStyle/>
+                    <a:p>
+                      <a:endParaRPr lang="en-US" sz="2800" dirty="0">
+                        <a:latin typeface="Arial" panose="020B0604020202020204" pitchFamily="34" charset="0"/>
+                        <a:cs typeface="Arial" panose="020B0604020202020204" pitchFamily="34" charset="0"/>
+                      </a:endParaRPr>
+                    </a:p>
+                  </a:txBody>
+                  <a:tcPr anchor="ctr">
+                    <a:lnL w="12700" cap="flat" cmpd="sng" algn="ctr">
+                      <a:solidFill>
+                        <a:schemeClr val="tx1"/>
+                      </a:solidFill>
+                      <a:prstDash val="solid"/>
+                      <a:round/>
+                      <a:headEnd type="none" w="med" len="med"/>
+                      <a:tailEnd type="none" w="med" len="med"/>
+                    </a:lnL>
+                    <a:lnR w="12700" cap="flat" cmpd="sng" algn="ctr">
+                      <a:solidFill>
+                        <a:schemeClr val="tx1"/>
+                      </a:solidFill>
+                      <a:prstDash val="solid"/>
+                      <a:round/>
+                      <a:headEnd type="none" w="med" len="med"/>
+                      <a:tailEnd type="none" w="med" len="med"/>
+                    </a:lnR>
+                    <a:lnT w="12700" cap="flat" cmpd="sng" algn="ctr">
+                      <a:solidFill>
+                        <a:schemeClr val="tx1"/>
+                      </a:solidFill>
+                      <a:prstDash val="solid"/>
+                      <a:round/>
+                      <a:headEnd type="none" w="med" len="med"/>
+                      <a:tailEnd type="none" w="med" len="med"/>
+                    </a:lnT>
+                    <a:lnB w="12700" cap="flat" cmpd="sng" algn="ctr">
+                      <a:solidFill>
+                        <a:schemeClr val="tx1"/>
+                      </a:solidFill>
+                      <a:prstDash val="solid"/>
+                      <a:round/>
+                      <a:headEnd type="none" w="med" len="med"/>
+                      <a:tailEnd type="none" w="med" len="med"/>
+                    </a:lnB>
+                    <a:solidFill>
+                      <a:srgbClr val="7030A0">
+                        <a:alpha val="85000"/>
+                      </a:srgbClr>
+                    </a:solidFill>
+                  </a:tcPr>
+                </a:tc>
+                <a:extLst>
+                  <a:ext uri="{0D108BD9-81ED-4DB2-BD59-A6C34878D82A}">
+                    <a16:rowId xmlns:a16="http://schemas.microsoft.com/office/drawing/2014/main" val="3498302079"/>
+                  </a:ext>
+                </a:extLst>
+              </a:tr>
+            </a:tbl>
+          </a:graphicData>
+        </a:graphic>
+      </p:graphicFrame>
+      <p:graphicFrame>
+        <p:nvGraphicFramePr>
+          <p:cNvPr id="4" name="Table 3">
+            <a:extLst>
+              <a:ext uri="{FF2B5EF4-FFF2-40B4-BE49-F238E27FC236}">
+                <a16:creationId xmlns:a16="http://schemas.microsoft.com/office/drawing/2014/main" id="{D2EDCA3E-DFAF-4C34-B8BE-302BF7C40E8C}"/>
+              </a:ext>
+            </a:extLst>
+          </p:cNvPr>
+          <p:cNvGraphicFramePr>
+            <a:graphicFrameLocks noGrp="1"/>
+          </p:cNvGraphicFramePr>
+          <p:nvPr/>
+        </p:nvGraphicFramePr>
+        <p:xfrm>
+          <a:off x="818976" y="12729863"/>
+          <a:ext cx="3657600" cy="4389120"/>
+        </p:xfrm>
+        <a:graphic>
+          <a:graphicData uri="http://schemas.openxmlformats.org/drawingml/2006/table">
+            <a:tbl>
+              <a:tblPr firstRow="1" bandRow="1">
+                <a:tableStyleId>{2D5ABB26-0587-4C30-8999-92F81FD0307C}</a:tableStyleId>
+              </a:tblPr>
+              <a:tblGrid>
+                <a:gridCol w="1097280">
+                  <a:extLst>
+                    <a:ext uri="{9D8B030D-6E8A-4147-A177-3AD203B41FA5}">
+                      <a16:colId xmlns:a16="http://schemas.microsoft.com/office/drawing/2014/main" val="2105664490"/>
+                    </a:ext>
+                  </a:extLst>
+                </a:gridCol>
+                <a:gridCol w="2560320">
+                  <a:extLst>
+                    <a:ext uri="{9D8B030D-6E8A-4147-A177-3AD203B41FA5}">
+                      <a16:colId xmlns:a16="http://schemas.microsoft.com/office/drawing/2014/main" val="3184315293"/>
+                    </a:ext>
+                  </a:extLst>
+                </a:gridCol>
+              </a:tblGrid>
+              <a:tr h="1097280">
+                <a:tc>
+                  <a:txBody>
+                    <a:bodyPr/>
+                    <a:lstStyle/>
+                    <a:p>
+                      <a:endParaRPr lang="en-US" sz="2800" dirty="0">
+                        <a:latin typeface="Arial" panose="020B0604020202020204" pitchFamily="34" charset="0"/>
+                        <a:cs typeface="Arial" panose="020B0604020202020204" pitchFamily="34" charset="0"/>
+                      </a:endParaRPr>
+                    </a:p>
+                  </a:txBody>
+                  <a:tcPr anchor="ctr">
+                    <a:lnL w="12700" cap="flat" cmpd="sng" algn="ctr">
+                      <a:solidFill>
+                        <a:schemeClr val="tx1"/>
+                      </a:solidFill>
+                      <a:prstDash val="solid"/>
+                      <a:round/>
+                      <a:headEnd type="none" w="med" len="med"/>
+                      <a:tailEnd type="none" w="med" len="med"/>
+                    </a:lnL>
+                    <a:lnR w="12700" cap="flat" cmpd="sng" algn="ctr">
+                      <a:solidFill>
+                        <a:schemeClr val="tx1"/>
+                      </a:solidFill>
+                      <a:prstDash val="solid"/>
+                      <a:round/>
+                      <a:headEnd type="none" w="med" len="med"/>
+                      <a:tailEnd type="none" w="med" len="med"/>
+                    </a:lnR>
+                    <a:lnT w="12700" cap="flat" cmpd="sng" algn="ctr">
+                      <a:solidFill>
+                        <a:schemeClr val="tx1"/>
+                      </a:solidFill>
+                      <a:prstDash val="solid"/>
+                      <a:round/>
+                      <a:headEnd type="none" w="med" len="med"/>
+                      <a:tailEnd type="none" w="med" len="med"/>
+                    </a:lnT>
+                    <a:lnB w="12700" cap="flat" cmpd="sng" algn="ctr">
+                      <a:solidFill>
+                        <a:schemeClr val="tx1"/>
+                      </a:solidFill>
+                      <a:prstDash val="solid"/>
+                      <a:round/>
+                      <a:headEnd type="none" w="med" len="med"/>
+                      <a:tailEnd type="none" w="med" len="med"/>
+                    </a:lnB>
+                    <a:solidFill>
+                      <a:srgbClr val="C9E552"/>
+                    </a:solidFill>
+                  </a:tcPr>
+                </a:tc>
+                <a:tc>
+                  <a:txBody>
+                    <a:bodyPr/>
+                    <a:lstStyle/>
+                    <a:p>
+                      <a:pPr algn="l"/>
+                      <a:r>
+                        <a:rPr lang="en-US" sz="2800" dirty="0">
+                          <a:latin typeface="Arial" panose="020B0604020202020204" pitchFamily="34" charset="0"/>
+                          <a:cs typeface="Arial" panose="020B0604020202020204" pitchFamily="34" charset="0"/>
+                        </a:rPr>
+                        <a:t> 1150 – 1475</a:t>
+                      </a:r>
+                    </a:p>
+                  </a:txBody>
+                  <a:tcPr anchor="ctr">
+                    <a:lnL w="12700" cap="flat" cmpd="sng" algn="ctr">
+                      <a:solidFill>
+                        <a:schemeClr val="tx1"/>
+                      </a:solidFill>
+                      <a:prstDash val="solid"/>
+                      <a:round/>
+                      <a:headEnd type="none" w="med" len="med"/>
+                      <a:tailEnd type="none" w="med" len="med"/>
+                    </a:lnL>
+                    <a:lnR w="12700" cap="flat" cmpd="sng" algn="ctr">
+                      <a:noFill/>
+                      <a:prstDash val="solid"/>
+                      <a:round/>
+                      <a:headEnd type="none" w="med" len="med"/>
+                      <a:tailEnd type="none" w="med" len="med"/>
+                    </a:lnR>
+                    <a:lnT w="12700" cap="flat" cmpd="sng" algn="ctr">
+                      <a:noFill/>
+                      <a:prstDash val="solid"/>
+                      <a:round/>
+                      <a:headEnd type="none" w="med" len="med"/>
+                      <a:tailEnd type="none" w="med" len="med"/>
+                    </a:lnT>
+                    <a:lnB w="12700" cap="flat" cmpd="sng" algn="ctr">
+                      <a:noFill/>
+                      <a:prstDash val="solid"/>
+                      <a:round/>
+                      <a:headEnd type="none" w="med" len="med"/>
+                      <a:tailEnd type="none" w="med" len="med"/>
+                    </a:lnB>
+                    <a:lnTlToBr w="12700" cmpd="sng">
+                      <a:noFill/>
+                      <a:prstDash val="solid"/>
+                    </a:lnTlToBr>
+                    <a:lnBlToTr w="12700" cmpd="sng">
+                      <a:noFill/>
+                      <a:prstDash val="solid"/>
+                    </a:lnBlToTr>
+                    <a:noFill/>
+                  </a:tcPr>
+                </a:tc>
+                <a:extLst>
+                  <a:ext uri="{0D108BD9-81ED-4DB2-BD59-A6C34878D82A}">
+                    <a16:rowId xmlns:a16="http://schemas.microsoft.com/office/drawing/2014/main" val="885878007"/>
+                  </a:ext>
+                </a:extLst>
+              </a:tr>
+              <a:tr h="1097280">
+                <a:tc>
+                  <a:txBody>
+                    <a:bodyPr/>
+                    <a:lstStyle/>
+                    <a:p>
+                      <a:endParaRPr lang="en-US" sz="2800" dirty="0">
+                        <a:latin typeface="Arial" panose="020B0604020202020204" pitchFamily="34" charset="0"/>
+                        <a:cs typeface="Arial" panose="020B0604020202020204" pitchFamily="34" charset="0"/>
+                      </a:endParaRPr>
+                    </a:p>
+                  </a:txBody>
+                  <a:tcPr anchor="ctr">
+                    <a:lnL w="12700" cap="flat" cmpd="sng" algn="ctr">
+                      <a:solidFill>
+                        <a:schemeClr val="tx1"/>
+                      </a:solidFill>
+                      <a:prstDash val="solid"/>
+                      <a:round/>
+                      <a:headEnd type="none" w="med" len="med"/>
+                      <a:tailEnd type="none" w="med" len="med"/>
+                    </a:lnL>
+                    <a:lnR w="12700" cap="flat" cmpd="sng" algn="ctr">
+                      <a:solidFill>
+                        <a:schemeClr val="tx1"/>
+                      </a:solidFill>
+                      <a:prstDash val="solid"/>
+                      <a:round/>
+                      <a:headEnd type="none" w="med" len="med"/>
+                      <a:tailEnd type="none" w="med" len="med"/>
+                    </a:lnR>
+                    <a:lnT w="12700" cap="flat" cmpd="sng" algn="ctr">
+                      <a:solidFill>
+                        <a:schemeClr val="tx1"/>
+                      </a:solidFill>
+                      <a:prstDash val="solid"/>
+                      <a:round/>
+                      <a:headEnd type="none" w="med" len="med"/>
+                      <a:tailEnd type="none" w="med" len="med"/>
+                    </a:lnT>
+                    <a:lnB w="12700" cap="flat" cmpd="sng" algn="ctr">
+                      <a:solidFill>
+                        <a:schemeClr val="tx1"/>
+                      </a:solidFill>
+                      <a:prstDash val="solid"/>
+                      <a:round/>
+                      <a:headEnd type="none" w="med" len="med"/>
+                      <a:tailEnd type="none" w="med" len="med"/>
+                    </a:lnB>
+                    <a:solidFill>
+                      <a:srgbClr val="4EB99D"/>
+                    </a:solidFill>
+                  </a:tcPr>
+                </a:tc>
+                <a:tc>
+                  <a:txBody>
+                    <a:bodyPr/>
+                    <a:lstStyle/>
+                    <a:p>
+                      <a:pPr marL="0" marR="0" lvl="0" indent="0" algn="l" defTabSz="1097280" rtl="0" eaLnBrk="1" fontAlgn="auto" latinLnBrk="0" hangingPunct="1">
+                        <a:lnSpc>
+                          <a:spcPct val="100000"/>
+                        </a:lnSpc>
+                        <a:spcBef>
+                          <a:spcPts val="0"/>
+                        </a:spcBef>
+                        <a:spcAft>
+                          <a:spcPts val="0"/>
+                        </a:spcAft>
+                        <a:buClrTx/>
+                        <a:buSzTx/>
+                        <a:buFontTx/>
+                        <a:buNone/>
+                        <a:tabLst/>
+                        <a:defRPr/>
+                      </a:pPr>
+                      <a:r>
+                        <a:rPr lang="en-US" sz="2800" dirty="0">
+                          <a:latin typeface="Arial" panose="020B0604020202020204" pitchFamily="34" charset="0"/>
+                          <a:cs typeface="Arial" panose="020B0604020202020204" pitchFamily="34" charset="0"/>
+                        </a:rPr>
+                        <a:t> 825 – 1150</a:t>
+                      </a:r>
+                      <a:endParaRPr lang="en-US" sz="2800" i="1" dirty="0">
+                        <a:latin typeface="Arial" panose="020B0604020202020204" pitchFamily="34" charset="0"/>
+                        <a:cs typeface="Arial" panose="020B0604020202020204" pitchFamily="34" charset="0"/>
+                      </a:endParaRPr>
+                    </a:p>
+                  </a:txBody>
+                  <a:tcPr anchor="ctr">
+                    <a:lnL w="12700" cap="flat" cmpd="sng" algn="ctr">
+                      <a:solidFill>
+                        <a:schemeClr val="tx1"/>
+                      </a:solidFill>
+                      <a:prstDash val="solid"/>
+                      <a:round/>
+                      <a:headEnd type="none" w="med" len="med"/>
+                      <a:tailEnd type="none" w="med" len="med"/>
+                    </a:lnL>
+                    <a:lnR w="12700" cap="flat" cmpd="sng" algn="ctr">
+                      <a:noFill/>
+                      <a:prstDash val="solid"/>
+                      <a:round/>
+                      <a:headEnd type="none" w="med" len="med"/>
+                      <a:tailEnd type="none" w="med" len="med"/>
+                    </a:lnR>
+                    <a:lnT w="12700" cap="flat" cmpd="sng" algn="ctr">
+                      <a:noFill/>
+                      <a:prstDash val="solid"/>
+                      <a:round/>
+                      <a:headEnd type="none" w="med" len="med"/>
+                      <a:tailEnd type="none" w="med" len="med"/>
+                    </a:lnT>
+                    <a:lnB w="12700" cap="flat" cmpd="sng" algn="ctr">
+                      <a:noFill/>
+                      <a:prstDash val="solid"/>
+                      <a:round/>
+                      <a:headEnd type="none" w="med" len="med"/>
+                      <a:tailEnd type="none" w="med" len="med"/>
+                    </a:lnB>
+                    <a:lnTlToBr w="12700" cmpd="sng">
+                      <a:noFill/>
+                      <a:prstDash val="solid"/>
+                    </a:lnTlToBr>
+                    <a:lnBlToTr w="12700" cmpd="sng">
+                      <a:noFill/>
+                      <a:prstDash val="solid"/>
+                    </a:lnBlToTr>
+                    <a:noFill/>
+                  </a:tcPr>
+                </a:tc>
+                <a:extLst>
+                  <a:ext uri="{0D108BD9-81ED-4DB2-BD59-A6C34878D82A}">
+                    <a16:rowId xmlns:a16="http://schemas.microsoft.com/office/drawing/2014/main" val="2619662295"/>
+                  </a:ext>
+                </a:extLst>
+              </a:tr>
+              <a:tr h="1097280">
+                <a:tc>
+                  <a:txBody>
+                    <a:bodyPr/>
+                    <a:lstStyle/>
+                    <a:p>
+                      <a:endParaRPr lang="en-US" sz="2800" dirty="0">
+                        <a:latin typeface="Arial" panose="020B0604020202020204" pitchFamily="34" charset="0"/>
+                        <a:cs typeface="Arial" panose="020B0604020202020204" pitchFamily="34" charset="0"/>
+                      </a:endParaRPr>
+                    </a:p>
+                  </a:txBody>
+                  <a:tcPr anchor="ctr">
+                    <a:lnL w="12700" cap="flat" cmpd="sng" algn="ctr">
+                      <a:solidFill>
+                        <a:schemeClr val="tx1"/>
+                      </a:solidFill>
+                      <a:prstDash val="solid"/>
+                      <a:round/>
+                      <a:headEnd type="none" w="med" len="med"/>
+                      <a:tailEnd type="none" w="med" len="med"/>
+                    </a:lnL>
+                    <a:lnR w="12700" cap="flat" cmpd="sng" algn="ctr">
+                      <a:solidFill>
+                        <a:schemeClr val="tx1"/>
+                      </a:solidFill>
+                      <a:prstDash val="solid"/>
+                      <a:round/>
+                      <a:headEnd type="none" w="med" len="med"/>
+                      <a:tailEnd type="none" w="med" len="med"/>
+                    </a:lnR>
+                    <a:lnT w="12700" cap="flat" cmpd="sng" algn="ctr">
+                      <a:solidFill>
+                        <a:schemeClr val="tx1"/>
+                      </a:solidFill>
+                      <a:prstDash val="solid"/>
+                      <a:round/>
+                      <a:headEnd type="none" w="med" len="med"/>
+                      <a:tailEnd type="none" w="med" len="med"/>
+                    </a:lnT>
+                    <a:lnB w="12700" cap="flat" cmpd="sng" algn="ctr">
+                      <a:solidFill>
+                        <a:schemeClr val="tx1"/>
+                      </a:solidFill>
+                      <a:prstDash val="solid"/>
+                      <a:round/>
+                      <a:headEnd type="none" w="med" len="med"/>
+                      <a:tailEnd type="none" w="med" len="med"/>
+                    </a:lnB>
+                    <a:solidFill>
+                      <a:srgbClr val="5D80A4"/>
+                    </a:solidFill>
+                  </a:tcPr>
+                </a:tc>
+                <a:tc>
+                  <a:txBody>
+                    <a:bodyPr/>
+                    <a:lstStyle/>
+                    <a:p>
+                      <a:pPr marL="0" marR="0" lvl="0" indent="0" algn="l" defTabSz="1097280" rtl="0" eaLnBrk="1" fontAlgn="auto" latinLnBrk="0" hangingPunct="1">
+                        <a:lnSpc>
+                          <a:spcPct val="100000"/>
+                        </a:lnSpc>
+                        <a:spcBef>
+                          <a:spcPts val="0"/>
+                        </a:spcBef>
+                        <a:spcAft>
+                          <a:spcPts val="0"/>
+                        </a:spcAft>
+                        <a:buClrTx/>
+                        <a:buSzTx/>
+                        <a:buFontTx/>
+                        <a:buNone/>
+                        <a:tabLst/>
+                        <a:defRPr/>
+                      </a:pPr>
+                      <a:r>
+                        <a:rPr lang="en-US" sz="2800" dirty="0">
+                          <a:latin typeface="Arial" panose="020B0604020202020204" pitchFamily="34" charset="0"/>
+                          <a:cs typeface="Arial" panose="020B0604020202020204" pitchFamily="34" charset="0"/>
+                        </a:rPr>
+                        <a:t> 500 – 825</a:t>
+                      </a:r>
+                      <a:endParaRPr lang="en-US" sz="2800" i="1" dirty="0">
+                        <a:latin typeface="Arial" panose="020B0604020202020204" pitchFamily="34" charset="0"/>
+                        <a:cs typeface="Arial" panose="020B0604020202020204" pitchFamily="34" charset="0"/>
+                      </a:endParaRPr>
+                    </a:p>
+                  </a:txBody>
+                  <a:tcPr anchor="ctr">
+                    <a:lnL w="12700" cap="flat" cmpd="sng" algn="ctr">
+                      <a:solidFill>
+                        <a:schemeClr val="tx1"/>
+                      </a:solidFill>
+                      <a:prstDash val="solid"/>
+                      <a:round/>
+                      <a:headEnd type="none" w="med" len="med"/>
+                      <a:tailEnd type="none" w="med" len="med"/>
+                    </a:lnL>
+                    <a:lnR w="12700" cap="flat" cmpd="sng" algn="ctr">
+                      <a:noFill/>
+                      <a:prstDash val="solid"/>
+                      <a:round/>
+                      <a:headEnd type="none" w="med" len="med"/>
+                      <a:tailEnd type="none" w="med" len="med"/>
+                    </a:lnR>
+                    <a:lnT w="12700" cap="flat" cmpd="sng" algn="ctr">
+                      <a:noFill/>
+                      <a:prstDash val="solid"/>
+                      <a:round/>
+                      <a:headEnd type="none" w="med" len="med"/>
+                      <a:tailEnd type="none" w="med" len="med"/>
+                    </a:lnT>
+                    <a:lnB w="12700" cap="flat" cmpd="sng" algn="ctr">
+                      <a:noFill/>
+                      <a:prstDash val="solid"/>
+                      <a:round/>
+                      <a:headEnd type="none" w="med" len="med"/>
+                      <a:tailEnd type="none" w="med" len="med"/>
+                    </a:lnB>
+                    <a:lnTlToBr w="12700" cmpd="sng">
+                      <a:noFill/>
+                      <a:prstDash val="solid"/>
+                    </a:lnTlToBr>
+                    <a:lnBlToTr w="12700" cmpd="sng">
+                      <a:noFill/>
+                      <a:prstDash val="solid"/>
+                    </a:lnBlToTr>
+                    <a:noFill/>
+                  </a:tcPr>
+                </a:tc>
+                <a:extLst>
+                  <a:ext uri="{0D108BD9-81ED-4DB2-BD59-A6C34878D82A}">
+                    <a16:rowId xmlns:a16="http://schemas.microsoft.com/office/drawing/2014/main" val="3706373931"/>
+                  </a:ext>
+                </a:extLst>
+              </a:tr>
+              <a:tr h="1097280">
+                <a:tc>
+                  <a:txBody>
+                    <a:bodyPr/>
+                    <a:lstStyle/>
+                    <a:p>
+                      <a:endParaRPr lang="en-US" sz="2800" dirty="0">
+                        <a:latin typeface="Arial" panose="020B0604020202020204" pitchFamily="34" charset="0"/>
+                        <a:cs typeface="Arial" panose="020B0604020202020204" pitchFamily="34" charset="0"/>
+                      </a:endParaRPr>
+                    </a:p>
+                  </a:txBody>
+                  <a:tcPr anchor="ctr">
+                    <a:lnL w="12700" cap="flat" cmpd="sng" algn="ctr">
+                      <a:solidFill>
+                        <a:schemeClr val="tx1"/>
+                      </a:solidFill>
+                      <a:prstDash val="solid"/>
+                      <a:round/>
+                      <a:headEnd type="none" w="med" len="med"/>
+                      <a:tailEnd type="none" w="med" len="med"/>
+                    </a:lnL>
+                    <a:lnR w="12700" cap="flat" cmpd="sng" algn="ctr">
+                      <a:solidFill>
+                        <a:schemeClr val="tx1"/>
+                      </a:solidFill>
+                      <a:prstDash val="solid"/>
+                      <a:round/>
+                      <a:headEnd type="none" w="med" len="med"/>
+                      <a:tailEnd type="none" w="med" len="med"/>
+                    </a:lnR>
+                    <a:lnT w="12700" cap="flat" cmpd="sng" algn="ctr">
+                      <a:solidFill>
+                        <a:schemeClr val="tx1"/>
+                      </a:solidFill>
+                      <a:prstDash val="solid"/>
+                      <a:round/>
+                      <a:headEnd type="none" w="med" len="med"/>
+                      <a:tailEnd type="none" w="med" len="med"/>
+                    </a:lnT>
+                    <a:lnB w="12700" cap="flat" cmpd="sng" algn="ctr">
+                      <a:solidFill>
+                        <a:schemeClr val="tx1"/>
+                      </a:solidFill>
+                      <a:prstDash val="solid"/>
+                      <a:round/>
+                      <a:headEnd type="none" w="med" len="med"/>
+                      <a:tailEnd type="none" w="med" len="med"/>
+                    </a:lnB>
+                    <a:solidFill>
+                      <a:srgbClr val="693476"/>
+                    </a:solidFill>
+                  </a:tcPr>
+                </a:tc>
+                <a:tc>
+                  <a:txBody>
+                    <a:bodyPr/>
+                    <a:lstStyle/>
+                    <a:p>
+                      <a:pPr algn="l"/>
+                      <a:r>
+                        <a:rPr lang="en-US" sz="2800" dirty="0">
+                          <a:latin typeface="Arial" panose="020B0604020202020204" pitchFamily="34" charset="0"/>
+                          <a:cs typeface="Arial" panose="020B0604020202020204" pitchFamily="34" charset="0"/>
+                        </a:rPr>
+                        <a:t> 175 – 500</a:t>
+                      </a:r>
+                    </a:p>
+                  </a:txBody>
+                  <a:tcPr anchor="ctr">
+                    <a:lnL w="12700" cap="flat" cmpd="sng" algn="ctr">
+                      <a:solidFill>
+                        <a:schemeClr val="tx1"/>
+                      </a:solidFill>
+                      <a:prstDash val="solid"/>
+                      <a:round/>
+                      <a:headEnd type="none" w="med" len="med"/>
+                      <a:tailEnd type="none" w="med" len="med"/>
+                    </a:lnL>
+                    <a:lnR w="12700" cap="flat" cmpd="sng" algn="ctr">
+                      <a:noFill/>
+                      <a:prstDash val="solid"/>
+                      <a:round/>
+                      <a:headEnd type="none" w="med" len="med"/>
+                      <a:tailEnd type="none" w="med" len="med"/>
+                    </a:lnR>
+                    <a:lnT w="12700" cap="flat" cmpd="sng" algn="ctr">
+                      <a:noFill/>
+                      <a:prstDash val="solid"/>
+                      <a:round/>
+                      <a:headEnd type="none" w="med" len="med"/>
+                      <a:tailEnd type="none" w="med" len="med"/>
+                    </a:lnT>
+                    <a:lnB w="12700" cap="flat" cmpd="sng" algn="ctr">
+                      <a:noFill/>
+                      <a:prstDash val="solid"/>
+                      <a:round/>
+                      <a:headEnd type="none" w="med" len="med"/>
+                      <a:tailEnd type="none" w="med" len="med"/>
+                    </a:lnB>
+                    <a:lnTlToBr w="12700" cmpd="sng">
+                      <a:noFill/>
+                      <a:prstDash val="solid"/>
+                    </a:lnTlToBr>
+                    <a:lnBlToTr w="12700" cmpd="sng">
+                      <a:noFill/>
+                      <a:prstDash val="solid"/>
+                    </a:lnBlToTr>
+                    <a:noFill/>
+                  </a:tcPr>
+                </a:tc>
+                <a:extLst>
+                  <a:ext uri="{0D108BD9-81ED-4DB2-BD59-A6C34878D82A}">
+                    <a16:rowId xmlns:a16="http://schemas.microsoft.com/office/drawing/2014/main" val="284509278"/>
+                  </a:ext>
+                </a:extLst>
+              </a:tr>
+            </a:tbl>
+          </a:graphicData>
+        </a:graphic>
+      </p:graphicFrame>
+      <p:grpSp>
+        <p:nvGrpSpPr>
+          <p:cNvPr id="75" name="Group 74">
+            <a:extLst>
+              <a:ext uri="{FF2B5EF4-FFF2-40B4-BE49-F238E27FC236}">
+                <a16:creationId xmlns:a16="http://schemas.microsoft.com/office/drawing/2014/main" id="{CAE1CD99-A125-438D-86C0-65EB5B301340}"/>
+              </a:ext>
+            </a:extLst>
+          </p:cNvPr>
+          <p:cNvGrpSpPr/>
+          <p:nvPr/>
+        </p:nvGrpSpPr>
+        <p:grpSpPr>
+          <a:xfrm>
+            <a:off x="848941" y="11847109"/>
+            <a:ext cx="3627637" cy="523348"/>
+            <a:chOff x="1126029" y="12621238"/>
+            <a:chExt cx="3627637" cy="523347"/>
+          </a:xfrm>
+        </p:grpSpPr>
+        <p:sp>
+          <p:nvSpPr>
+            <p:cNvPr id="7" name="TextBox 6">
+              <a:extLst>
+                <a:ext uri="{FF2B5EF4-FFF2-40B4-BE49-F238E27FC236}">
+                  <a16:creationId xmlns:a16="http://schemas.microsoft.com/office/drawing/2014/main" id="{B490BA0E-DF6C-4677-BE3F-529E08E68888}"/>
+                </a:ext>
+              </a:extLst>
+            </p:cNvPr>
+            <p:cNvSpPr txBox="1"/>
+            <p:nvPr/>
+          </p:nvSpPr>
+          <p:spPr>
+            <a:xfrm>
+              <a:off x="1693955" y="12621238"/>
+              <a:ext cx="3059711" cy="523347"/>
+            </a:xfrm>
+            <a:prstGeom prst="rect">
+              <a:avLst/>
+            </a:prstGeom>
+            <a:noFill/>
+          </p:spPr>
+          <p:txBody>
+            <a:bodyPr wrap="square" rtlCol="0">
+              <a:spAutoFit/>
+            </a:bodyPr>
+            <a:lstStyle/>
+            <a:p>
+              <a:pPr algn="ctr"/>
+              <a:r>
+                <a:rPr lang="en-US" sz="2801" dirty="0">
+                  <a:latin typeface="Arial" panose="020B0604020202020204" pitchFamily="34" charset="0"/>
+                  <a:cs typeface="Arial" panose="020B0604020202020204" pitchFamily="34" charset="0"/>
+                </a:rPr>
+                <a:t>AR6 CB (Gt CO2)</a:t>
+              </a:r>
+            </a:p>
+          </p:txBody>
+        </p:sp>
+        <p:sp>
+          <p:nvSpPr>
+            <p:cNvPr id="45" name="Flowchart: Process 44">
+              <a:extLst>
+                <a:ext uri="{FF2B5EF4-FFF2-40B4-BE49-F238E27FC236}">
+                  <a16:creationId xmlns:a16="http://schemas.microsoft.com/office/drawing/2014/main" id="{F77E526F-8C03-4254-A488-3EF640E08ECC}"/>
+                </a:ext>
+              </a:extLst>
+            </p:cNvPr>
+            <p:cNvSpPr/>
+            <p:nvPr/>
+          </p:nvSpPr>
+          <p:spPr>
+            <a:xfrm>
+              <a:off x="1126029" y="12699968"/>
+              <a:ext cx="365760" cy="365760"/>
+            </a:xfrm>
+            <a:prstGeom prst="flowChartProcess">
+              <a:avLst/>
+            </a:prstGeom>
+            <a:gradFill>
+              <a:gsLst>
+                <a:gs pos="0">
+                  <a:srgbClr val="C9E552"/>
+                </a:gs>
+                <a:gs pos="35000">
+                  <a:srgbClr val="4EB99D"/>
+                </a:gs>
+                <a:gs pos="66000">
+                  <a:srgbClr val="5D80A4"/>
+                </a:gs>
+                <a:gs pos="100000">
+                  <a:srgbClr val="693476"/>
+                </a:gs>
+              </a:gsLst>
+              <a:lin ang="5400000" scaled="1"/>
+            </a:gradFill>
+            <a:ln w="34925">
+              <a:solidFill>
+                <a:schemeClr val="tx1"/>
+              </a:solidFill>
+            </a:ln>
+          </p:spPr>
+          <p:style>
+            <a:lnRef idx="2">
+              <a:schemeClr val="accent1">
+                <a:shade val="50000"/>
+              </a:schemeClr>
+            </a:lnRef>
+            <a:fillRef idx="1">
+              <a:schemeClr val="accent1"/>
+            </a:fillRef>
+            <a:effectRef idx="0">
+              <a:schemeClr val="accent1"/>
+            </a:effectRef>
+            <a:fontRef idx="minor">
+              <a:schemeClr val="lt1"/>
+            </a:fontRef>
+          </p:style>
+          <p:txBody>
+            <a:bodyPr rtlCol="0" anchor="ctr"/>
+            <a:lstStyle/>
+            <a:p>
+              <a:pPr algn="ctr"/>
+              <a:endParaRPr lang="en-US" dirty="0"/>
+            </a:p>
+          </p:txBody>
+        </p:sp>
+      </p:grpSp>
+      <p:grpSp>
+        <p:nvGrpSpPr>
+          <p:cNvPr id="72" name="Group 71">
+            <a:extLst>
+              <a:ext uri="{FF2B5EF4-FFF2-40B4-BE49-F238E27FC236}">
+                <a16:creationId xmlns:a16="http://schemas.microsoft.com/office/drawing/2014/main" id="{CD25D59B-112F-4AAC-BF9B-8617070059C0}"/>
+              </a:ext>
+            </a:extLst>
+          </p:cNvPr>
+          <p:cNvGrpSpPr/>
+          <p:nvPr/>
+        </p:nvGrpSpPr>
+        <p:grpSpPr>
+          <a:xfrm>
+            <a:off x="3869678" y="17541155"/>
+            <a:ext cx="6631009" cy="1386171"/>
+            <a:chOff x="4723843" y="18259507"/>
+            <a:chExt cx="6631009" cy="1386172"/>
+          </a:xfrm>
+        </p:grpSpPr>
+        <p:grpSp>
+          <p:nvGrpSpPr>
+            <p:cNvPr id="71" name="Group 70">
+              <a:extLst>
+                <a:ext uri="{FF2B5EF4-FFF2-40B4-BE49-F238E27FC236}">
+                  <a16:creationId xmlns:a16="http://schemas.microsoft.com/office/drawing/2014/main" id="{15F0975B-33A7-44EE-A521-35FF5AEEA0F0}"/>
+                </a:ext>
+              </a:extLst>
+            </p:cNvPr>
+            <p:cNvGrpSpPr/>
+            <p:nvPr/>
+          </p:nvGrpSpPr>
+          <p:grpSpPr>
+            <a:xfrm>
+              <a:off x="4723843" y="18259507"/>
+              <a:ext cx="5443963" cy="538039"/>
+              <a:chOff x="4723843" y="18259507"/>
+              <a:chExt cx="5443963" cy="538039"/>
+            </a:xfrm>
+          </p:grpSpPr>
+          <p:sp>
+            <p:nvSpPr>
+              <p:cNvPr id="43" name="TextBox 42">
+                <a:extLst>
+                  <a:ext uri="{FF2B5EF4-FFF2-40B4-BE49-F238E27FC236}">
+                    <a16:creationId xmlns:a16="http://schemas.microsoft.com/office/drawing/2014/main" id="{160150F4-ACD0-43E4-A1A4-AA284B3D02F6}"/>
+                  </a:ext>
+                </a:extLst>
+              </p:cNvPr>
+              <p:cNvSpPr txBox="1"/>
+              <p:nvPr/>
+            </p:nvSpPr>
+            <p:spPr>
+              <a:xfrm rot="19945816">
+                <a:off x="4723843" y="18259507"/>
+                <a:ext cx="2103120" cy="538039"/>
+              </a:xfrm>
+              <a:prstGeom prst="rect">
+                <a:avLst/>
+              </a:prstGeom>
+              <a:noFill/>
+            </p:spPr>
+            <p:txBody>
+              <a:bodyPr wrap="square">
+                <a:spAutoFit/>
+              </a:bodyPr>
+              <a:lstStyle/>
+              <a:p>
+                <a:pPr algn="r"/>
+                <a:r>
+                  <a:rPr lang="en-US" sz="2801" b="1" dirty="0">
+                    <a:latin typeface="Arial" panose="020B0604020202020204" pitchFamily="34" charset="0"/>
+                    <a:cs typeface="Arial" panose="020B0604020202020204" pitchFamily="34" charset="0"/>
+                  </a:rPr>
+                  <a:t>No-LCP</a:t>
+                </a:r>
+              </a:p>
+            </p:txBody>
+          </p:sp>
+          <p:sp>
+            <p:nvSpPr>
+              <p:cNvPr id="60" name="TextBox 59">
+                <a:extLst>
+                  <a:ext uri="{FF2B5EF4-FFF2-40B4-BE49-F238E27FC236}">
+                    <a16:creationId xmlns:a16="http://schemas.microsoft.com/office/drawing/2014/main" id="{1EFDDACB-8EB9-4659-8671-636EE297C6F3}"/>
+                  </a:ext>
+                </a:extLst>
+              </p:cNvPr>
+              <p:cNvSpPr txBox="1"/>
+              <p:nvPr/>
+            </p:nvSpPr>
+            <p:spPr>
+              <a:xfrm rot="19945816">
+                <a:off x="5837457" y="18259507"/>
+                <a:ext cx="2103120" cy="538039"/>
+              </a:xfrm>
+              <a:prstGeom prst="rect">
+                <a:avLst/>
+              </a:prstGeom>
+              <a:noFill/>
+            </p:spPr>
+            <p:txBody>
+              <a:bodyPr wrap="square">
+                <a:spAutoFit/>
+              </a:bodyPr>
+              <a:lstStyle/>
+              <a:p>
+                <a:pPr algn="r"/>
+                <a:r>
+                  <a:rPr lang="en-US" sz="2801" b="1" dirty="0">
+                    <a:latin typeface="Arial" panose="020B0604020202020204" pitchFamily="34" charset="0"/>
+                    <a:cs typeface="Arial" panose="020B0604020202020204" pitchFamily="34" charset="0"/>
+                  </a:rPr>
+                  <a:t>10%-LCP</a:t>
+                </a:r>
+              </a:p>
+            </p:txBody>
+          </p:sp>
+          <p:sp>
+            <p:nvSpPr>
+              <p:cNvPr id="61" name="TextBox 60">
+                <a:extLst>
+                  <a:ext uri="{FF2B5EF4-FFF2-40B4-BE49-F238E27FC236}">
+                    <a16:creationId xmlns:a16="http://schemas.microsoft.com/office/drawing/2014/main" id="{332410F2-8F28-481F-84A1-3246EC29B0F5}"/>
+                  </a:ext>
+                </a:extLst>
+              </p:cNvPr>
+              <p:cNvSpPr txBox="1"/>
+              <p:nvPr/>
+            </p:nvSpPr>
+            <p:spPr>
+              <a:xfrm rot="19945816">
+                <a:off x="6951071" y="18259507"/>
+                <a:ext cx="2103120" cy="538039"/>
+              </a:xfrm>
+              <a:prstGeom prst="rect">
+                <a:avLst/>
+              </a:prstGeom>
+              <a:noFill/>
+            </p:spPr>
+            <p:txBody>
+              <a:bodyPr wrap="square">
+                <a:spAutoFit/>
+              </a:bodyPr>
+              <a:lstStyle/>
+              <a:p>
+                <a:pPr algn="r"/>
+                <a:r>
+                  <a:rPr lang="en-US" sz="2801" b="1" dirty="0">
+                    <a:latin typeface="Arial" panose="020B0604020202020204" pitchFamily="34" charset="0"/>
+                    <a:cs typeface="Arial" panose="020B0604020202020204" pitchFamily="34" charset="0"/>
+                  </a:rPr>
+                  <a:t>50%-LCP</a:t>
+                </a:r>
+              </a:p>
+            </p:txBody>
+          </p:sp>
+          <p:sp>
+            <p:nvSpPr>
+              <p:cNvPr id="62" name="TextBox 61">
+                <a:extLst>
+                  <a:ext uri="{FF2B5EF4-FFF2-40B4-BE49-F238E27FC236}">
+                    <a16:creationId xmlns:a16="http://schemas.microsoft.com/office/drawing/2014/main" id="{27C6E5D1-A531-41E2-8B83-6CC2ECABD2C0}"/>
+                  </a:ext>
+                </a:extLst>
+              </p:cNvPr>
+              <p:cNvSpPr txBox="1"/>
+              <p:nvPr/>
+            </p:nvSpPr>
+            <p:spPr>
+              <a:xfrm rot="19945816">
+                <a:off x="8064686" y="18259507"/>
+                <a:ext cx="2103120" cy="538039"/>
+              </a:xfrm>
+              <a:prstGeom prst="rect">
+                <a:avLst/>
+              </a:prstGeom>
+              <a:noFill/>
+            </p:spPr>
+            <p:txBody>
+              <a:bodyPr wrap="square">
+                <a:spAutoFit/>
+              </a:bodyPr>
+              <a:lstStyle/>
+              <a:p>
+                <a:pPr algn="r"/>
+                <a:r>
+                  <a:rPr lang="en-US" sz="2801" b="1" dirty="0">
+                    <a:latin typeface="Arial" panose="020B0604020202020204" pitchFamily="34" charset="0"/>
+                    <a:cs typeface="Arial" panose="020B0604020202020204" pitchFamily="34" charset="0"/>
+                  </a:rPr>
+                  <a:t>100%-LCP</a:t>
+                </a:r>
+              </a:p>
+            </p:txBody>
+          </p:sp>
+        </p:grpSp>
+        <p:sp>
+          <p:nvSpPr>
+            <p:cNvPr id="64" name="TextBox 63">
+              <a:extLst>
+                <a:ext uri="{FF2B5EF4-FFF2-40B4-BE49-F238E27FC236}">
+                  <a16:creationId xmlns:a16="http://schemas.microsoft.com/office/drawing/2014/main" id="{3E046D9A-5B0D-4A3F-96ED-CCBB8CE70034}"/>
+                </a:ext>
+              </a:extLst>
+            </p:cNvPr>
+            <p:cNvSpPr txBox="1"/>
+            <p:nvPr/>
+          </p:nvSpPr>
+          <p:spPr>
+            <a:xfrm>
+              <a:off x="4771172" y="19107640"/>
+              <a:ext cx="6583680" cy="538039"/>
+            </a:xfrm>
+            <a:prstGeom prst="rect">
+              <a:avLst/>
+            </a:prstGeom>
+            <a:noFill/>
+          </p:spPr>
+          <p:txBody>
+            <a:bodyPr wrap="square">
+              <a:spAutoFit/>
+            </a:bodyPr>
+            <a:lstStyle/>
+            <a:p>
+              <a:pPr algn="ctr"/>
+              <a:r>
+                <a:rPr lang="en-US" sz="2801" b="1" dirty="0">
+                  <a:latin typeface="Arial" panose="020B0604020202020204" pitchFamily="34" charset="0"/>
+                  <a:cs typeface="Arial" panose="020B0604020202020204" pitchFamily="34" charset="0"/>
+                </a:rPr>
+                <a:t>Land carbon pricing (LCP) strength</a:t>
+              </a:r>
+              <a:endParaRPr lang="en-US" sz="2801" b="1" i="1" dirty="0">
+                <a:latin typeface="Arial" panose="020B0604020202020204" pitchFamily="34" charset="0"/>
+                <a:cs typeface="Arial" panose="020B0604020202020204" pitchFamily="34" charset="0"/>
+              </a:endParaRPr>
+            </a:p>
+          </p:txBody>
+        </p:sp>
+      </p:grpSp>
+      <p:grpSp>
+        <p:nvGrpSpPr>
+          <p:cNvPr id="2" name="Group 1">
+            <a:extLst>
+              <a:ext uri="{FF2B5EF4-FFF2-40B4-BE49-F238E27FC236}">
+                <a16:creationId xmlns:a16="http://schemas.microsoft.com/office/drawing/2014/main" id="{DDFA502D-F9A4-4955-A909-C19FB6B2FE63}"/>
+              </a:ext>
+            </a:extLst>
+          </p:cNvPr>
+          <p:cNvGrpSpPr/>
+          <p:nvPr/>
+        </p:nvGrpSpPr>
+        <p:grpSpPr>
+          <a:xfrm>
+            <a:off x="5957028" y="4239912"/>
+            <a:ext cx="13076300" cy="2708219"/>
+            <a:chOff x="5957028" y="4116342"/>
+            <a:chExt cx="13076300" cy="2708219"/>
+          </a:xfrm>
+        </p:grpSpPr>
+        <p:sp>
+          <p:nvSpPr>
+            <p:cNvPr id="22" name="Oval 21">
+              <a:extLst>
+                <a:ext uri="{FF2B5EF4-FFF2-40B4-BE49-F238E27FC236}">
+                  <a16:creationId xmlns:a16="http://schemas.microsoft.com/office/drawing/2014/main" id="{A4E906A1-480A-4CCF-933F-353F23BF276C}"/>
+                </a:ext>
+              </a:extLst>
+            </p:cNvPr>
+            <p:cNvSpPr/>
+            <p:nvPr/>
+          </p:nvSpPr>
+          <p:spPr>
+            <a:xfrm>
+              <a:off x="18369556" y="6158656"/>
+              <a:ext cx="237744" cy="237744"/>
+            </a:xfrm>
+            <a:prstGeom prst="ellipse">
+              <a:avLst/>
+            </a:prstGeom>
+            <a:solidFill>
+              <a:srgbClr val="FF0000">
+                <a:alpha val="85000"/>
+              </a:srgbClr>
+            </a:solidFill>
+            <a:ln>
+              <a:solidFill>
+                <a:schemeClr val="tx1"/>
+              </a:solidFill>
+            </a:ln>
+          </p:spPr>
+          <p:style>
+            <a:lnRef idx="2">
+              <a:schemeClr val="accent1">
+                <a:shade val="50000"/>
+              </a:schemeClr>
+            </a:lnRef>
+            <a:fillRef idx="1">
+              <a:schemeClr val="accent1"/>
+            </a:fillRef>
+            <a:effectRef idx="0">
+              <a:schemeClr val="accent1"/>
+            </a:effectRef>
+            <a:fontRef idx="minor">
+              <a:schemeClr val="lt1"/>
+            </a:fontRef>
+          </p:style>
+          <p:txBody>
+            <a:bodyPr rtlCol="0" anchor="ctr"/>
+            <a:lstStyle/>
+            <a:p>
+              <a:pPr algn="ctr"/>
+              <a:endParaRPr lang="en-US"/>
+            </a:p>
+          </p:txBody>
+        </p:sp>
+        <p:sp>
+          <p:nvSpPr>
+            <p:cNvPr id="23" name="Oval 22">
+              <a:extLst>
+                <a:ext uri="{FF2B5EF4-FFF2-40B4-BE49-F238E27FC236}">
+                  <a16:creationId xmlns:a16="http://schemas.microsoft.com/office/drawing/2014/main" id="{3E900DD7-AE22-49A6-AA6B-992196873EC7}"/>
+                </a:ext>
+              </a:extLst>
+            </p:cNvPr>
+            <p:cNvSpPr/>
+            <p:nvPr/>
+          </p:nvSpPr>
+          <p:spPr>
+            <a:xfrm>
+              <a:off x="18795584" y="6586817"/>
+              <a:ext cx="237744" cy="237744"/>
+            </a:xfrm>
+            <a:prstGeom prst="ellipse">
+              <a:avLst/>
+            </a:prstGeom>
+            <a:solidFill>
+              <a:srgbClr val="00B0F0">
+                <a:alpha val="85000"/>
+              </a:srgbClr>
+            </a:solidFill>
+            <a:ln>
+              <a:solidFill>
+                <a:schemeClr val="tx1"/>
+              </a:solidFill>
+            </a:ln>
+          </p:spPr>
+          <p:style>
+            <a:lnRef idx="2">
+              <a:schemeClr val="accent1">
+                <a:shade val="50000"/>
+              </a:schemeClr>
+            </a:lnRef>
+            <a:fillRef idx="1">
+              <a:schemeClr val="accent1"/>
+            </a:fillRef>
+            <a:effectRef idx="0">
+              <a:schemeClr val="accent1"/>
+            </a:effectRef>
+            <a:fontRef idx="minor">
+              <a:schemeClr val="lt1"/>
+            </a:fontRef>
+          </p:style>
+          <p:txBody>
+            <a:bodyPr rtlCol="0" anchor="ctr"/>
+            <a:lstStyle/>
+            <a:p>
+              <a:pPr algn="ctr"/>
+              <a:endParaRPr lang="en-US"/>
+            </a:p>
+          </p:txBody>
+        </p:sp>
+        <p:sp>
+          <p:nvSpPr>
+            <p:cNvPr id="24" name="Oval 23">
+              <a:extLst>
+                <a:ext uri="{FF2B5EF4-FFF2-40B4-BE49-F238E27FC236}">
+                  <a16:creationId xmlns:a16="http://schemas.microsoft.com/office/drawing/2014/main" id="{84265339-37E4-4D20-86D8-F297C22BA70C}"/>
+                </a:ext>
+              </a:extLst>
+            </p:cNvPr>
+            <p:cNvSpPr/>
+            <p:nvPr/>
+          </p:nvSpPr>
+          <p:spPr>
+            <a:xfrm>
+              <a:off x="18734350" y="6503066"/>
+              <a:ext cx="237744" cy="237744"/>
+            </a:xfrm>
+            <a:prstGeom prst="ellipse">
+              <a:avLst/>
+            </a:prstGeom>
+            <a:solidFill>
+              <a:schemeClr val="accent4">
+                <a:alpha val="85000"/>
+              </a:schemeClr>
+            </a:solidFill>
+            <a:ln>
+              <a:solidFill>
+                <a:schemeClr val="tx1"/>
+              </a:solidFill>
+            </a:ln>
+          </p:spPr>
+          <p:style>
+            <a:lnRef idx="2">
+              <a:schemeClr val="accent1">
+                <a:shade val="50000"/>
+              </a:schemeClr>
+            </a:lnRef>
+            <a:fillRef idx="1">
+              <a:schemeClr val="accent1"/>
+            </a:fillRef>
+            <a:effectRef idx="0">
+              <a:schemeClr val="accent1"/>
+            </a:effectRef>
+            <a:fontRef idx="minor">
+              <a:schemeClr val="lt1"/>
+            </a:fontRef>
+          </p:style>
+          <p:txBody>
+            <a:bodyPr rtlCol="0" anchor="ctr"/>
+            <a:lstStyle/>
+            <a:p>
+              <a:pPr algn="ctr"/>
+              <a:endParaRPr lang="en-US"/>
+            </a:p>
+          </p:txBody>
+        </p:sp>
+        <p:sp>
+          <p:nvSpPr>
+            <p:cNvPr id="25" name="Oval 24">
+              <a:extLst>
+                <a:ext uri="{FF2B5EF4-FFF2-40B4-BE49-F238E27FC236}">
+                  <a16:creationId xmlns:a16="http://schemas.microsoft.com/office/drawing/2014/main" id="{A9DD5E20-8862-484D-85E9-7AD7B1A9EBC4}"/>
+                </a:ext>
+              </a:extLst>
+            </p:cNvPr>
+            <p:cNvSpPr/>
+            <p:nvPr/>
+          </p:nvSpPr>
+          <p:spPr>
+            <a:xfrm>
+              <a:off x="16269421" y="4116342"/>
+              <a:ext cx="237744" cy="237744"/>
+            </a:xfrm>
+            <a:prstGeom prst="ellipse">
+              <a:avLst/>
+            </a:prstGeom>
+            <a:solidFill>
+              <a:srgbClr val="FF0000">
+                <a:alpha val="20000"/>
+              </a:srgbClr>
+            </a:solidFill>
+            <a:ln>
+              <a:solidFill>
+                <a:schemeClr val="tx1"/>
+              </a:solidFill>
+            </a:ln>
+          </p:spPr>
+          <p:style>
+            <a:lnRef idx="2">
+              <a:schemeClr val="accent1">
+                <a:shade val="50000"/>
+              </a:schemeClr>
+            </a:lnRef>
+            <a:fillRef idx="1">
+              <a:schemeClr val="accent1"/>
+            </a:fillRef>
+            <a:effectRef idx="0">
+              <a:schemeClr val="accent1"/>
+            </a:effectRef>
+            <a:fontRef idx="minor">
+              <a:schemeClr val="lt1"/>
+            </a:fontRef>
+          </p:style>
+          <p:txBody>
+            <a:bodyPr rtlCol="0" anchor="ctr"/>
+            <a:lstStyle/>
+            <a:p>
+              <a:pPr algn="ctr"/>
+              <a:endParaRPr lang="en-US"/>
+            </a:p>
+          </p:txBody>
+        </p:sp>
+        <p:sp>
+          <p:nvSpPr>
+            <p:cNvPr id="26" name="Oval 25">
+              <a:extLst>
+                <a:ext uri="{FF2B5EF4-FFF2-40B4-BE49-F238E27FC236}">
+                  <a16:creationId xmlns:a16="http://schemas.microsoft.com/office/drawing/2014/main" id="{D54CA07E-C2AA-4F6D-890E-5C3DC352617C}"/>
+                </a:ext>
+              </a:extLst>
+            </p:cNvPr>
+            <p:cNvSpPr/>
+            <p:nvPr/>
+          </p:nvSpPr>
+          <p:spPr>
+            <a:xfrm>
+              <a:off x="16849795" y="4671940"/>
+              <a:ext cx="237744" cy="237744"/>
+            </a:xfrm>
+            <a:prstGeom prst="ellipse">
+              <a:avLst/>
+            </a:prstGeom>
+            <a:solidFill>
+              <a:srgbClr val="FF0000">
+                <a:alpha val="40000"/>
+              </a:srgbClr>
+            </a:solidFill>
+            <a:ln>
+              <a:solidFill>
+                <a:schemeClr val="tx1"/>
+              </a:solidFill>
+            </a:ln>
+          </p:spPr>
+          <p:style>
+            <a:lnRef idx="2">
+              <a:schemeClr val="accent1">
+                <a:shade val="50000"/>
+              </a:schemeClr>
+            </a:lnRef>
+            <a:fillRef idx="1">
+              <a:schemeClr val="accent1"/>
+            </a:fillRef>
+            <a:effectRef idx="0">
+              <a:schemeClr val="accent1"/>
+            </a:effectRef>
+            <a:fontRef idx="minor">
+              <a:schemeClr val="lt1"/>
+            </a:fontRef>
+          </p:style>
+          <p:txBody>
+            <a:bodyPr rtlCol="0" anchor="ctr"/>
+            <a:lstStyle/>
+            <a:p>
+              <a:pPr algn="ctr"/>
+              <a:endParaRPr lang="en-US"/>
+            </a:p>
+          </p:txBody>
+        </p:sp>
+        <p:sp>
+          <p:nvSpPr>
+            <p:cNvPr id="27" name="Oval 26">
+              <a:extLst>
+                <a:ext uri="{FF2B5EF4-FFF2-40B4-BE49-F238E27FC236}">
+                  <a16:creationId xmlns:a16="http://schemas.microsoft.com/office/drawing/2014/main" id="{6C5301C2-911B-44BB-9FB2-34AE12CB20AB}"/>
+                </a:ext>
+              </a:extLst>
+            </p:cNvPr>
+            <p:cNvSpPr/>
+            <p:nvPr/>
+          </p:nvSpPr>
+          <p:spPr>
+            <a:xfrm>
+              <a:off x="17843142" y="5640500"/>
+              <a:ext cx="237744" cy="237744"/>
+            </a:xfrm>
+            <a:prstGeom prst="ellipse">
+              <a:avLst/>
+            </a:prstGeom>
+            <a:solidFill>
+              <a:srgbClr val="FF0000">
+                <a:alpha val="60000"/>
+              </a:srgbClr>
+            </a:solidFill>
+            <a:ln>
+              <a:solidFill>
+                <a:schemeClr val="tx1"/>
+              </a:solidFill>
+            </a:ln>
+          </p:spPr>
+          <p:style>
+            <a:lnRef idx="2">
+              <a:schemeClr val="accent1">
+                <a:shade val="50000"/>
+              </a:schemeClr>
+            </a:lnRef>
+            <a:fillRef idx="1">
+              <a:schemeClr val="accent1"/>
+            </a:fillRef>
+            <a:effectRef idx="0">
+              <a:schemeClr val="accent1"/>
+            </a:effectRef>
+            <a:fontRef idx="minor">
+              <a:schemeClr val="lt1"/>
+            </a:fontRef>
+          </p:style>
+          <p:txBody>
+            <a:bodyPr rtlCol="0" anchor="ctr"/>
+            <a:lstStyle/>
+            <a:p>
+              <a:pPr algn="ctr"/>
+              <a:endParaRPr lang="en-US"/>
+            </a:p>
+          </p:txBody>
+        </p:sp>
+        <p:sp>
+          <p:nvSpPr>
+            <p:cNvPr id="29" name="Oval 28">
+              <a:extLst>
+                <a:ext uri="{FF2B5EF4-FFF2-40B4-BE49-F238E27FC236}">
+                  <a16:creationId xmlns:a16="http://schemas.microsoft.com/office/drawing/2014/main" id="{378CE150-B23E-4D8F-82E1-5F849AE7C8DE}"/>
+                </a:ext>
+              </a:extLst>
+            </p:cNvPr>
+            <p:cNvSpPr/>
+            <p:nvPr/>
+          </p:nvSpPr>
+          <p:spPr>
+            <a:xfrm>
+              <a:off x="14826534" y="6219771"/>
+              <a:ext cx="237744" cy="237744"/>
+            </a:xfrm>
+            <a:prstGeom prst="ellipse">
+              <a:avLst/>
+            </a:prstGeom>
+            <a:solidFill>
+              <a:srgbClr val="7030A0">
+                <a:alpha val="85000"/>
+              </a:srgbClr>
+            </a:solidFill>
+            <a:ln>
+              <a:solidFill>
+                <a:schemeClr val="tx1"/>
+              </a:solidFill>
+            </a:ln>
+          </p:spPr>
+          <p:style>
+            <a:lnRef idx="2">
+              <a:schemeClr val="accent1">
+                <a:shade val="50000"/>
+              </a:schemeClr>
+            </a:lnRef>
+            <a:fillRef idx="1">
+              <a:schemeClr val="accent1"/>
+            </a:fillRef>
+            <a:effectRef idx="0">
+              <a:schemeClr val="accent1"/>
+            </a:effectRef>
+            <a:fontRef idx="minor">
+              <a:schemeClr val="lt1"/>
+            </a:fontRef>
+          </p:style>
+          <p:txBody>
+            <a:bodyPr rtlCol="0" anchor="ctr"/>
+            <a:lstStyle/>
+            <a:p>
+              <a:pPr algn="ctr"/>
+              <a:endParaRPr lang="en-US"/>
+            </a:p>
+          </p:txBody>
+        </p:sp>
+        <p:sp>
+          <p:nvSpPr>
+            <p:cNvPr id="40" name="Oval 39">
+              <a:extLst>
+                <a:ext uri="{FF2B5EF4-FFF2-40B4-BE49-F238E27FC236}">
+                  <a16:creationId xmlns:a16="http://schemas.microsoft.com/office/drawing/2014/main" id="{22C5331B-F611-4BB5-863C-9623F41F127F}"/>
+                </a:ext>
+              </a:extLst>
+            </p:cNvPr>
+            <p:cNvSpPr/>
+            <p:nvPr/>
+          </p:nvSpPr>
+          <p:spPr>
+            <a:xfrm>
+              <a:off x="8136224" y="6158656"/>
+              <a:ext cx="237744" cy="237744"/>
+            </a:xfrm>
+            <a:prstGeom prst="ellipse">
+              <a:avLst/>
+            </a:prstGeom>
+            <a:solidFill>
+              <a:srgbClr val="FF0000">
+                <a:alpha val="85000"/>
+              </a:srgbClr>
+            </a:solidFill>
+            <a:ln>
+              <a:solidFill>
+                <a:schemeClr val="tx1"/>
+              </a:solidFill>
+            </a:ln>
+          </p:spPr>
+          <p:style>
+            <a:lnRef idx="2">
+              <a:schemeClr val="accent1">
+                <a:shade val="50000"/>
+              </a:schemeClr>
+            </a:lnRef>
+            <a:fillRef idx="1">
+              <a:schemeClr val="accent1"/>
+            </a:fillRef>
+            <a:effectRef idx="0">
+              <a:schemeClr val="accent1"/>
+            </a:effectRef>
+            <a:fontRef idx="minor">
+              <a:schemeClr val="lt1"/>
+            </a:fontRef>
+          </p:style>
+          <p:txBody>
+            <a:bodyPr rtlCol="0" anchor="ctr"/>
+            <a:lstStyle/>
+            <a:p>
+              <a:pPr algn="ctr"/>
+              <a:endParaRPr lang="en-US" dirty="0"/>
+            </a:p>
+          </p:txBody>
+        </p:sp>
+        <p:sp>
+          <p:nvSpPr>
+            <p:cNvPr id="41" name="Oval 40">
+              <a:extLst>
+                <a:ext uri="{FF2B5EF4-FFF2-40B4-BE49-F238E27FC236}">
+                  <a16:creationId xmlns:a16="http://schemas.microsoft.com/office/drawing/2014/main" id="{500BE7EB-9975-4D13-827F-8CA69C2DE80F}"/>
+                </a:ext>
+              </a:extLst>
+            </p:cNvPr>
+            <p:cNvSpPr/>
+            <p:nvPr/>
+          </p:nvSpPr>
+          <p:spPr>
+            <a:xfrm>
+              <a:off x="9051345" y="6586817"/>
+              <a:ext cx="237744" cy="237744"/>
+            </a:xfrm>
+            <a:prstGeom prst="ellipse">
+              <a:avLst/>
+            </a:prstGeom>
+            <a:solidFill>
+              <a:srgbClr val="00B0F0">
+                <a:alpha val="85000"/>
+              </a:srgbClr>
+            </a:solidFill>
+            <a:ln>
+              <a:solidFill>
+                <a:schemeClr val="tx1"/>
+              </a:solidFill>
+            </a:ln>
+          </p:spPr>
+          <p:style>
+            <a:lnRef idx="2">
+              <a:schemeClr val="accent1">
+                <a:shade val="50000"/>
+              </a:schemeClr>
+            </a:lnRef>
+            <a:fillRef idx="1">
+              <a:schemeClr val="accent1"/>
+            </a:fillRef>
+            <a:effectRef idx="0">
+              <a:schemeClr val="accent1"/>
+            </a:effectRef>
+            <a:fontRef idx="minor">
+              <a:schemeClr val="lt1"/>
+            </a:fontRef>
+          </p:style>
+          <p:txBody>
+            <a:bodyPr rtlCol="0" anchor="ctr"/>
+            <a:lstStyle/>
+            <a:p>
+              <a:pPr algn="ctr"/>
+              <a:endParaRPr lang="en-US"/>
+            </a:p>
+          </p:txBody>
+        </p:sp>
+        <p:sp>
+          <p:nvSpPr>
+            <p:cNvPr id="42" name="Oval 41">
+              <a:extLst>
+                <a:ext uri="{FF2B5EF4-FFF2-40B4-BE49-F238E27FC236}">
+                  <a16:creationId xmlns:a16="http://schemas.microsoft.com/office/drawing/2014/main" id="{DF8A652B-F449-4A17-B028-DF3CFD143366}"/>
+                </a:ext>
+              </a:extLst>
+            </p:cNvPr>
+            <p:cNvSpPr/>
+            <p:nvPr/>
+          </p:nvSpPr>
+          <p:spPr>
+            <a:xfrm>
+              <a:off x="8107618" y="6503066"/>
+              <a:ext cx="237744" cy="237744"/>
+            </a:xfrm>
+            <a:prstGeom prst="ellipse">
+              <a:avLst/>
+            </a:prstGeom>
+            <a:solidFill>
+              <a:schemeClr val="accent4">
+                <a:alpha val="85000"/>
+              </a:schemeClr>
+            </a:solidFill>
+            <a:ln>
+              <a:solidFill>
+                <a:schemeClr val="tx1"/>
+              </a:solidFill>
+            </a:ln>
+          </p:spPr>
+          <p:style>
+            <a:lnRef idx="2">
+              <a:schemeClr val="accent1">
+                <a:shade val="50000"/>
+              </a:schemeClr>
+            </a:lnRef>
+            <a:fillRef idx="1">
+              <a:schemeClr val="accent1"/>
+            </a:fillRef>
+            <a:effectRef idx="0">
+              <a:schemeClr val="accent1"/>
+            </a:effectRef>
+            <a:fontRef idx="minor">
+              <a:schemeClr val="lt1"/>
+            </a:fontRef>
+          </p:style>
+          <p:txBody>
+            <a:bodyPr rtlCol="0" anchor="ctr"/>
+            <a:lstStyle/>
+            <a:p>
+              <a:pPr algn="ctr"/>
+              <a:endParaRPr lang="en-US" dirty="0"/>
+            </a:p>
+          </p:txBody>
+        </p:sp>
+        <p:sp>
+          <p:nvSpPr>
+            <p:cNvPr id="46" name="Oval 45">
+              <a:extLst>
+                <a:ext uri="{FF2B5EF4-FFF2-40B4-BE49-F238E27FC236}">
+                  <a16:creationId xmlns:a16="http://schemas.microsoft.com/office/drawing/2014/main" id="{10FA24EB-8364-48FC-A1D6-F0E09B0335FE}"/>
+                </a:ext>
+              </a:extLst>
+            </p:cNvPr>
+            <p:cNvSpPr/>
+            <p:nvPr/>
+          </p:nvSpPr>
+          <p:spPr>
+            <a:xfrm>
+              <a:off x="7141878" y="4116342"/>
+              <a:ext cx="237744" cy="237744"/>
+            </a:xfrm>
+            <a:prstGeom prst="ellipse">
+              <a:avLst/>
+            </a:prstGeom>
+            <a:solidFill>
+              <a:srgbClr val="FF0000">
+                <a:alpha val="20000"/>
+              </a:srgbClr>
+            </a:solidFill>
+            <a:ln>
+              <a:solidFill>
+                <a:schemeClr val="tx1"/>
+              </a:solidFill>
+            </a:ln>
+          </p:spPr>
+          <p:style>
+            <a:lnRef idx="2">
+              <a:schemeClr val="accent1">
+                <a:shade val="50000"/>
+              </a:schemeClr>
+            </a:lnRef>
+            <a:fillRef idx="1">
+              <a:schemeClr val="accent1"/>
+            </a:fillRef>
+            <a:effectRef idx="0">
+              <a:schemeClr val="accent1"/>
+            </a:effectRef>
+            <a:fontRef idx="minor">
+              <a:schemeClr val="lt1"/>
+            </a:fontRef>
+          </p:style>
+          <p:txBody>
+            <a:bodyPr rtlCol="0" anchor="ctr"/>
+            <a:lstStyle/>
+            <a:p>
+              <a:pPr algn="ctr"/>
+              <a:endParaRPr lang="en-US"/>
+            </a:p>
+          </p:txBody>
+        </p:sp>
+        <p:sp>
+          <p:nvSpPr>
+            <p:cNvPr id="47" name="Oval 46">
+              <a:extLst>
+                <a:ext uri="{FF2B5EF4-FFF2-40B4-BE49-F238E27FC236}">
+                  <a16:creationId xmlns:a16="http://schemas.microsoft.com/office/drawing/2014/main" id="{14583094-0729-45FD-AA3B-39EDD9506C31}"/>
+                </a:ext>
+              </a:extLst>
+            </p:cNvPr>
+            <p:cNvSpPr/>
+            <p:nvPr/>
+          </p:nvSpPr>
+          <p:spPr>
+            <a:xfrm>
+              <a:off x="7396247" y="4682573"/>
+              <a:ext cx="237744" cy="237744"/>
+            </a:xfrm>
+            <a:prstGeom prst="ellipse">
+              <a:avLst/>
+            </a:prstGeom>
+            <a:solidFill>
+              <a:srgbClr val="FF0000">
+                <a:alpha val="40000"/>
+              </a:srgbClr>
+            </a:solidFill>
+            <a:ln>
+              <a:solidFill>
+                <a:schemeClr val="tx1"/>
+              </a:solidFill>
+            </a:ln>
+          </p:spPr>
+          <p:style>
+            <a:lnRef idx="2">
+              <a:schemeClr val="accent1">
+                <a:shade val="50000"/>
+              </a:schemeClr>
+            </a:lnRef>
+            <a:fillRef idx="1">
+              <a:schemeClr val="accent1"/>
+            </a:fillRef>
+            <a:effectRef idx="0">
+              <a:schemeClr val="accent1"/>
+            </a:effectRef>
+            <a:fontRef idx="minor">
+              <a:schemeClr val="lt1"/>
+            </a:fontRef>
+          </p:style>
+          <p:txBody>
+            <a:bodyPr rtlCol="0" anchor="ctr"/>
+            <a:lstStyle/>
+            <a:p>
+              <a:pPr algn="ctr"/>
+              <a:endParaRPr lang="en-US"/>
+            </a:p>
+          </p:txBody>
+        </p:sp>
+        <p:sp>
+          <p:nvSpPr>
+            <p:cNvPr id="48" name="Oval 47">
+              <a:extLst>
+                <a:ext uri="{FF2B5EF4-FFF2-40B4-BE49-F238E27FC236}">
+                  <a16:creationId xmlns:a16="http://schemas.microsoft.com/office/drawing/2014/main" id="{588CB119-3774-43D8-89DE-ADDD4803B0B8}"/>
+                </a:ext>
+              </a:extLst>
+            </p:cNvPr>
+            <p:cNvSpPr/>
+            <p:nvPr/>
+          </p:nvSpPr>
+          <p:spPr>
+            <a:xfrm>
+              <a:off x="7875446" y="5640500"/>
+              <a:ext cx="237744" cy="237744"/>
+            </a:xfrm>
+            <a:prstGeom prst="ellipse">
+              <a:avLst/>
+            </a:prstGeom>
+            <a:solidFill>
+              <a:srgbClr val="FF0000">
+                <a:alpha val="60000"/>
+              </a:srgbClr>
+            </a:solidFill>
+            <a:ln>
+              <a:solidFill>
+                <a:schemeClr val="tx1"/>
+              </a:solidFill>
+            </a:ln>
+          </p:spPr>
+          <p:style>
+            <a:lnRef idx="2">
+              <a:schemeClr val="accent1">
+                <a:shade val="50000"/>
+              </a:schemeClr>
+            </a:lnRef>
+            <a:fillRef idx="1">
+              <a:schemeClr val="accent1"/>
+            </a:fillRef>
+            <a:effectRef idx="0">
+              <a:schemeClr val="accent1"/>
+            </a:effectRef>
+            <a:fontRef idx="minor">
+              <a:schemeClr val="lt1"/>
+            </a:fontRef>
+          </p:style>
+          <p:txBody>
+            <a:bodyPr rtlCol="0" anchor="ctr"/>
+            <a:lstStyle/>
+            <a:p>
+              <a:pPr algn="ctr"/>
+              <a:endParaRPr lang="en-US" dirty="0"/>
+            </a:p>
+          </p:txBody>
+        </p:sp>
+        <p:sp>
+          <p:nvSpPr>
+            <p:cNvPr id="49" name="Oval 48">
+              <a:extLst>
+                <a:ext uri="{FF2B5EF4-FFF2-40B4-BE49-F238E27FC236}">
+                  <a16:creationId xmlns:a16="http://schemas.microsoft.com/office/drawing/2014/main" id="{EC36FB84-EC4F-44ED-842D-D37E0D34AC38}"/>
+                </a:ext>
+              </a:extLst>
+            </p:cNvPr>
+            <p:cNvSpPr/>
+            <p:nvPr/>
+          </p:nvSpPr>
+          <p:spPr>
+            <a:xfrm>
+              <a:off x="7124957" y="6219771"/>
+              <a:ext cx="237744" cy="237744"/>
+            </a:xfrm>
+            <a:prstGeom prst="ellipse">
+              <a:avLst/>
+            </a:prstGeom>
+            <a:solidFill>
+              <a:srgbClr val="7030A0">
+                <a:alpha val="85000"/>
+              </a:srgbClr>
+            </a:solidFill>
+            <a:ln>
+              <a:solidFill>
+                <a:schemeClr val="tx1"/>
+              </a:solidFill>
+            </a:ln>
+          </p:spPr>
+          <p:style>
+            <a:lnRef idx="2">
+              <a:schemeClr val="accent1">
+                <a:shade val="50000"/>
+              </a:schemeClr>
+            </a:lnRef>
+            <a:fillRef idx="1">
+              <a:schemeClr val="accent1"/>
+            </a:fillRef>
+            <a:effectRef idx="0">
+              <a:schemeClr val="accent1"/>
+            </a:effectRef>
+            <a:fontRef idx="minor">
+              <a:schemeClr val="lt1"/>
+            </a:fontRef>
+          </p:style>
+          <p:txBody>
+            <a:bodyPr rtlCol="0" anchor="ctr"/>
+            <a:lstStyle/>
+            <a:p>
+              <a:pPr algn="ctr"/>
+              <a:endParaRPr lang="en-US"/>
+            </a:p>
+          </p:txBody>
+        </p:sp>
+        <p:sp>
+          <p:nvSpPr>
+            <p:cNvPr id="50" name="Oval 49">
+              <a:extLst>
+                <a:ext uri="{FF2B5EF4-FFF2-40B4-BE49-F238E27FC236}">
+                  <a16:creationId xmlns:a16="http://schemas.microsoft.com/office/drawing/2014/main" id="{7CB129CE-9EA3-465F-8253-3F902EC115DA}"/>
+                </a:ext>
+              </a:extLst>
+            </p:cNvPr>
+            <p:cNvSpPr/>
+            <p:nvPr/>
+          </p:nvSpPr>
+          <p:spPr>
+            <a:xfrm>
+              <a:off x="8824760" y="4658720"/>
+              <a:ext cx="237744" cy="237744"/>
+            </a:xfrm>
+            <a:prstGeom prst="ellipse">
+              <a:avLst/>
+            </a:prstGeom>
+            <a:solidFill>
+              <a:srgbClr val="00B0F0">
+                <a:alpha val="20000"/>
+              </a:srgbClr>
+            </a:solidFill>
+            <a:ln>
+              <a:solidFill>
+                <a:schemeClr val="tx1"/>
+              </a:solidFill>
+            </a:ln>
+          </p:spPr>
+          <p:style>
+            <a:lnRef idx="2">
+              <a:schemeClr val="accent1">
+                <a:shade val="50000"/>
+              </a:schemeClr>
+            </a:lnRef>
+            <a:fillRef idx="1">
+              <a:schemeClr val="accent1"/>
+            </a:fillRef>
+            <a:effectRef idx="0">
+              <a:schemeClr val="accent1"/>
+            </a:effectRef>
+            <a:fontRef idx="minor">
+              <a:schemeClr val="lt1"/>
+            </a:fontRef>
+          </p:style>
+          <p:txBody>
+            <a:bodyPr rtlCol="0" anchor="ctr"/>
+            <a:lstStyle/>
+            <a:p>
+              <a:pPr algn="ctr"/>
+              <a:endParaRPr lang="en-US"/>
+            </a:p>
+          </p:txBody>
+        </p:sp>
+        <p:sp>
+          <p:nvSpPr>
+            <p:cNvPr id="51" name="Oval 50">
+              <a:extLst>
+                <a:ext uri="{FF2B5EF4-FFF2-40B4-BE49-F238E27FC236}">
+                  <a16:creationId xmlns:a16="http://schemas.microsoft.com/office/drawing/2014/main" id="{57BF44A4-AE73-47ED-9699-D8D083839195}"/>
+                </a:ext>
+              </a:extLst>
+            </p:cNvPr>
+            <p:cNvSpPr/>
+            <p:nvPr/>
+          </p:nvSpPr>
+          <p:spPr>
+            <a:xfrm>
+              <a:off x="8922366" y="5442238"/>
+              <a:ext cx="237744" cy="237744"/>
+            </a:xfrm>
+            <a:prstGeom prst="ellipse">
+              <a:avLst/>
+            </a:prstGeom>
+            <a:solidFill>
+              <a:srgbClr val="00B0F0">
+                <a:alpha val="40000"/>
+              </a:srgbClr>
+            </a:solidFill>
+            <a:ln>
+              <a:solidFill>
+                <a:schemeClr val="tx1"/>
+              </a:solidFill>
+            </a:ln>
+          </p:spPr>
+          <p:style>
+            <a:lnRef idx="2">
+              <a:schemeClr val="accent1">
+                <a:shade val="50000"/>
+              </a:schemeClr>
+            </a:lnRef>
+            <a:fillRef idx="1">
+              <a:schemeClr val="accent1"/>
+            </a:fillRef>
+            <a:effectRef idx="0">
+              <a:schemeClr val="accent1"/>
+            </a:effectRef>
+            <a:fontRef idx="minor">
+              <a:schemeClr val="lt1"/>
+            </a:fontRef>
+          </p:style>
+          <p:txBody>
+            <a:bodyPr rtlCol="0" anchor="ctr"/>
+            <a:lstStyle/>
+            <a:p>
+              <a:pPr algn="ctr"/>
+              <a:endParaRPr lang="en-US"/>
+            </a:p>
+          </p:txBody>
+        </p:sp>
+        <p:sp>
+          <p:nvSpPr>
+            <p:cNvPr id="52" name="Oval 51">
+              <a:extLst>
+                <a:ext uri="{FF2B5EF4-FFF2-40B4-BE49-F238E27FC236}">
+                  <a16:creationId xmlns:a16="http://schemas.microsoft.com/office/drawing/2014/main" id="{C13C17B0-7693-4A52-912E-25C017990840}"/>
+                </a:ext>
+              </a:extLst>
+            </p:cNvPr>
+            <p:cNvSpPr/>
+            <p:nvPr/>
+          </p:nvSpPr>
+          <p:spPr>
+            <a:xfrm>
+              <a:off x="9019972" y="6230404"/>
+              <a:ext cx="237744" cy="237744"/>
+            </a:xfrm>
+            <a:prstGeom prst="ellipse">
+              <a:avLst/>
+            </a:prstGeom>
+            <a:solidFill>
+              <a:srgbClr val="00B0F0">
+                <a:alpha val="60000"/>
+              </a:srgbClr>
+            </a:solidFill>
+            <a:ln>
+              <a:solidFill>
+                <a:schemeClr val="tx1"/>
+              </a:solidFill>
+            </a:ln>
+          </p:spPr>
+          <p:style>
+            <a:lnRef idx="2">
+              <a:schemeClr val="accent1">
+                <a:shade val="50000"/>
+              </a:schemeClr>
+            </a:lnRef>
+            <a:fillRef idx="1">
+              <a:schemeClr val="accent1"/>
+            </a:fillRef>
+            <a:effectRef idx="0">
+              <a:schemeClr val="accent1"/>
+            </a:effectRef>
+            <a:fontRef idx="minor">
+              <a:schemeClr val="lt1"/>
+            </a:fontRef>
+          </p:style>
+          <p:txBody>
+            <a:bodyPr rtlCol="0" anchor="ctr"/>
+            <a:lstStyle/>
+            <a:p>
+              <a:pPr algn="ctr"/>
+              <a:endParaRPr lang="en-US"/>
+            </a:p>
+          </p:txBody>
+        </p:sp>
+        <p:sp>
+          <p:nvSpPr>
+            <p:cNvPr id="54" name="Oval 53">
+              <a:extLst>
+                <a:ext uri="{FF2B5EF4-FFF2-40B4-BE49-F238E27FC236}">
+                  <a16:creationId xmlns:a16="http://schemas.microsoft.com/office/drawing/2014/main" id="{F0AD433D-B910-44CE-8D29-B35E2B4168B7}"/>
+                </a:ext>
+              </a:extLst>
+            </p:cNvPr>
+            <p:cNvSpPr/>
+            <p:nvPr/>
+          </p:nvSpPr>
+          <p:spPr>
+            <a:xfrm>
+              <a:off x="7848573" y="5844912"/>
+              <a:ext cx="237744" cy="237744"/>
+            </a:xfrm>
+            <a:prstGeom prst="ellipse">
+              <a:avLst/>
+            </a:prstGeom>
+            <a:solidFill>
+              <a:schemeClr val="accent4">
+                <a:alpha val="60000"/>
+              </a:schemeClr>
+            </a:solidFill>
+            <a:ln>
+              <a:solidFill>
+                <a:schemeClr val="tx1"/>
+              </a:solidFill>
+            </a:ln>
+          </p:spPr>
+          <p:style>
+            <a:lnRef idx="2">
+              <a:schemeClr val="accent1">
+                <a:shade val="50000"/>
+              </a:schemeClr>
+            </a:lnRef>
+            <a:fillRef idx="1">
+              <a:schemeClr val="accent1"/>
+            </a:fillRef>
+            <a:effectRef idx="0">
+              <a:schemeClr val="accent1"/>
+            </a:effectRef>
+            <a:fontRef idx="minor">
+              <a:schemeClr val="lt1"/>
+            </a:fontRef>
+          </p:style>
+          <p:txBody>
+            <a:bodyPr rtlCol="0" anchor="ctr"/>
+            <a:lstStyle/>
+            <a:p>
+              <a:pPr algn="ctr"/>
+              <a:endParaRPr lang="en-US"/>
+            </a:p>
+          </p:txBody>
+        </p:sp>
+        <p:sp>
+          <p:nvSpPr>
+            <p:cNvPr id="55" name="Oval 54">
+              <a:extLst>
+                <a:ext uri="{FF2B5EF4-FFF2-40B4-BE49-F238E27FC236}">
+                  <a16:creationId xmlns:a16="http://schemas.microsoft.com/office/drawing/2014/main" id="{4A53B405-3361-418C-8729-DCDE0A23E2D3}"/>
+                </a:ext>
+              </a:extLst>
+            </p:cNvPr>
+            <p:cNvSpPr/>
+            <p:nvPr/>
+          </p:nvSpPr>
+          <p:spPr>
+            <a:xfrm>
+              <a:off x="7388965" y="4739562"/>
+              <a:ext cx="237744" cy="237744"/>
+            </a:xfrm>
+            <a:prstGeom prst="ellipse">
+              <a:avLst/>
+            </a:prstGeom>
+            <a:solidFill>
+              <a:schemeClr val="accent4">
+                <a:alpha val="40000"/>
+              </a:schemeClr>
+            </a:solidFill>
+            <a:ln>
+              <a:solidFill>
+                <a:schemeClr val="tx1"/>
+              </a:solidFill>
+            </a:ln>
+          </p:spPr>
+          <p:style>
+            <a:lnRef idx="2">
+              <a:schemeClr val="accent1">
+                <a:shade val="50000"/>
+              </a:schemeClr>
+            </a:lnRef>
+            <a:fillRef idx="1">
+              <a:schemeClr val="accent1"/>
+            </a:fillRef>
+            <a:effectRef idx="0">
+              <a:schemeClr val="accent1"/>
+            </a:effectRef>
+            <a:fontRef idx="minor">
+              <a:schemeClr val="lt1"/>
+            </a:fontRef>
+          </p:style>
+          <p:txBody>
+            <a:bodyPr rtlCol="0" anchor="ctr"/>
+            <a:lstStyle/>
+            <a:p>
+              <a:pPr algn="ctr"/>
+              <a:endParaRPr lang="en-US"/>
+            </a:p>
+          </p:txBody>
+        </p:sp>
+        <p:sp>
+          <p:nvSpPr>
+            <p:cNvPr id="56" name="Oval 55">
+              <a:extLst>
+                <a:ext uri="{FF2B5EF4-FFF2-40B4-BE49-F238E27FC236}">
+                  <a16:creationId xmlns:a16="http://schemas.microsoft.com/office/drawing/2014/main" id="{795CC560-0D77-4CCD-B076-F00A67B07F32}"/>
+                </a:ext>
+              </a:extLst>
+            </p:cNvPr>
+            <p:cNvSpPr/>
+            <p:nvPr/>
+          </p:nvSpPr>
+          <p:spPr>
+            <a:xfrm>
+              <a:off x="16819183" y="4660734"/>
+              <a:ext cx="237744" cy="237744"/>
+            </a:xfrm>
+            <a:prstGeom prst="ellipse">
+              <a:avLst/>
+            </a:prstGeom>
+            <a:solidFill>
+              <a:srgbClr val="00B0F0">
+                <a:alpha val="20000"/>
+              </a:srgbClr>
+            </a:solidFill>
+            <a:ln>
+              <a:solidFill>
+                <a:schemeClr val="tx1"/>
+              </a:solidFill>
+            </a:ln>
+          </p:spPr>
+          <p:style>
+            <a:lnRef idx="2">
+              <a:schemeClr val="accent1">
+                <a:shade val="50000"/>
+              </a:schemeClr>
+            </a:lnRef>
+            <a:fillRef idx="1">
+              <a:schemeClr val="accent1"/>
+            </a:fillRef>
+            <a:effectRef idx="0">
+              <a:schemeClr val="accent1"/>
+            </a:effectRef>
+            <a:fontRef idx="minor">
+              <a:schemeClr val="lt1"/>
+            </a:fontRef>
+          </p:style>
+          <p:txBody>
+            <a:bodyPr rtlCol="0" anchor="ctr"/>
+            <a:lstStyle/>
+            <a:p>
+              <a:pPr algn="ctr"/>
+              <a:endParaRPr lang="en-US"/>
+            </a:p>
+          </p:txBody>
+        </p:sp>
+        <p:sp>
+          <p:nvSpPr>
+            <p:cNvPr id="57" name="Oval 56">
+              <a:extLst>
+                <a:ext uri="{FF2B5EF4-FFF2-40B4-BE49-F238E27FC236}">
+                  <a16:creationId xmlns:a16="http://schemas.microsoft.com/office/drawing/2014/main" id="{C4D45120-0C1A-4E74-94DE-7936D293E844}"/>
+                </a:ext>
+              </a:extLst>
+            </p:cNvPr>
+            <p:cNvSpPr/>
+            <p:nvPr/>
+          </p:nvSpPr>
+          <p:spPr>
+            <a:xfrm>
+              <a:off x="17625500" y="5439581"/>
+              <a:ext cx="237744" cy="237744"/>
+            </a:xfrm>
+            <a:prstGeom prst="ellipse">
+              <a:avLst/>
+            </a:prstGeom>
+            <a:solidFill>
+              <a:srgbClr val="00B0F0">
+                <a:alpha val="40000"/>
+              </a:srgbClr>
+            </a:solidFill>
+            <a:ln>
+              <a:solidFill>
+                <a:schemeClr val="tx1"/>
+              </a:solidFill>
+            </a:ln>
+          </p:spPr>
+          <p:style>
+            <a:lnRef idx="2">
+              <a:schemeClr val="accent1">
+                <a:shade val="50000"/>
+              </a:schemeClr>
+            </a:lnRef>
+            <a:fillRef idx="1">
+              <a:schemeClr val="accent1"/>
+            </a:fillRef>
+            <a:effectRef idx="0">
+              <a:schemeClr val="accent1"/>
+            </a:effectRef>
+            <a:fontRef idx="minor">
+              <a:schemeClr val="lt1"/>
+            </a:fontRef>
+          </p:style>
+          <p:txBody>
+            <a:bodyPr rtlCol="0" anchor="ctr"/>
+            <a:lstStyle/>
+            <a:p>
+              <a:pPr algn="ctr"/>
+              <a:endParaRPr lang="en-US"/>
+            </a:p>
+          </p:txBody>
+        </p:sp>
+        <p:sp>
+          <p:nvSpPr>
+            <p:cNvPr id="58" name="Oval 57">
+              <a:extLst>
+                <a:ext uri="{FF2B5EF4-FFF2-40B4-BE49-F238E27FC236}">
+                  <a16:creationId xmlns:a16="http://schemas.microsoft.com/office/drawing/2014/main" id="{A90335BE-939C-4E53-B93E-A406307C45DC}"/>
+                </a:ext>
+              </a:extLst>
+            </p:cNvPr>
+            <p:cNvSpPr/>
+            <p:nvPr/>
+          </p:nvSpPr>
+          <p:spPr>
+            <a:xfrm>
+              <a:off x="18441839" y="6227747"/>
+              <a:ext cx="237744" cy="237744"/>
+            </a:xfrm>
+            <a:prstGeom prst="ellipse">
+              <a:avLst/>
+            </a:prstGeom>
+            <a:solidFill>
+              <a:srgbClr val="00B0F0">
+                <a:alpha val="60000"/>
+              </a:srgbClr>
+            </a:solidFill>
+            <a:ln>
+              <a:solidFill>
+                <a:schemeClr val="tx1"/>
+              </a:solidFill>
+            </a:ln>
+          </p:spPr>
+          <p:style>
+            <a:lnRef idx="2">
+              <a:schemeClr val="accent1">
+                <a:shade val="50000"/>
+              </a:schemeClr>
+            </a:lnRef>
+            <a:fillRef idx="1">
+              <a:schemeClr val="accent1"/>
+            </a:fillRef>
+            <a:effectRef idx="0">
+              <a:schemeClr val="accent1"/>
+            </a:effectRef>
+            <a:fontRef idx="minor">
+              <a:schemeClr val="lt1"/>
+            </a:fontRef>
+          </p:style>
+          <p:txBody>
+            <a:bodyPr rtlCol="0" anchor="ctr"/>
+            <a:lstStyle/>
+            <a:p>
+              <a:pPr algn="ctr"/>
+              <a:endParaRPr lang="en-US"/>
+            </a:p>
+          </p:txBody>
+        </p:sp>
+        <p:sp>
+          <p:nvSpPr>
+            <p:cNvPr id="63" name="Oval 62">
+              <a:extLst>
+                <a:ext uri="{FF2B5EF4-FFF2-40B4-BE49-F238E27FC236}">
+                  <a16:creationId xmlns:a16="http://schemas.microsoft.com/office/drawing/2014/main" id="{D1AE4156-44B6-409A-BDC0-79E12FCB072F}"/>
+                </a:ext>
+              </a:extLst>
+            </p:cNvPr>
+            <p:cNvSpPr/>
+            <p:nvPr/>
+          </p:nvSpPr>
+          <p:spPr>
+            <a:xfrm>
+              <a:off x="6789727" y="5728584"/>
+              <a:ext cx="237744" cy="237744"/>
+            </a:xfrm>
+            <a:prstGeom prst="ellipse">
+              <a:avLst/>
+            </a:prstGeom>
+            <a:solidFill>
+              <a:srgbClr val="7030A0">
+                <a:alpha val="60000"/>
+              </a:srgbClr>
+            </a:solidFill>
+            <a:ln>
+              <a:solidFill>
+                <a:schemeClr val="tx1"/>
+              </a:solidFill>
+            </a:ln>
+          </p:spPr>
+          <p:style>
+            <a:lnRef idx="2">
+              <a:schemeClr val="accent1">
+                <a:shade val="50000"/>
+              </a:schemeClr>
+            </a:lnRef>
+            <a:fillRef idx="1">
+              <a:schemeClr val="accent1"/>
+            </a:fillRef>
+            <a:effectRef idx="0">
+              <a:schemeClr val="accent1"/>
+            </a:effectRef>
+            <a:fontRef idx="minor">
+              <a:schemeClr val="lt1"/>
+            </a:fontRef>
+          </p:style>
+          <p:txBody>
+            <a:bodyPr rtlCol="0" anchor="ctr"/>
+            <a:lstStyle/>
+            <a:p>
+              <a:pPr algn="ctr"/>
+              <a:endParaRPr lang="en-US"/>
+            </a:p>
+          </p:txBody>
+        </p:sp>
+        <p:sp>
+          <p:nvSpPr>
+            <p:cNvPr id="65" name="Oval 64">
+              <a:extLst>
+                <a:ext uri="{FF2B5EF4-FFF2-40B4-BE49-F238E27FC236}">
+                  <a16:creationId xmlns:a16="http://schemas.microsoft.com/office/drawing/2014/main" id="{44901E3B-F3C0-4855-A127-8E83F39BE357}"/>
+                </a:ext>
+              </a:extLst>
+            </p:cNvPr>
+            <p:cNvSpPr/>
+            <p:nvPr/>
+          </p:nvSpPr>
+          <p:spPr>
+            <a:xfrm>
+              <a:off x="6245233" y="4774910"/>
+              <a:ext cx="237744" cy="237744"/>
+            </a:xfrm>
+            <a:prstGeom prst="ellipse">
+              <a:avLst/>
+            </a:prstGeom>
+            <a:solidFill>
+              <a:srgbClr val="7030A0">
+                <a:alpha val="40000"/>
+              </a:srgbClr>
+            </a:solidFill>
+            <a:ln>
+              <a:solidFill>
+                <a:schemeClr val="tx1"/>
+              </a:solidFill>
+            </a:ln>
+          </p:spPr>
+          <p:style>
+            <a:lnRef idx="2">
+              <a:schemeClr val="accent1">
+                <a:shade val="50000"/>
+              </a:schemeClr>
+            </a:lnRef>
+            <a:fillRef idx="1">
+              <a:schemeClr val="accent1"/>
+            </a:fillRef>
+            <a:effectRef idx="0">
+              <a:schemeClr val="accent1"/>
+            </a:effectRef>
+            <a:fontRef idx="minor">
+              <a:schemeClr val="lt1"/>
+            </a:fontRef>
+          </p:style>
+          <p:txBody>
+            <a:bodyPr rtlCol="0" anchor="ctr"/>
+            <a:lstStyle/>
+            <a:p>
+              <a:pPr algn="ctr"/>
+              <a:endParaRPr lang="en-US"/>
+            </a:p>
+          </p:txBody>
+        </p:sp>
+        <p:sp>
+          <p:nvSpPr>
+            <p:cNvPr id="66" name="Oval 65">
+              <a:extLst>
+                <a:ext uri="{FF2B5EF4-FFF2-40B4-BE49-F238E27FC236}">
+                  <a16:creationId xmlns:a16="http://schemas.microsoft.com/office/drawing/2014/main" id="{B2AA2868-13C7-4D9F-81F4-44701713219E}"/>
+                </a:ext>
+              </a:extLst>
+            </p:cNvPr>
+            <p:cNvSpPr/>
+            <p:nvPr/>
+          </p:nvSpPr>
+          <p:spPr>
+            <a:xfrm>
+              <a:off x="5957028" y="4191238"/>
+              <a:ext cx="237744" cy="237744"/>
+            </a:xfrm>
+            <a:prstGeom prst="ellipse">
+              <a:avLst/>
+            </a:prstGeom>
+            <a:solidFill>
+              <a:srgbClr val="7030A0">
+                <a:alpha val="20000"/>
+              </a:srgbClr>
+            </a:solidFill>
+            <a:ln>
+              <a:solidFill>
+                <a:schemeClr val="tx1"/>
+              </a:solidFill>
+            </a:ln>
+          </p:spPr>
+          <p:style>
+            <a:lnRef idx="2">
+              <a:schemeClr val="accent1">
+                <a:shade val="50000"/>
+              </a:schemeClr>
+            </a:lnRef>
+            <a:fillRef idx="1">
+              <a:schemeClr val="accent1"/>
+            </a:fillRef>
+            <a:effectRef idx="0">
+              <a:schemeClr val="accent1"/>
+            </a:effectRef>
+            <a:fontRef idx="minor">
+              <a:schemeClr val="lt1"/>
+            </a:fontRef>
+          </p:style>
+          <p:txBody>
+            <a:bodyPr rtlCol="0" anchor="ctr"/>
+            <a:lstStyle/>
+            <a:p>
+              <a:pPr algn="ctr"/>
+              <a:endParaRPr lang="en-US"/>
+            </a:p>
+          </p:txBody>
+        </p:sp>
+        <p:sp>
+          <p:nvSpPr>
+            <p:cNvPr id="68" name="Oval 67">
+              <a:extLst>
+                <a:ext uri="{FF2B5EF4-FFF2-40B4-BE49-F238E27FC236}">
+                  <a16:creationId xmlns:a16="http://schemas.microsoft.com/office/drawing/2014/main" id="{E48B4BF2-5A99-47B5-8995-0B5A505A8217}"/>
+                </a:ext>
+              </a:extLst>
+            </p:cNvPr>
+            <p:cNvSpPr/>
+            <p:nvPr/>
+          </p:nvSpPr>
+          <p:spPr>
+            <a:xfrm>
+              <a:off x="14340867" y="5728584"/>
+              <a:ext cx="237744" cy="237744"/>
+            </a:xfrm>
+            <a:prstGeom prst="ellipse">
+              <a:avLst/>
+            </a:prstGeom>
+            <a:solidFill>
+              <a:srgbClr val="7030A0">
+                <a:alpha val="60000"/>
+              </a:srgbClr>
+            </a:solidFill>
+            <a:ln>
+              <a:solidFill>
+                <a:schemeClr val="tx1"/>
+              </a:solidFill>
+            </a:ln>
+          </p:spPr>
+          <p:style>
+            <a:lnRef idx="2">
+              <a:schemeClr val="accent1">
+                <a:shade val="50000"/>
+              </a:schemeClr>
+            </a:lnRef>
+            <a:fillRef idx="1">
+              <a:schemeClr val="accent1"/>
+            </a:fillRef>
+            <a:effectRef idx="0">
+              <a:schemeClr val="accent1"/>
+            </a:effectRef>
+            <a:fontRef idx="minor">
+              <a:schemeClr val="lt1"/>
+            </a:fontRef>
+          </p:style>
+          <p:txBody>
+            <a:bodyPr rtlCol="0" anchor="ctr"/>
+            <a:lstStyle/>
+            <a:p>
+              <a:pPr algn="ctr"/>
+              <a:endParaRPr lang="en-US"/>
+            </a:p>
+          </p:txBody>
+        </p:sp>
+        <p:sp>
+          <p:nvSpPr>
+            <p:cNvPr id="69" name="Oval 68">
+              <a:extLst>
+                <a:ext uri="{FF2B5EF4-FFF2-40B4-BE49-F238E27FC236}">
+                  <a16:creationId xmlns:a16="http://schemas.microsoft.com/office/drawing/2014/main" id="{C2C50923-32C5-4469-93B3-64AEC71F3056}"/>
+                </a:ext>
+              </a:extLst>
+            </p:cNvPr>
+            <p:cNvSpPr/>
+            <p:nvPr/>
+          </p:nvSpPr>
+          <p:spPr>
+            <a:xfrm>
+              <a:off x="13359052" y="4774910"/>
+              <a:ext cx="237744" cy="237744"/>
+            </a:xfrm>
+            <a:prstGeom prst="ellipse">
+              <a:avLst/>
+            </a:prstGeom>
+            <a:solidFill>
+              <a:srgbClr val="7030A0">
+                <a:alpha val="40000"/>
+              </a:srgbClr>
+            </a:solidFill>
+            <a:ln>
+              <a:solidFill>
+                <a:schemeClr val="tx1"/>
+              </a:solidFill>
+            </a:ln>
+          </p:spPr>
+          <p:style>
+            <a:lnRef idx="2">
+              <a:schemeClr val="accent1">
+                <a:shade val="50000"/>
+              </a:schemeClr>
+            </a:lnRef>
+            <a:fillRef idx="1">
+              <a:schemeClr val="accent1"/>
+            </a:fillRef>
+            <a:effectRef idx="0">
+              <a:schemeClr val="accent1"/>
+            </a:effectRef>
+            <a:fontRef idx="minor">
+              <a:schemeClr val="lt1"/>
+            </a:fontRef>
+          </p:style>
+          <p:txBody>
+            <a:bodyPr rtlCol="0" anchor="ctr"/>
+            <a:lstStyle/>
+            <a:p>
+              <a:pPr algn="ctr"/>
+              <a:endParaRPr lang="en-US"/>
+            </a:p>
+          </p:txBody>
+        </p:sp>
+        <p:sp>
+          <p:nvSpPr>
+            <p:cNvPr id="74" name="Oval 73">
+              <a:extLst>
+                <a:ext uri="{FF2B5EF4-FFF2-40B4-BE49-F238E27FC236}">
+                  <a16:creationId xmlns:a16="http://schemas.microsoft.com/office/drawing/2014/main" id="{8749E2CE-02CB-4946-9E98-3C76BE77D4A5}"/>
+                </a:ext>
+              </a:extLst>
+            </p:cNvPr>
+            <p:cNvSpPr/>
+            <p:nvPr/>
+          </p:nvSpPr>
+          <p:spPr>
+            <a:xfrm>
+              <a:off x="12752796" y="4191238"/>
+              <a:ext cx="237744" cy="237744"/>
+            </a:xfrm>
+            <a:prstGeom prst="ellipse">
+              <a:avLst/>
+            </a:prstGeom>
+            <a:solidFill>
+              <a:srgbClr val="7030A0">
+                <a:alpha val="20000"/>
+              </a:srgbClr>
+            </a:solidFill>
+            <a:ln>
+              <a:solidFill>
+                <a:schemeClr val="tx1"/>
+              </a:solidFill>
+            </a:ln>
+          </p:spPr>
+          <p:style>
+            <a:lnRef idx="2">
+              <a:schemeClr val="accent1">
+                <a:shade val="50000"/>
+              </a:schemeClr>
+            </a:lnRef>
+            <a:fillRef idx="1">
+              <a:schemeClr val="accent1"/>
+            </a:fillRef>
+            <a:effectRef idx="0">
+              <a:schemeClr val="accent1"/>
+            </a:effectRef>
+            <a:fontRef idx="minor">
+              <a:schemeClr val="lt1"/>
+            </a:fontRef>
+          </p:style>
+          <p:txBody>
+            <a:bodyPr rtlCol="0" anchor="ctr"/>
+            <a:lstStyle/>
+            <a:p>
+              <a:pPr algn="ctr"/>
+              <a:endParaRPr lang="en-US"/>
+            </a:p>
+          </p:txBody>
+        </p:sp>
+        <p:sp>
+          <p:nvSpPr>
+            <p:cNvPr id="76" name="Oval 75">
+              <a:extLst>
+                <a:ext uri="{FF2B5EF4-FFF2-40B4-BE49-F238E27FC236}">
+                  <a16:creationId xmlns:a16="http://schemas.microsoft.com/office/drawing/2014/main" id="{D2C43FE1-0574-4D55-BC3C-EC8B9AAEBE83}"/>
+                </a:ext>
+              </a:extLst>
+            </p:cNvPr>
+            <p:cNvSpPr/>
+            <p:nvPr/>
+          </p:nvSpPr>
+          <p:spPr>
+            <a:xfrm>
+              <a:off x="18049714" y="5858107"/>
+              <a:ext cx="237744" cy="237744"/>
+            </a:xfrm>
+            <a:prstGeom prst="ellipse">
+              <a:avLst/>
+            </a:prstGeom>
+            <a:solidFill>
+              <a:schemeClr val="accent4">
+                <a:alpha val="60000"/>
+              </a:schemeClr>
+            </a:solidFill>
+            <a:ln>
+              <a:solidFill>
+                <a:schemeClr val="tx1"/>
+              </a:solidFill>
+            </a:ln>
+          </p:spPr>
+          <p:style>
+            <a:lnRef idx="2">
+              <a:schemeClr val="accent1">
+                <a:shade val="50000"/>
+              </a:schemeClr>
+            </a:lnRef>
+            <a:fillRef idx="1">
+              <a:schemeClr val="accent1"/>
+            </a:fillRef>
+            <a:effectRef idx="0">
+              <a:schemeClr val="accent1"/>
+            </a:effectRef>
+            <a:fontRef idx="minor">
+              <a:schemeClr val="lt1"/>
+            </a:fontRef>
+          </p:style>
+          <p:txBody>
+            <a:bodyPr rtlCol="0" anchor="ctr"/>
+            <a:lstStyle/>
+            <a:p>
+              <a:pPr algn="ctr"/>
+              <a:endParaRPr lang="en-US"/>
+            </a:p>
+          </p:txBody>
+        </p:sp>
+        <p:sp>
+          <p:nvSpPr>
+            <p:cNvPr id="77" name="Oval 76">
+              <a:extLst>
+                <a:ext uri="{FF2B5EF4-FFF2-40B4-BE49-F238E27FC236}">
+                  <a16:creationId xmlns:a16="http://schemas.microsoft.com/office/drawing/2014/main" id="{569990B5-D903-4D81-AFE5-7D0005D00CC1}"/>
+                </a:ext>
+              </a:extLst>
+            </p:cNvPr>
+            <p:cNvSpPr/>
+            <p:nvPr/>
+          </p:nvSpPr>
+          <p:spPr>
+            <a:xfrm>
+              <a:off x="16889368" y="4737048"/>
+              <a:ext cx="237744" cy="237744"/>
+            </a:xfrm>
+            <a:prstGeom prst="ellipse">
+              <a:avLst/>
+            </a:prstGeom>
+            <a:solidFill>
+              <a:schemeClr val="accent4">
+                <a:alpha val="40000"/>
+              </a:schemeClr>
+            </a:solidFill>
+            <a:ln>
+              <a:solidFill>
+                <a:schemeClr val="tx1"/>
+              </a:solidFill>
+            </a:ln>
+          </p:spPr>
+          <p:style>
+            <a:lnRef idx="2">
+              <a:schemeClr val="accent1">
+                <a:shade val="50000"/>
+              </a:schemeClr>
+            </a:lnRef>
+            <a:fillRef idx="1">
+              <a:schemeClr val="accent1"/>
+            </a:fillRef>
+            <a:effectRef idx="0">
+              <a:schemeClr val="accent1"/>
+            </a:effectRef>
+            <a:fontRef idx="minor">
+              <a:schemeClr val="lt1"/>
+            </a:fontRef>
+          </p:style>
+          <p:txBody>
+            <a:bodyPr rtlCol="0" anchor="ctr"/>
+            <a:lstStyle/>
+            <a:p>
+              <a:pPr algn="ctr"/>
+              <a:endParaRPr lang="en-US"/>
+            </a:p>
+          </p:txBody>
+        </p:sp>
+      </p:grpSp>
+      <p:grpSp>
+        <p:nvGrpSpPr>
+          <p:cNvPr id="67" name="Group 66">
+            <a:extLst>
+              <a:ext uri="{FF2B5EF4-FFF2-40B4-BE49-F238E27FC236}">
+                <a16:creationId xmlns:a16="http://schemas.microsoft.com/office/drawing/2014/main" id="{3A53E9D1-3857-4047-86EC-B836700193B4}"/>
+              </a:ext>
+            </a:extLst>
+          </p:cNvPr>
+          <p:cNvGrpSpPr/>
+          <p:nvPr/>
+        </p:nvGrpSpPr>
+        <p:grpSpPr>
+          <a:xfrm>
+            <a:off x="5066299" y="11847085"/>
+            <a:ext cx="3953673" cy="538039"/>
+            <a:chOff x="5343387" y="12614499"/>
+            <a:chExt cx="3953673" cy="538039"/>
+          </a:xfrm>
+        </p:grpSpPr>
+        <p:sp>
+          <p:nvSpPr>
+            <p:cNvPr id="78" name="TextBox 77">
+              <a:extLst>
+                <a:ext uri="{FF2B5EF4-FFF2-40B4-BE49-F238E27FC236}">
+                  <a16:creationId xmlns:a16="http://schemas.microsoft.com/office/drawing/2014/main" id="{6480E6AA-8B09-42E6-AA19-DD628635A623}"/>
+                </a:ext>
+              </a:extLst>
+            </p:cNvPr>
+            <p:cNvSpPr txBox="1"/>
+            <p:nvPr/>
+          </p:nvSpPr>
+          <p:spPr>
+            <a:xfrm>
+              <a:off x="5639460" y="12614499"/>
+              <a:ext cx="3657600" cy="538039"/>
+            </a:xfrm>
+            <a:prstGeom prst="rect">
+              <a:avLst/>
+            </a:prstGeom>
+            <a:noFill/>
+          </p:spPr>
+          <p:txBody>
+            <a:bodyPr wrap="square" rtlCol="0">
+              <a:spAutoFit/>
+            </a:bodyPr>
+            <a:lstStyle/>
+            <a:p>
+              <a:pPr algn="ctr"/>
+              <a:r>
+                <a:rPr lang="en-US" sz="2801" dirty="0">
+                  <a:latin typeface="Arial" panose="020B0604020202020204" pitchFamily="34" charset="0"/>
+                  <a:cs typeface="Arial" panose="020B0604020202020204" pitchFamily="34" charset="0"/>
+                </a:rPr>
+                <a:t>This study (GCAM)</a:t>
+              </a:r>
+            </a:p>
+          </p:txBody>
+        </p:sp>
+        <p:sp>
+          <p:nvSpPr>
+            <p:cNvPr id="79" name="Oval 78">
+              <a:extLst>
+                <a:ext uri="{FF2B5EF4-FFF2-40B4-BE49-F238E27FC236}">
+                  <a16:creationId xmlns:a16="http://schemas.microsoft.com/office/drawing/2014/main" id="{75A3DF13-D0D9-4646-8AD0-14FC73B49244}"/>
+                </a:ext>
+              </a:extLst>
+            </p:cNvPr>
+            <p:cNvSpPr/>
+            <p:nvPr/>
+          </p:nvSpPr>
+          <p:spPr>
+            <a:xfrm>
+              <a:off x="5343387" y="12693229"/>
+              <a:ext cx="365760" cy="365760"/>
+            </a:xfrm>
+            <a:prstGeom prst="ellipse">
+              <a:avLst/>
+            </a:prstGeom>
+            <a:gradFill>
+              <a:gsLst>
+                <a:gs pos="0">
+                  <a:srgbClr val="FF0000"/>
+                </a:gs>
+                <a:gs pos="52000">
+                  <a:srgbClr val="FFC000"/>
+                </a:gs>
+                <a:gs pos="28000">
+                  <a:srgbClr val="ED7D31"/>
+                </a:gs>
+                <a:gs pos="76000">
+                  <a:srgbClr val="00B0F0"/>
+                </a:gs>
+                <a:gs pos="100000">
+                  <a:srgbClr val="7030A0"/>
+                </a:gs>
+              </a:gsLst>
+              <a:lin ang="5400000" scaled="1"/>
+            </a:gradFill>
+            <a:ln w="34925">
+              <a:solidFill>
+                <a:schemeClr val="tx1"/>
+              </a:solidFill>
+            </a:ln>
+          </p:spPr>
+          <p:style>
+            <a:lnRef idx="2">
+              <a:schemeClr val="accent1">
+                <a:shade val="50000"/>
+              </a:schemeClr>
+            </a:lnRef>
+            <a:fillRef idx="1">
+              <a:schemeClr val="accent1"/>
+            </a:fillRef>
+            <a:effectRef idx="0">
+              <a:schemeClr val="accent1"/>
+            </a:effectRef>
+            <a:fontRef idx="minor">
+              <a:schemeClr val="lt1"/>
+            </a:fontRef>
+          </p:style>
+          <p:txBody>
+            <a:bodyPr rtlCol="0" anchor="ctr"/>
+            <a:lstStyle/>
+            <a:p>
+              <a:pPr algn="ctr"/>
+              <a:endParaRPr lang="en-US"/>
+            </a:p>
+          </p:txBody>
+        </p:sp>
+      </p:grpSp>
+      <p:grpSp>
+        <p:nvGrpSpPr>
+          <p:cNvPr id="53" name="Group 52">
+            <a:extLst>
+              <a:ext uri="{FF2B5EF4-FFF2-40B4-BE49-F238E27FC236}">
+                <a16:creationId xmlns:a16="http://schemas.microsoft.com/office/drawing/2014/main" id="{54A0B848-5CF6-418C-8E50-7845CFD06858}"/>
+              </a:ext>
+            </a:extLst>
+          </p:cNvPr>
+          <p:cNvGrpSpPr/>
+          <p:nvPr/>
+        </p:nvGrpSpPr>
+        <p:grpSpPr>
+          <a:xfrm>
+            <a:off x="14614108" y="3995251"/>
+            <a:ext cx="6319468" cy="4139166"/>
+            <a:chOff x="14614108" y="3995251"/>
+            <a:chExt cx="6319468" cy="4139166"/>
+          </a:xfrm>
+        </p:grpSpPr>
+        <p:sp>
+          <p:nvSpPr>
+            <p:cNvPr id="73" name="TextBox 72">
+              <a:extLst>
+                <a:ext uri="{FF2B5EF4-FFF2-40B4-BE49-F238E27FC236}">
+                  <a16:creationId xmlns:a16="http://schemas.microsoft.com/office/drawing/2014/main" id="{DCBAAFDD-35E3-4328-94B8-A039DE3D63AE}"/>
+                </a:ext>
+              </a:extLst>
+            </p:cNvPr>
+            <p:cNvSpPr txBox="1"/>
+            <p:nvPr/>
+          </p:nvSpPr>
+          <p:spPr>
+            <a:xfrm>
+              <a:off x="18921896" y="5520305"/>
+              <a:ext cx="2011680" cy="492443"/>
+            </a:xfrm>
+            <a:prstGeom prst="rect">
+              <a:avLst/>
+            </a:prstGeom>
+            <a:noFill/>
+          </p:spPr>
+          <p:txBody>
+            <a:bodyPr wrap="square" rtlCol="0">
+              <a:spAutoFit/>
+            </a:bodyPr>
+            <a:lstStyle/>
+            <a:p>
+              <a:r>
+                <a:rPr lang="en-US" sz="2600" i="1" dirty="0">
+                  <a:solidFill>
+                    <a:srgbClr val="C00000"/>
+                  </a:solidFill>
+                  <a:latin typeface="Arial" panose="020B0604020202020204" pitchFamily="34" charset="0"/>
+                  <a:cs typeface="Arial" panose="020B0604020202020204" pitchFamily="34" charset="0"/>
+                </a:rPr>
+                <a:t>100%-LCP</a:t>
+              </a:r>
+            </a:p>
+          </p:txBody>
+        </p:sp>
+        <p:sp>
+          <p:nvSpPr>
+            <p:cNvPr id="80" name="TextBox 79">
+              <a:extLst>
+                <a:ext uri="{FF2B5EF4-FFF2-40B4-BE49-F238E27FC236}">
+                  <a16:creationId xmlns:a16="http://schemas.microsoft.com/office/drawing/2014/main" id="{C3BA2AAF-EEE3-4BA7-829E-D5E61087C177}"/>
+                </a:ext>
+              </a:extLst>
+            </p:cNvPr>
+            <p:cNvSpPr txBox="1"/>
+            <p:nvPr/>
+          </p:nvSpPr>
+          <p:spPr>
+            <a:xfrm>
+              <a:off x="18921896" y="4201533"/>
+              <a:ext cx="2011680" cy="492443"/>
+            </a:xfrm>
+            <a:prstGeom prst="rect">
+              <a:avLst/>
+            </a:prstGeom>
+            <a:noFill/>
+          </p:spPr>
+          <p:txBody>
+            <a:bodyPr wrap="square" rtlCol="0">
+              <a:spAutoFit/>
+            </a:bodyPr>
+            <a:lstStyle/>
+            <a:p>
+              <a:r>
+                <a:rPr lang="en-US" sz="2600" i="1" dirty="0">
+                  <a:solidFill>
+                    <a:srgbClr val="C00000"/>
+                  </a:solidFill>
+                  <a:latin typeface="Arial" panose="020B0604020202020204" pitchFamily="34" charset="0"/>
+                  <a:cs typeface="Arial" panose="020B0604020202020204" pitchFamily="34" charset="0"/>
+                </a:rPr>
+                <a:t>10%-LCP</a:t>
+              </a:r>
+            </a:p>
+          </p:txBody>
+        </p:sp>
+        <p:sp>
+          <p:nvSpPr>
+            <p:cNvPr id="81" name="TextBox 80">
+              <a:extLst>
+                <a:ext uri="{FF2B5EF4-FFF2-40B4-BE49-F238E27FC236}">
+                  <a16:creationId xmlns:a16="http://schemas.microsoft.com/office/drawing/2014/main" id="{E04BAAD8-1ED2-45BC-9B77-6F75816ECCDB}"/>
+                </a:ext>
+              </a:extLst>
+            </p:cNvPr>
+            <p:cNvSpPr txBox="1"/>
+            <p:nvPr/>
+          </p:nvSpPr>
+          <p:spPr>
+            <a:xfrm>
+              <a:off x="16954774" y="7241865"/>
+              <a:ext cx="1775728" cy="892552"/>
+            </a:xfrm>
+            <a:prstGeom prst="rect">
+              <a:avLst/>
+            </a:prstGeom>
+            <a:noFill/>
+          </p:spPr>
+          <p:txBody>
+            <a:bodyPr wrap="square" rtlCol="0">
+              <a:spAutoFit/>
+            </a:bodyPr>
+            <a:lstStyle/>
+            <a:p>
+              <a:r>
+                <a:rPr lang="en-US" sz="2600" i="1" dirty="0">
+                  <a:solidFill>
+                    <a:schemeClr val="accent4">
+                      <a:lumMod val="75000"/>
+                    </a:schemeClr>
+                  </a:solidFill>
+                  <a:latin typeface="Arial" panose="020B0604020202020204" pitchFamily="34" charset="0"/>
+                  <a:cs typeface="Arial" panose="020B0604020202020204" pitchFamily="34" charset="0"/>
+                </a:rPr>
+                <a:t>A/R-</a:t>
+              </a:r>
+            </a:p>
+            <a:p>
+              <a:r>
+                <a:rPr lang="en-US" sz="2600" i="1" dirty="0">
+                  <a:solidFill>
+                    <a:schemeClr val="accent4">
+                      <a:lumMod val="75000"/>
+                    </a:schemeClr>
+                  </a:solidFill>
+                  <a:latin typeface="Arial" panose="020B0604020202020204" pitchFamily="34" charset="0"/>
+                  <a:cs typeface="Arial" panose="020B0604020202020204" pitchFamily="34" charset="0"/>
+                </a:rPr>
+                <a:t>Focused</a:t>
+              </a:r>
+            </a:p>
+          </p:txBody>
+        </p:sp>
+        <p:cxnSp>
+          <p:nvCxnSpPr>
+            <p:cNvPr id="82" name="Straight Connector 81">
+              <a:extLst>
+                <a:ext uri="{FF2B5EF4-FFF2-40B4-BE49-F238E27FC236}">
+                  <a16:creationId xmlns:a16="http://schemas.microsoft.com/office/drawing/2014/main" id="{2EF589E7-1D5D-467A-83E1-7F91019019C1}"/>
+                </a:ext>
+              </a:extLst>
+            </p:cNvPr>
+            <p:cNvCxnSpPr>
+              <a:cxnSpLocks/>
+              <a:stCxn id="81" idx="0"/>
+            </p:cNvCxnSpPr>
+            <p:nvPr/>
+          </p:nvCxnSpPr>
+          <p:spPr>
+            <a:xfrm flipV="1">
+              <a:off x="17842638" y="6829563"/>
+              <a:ext cx="926529" cy="412302"/>
+            </a:xfrm>
+            <a:prstGeom prst="line">
+              <a:avLst/>
+            </a:prstGeom>
+            <a:ln w="19050">
+              <a:solidFill>
+                <a:schemeClr val="accent4">
+                  <a:lumMod val="75000"/>
+                </a:schemeClr>
+              </a:solidFill>
+            </a:ln>
+          </p:spPr>
+          <p:style>
+            <a:lnRef idx="1">
+              <a:schemeClr val="accent1"/>
+            </a:lnRef>
+            <a:fillRef idx="0">
+              <a:schemeClr val="accent1"/>
+            </a:fillRef>
+            <a:effectRef idx="0">
+              <a:schemeClr val="accent1"/>
+            </a:effectRef>
+            <a:fontRef idx="minor">
+              <a:schemeClr val="tx1"/>
+            </a:fontRef>
+          </p:style>
+        </p:cxnSp>
+        <p:sp>
+          <p:nvSpPr>
+            <p:cNvPr id="83" name="TextBox 82">
+              <a:extLst>
+                <a:ext uri="{FF2B5EF4-FFF2-40B4-BE49-F238E27FC236}">
+                  <a16:creationId xmlns:a16="http://schemas.microsoft.com/office/drawing/2014/main" id="{A45AB884-1142-4C0F-8F6A-767C81E4104F}"/>
+                </a:ext>
+              </a:extLst>
+            </p:cNvPr>
+            <p:cNvSpPr txBox="1"/>
+            <p:nvPr/>
+          </p:nvSpPr>
+          <p:spPr>
+            <a:xfrm>
+              <a:off x="16489082" y="3995251"/>
+              <a:ext cx="2221992" cy="492443"/>
+            </a:xfrm>
+            <a:prstGeom prst="rect">
+              <a:avLst/>
+            </a:prstGeom>
+            <a:noFill/>
+          </p:spPr>
+          <p:txBody>
+            <a:bodyPr wrap="square" rtlCol="0">
+              <a:spAutoFit/>
+            </a:bodyPr>
+            <a:lstStyle/>
+            <a:p>
+              <a:r>
+                <a:rPr lang="en-US" sz="2600" i="1" dirty="0">
+                  <a:solidFill>
+                    <a:srgbClr val="C00000"/>
+                  </a:solidFill>
+                  <a:latin typeface="Arial" panose="020B0604020202020204" pitchFamily="34" charset="0"/>
+                  <a:cs typeface="Arial" panose="020B0604020202020204" pitchFamily="34" charset="0"/>
+                </a:rPr>
+                <a:t>No-LCP</a:t>
+              </a:r>
+            </a:p>
+          </p:txBody>
+        </p:sp>
+        <p:sp>
+          <p:nvSpPr>
+            <p:cNvPr id="84" name="TextBox 83">
+              <a:extLst>
+                <a:ext uri="{FF2B5EF4-FFF2-40B4-BE49-F238E27FC236}">
+                  <a16:creationId xmlns:a16="http://schemas.microsoft.com/office/drawing/2014/main" id="{9EF04F39-8717-4D64-ACD8-F18DF85E54BB}"/>
+                </a:ext>
+              </a:extLst>
+            </p:cNvPr>
+            <p:cNvSpPr txBox="1"/>
+            <p:nvPr/>
+          </p:nvSpPr>
+          <p:spPr>
+            <a:xfrm>
+              <a:off x="18921896" y="4860919"/>
+              <a:ext cx="2011680" cy="492443"/>
+            </a:xfrm>
+            <a:prstGeom prst="rect">
+              <a:avLst/>
+            </a:prstGeom>
+            <a:noFill/>
+          </p:spPr>
+          <p:txBody>
+            <a:bodyPr wrap="square" rtlCol="0">
+              <a:spAutoFit/>
+            </a:bodyPr>
+            <a:lstStyle/>
+            <a:p>
+              <a:r>
+                <a:rPr lang="en-US" sz="2600" i="1" dirty="0">
+                  <a:solidFill>
+                    <a:srgbClr val="C00000"/>
+                  </a:solidFill>
+                  <a:latin typeface="Arial" panose="020B0604020202020204" pitchFamily="34" charset="0"/>
+                  <a:cs typeface="Arial" panose="020B0604020202020204" pitchFamily="34" charset="0"/>
+                </a:rPr>
+                <a:t>50%-LCP</a:t>
+              </a:r>
+            </a:p>
+          </p:txBody>
+        </p:sp>
+        <p:sp>
+          <p:nvSpPr>
+            <p:cNvPr id="85" name="TextBox 84">
+              <a:extLst>
+                <a:ext uri="{FF2B5EF4-FFF2-40B4-BE49-F238E27FC236}">
+                  <a16:creationId xmlns:a16="http://schemas.microsoft.com/office/drawing/2014/main" id="{F9E23639-C163-4A87-A1D4-E2392A367D55}"/>
+                </a:ext>
+              </a:extLst>
+            </p:cNvPr>
+            <p:cNvSpPr txBox="1"/>
+            <p:nvPr/>
+          </p:nvSpPr>
+          <p:spPr>
+            <a:xfrm>
+              <a:off x="14614108" y="7241865"/>
+              <a:ext cx="1882618" cy="892552"/>
+            </a:xfrm>
+            <a:prstGeom prst="rect">
+              <a:avLst/>
+            </a:prstGeom>
+            <a:noFill/>
+          </p:spPr>
+          <p:txBody>
+            <a:bodyPr wrap="square" rtlCol="0">
+              <a:spAutoFit/>
+            </a:bodyPr>
+            <a:lstStyle/>
+            <a:p>
+              <a:r>
+                <a:rPr lang="en-US" sz="2600" i="1" dirty="0">
+                  <a:solidFill>
+                    <a:srgbClr val="5D2884"/>
+                  </a:solidFill>
+                  <a:latin typeface="Arial" panose="020B0604020202020204" pitchFamily="34" charset="0"/>
+                  <a:cs typeface="Arial" panose="020B0604020202020204" pitchFamily="34" charset="0"/>
+                </a:rPr>
+                <a:t>1.5 °C</a:t>
+              </a:r>
+            </a:p>
+            <a:p>
+              <a:r>
+                <a:rPr lang="en-US" sz="2600" i="1" dirty="0">
+                  <a:solidFill>
+                    <a:srgbClr val="5D2884"/>
+                  </a:solidFill>
+                  <a:latin typeface="Arial" panose="020B0604020202020204" pitchFamily="34" charset="0"/>
+                  <a:cs typeface="Arial" panose="020B0604020202020204" pitchFamily="34" charset="0"/>
+                </a:rPr>
+                <a:t>100%-LCP</a:t>
+              </a:r>
+            </a:p>
+          </p:txBody>
+        </p:sp>
+        <p:cxnSp>
+          <p:nvCxnSpPr>
+            <p:cNvPr id="86" name="Straight Connector 85">
+              <a:extLst>
+                <a:ext uri="{FF2B5EF4-FFF2-40B4-BE49-F238E27FC236}">
+                  <a16:creationId xmlns:a16="http://schemas.microsoft.com/office/drawing/2014/main" id="{7D973A55-5001-4E48-B7C0-303C2496A1EB}"/>
+                </a:ext>
+              </a:extLst>
+            </p:cNvPr>
+            <p:cNvCxnSpPr>
+              <a:cxnSpLocks/>
+            </p:cNvCxnSpPr>
+            <p:nvPr/>
+          </p:nvCxnSpPr>
+          <p:spPr>
+            <a:xfrm flipH="1" flipV="1">
+              <a:off x="14991238" y="6579229"/>
+              <a:ext cx="184584" cy="662636"/>
+            </a:xfrm>
+            <a:prstGeom prst="line">
+              <a:avLst/>
+            </a:prstGeom>
+            <a:ln w="19050">
+              <a:solidFill>
+                <a:srgbClr val="7030A0"/>
+              </a:solidFill>
+            </a:ln>
+          </p:spPr>
+          <p:style>
+            <a:lnRef idx="1">
+              <a:schemeClr val="accent1"/>
+            </a:lnRef>
+            <a:fillRef idx="0">
+              <a:schemeClr val="accent1"/>
+            </a:fillRef>
+            <a:effectRef idx="0">
+              <a:schemeClr val="accent1"/>
+            </a:effectRef>
+            <a:fontRef idx="minor">
+              <a:schemeClr val="tx1"/>
+            </a:fontRef>
+          </p:style>
+        </p:cxnSp>
+        <p:sp>
+          <p:nvSpPr>
+            <p:cNvPr id="87" name="TextBox 86">
+              <a:extLst>
+                <a:ext uri="{FF2B5EF4-FFF2-40B4-BE49-F238E27FC236}">
+                  <a16:creationId xmlns:a16="http://schemas.microsoft.com/office/drawing/2014/main" id="{C08C3504-BAF1-444E-8389-998052A5B008}"/>
+                </a:ext>
+              </a:extLst>
+            </p:cNvPr>
+            <p:cNvSpPr txBox="1"/>
+            <p:nvPr/>
+          </p:nvSpPr>
+          <p:spPr>
+            <a:xfrm>
+              <a:off x="18721014" y="7241865"/>
+              <a:ext cx="1828800" cy="892552"/>
+            </a:xfrm>
+            <a:prstGeom prst="rect">
+              <a:avLst/>
+            </a:prstGeom>
+            <a:noFill/>
+          </p:spPr>
+          <p:txBody>
+            <a:bodyPr wrap="square" rtlCol="0">
+              <a:spAutoFit/>
+            </a:bodyPr>
+            <a:lstStyle/>
+            <a:p>
+              <a:r>
+                <a:rPr lang="en-US" sz="2600" i="1" dirty="0">
+                  <a:solidFill>
+                    <a:srgbClr val="0070C0"/>
+                  </a:solidFill>
+                  <a:latin typeface="Arial" panose="020B0604020202020204" pitchFamily="34" charset="0"/>
+                  <a:cs typeface="Arial" panose="020B0604020202020204" pitchFamily="34" charset="0"/>
+                </a:rPr>
+                <a:t>Low-</a:t>
+              </a:r>
+            </a:p>
+            <a:p>
+              <a:r>
+                <a:rPr lang="en-US" sz="2600" i="1" dirty="0">
+                  <a:solidFill>
+                    <a:srgbClr val="0070C0"/>
+                  </a:solidFill>
+                  <a:latin typeface="Arial" panose="020B0604020202020204" pitchFamily="34" charset="0"/>
+                  <a:cs typeface="Arial" panose="020B0604020202020204" pitchFamily="34" charset="0"/>
+                </a:rPr>
+                <a:t>Bioenergy</a:t>
+              </a:r>
+            </a:p>
+          </p:txBody>
+        </p:sp>
+        <p:cxnSp>
+          <p:nvCxnSpPr>
+            <p:cNvPr id="88" name="Straight Connector 87">
+              <a:extLst>
+                <a:ext uri="{FF2B5EF4-FFF2-40B4-BE49-F238E27FC236}">
+                  <a16:creationId xmlns:a16="http://schemas.microsoft.com/office/drawing/2014/main" id="{15291624-A458-4117-9B67-9DD8014DB3AA}"/>
+                </a:ext>
+              </a:extLst>
+            </p:cNvPr>
+            <p:cNvCxnSpPr>
+              <a:cxnSpLocks/>
+            </p:cNvCxnSpPr>
+            <p:nvPr/>
+          </p:nvCxnSpPr>
+          <p:spPr>
+            <a:xfrm flipH="1" flipV="1">
+              <a:off x="18914456" y="6948131"/>
+              <a:ext cx="105334" cy="348205"/>
+            </a:xfrm>
+            <a:prstGeom prst="line">
+              <a:avLst/>
+            </a:prstGeom>
+            <a:ln w="19050">
+              <a:solidFill>
+                <a:srgbClr val="00B0F0"/>
+              </a:solidFill>
+            </a:ln>
+          </p:spPr>
+          <p:style>
+            <a:lnRef idx="1">
+              <a:schemeClr val="accent1"/>
+            </a:lnRef>
+            <a:fillRef idx="0">
+              <a:schemeClr val="accent1"/>
+            </a:fillRef>
+            <a:effectRef idx="0">
+              <a:schemeClr val="accent1"/>
+            </a:effectRef>
+            <a:fontRef idx="minor">
+              <a:schemeClr val="tx1"/>
+            </a:fontRef>
+          </p:style>
+        </p:cxnSp>
+        <p:cxnSp>
+          <p:nvCxnSpPr>
+            <p:cNvPr id="89" name="Straight Connector 88">
+              <a:extLst>
+                <a:ext uri="{FF2B5EF4-FFF2-40B4-BE49-F238E27FC236}">
+                  <a16:creationId xmlns:a16="http://schemas.microsoft.com/office/drawing/2014/main" id="{4EFAA973-CD96-4FAA-83FF-AA892AA77642}"/>
+                </a:ext>
+              </a:extLst>
+            </p:cNvPr>
+            <p:cNvCxnSpPr>
+              <a:cxnSpLocks/>
+            </p:cNvCxnSpPr>
+            <p:nvPr/>
+          </p:nvCxnSpPr>
+          <p:spPr>
+            <a:xfrm flipV="1">
+              <a:off x="18572483" y="5963504"/>
+              <a:ext cx="394640" cy="353539"/>
+            </a:xfrm>
+            <a:prstGeom prst="line">
+              <a:avLst/>
+            </a:prstGeom>
+            <a:ln w="19050">
+              <a:solidFill>
+                <a:srgbClr val="C00000"/>
+              </a:solidFill>
+            </a:ln>
+          </p:spPr>
+          <p:style>
+            <a:lnRef idx="1">
+              <a:schemeClr val="accent1"/>
+            </a:lnRef>
+            <a:fillRef idx="0">
+              <a:schemeClr val="accent1"/>
+            </a:fillRef>
+            <a:effectRef idx="0">
+              <a:schemeClr val="accent1"/>
+            </a:effectRef>
+            <a:fontRef idx="minor">
+              <a:schemeClr val="tx1"/>
+            </a:fontRef>
+          </p:style>
+        </p:cxnSp>
+        <p:cxnSp>
+          <p:nvCxnSpPr>
+            <p:cNvPr id="90" name="Straight Connector 89">
+              <a:extLst>
+                <a:ext uri="{FF2B5EF4-FFF2-40B4-BE49-F238E27FC236}">
+                  <a16:creationId xmlns:a16="http://schemas.microsoft.com/office/drawing/2014/main" id="{C91C5D28-6CEA-40BB-88D8-AB3C4D945C54}"/>
+                </a:ext>
+              </a:extLst>
+            </p:cNvPr>
+            <p:cNvCxnSpPr>
+              <a:cxnSpLocks/>
+              <a:stCxn id="27" idx="7"/>
+            </p:cNvCxnSpPr>
+            <p:nvPr/>
+          </p:nvCxnSpPr>
+          <p:spPr>
+            <a:xfrm flipV="1">
+              <a:off x="18046069" y="5221525"/>
+              <a:ext cx="868387" cy="577362"/>
+            </a:xfrm>
+            <a:prstGeom prst="line">
+              <a:avLst/>
+            </a:prstGeom>
+            <a:ln w="19050">
+              <a:solidFill>
+                <a:srgbClr val="C00000"/>
+              </a:solidFill>
+            </a:ln>
+          </p:spPr>
+          <p:style>
+            <a:lnRef idx="1">
+              <a:schemeClr val="accent1"/>
+            </a:lnRef>
+            <a:fillRef idx="0">
+              <a:schemeClr val="accent1"/>
+            </a:fillRef>
+            <a:effectRef idx="0">
+              <a:schemeClr val="accent1"/>
+            </a:effectRef>
+            <a:fontRef idx="minor">
+              <a:schemeClr val="tx1"/>
+            </a:fontRef>
+          </p:style>
+        </p:cxnSp>
+        <p:cxnSp>
+          <p:nvCxnSpPr>
+            <p:cNvPr id="91" name="Straight Connector 90">
+              <a:extLst>
+                <a:ext uri="{FF2B5EF4-FFF2-40B4-BE49-F238E27FC236}">
+                  <a16:creationId xmlns:a16="http://schemas.microsoft.com/office/drawing/2014/main" id="{919F7665-41C2-451E-9FAD-6FEBB315BCDF}"/>
+                </a:ext>
+              </a:extLst>
+            </p:cNvPr>
+            <p:cNvCxnSpPr>
+              <a:cxnSpLocks/>
+              <a:stCxn id="26" idx="7"/>
+            </p:cNvCxnSpPr>
+            <p:nvPr/>
+          </p:nvCxnSpPr>
+          <p:spPr>
+            <a:xfrm flipV="1">
+              <a:off x="17052722" y="4521328"/>
+              <a:ext cx="1861734" cy="308999"/>
+            </a:xfrm>
+            <a:prstGeom prst="line">
+              <a:avLst/>
+            </a:prstGeom>
+            <a:ln w="19050">
+              <a:solidFill>
+                <a:srgbClr val="C00000"/>
+              </a:solidFill>
+            </a:ln>
+          </p:spPr>
+          <p:style>
+            <a:lnRef idx="1">
+              <a:schemeClr val="accent1"/>
+            </a:lnRef>
+            <a:fillRef idx="0">
+              <a:schemeClr val="accent1"/>
+            </a:fillRef>
+            <a:effectRef idx="0">
+              <a:schemeClr val="accent1"/>
+            </a:effectRef>
+            <a:fontRef idx="minor">
+              <a:schemeClr val="tx1"/>
+            </a:fontRef>
+          </p:style>
+        </p:cxnSp>
+      </p:grpSp>
+      <p:sp>
+        <p:nvSpPr>
+          <p:cNvPr id="8" name="TextBox 7">
+            <a:extLst>
+              <a:ext uri="{FF2B5EF4-FFF2-40B4-BE49-F238E27FC236}">
+                <a16:creationId xmlns:a16="http://schemas.microsoft.com/office/drawing/2014/main" id="{774958F5-7046-9CF7-C0DF-5F0C7FF6154B}"/>
+              </a:ext>
+            </a:extLst>
+          </p:cNvPr>
+          <p:cNvSpPr txBox="1"/>
+          <p:nvPr/>
+        </p:nvSpPr>
+        <p:spPr>
+          <a:xfrm rot="10800000" flipV="1">
+            <a:off x="12987056" y="11843384"/>
+            <a:ext cx="7562345" cy="538039"/>
+          </a:xfrm>
+          <a:prstGeom prst="rect">
+            <a:avLst/>
+          </a:prstGeom>
+          <a:noFill/>
+        </p:spPr>
+        <p:txBody>
+          <a:bodyPr wrap="square">
+            <a:spAutoFit/>
+          </a:bodyPr>
+          <a:lstStyle/>
+          <a:p>
+            <a:r>
+              <a:rPr lang="en-US" sz="2801" b="1" dirty="0">
+                <a:latin typeface="Arial" panose="020B0604020202020204" pitchFamily="34" charset="0"/>
+                <a:cs typeface="Arial" panose="020B0604020202020204" pitchFamily="34" charset="0"/>
+              </a:rPr>
+              <a:t>EIP and land system mitigation policy</a:t>
+            </a:r>
+          </a:p>
+        </p:txBody>
+      </p:sp>
+      <p:graphicFrame>
+        <p:nvGraphicFramePr>
+          <p:cNvPr id="9" name="Table 8">
+            <a:extLst>
+              <a:ext uri="{FF2B5EF4-FFF2-40B4-BE49-F238E27FC236}">
+                <a16:creationId xmlns:a16="http://schemas.microsoft.com/office/drawing/2014/main" id="{DBFDD731-D8C2-EF47-699C-5347D9CD3F76}"/>
+              </a:ext>
+            </a:extLst>
+          </p:cNvPr>
+          <p:cNvGraphicFramePr>
+            <a:graphicFrameLocks noGrp="1"/>
+          </p:cNvGraphicFramePr>
+          <p:nvPr/>
+        </p:nvGraphicFramePr>
+        <p:xfrm>
+          <a:off x="9429341" y="12732324"/>
+          <a:ext cx="11978640" cy="5577840"/>
+        </p:xfrm>
+        <a:graphic>
+          <a:graphicData uri="http://schemas.openxmlformats.org/drawingml/2006/table">
+            <a:tbl>
+              <a:tblPr firstRow="1" bandRow="1">
+                <a:tableStyleId>{2D5ABB26-0587-4C30-8999-92F81FD0307C}</a:tableStyleId>
+              </a:tblPr>
+              <a:tblGrid>
+                <a:gridCol w="3566160">
+                  <a:extLst>
+                    <a:ext uri="{9D8B030D-6E8A-4147-A177-3AD203B41FA5}">
+                      <a16:colId xmlns:a16="http://schemas.microsoft.com/office/drawing/2014/main" val="4007227918"/>
+                    </a:ext>
+                  </a:extLst>
+                </a:gridCol>
+                <a:gridCol w="8412480">
+                  <a:extLst>
+                    <a:ext uri="{9D8B030D-6E8A-4147-A177-3AD203B41FA5}">
+                      <a16:colId xmlns:a16="http://schemas.microsoft.com/office/drawing/2014/main" val="474388085"/>
+                    </a:ext>
+                  </a:extLst>
+                </a:gridCol>
+              </a:tblGrid>
+              <a:tr h="1097280">
+                <a:tc>
+                  <a:txBody>
+                    <a:bodyPr/>
+                    <a:lstStyle/>
+                    <a:p>
+                      <a:pPr algn="l"/>
+                      <a:r>
+                        <a:rPr lang="en-US" sz="2800" b="1" i="0" dirty="0">
+                          <a:latin typeface="Arial" panose="020B0604020202020204" pitchFamily="34" charset="0"/>
+                          <a:cs typeface="Arial" panose="020B0604020202020204" pitchFamily="34" charset="0"/>
+                        </a:rPr>
+                        <a:t>2 °C (Main)</a:t>
+                      </a:r>
+                      <a:endParaRPr lang="en-US" sz="2800" i="0" dirty="0">
+                        <a:latin typeface="Arial" panose="020B0604020202020204" pitchFamily="34" charset="0"/>
+                        <a:cs typeface="Arial" panose="020B0604020202020204" pitchFamily="34" charset="0"/>
+                      </a:endParaRPr>
+                    </a:p>
+                  </a:txBody>
+                  <a:tcPr anchor="ctr">
+                    <a:lnL w="12700" cap="flat" cmpd="sng" algn="ctr">
+                      <a:noFill/>
+                      <a:prstDash val="solid"/>
+                      <a:round/>
+                      <a:headEnd type="none" w="med" len="med"/>
+                      <a:tailEnd type="none" w="med" len="med"/>
+                    </a:lnL>
+                    <a:lnR w="12700" cap="flat" cmpd="sng" algn="ctr">
+                      <a:noFill/>
+                      <a:prstDash val="solid"/>
+                      <a:round/>
+                      <a:headEnd type="none" w="med" len="med"/>
+                      <a:tailEnd type="none" w="med" len="med"/>
+                    </a:lnR>
+                    <a:lnT w="12700" cap="flat" cmpd="sng" algn="ctr">
+                      <a:solidFill>
+                        <a:schemeClr val="tx1"/>
+                      </a:solidFill>
+                      <a:prstDash val="dash"/>
+                      <a:round/>
+                      <a:headEnd type="none" w="med" len="med"/>
+                      <a:tailEnd type="none" w="med" len="med"/>
+                    </a:lnT>
+                    <a:lnB w="12700" cap="flat" cmpd="sng" algn="ctr">
+                      <a:solidFill>
+                        <a:schemeClr val="tx1"/>
+                      </a:solidFill>
+                      <a:prstDash val="dash"/>
+                      <a:round/>
+                      <a:headEnd type="none" w="med" len="med"/>
+                      <a:tailEnd type="none" w="med" len="med"/>
+                    </a:lnB>
+                    <a:lnTlToBr w="12700" cmpd="sng">
+                      <a:noFill/>
+                      <a:prstDash val="solid"/>
+                    </a:lnTlToBr>
+                    <a:lnBlToTr w="12700" cmpd="sng">
+                      <a:noFill/>
+                      <a:prstDash val="solid"/>
+                    </a:lnBlToTr>
+                  </a:tcPr>
+                </a:tc>
+                <a:tc>
+                  <a:txBody>
+                    <a:bodyPr/>
+                    <a:lstStyle/>
+                    <a:p>
+                      <a:pPr algn="l"/>
+                      <a:r>
+                        <a:rPr lang="en-US" sz="2400" i="0" dirty="0">
+                          <a:latin typeface="Arial" panose="020B0604020202020204" pitchFamily="34" charset="0"/>
+                          <a:cs typeface="Arial" panose="020B0604020202020204" pitchFamily="34" charset="0"/>
+                        </a:rPr>
+                        <a:t>G</a:t>
+                      </a:r>
+                      <a:r>
+                        <a:rPr lang="en-US" sz="2400" dirty="0">
+                          <a:latin typeface="Arial" panose="020B0604020202020204" pitchFamily="34" charset="0"/>
+                          <a:cs typeface="Arial" panose="020B0604020202020204" pitchFamily="34" charset="0"/>
+                        </a:rPr>
+                        <a:t>lobal EIP system-wide carbon pricing with an e</a:t>
+                      </a:r>
+                      <a:r>
+                        <a:rPr lang="en-US" sz="2400" i="0" dirty="0">
+                          <a:latin typeface="Arial" panose="020B0604020202020204" pitchFamily="34" charset="0"/>
+                          <a:cs typeface="Arial" panose="020B0604020202020204" pitchFamily="34" charset="0"/>
+                        </a:rPr>
+                        <a:t>nd-of-century CB of 1150 </a:t>
+                      </a:r>
+                      <a:r>
+                        <a:rPr lang="en-US" sz="2400" dirty="0">
+                          <a:latin typeface="Arial" panose="020B0604020202020204" pitchFamily="34" charset="0"/>
+                          <a:cs typeface="Arial" panose="020B0604020202020204" pitchFamily="34" charset="0"/>
+                        </a:rPr>
+                        <a:t>GtCO</a:t>
+                      </a:r>
+                      <a:r>
+                        <a:rPr lang="en-US" sz="2400" baseline="-25000" dirty="0">
+                          <a:latin typeface="Arial" panose="020B0604020202020204" pitchFamily="34" charset="0"/>
+                          <a:cs typeface="Arial" panose="020B0604020202020204" pitchFamily="34" charset="0"/>
+                        </a:rPr>
+                        <a:t>2</a:t>
+                      </a:r>
+                      <a:r>
+                        <a:rPr lang="en-US" sz="2400" i="0" dirty="0">
+                          <a:latin typeface="Arial" panose="020B0604020202020204" pitchFamily="34" charset="0"/>
+                          <a:cs typeface="Arial" panose="020B0604020202020204" pitchFamily="34" charset="0"/>
+                        </a:rPr>
+                        <a:t>; credit all land for carbon storage. </a:t>
+                      </a:r>
+                      <a:endParaRPr lang="en-US" sz="2400" dirty="0">
+                        <a:latin typeface="Arial" panose="020B0604020202020204" pitchFamily="34" charset="0"/>
+                        <a:cs typeface="Arial" panose="020B0604020202020204" pitchFamily="34" charset="0"/>
+                      </a:endParaRPr>
+                    </a:p>
+                  </a:txBody>
+                  <a:tcPr anchor="ctr">
+                    <a:lnL w="12700" cap="flat" cmpd="sng" algn="ctr">
+                      <a:noFill/>
+                      <a:prstDash val="solid"/>
+                      <a:round/>
+                      <a:headEnd type="none" w="med" len="med"/>
+                      <a:tailEnd type="none" w="med" len="med"/>
+                    </a:lnL>
+                    <a:lnR w="12700" cap="flat" cmpd="sng" algn="ctr">
+                      <a:noFill/>
+                      <a:prstDash val="solid"/>
+                      <a:round/>
+                      <a:headEnd type="none" w="med" len="med"/>
+                      <a:tailEnd type="none" w="med" len="med"/>
+                    </a:lnR>
+                    <a:lnT w="12700" cap="flat" cmpd="sng" algn="ctr">
+                      <a:solidFill>
+                        <a:schemeClr val="tx1"/>
+                      </a:solidFill>
+                      <a:prstDash val="dash"/>
+                      <a:round/>
+                      <a:headEnd type="none" w="med" len="med"/>
+                      <a:tailEnd type="none" w="med" len="med"/>
+                    </a:lnT>
+                    <a:lnB w="12700" cap="flat" cmpd="sng" algn="ctr">
+                      <a:solidFill>
+                        <a:schemeClr val="tx1"/>
+                      </a:solidFill>
+                      <a:prstDash val="dash"/>
+                      <a:round/>
+                      <a:headEnd type="none" w="med" len="med"/>
+                      <a:tailEnd type="none" w="med" len="med"/>
+                    </a:lnB>
+                    <a:lnTlToBr w="12700" cmpd="sng">
+                      <a:noFill/>
+                      <a:prstDash val="solid"/>
+                    </a:lnTlToBr>
+                    <a:lnBlToTr w="12700" cmpd="sng">
+                      <a:noFill/>
+                      <a:prstDash val="solid"/>
+                    </a:lnBlToTr>
+                  </a:tcPr>
+                </a:tc>
+                <a:extLst>
+                  <a:ext uri="{0D108BD9-81ED-4DB2-BD59-A6C34878D82A}">
+                    <a16:rowId xmlns:a16="http://schemas.microsoft.com/office/drawing/2014/main" val="3499512929"/>
+                  </a:ext>
+                </a:extLst>
+              </a:tr>
+              <a:tr h="1097280">
+                <a:tc>
+                  <a:txBody>
+                    <a:bodyPr/>
+                    <a:lstStyle/>
+                    <a:p>
+                      <a:pPr marL="0" marR="0" lvl="0" indent="0" algn="l" defTabSz="1097280" rtl="0" eaLnBrk="1" fontAlgn="auto" latinLnBrk="0" hangingPunct="1">
+                        <a:lnSpc>
+                          <a:spcPct val="100000"/>
+                        </a:lnSpc>
+                        <a:spcBef>
+                          <a:spcPts val="0"/>
+                        </a:spcBef>
+                        <a:spcAft>
+                          <a:spcPts val="0"/>
+                        </a:spcAft>
+                        <a:buClrTx/>
+                        <a:buSzTx/>
+                        <a:buFontTx/>
+                        <a:buNone/>
+                        <a:tabLst/>
+                        <a:defRPr/>
+                      </a:pPr>
+                      <a:r>
+                        <a:rPr lang="en-US" sz="2800" b="1" i="0" dirty="0">
+                          <a:latin typeface="Arial" panose="020B0604020202020204" pitchFamily="34" charset="0"/>
+                          <a:cs typeface="Arial" panose="020B0604020202020204" pitchFamily="34" charset="0"/>
+                        </a:rPr>
+                        <a:t>2 °C A/R-Focused</a:t>
+                      </a:r>
+                      <a:endParaRPr lang="en-US" sz="2800" b="0" i="0" dirty="0">
+                        <a:latin typeface="Arial" panose="020B0604020202020204" pitchFamily="34" charset="0"/>
+                        <a:cs typeface="Arial" panose="020B0604020202020204" pitchFamily="34" charset="0"/>
+                      </a:endParaRPr>
+                    </a:p>
+                  </a:txBody>
+                  <a:tcPr anchor="ctr">
+                    <a:lnL w="12700" cap="flat" cmpd="sng" algn="ctr">
+                      <a:noFill/>
+                      <a:prstDash val="solid"/>
+                      <a:round/>
+                      <a:headEnd type="none" w="med" len="med"/>
+                      <a:tailEnd type="none" w="med" len="med"/>
+                    </a:lnL>
+                    <a:lnR w="12700" cap="flat" cmpd="sng" algn="ctr">
+                      <a:noFill/>
+                      <a:prstDash val="solid"/>
+                      <a:round/>
+                      <a:headEnd type="none" w="med" len="med"/>
+                      <a:tailEnd type="none" w="med" len="med"/>
+                    </a:lnR>
+                    <a:lnT w="12700" cap="flat" cmpd="sng" algn="ctr">
+                      <a:solidFill>
+                        <a:schemeClr val="tx1"/>
+                      </a:solidFill>
+                      <a:prstDash val="dash"/>
+                      <a:round/>
+                      <a:headEnd type="none" w="med" len="med"/>
+                      <a:tailEnd type="none" w="med" len="med"/>
+                    </a:lnT>
+                    <a:lnB w="12700" cap="flat" cmpd="sng" algn="ctr">
+                      <a:solidFill>
+                        <a:schemeClr val="tx1"/>
+                      </a:solidFill>
+                      <a:prstDash val="dash"/>
+                      <a:round/>
+                      <a:headEnd type="none" w="med" len="med"/>
+                      <a:tailEnd type="none" w="med" len="med"/>
+                    </a:lnB>
+                    <a:lnTlToBr w="12700" cmpd="sng">
+                      <a:noFill/>
+                      <a:prstDash val="solid"/>
+                    </a:lnTlToBr>
+                    <a:lnBlToTr w="12700" cmpd="sng">
+                      <a:noFill/>
+                      <a:prstDash val="solid"/>
+                    </a:lnBlToTr>
+                  </a:tcPr>
+                </a:tc>
+                <a:tc>
+                  <a:txBody>
+                    <a:bodyPr/>
+                    <a:lstStyle/>
+                    <a:p>
+                      <a:pPr marL="0" marR="0" lvl="0" indent="0" algn="l" defTabSz="1097280" rtl="0" eaLnBrk="1" fontAlgn="auto" latinLnBrk="0" hangingPunct="1">
+                        <a:lnSpc>
+                          <a:spcPct val="100000"/>
+                        </a:lnSpc>
+                        <a:spcBef>
+                          <a:spcPts val="0"/>
+                        </a:spcBef>
+                        <a:spcAft>
+                          <a:spcPts val="0"/>
+                        </a:spcAft>
+                        <a:buClrTx/>
+                        <a:buSzTx/>
+                        <a:buFontTx/>
+                        <a:buNone/>
+                        <a:tabLst/>
+                        <a:defRPr/>
+                      </a:pPr>
+                      <a:r>
+                        <a:rPr lang="en-US" sz="2400" b="0" i="0" dirty="0">
+                          <a:latin typeface="Arial" panose="020B0604020202020204" pitchFamily="34" charset="0"/>
+                          <a:cs typeface="Arial" panose="020B0604020202020204" pitchFamily="34" charset="0"/>
+                        </a:rPr>
+                        <a:t>Credit only forest land for carbon storage.</a:t>
+                      </a:r>
+                    </a:p>
+                  </a:txBody>
+                  <a:tcPr anchor="ctr">
+                    <a:lnL w="12700" cap="flat" cmpd="sng" algn="ctr">
+                      <a:noFill/>
+                      <a:prstDash val="solid"/>
+                      <a:round/>
+                      <a:headEnd type="none" w="med" len="med"/>
+                      <a:tailEnd type="none" w="med" len="med"/>
+                    </a:lnL>
+                    <a:lnR w="12700" cap="flat" cmpd="sng" algn="ctr">
+                      <a:noFill/>
+                      <a:prstDash val="solid"/>
+                      <a:round/>
+                      <a:headEnd type="none" w="med" len="med"/>
+                      <a:tailEnd type="none" w="med" len="med"/>
+                    </a:lnR>
+                    <a:lnT w="12700" cap="flat" cmpd="sng" algn="ctr">
+                      <a:solidFill>
+                        <a:schemeClr val="tx1"/>
+                      </a:solidFill>
+                      <a:prstDash val="dash"/>
+                      <a:round/>
+                      <a:headEnd type="none" w="med" len="med"/>
+                      <a:tailEnd type="none" w="med" len="med"/>
+                    </a:lnT>
+                    <a:lnB w="12700" cap="flat" cmpd="sng" algn="ctr">
+                      <a:solidFill>
+                        <a:schemeClr val="tx1"/>
+                      </a:solidFill>
+                      <a:prstDash val="dash"/>
+                      <a:round/>
+                      <a:headEnd type="none" w="med" len="med"/>
+                      <a:tailEnd type="none" w="med" len="med"/>
+                    </a:lnB>
+                    <a:lnTlToBr w="12700" cmpd="sng">
+                      <a:noFill/>
+                      <a:prstDash val="solid"/>
+                    </a:lnTlToBr>
+                    <a:lnBlToTr w="12700" cmpd="sng">
+                      <a:noFill/>
+                      <a:prstDash val="solid"/>
+                    </a:lnBlToTr>
+                  </a:tcPr>
+                </a:tc>
+                <a:extLst>
+                  <a:ext uri="{0D108BD9-81ED-4DB2-BD59-A6C34878D82A}">
+                    <a16:rowId xmlns:a16="http://schemas.microsoft.com/office/drawing/2014/main" val="160685118"/>
+                  </a:ext>
+                </a:extLst>
+              </a:tr>
+              <a:tr h="1097280">
+                <a:tc>
+                  <a:txBody>
+                    <a:bodyPr/>
+                    <a:lstStyle/>
+                    <a:p>
+                      <a:pPr marL="0" marR="0" lvl="0" indent="0" algn="l" defTabSz="1097280" rtl="0" eaLnBrk="1" fontAlgn="auto" latinLnBrk="0" hangingPunct="1">
+                        <a:lnSpc>
+                          <a:spcPct val="100000"/>
+                        </a:lnSpc>
+                        <a:spcBef>
+                          <a:spcPts val="0"/>
+                        </a:spcBef>
+                        <a:spcAft>
+                          <a:spcPts val="0"/>
+                        </a:spcAft>
+                        <a:buClrTx/>
+                        <a:buSzTx/>
+                        <a:buFontTx/>
+                        <a:buNone/>
+                        <a:tabLst/>
+                        <a:defRPr/>
+                      </a:pPr>
+                      <a:r>
+                        <a:rPr lang="en-US" sz="2800" b="1" i="0" dirty="0">
+                          <a:latin typeface="Arial" panose="020B0604020202020204" pitchFamily="34" charset="0"/>
+                          <a:cs typeface="Arial" panose="020B0604020202020204" pitchFamily="34" charset="0"/>
+                        </a:rPr>
+                        <a:t>2 °C Low-Bioenergy</a:t>
+                      </a:r>
+                      <a:endParaRPr lang="en-US" sz="2800" i="0" dirty="0">
+                        <a:latin typeface="Arial" panose="020B0604020202020204" pitchFamily="34" charset="0"/>
+                        <a:cs typeface="Arial" panose="020B0604020202020204" pitchFamily="34" charset="0"/>
+                      </a:endParaRPr>
+                    </a:p>
+                  </a:txBody>
+                  <a:tcPr anchor="ctr">
+                    <a:lnL w="12700" cap="flat" cmpd="sng" algn="ctr">
+                      <a:noFill/>
+                      <a:prstDash val="solid"/>
+                      <a:round/>
+                      <a:headEnd type="none" w="med" len="med"/>
+                      <a:tailEnd type="none" w="med" len="med"/>
+                    </a:lnL>
+                    <a:lnR w="12700" cap="flat" cmpd="sng" algn="ctr">
+                      <a:noFill/>
+                      <a:prstDash val="solid"/>
+                      <a:round/>
+                      <a:headEnd type="none" w="med" len="med"/>
+                      <a:tailEnd type="none" w="med" len="med"/>
+                    </a:lnR>
+                    <a:lnT w="12700" cap="flat" cmpd="sng" algn="ctr">
+                      <a:solidFill>
+                        <a:schemeClr val="tx1"/>
+                      </a:solidFill>
+                      <a:prstDash val="dash"/>
+                      <a:round/>
+                      <a:headEnd type="none" w="med" len="med"/>
+                      <a:tailEnd type="none" w="med" len="med"/>
+                    </a:lnT>
+                    <a:lnB w="12700" cap="flat" cmpd="sng" algn="ctr">
+                      <a:solidFill>
+                        <a:schemeClr val="tx1"/>
+                      </a:solidFill>
+                      <a:prstDash val="dash"/>
+                      <a:round/>
+                      <a:headEnd type="none" w="med" len="med"/>
+                      <a:tailEnd type="none" w="med" len="med"/>
+                    </a:lnB>
+                    <a:lnTlToBr w="12700" cmpd="sng">
+                      <a:noFill/>
+                      <a:prstDash val="solid"/>
+                    </a:lnTlToBr>
+                    <a:lnBlToTr w="12700" cmpd="sng">
+                      <a:noFill/>
+                      <a:prstDash val="solid"/>
+                    </a:lnBlToTr>
+                  </a:tcPr>
+                </a:tc>
+                <a:tc>
+                  <a:txBody>
+                    <a:bodyPr/>
+                    <a:lstStyle/>
+                    <a:p>
+                      <a:pPr marL="0" marR="0" lvl="0" indent="0" algn="l" defTabSz="1097280" rtl="0" eaLnBrk="1" fontAlgn="auto" latinLnBrk="0" hangingPunct="1">
+                        <a:lnSpc>
+                          <a:spcPct val="100000"/>
+                        </a:lnSpc>
+                        <a:spcBef>
+                          <a:spcPts val="0"/>
+                        </a:spcBef>
+                        <a:spcAft>
+                          <a:spcPts val="0"/>
+                        </a:spcAft>
+                        <a:buClrTx/>
+                        <a:buSzTx/>
+                        <a:buFontTx/>
+                        <a:buNone/>
+                        <a:tabLst/>
+                        <a:defRPr/>
+                      </a:pPr>
+                      <a:r>
+                        <a:rPr lang="en-US" sz="2400" b="0" i="0" dirty="0">
+                          <a:latin typeface="Arial" panose="020B0604020202020204" pitchFamily="34" charset="0"/>
+                          <a:cs typeface="Arial" panose="020B0604020202020204" pitchFamily="34" charset="0"/>
+                        </a:rPr>
+                        <a:t>L</a:t>
+                      </a:r>
+                      <a:r>
+                        <a:rPr lang="en-US" sz="2400" i="0" dirty="0">
+                          <a:latin typeface="Arial" panose="020B0604020202020204" pitchFamily="34" charset="0"/>
+                          <a:cs typeface="Arial" panose="020B0604020202020204" pitchFamily="34" charset="0"/>
+                        </a:rPr>
+                        <a:t>imit primary bioenergy by a linear path to 100 EJ in 2100.</a:t>
+                      </a:r>
+                    </a:p>
+                  </a:txBody>
+                  <a:tcPr anchor="ctr">
+                    <a:lnL w="12700" cap="flat" cmpd="sng" algn="ctr">
+                      <a:noFill/>
+                      <a:prstDash val="solid"/>
+                      <a:round/>
+                      <a:headEnd type="none" w="med" len="med"/>
+                      <a:tailEnd type="none" w="med" len="med"/>
+                    </a:lnL>
+                    <a:lnR w="12700" cap="flat" cmpd="sng" algn="ctr">
+                      <a:noFill/>
+                      <a:prstDash val="solid"/>
+                      <a:round/>
+                      <a:headEnd type="none" w="med" len="med"/>
+                      <a:tailEnd type="none" w="med" len="med"/>
+                    </a:lnR>
+                    <a:lnT w="12700" cap="flat" cmpd="sng" algn="ctr">
+                      <a:solidFill>
+                        <a:schemeClr val="tx1"/>
+                      </a:solidFill>
+                      <a:prstDash val="dash"/>
+                      <a:round/>
+                      <a:headEnd type="none" w="med" len="med"/>
+                      <a:tailEnd type="none" w="med" len="med"/>
+                    </a:lnT>
+                    <a:lnB w="12700" cap="flat" cmpd="sng" algn="ctr">
+                      <a:solidFill>
+                        <a:schemeClr val="tx1"/>
+                      </a:solidFill>
+                      <a:prstDash val="dash"/>
+                      <a:round/>
+                      <a:headEnd type="none" w="med" len="med"/>
+                      <a:tailEnd type="none" w="med" len="med"/>
+                    </a:lnB>
+                    <a:lnTlToBr w="12700" cmpd="sng">
+                      <a:noFill/>
+                      <a:prstDash val="solid"/>
+                    </a:lnTlToBr>
+                    <a:lnBlToTr w="12700" cmpd="sng">
+                      <a:noFill/>
+                      <a:prstDash val="solid"/>
+                    </a:lnBlToTr>
+                  </a:tcPr>
+                </a:tc>
+                <a:extLst>
+                  <a:ext uri="{0D108BD9-81ED-4DB2-BD59-A6C34878D82A}">
+                    <a16:rowId xmlns:a16="http://schemas.microsoft.com/office/drawing/2014/main" val="95149769"/>
+                  </a:ext>
+                </a:extLst>
+              </a:tr>
+              <a:tr h="1097280">
+                <a:tc>
+                  <a:txBody>
+                    <a:bodyPr/>
+                    <a:lstStyle/>
+                    <a:p>
+                      <a:pPr algn="l"/>
+                      <a:r>
+                        <a:rPr lang="en-US" sz="2800" b="1" i="0" dirty="0">
+                          <a:latin typeface="Arial" panose="020B0604020202020204" pitchFamily="34" charset="0"/>
+                          <a:cs typeface="Arial" panose="020B0604020202020204" pitchFamily="34" charset="0"/>
+                        </a:rPr>
+                        <a:t>1.5 °C</a:t>
+                      </a:r>
+                      <a:endParaRPr lang="en-US" sz="2800" i="0" dirty="0">
+                        <a:latin typeface="Arial" panose="020B0604020202020204" pitchFamily="34" charset="0"/>
+                        <a:cs typeface="Arial" panose="020B0604020202020204" pitchFamily="34" charset="0"/>
+                      </a:endParaRPr>
+                    </a:p>
+                  </a:txBody>
+                  <a:tcPr anchor="ctr">
+                    <a:lnL w="12700" cap="flat" cmpd="sng" algn="ctr">
+                      <a:noFill/>
+                      <a:prstDash val="solid"/>
+                      <a:round/>
+                      <a:headEnd type="none" w="med" len="med"/>
+                      <a:tailEnd type="none" w="med" len="med"/>
+                    </a:lnL>
+                    <a:lnR w="12700" cap="flat" cmpd="sng" algn="ctr">
+                      <a:noFill/>
+                      <a:prstDash val="solid"/>
+                      <a:round/>
+                      <a:headEnd type="none" w="med" len="med"/>
+                      <a:tailEnd type="none" w="med" len="med"/>
+                    </a:lnR>
+                    <a:lnT w="12700" cap="flat" cmpd="sng" algn="ctr">
+                      <a:solidFill>
+                        <a:schemeClr val="tx1"/>
+                      </a:solidFill>
+                      <a:prstDash val="dash"/>
+                      <a:round/>
+                      <a:headEnd type="none" w="med" len="med"/>
+                      <a:tailEnd type="none" w="med" len="med"/>
+                    </a:lnT>
+                    <a:lnB w="12700" cap="flat" cmpd="sng" algn="ctr">
+                      <a:solidFill>
+                        <a:schemeClr val="tx1"/>
+                      </a:solidFill>
+                      <a:prstDash val="dash"/>
+                      <a:round/>
+                      <a:headEnd type="none" w="med" len="med"/>
+                      <a:tailEnd type="none" w="med" len="med"/>
+                    </a:lnB>
+                    <a:lnTlToBr w="12700" cmpd="sng">
+                      <a:noFill/>
+                      <a:prstDash val="solid"/>
+                    </a:lnTlToBr>
+                    <a:lnBlToTr w="12700" cmpd="sng">
+                      <a:noFill/>
+                      <a:prstDash val="solid"/>
+                    </a:lnBlToTr>
+                  </a:tcPr>
+                </a:tc>
+                <a:tc>
+                  <a:txBody>
+                    <a:bodyPr/>
+                    <a:lstStyle/>
+                    <a:p>
+                      <a:pPr algn="l"/>
+                      <a:r>
+                        <a:rPr lang="en-US" sz="2400" i="0" dirty="0">
+                          <a:latin typeface="Arial" panose="020B0604020202020204" pitchFamily="34" charset="0"/>
+                          <a:cs typeface="Arial" panose="020B0604020202020204" pitchFamily="34" charset="0"/>
+                        </a:rPr>
+                        <a:t>End-of-century CB of 500 </a:t>
+                      </a:r>
+                      <a:r>
+                        <a:rPr lang="en-US" sz="2400" dirty="0">
+                          <a:latin typeface="Arial" panose="020B0604020202020204" pitchFamily="34" charset="0"/>
+                          <a:cs typeface="Arial" panose="020B0604020202020204" pitchFamily="34" charset="0"/>
+                        </a:rPr>
+                        <a:t>GtCO</a:t>
+                      </a:r>
+                      <a:r>
+                        <a:rPr lang="en-US" sz="2400" baseline="-25000" dirty="0">
+                          <a:latin typeface="Arial" panose="020B0604020202020204" pitchFamily="34" charset="0"/>
+                          <a:cs typeface="Arial" panose="020B0604020202020204" pitchFamily="34" charset="0"/>
+                        </a:rPr>
+                        <a:t>2</a:t>
+                      </a:r>
+                      <a:r>
+                        <a:rPr lang="en-US" sz="2400" i="0" dirty="0">
+                          <a:latin typeface="Arial" panose="020B0604020202020204" pitchFamily="34" charset="0"/>
+                          <a:cs typeface="Arial" panose="020B0604020202020204" pitchFamily="34" charset="0"/>
+                        </a:rPr>
+                        <a:t>.</a:t>
+                      </a:r>
+                    </a:p>
+                  </a:txBody>
+                  <a:tcPr anchor="ctr">
+                    <a:lnL w="12700" cap="flat" cmpd="sng" algn="ctr">
+                      <a:noFill/>
+                      <a:prstDash val="solid"/>
+                      <a:round/>
+                      <a:headEnd type="none" w="med" len="med"/>
+                      <a:tailEnd type="none" w="med" len="med"/>
+                    </a:lnL>
+                    <a:lnR w="12700" cap="flat" cmpd="sng" algn="ctr">
+                      <a:noFill/>
+                      <a:prstDash val="solid"/>
+                      <a:round/>
+                      <a:headEnd type="none" w="med" len="med"/>
+                      <a:tailEnd type="none" w="med" len="med"/>
+                    </a:lnR>
+                    <a:lnT w="12700" cap="flat" cmpd="sng" algn="ctr">
+                      <a:solidFill>
+                        <a:schemeClr val="tx1"/>
+                      </a:solidFill>
+                      <a:prstDash val="dash"/>
+                      <a:round/>
+                      <a:headEnd type="none" w="med" len="med"/>
+                      <a:tailEnd type="none" w="med" len="med"/>
+                    </a:lnT>
+                    <a:lnB w="12700" cap="flat" cmpd="sng" algn="ctr">
+                      <a:solidFill>
+                        <a:schemeClr val="tx1"/>
+                      </a:solidFill>
+                      <a:prstDash val="dash"/>
+                      <a:round/>
+                      <a:headEnd type="none" w="med" len="med"/>
+                      <a:tailEnd type="none" w="med" len="med"/>
+                    </a:lnB>
+                    <a:lnTlToBr w="12700" cmpd="sng">
+                      <a:noFill/>
+                      <a:prstDash val="solid"/>
+                    </a:lnTlToBr>
+                    <a:lnBlToTr w="12700" cmpd="sng">
+                      <a:noFill/>
+                      <a:prstDash val="solid"/>
+                    </a:lnBlToTr>
+                  </a:tcPr>
+                </a:tc>
+                <a:extLst>
+                  <a:ext uri="{0D108BD9-81ED-4DB2-BD59-A6C34878D82A}">
+                    <a16:rowId xmlns:a16="http://schemas.microsoft.com/office/drawing/2014/main" val="2171238414"/>
+                  </a:ext>
+                </a:extLst>
+              </a:tr>
+              <a:tr h="1097280">
+                <a:tc>
+                  <a:txBody>
+                    <a:bodyPr/>
+                    <a:lstStyle/>
+                    <a:p>
+                      <a:pPr algn="l"/>
+                      <a:endParaRPr lang="en-US" sz="2800" i="0" dirty="0">
+                        <a:latin typeface="Arial" panose="020B0604020202020204" pitchFamily="34" charset="0"/>
+                        <a:cs typeface="Arial" panose="020B0604020202020204" pitchFamily="34" charset="0"/>
+                      </a:endParaRPr>
+                    </a:p>
+                  </a:txBody>
+                  <a:tcPr anchor="ctr">
+                    <a:lnL w="12700" cap="flat" cmpd="sng" algn="ctr">
+                      <a:noFill/>
+                      <a:prstDash val="solid"/>
+                      <a:round/>
+                      <a:headEnd type="none" w="med" len="med"/>
+                      <a:tailEnd type="none" w="med" len="med"/>
+                    </a:lnL>
+                    <a:lnR w="12700" cap="flat" cmpd="sng" algn="ctr">
+                      <a:noFill/>
+                      <a:prstDash val="solid"/>
+                      <a:round/>
+                      <a:headEnd type="none" w="med" len="med"/>
+                      <a:tailEnd type="none" w="med" len="med"/>
+                    </a:lnR>
+                    <a:lnT w="12700" cap="flat" cmpd="sng" algn="ctr">
+                      <a:solidFill>
+                        <a:schemeClr val="tx1"/>
+                      </a:solidFill>
+                      <a:prstDash val="dash"/>
+                      <a:round/>
+                      <a:headEnd type="none" w="med" len="med"/>
+                      <a:tailEnd type="none" w="med" len="med"/>
+                    </a:lnT>
+                    <a:lnB w="12700" cap="flat" cmpd="sng" algn="ctr">
+                      <a:noFill/>
+                      <a:prstDash val="solid"/>
+                      <a:round/>
+                      <a:headEnd type="none" w="med" len="med"/>
+                      <a:tailEnd type="none" w="med" len="med"/>
+                    </a:lnB>
+                    <a:lnTlToBr w="12700" cmpd="sng">
+                      <a:noFill/>
+                      <a:prstDash val="solid"/>
+                    </a:lnTlToBr>
+                    <a:lnBlToTr w="12700" cmpd="sng">
+                      <a:noFill/>
+                      <a:prstDash val="solid"/>
+                    </a:lnBlToTr>
+                  </a:tcPr>
+                </a:tc>
+                <a:tc>
+                  <a:txBody>
+                    <a:bodyPr/>
+                    <a:lstStyle/>
+                    <a:p>
+                      <a:r>
+                        <a:rPr lang="en-US" sz="2400" dirty="0">
+                          <a:latin typeface="Arial" panose="020B0604020202020204" pitchFamily="34" charset="0"/>
+                          <a:cs typeface="Arial" panose="020B0604020202020204" pitchFamily="34" charset="0"/>
+                        </a:rPr>
+                        <a:t>Land carbon is priced as a portion of carbon prices in Fossil Fuels and Industry, i.e., 0% (No-LCP), 10%, 50%, or 100% (100%-LCP).</a:t>
+                      </a:r>
+                    </a:p>
+                  </a:txBody>
+                  <a:tcPr anchor="ctr">
+                    <a:lnL w="12700" cap="flat" cmpd="sng" algn="ctr">
+                      <a:noFill/>
+                      <a:prstDash val="solid"/>
+                      <a:round/>
+                      <a:headEnd type="none" w="med" len="med"/>
+                      <a:tailEnd type="none" w="med" len="med"/>
+                    </a:lnL>
+                    <a:lnR w="12700" cap="flat" cmpd="sng" algn="ctr">
+                      <a:noFill/>
+                      <a:prstDash val="solid"/>
+                      <a:round/>
+                      <a:headEnd type="none" w="med" len="med"/>
+                      <a:tailEnd type="none" w="med" len="med"/>
+                    </a:lnR>
+                    <a:lnT w="12700" cap="flat" cmpd="sng" algn="ctr">
+                      <a:solidFill>
+                        <a:schemeClr val="tx1"/>
+                      </a:solidFill>
+                      <a:prstDash val="dash"/>
+                      <a:round/>
+                      <a:headEnd type="none" w="med" len="med"/>
+                      <a:tailEnd type="none" w="med" len="med"/>
+                    </a:lnT>
+                    <a:lnB w="12700" cap="flat" cmpd="sng" algn="ctr">
+                      <a:noFill/>
+                      <a:prstDash val="solid"/>
+                      <a:round/>
+                      <a:headEnd type="none" w="med" len="med"/>
+                      <a:tailEnd type="none" w="med" len="med"/>
+                    </a:lnB>
+                    <a:lnTlToBr w="12700" cmpd="sng">
+                      <a:noFill/>
+                      <a:prstDash val="solid"/>
+                    </a:lnTlToBr>
+                    <a:lnBlToTr w="12700" cmpd="sng">
+                      <a:noFill/>
+                      <a:prstDash val="solid"/>
+                    </a:lnBlToTr>
+                  </a:tcPr>
+                </a:tc>
+                <a:extLst>
+                  <a:ext uri="{0D108BD9-81ED-4DB2-BD59-A6C34878D82A}">
+                    <a16:rowId xmlns:a16="http://schemas.microsoft.com/office/drawing/2014/main" val="2934281943"/>
+                  </a:ext>
+                </a:extLst>
+              </a:tr>
+            </a:tbl>
+          </a:graphicData>
+        </a:graphic>
+      </p:graphicFrame>
+      <p:sp>
+        <p:nvSpPr>
+          <p:cNvPr id="32" name="TextBox 31">
+            <a:extLst>
+              <a:ext uri="{FF2B5EF4-FFF2-40B4-BE49-F238E27FC236}">
+                <a16:creationId xmlns:a16="http://schemas.microsoft.com/office/drawing/2014/main" id="{37B1B90C-F9BE-3070-624E-D84C12B2DDFD}"/>
+              </a:ext>
+            </a:extLst>
+          </p:cNvPr>
+          <p:cNvSpPr txBox="1"/>
+          <p:nvPr/>
+        </p:nvSpPr>
+        <p:spPr>
+          <a:xfrm>
+            <a:off x="5302784" y="7461321"/>
+            <a:ext cx="1828800" cy="892552"/>
+          </a:xfrm>
+          <a:prstGeom prst="rect">
+            <a:avLst/>
+          </a:prstGeom>
+          <a:noFill/>
+        </p:spPr>
+        <p:txBody>
+          <a:bodyPr wrap="square" rtlCol="0">
+            <a:spAutoFit/>
+          </a:bodyPr>
+          <a:lstStyle/>
+          <a:p>
+            <a:r>
+              <a:rPr lang="en-US" sz="2600" i="1" dirty="0">
+                <a:solidFill>
+                  <a:srgbClr val="C00000"/>
+                </a:solidFill>
+                <a:latin typeface="Arial" panose="020B0604020202020204" pitchFamily="34" charset="0"/>
+                <a:cs typeface="Arial" panose="020B0604020202020204" pitchFamily="34" charset="0"/>
+              </a:rPr>
+              <a:t>Main</a:t>
+            </a:r>
+          </a:p>
+          <a:p>
+            <a:r>
+              <a:rPr lang="en-US" sz="2600" i="1" dirty="0">
+                <a:solidFill>
+                  <a:srgbClr val="C00000"/>
+                </a:solidFill>
+                <a:latin typeface="Arial" panose="020B0604020202020204" pitchFamily="34" charset="0"/>
+                <a:cs typeface="Arial" panose="020B0604020202020204" pitchFamily="34" charset="0"/>
+              </a:rPr>
+              <a:t>100%-LCP</a:t>
+            </a:r>
+          </a:p>
+        </p:txBody>
+      </p:sp>
+      <p:sp>
+        <p:nvSpPr>
+          <p:cNvPr id="33" name="TextBox 32">
+            <a:extLst>
+              <a:ext uri="{FF2B5EF4-FFF2-40B4-BE49-F238E27FC236}">
+                <a16:creationId xmlns:a16="http://schemas.microsoft.com/office/drawing/2014/main" id="{13ECB1E0-8CAB-1538-7A92-4F3C440CCE61}"/>
+              </a:ext>
+            </a:extLst>
+          </p:cNvPr>
+          <p:cNvSpPr txBox="1"/>
+          <p:nvPr/>
+        </p:nvSpPr>
+        <p:spPr>
+          <a:xfrm>
+            <a:off x="8580431" y="3487768"/>
+            <a:ext cx="1828800" cy="492443"/>
+          </a:xfrm>
+          <a:prstGeom prst="rect">
+            <a:avLst/>
+          </a:prstGeom>
+          <a:noFill/>
+        </p:spPr>
+        <p:txBody>
+          <a:bodyPr wrap="square" rtlCol="0">
+            <a:spAutoFit/>
+          </a:bodyPr>
+          <a:lstStyle/>
+          <a:p>
+            <a:r>
+              <a:rPr lang="en-US" sz="2600" i="1" dirty="0">
+                <a:solidFill>
+                  <a:srgbClr val="C00000"/>
+                </a:solidFill>
+                <a:latin typeface="Arial" panose="020B0604020202020204" pitchFamily="34" charset="0"/>
+                <a:cs typeface="Arial" panose="020B0604020202020204" pitchFamily="34" charset="0"/>
+              </a:rPr>
+              <a:t>10%-LCP</a:t>
+            </a:r>
+          </a:p>
+        </p:txBody>
+      </p:sp>
+      <p:sp>
+        <p:nvSpPr>
+          <p:cNvPr id="34" name="TextBox 33">
+            <a:extLst>
+              <a:ext uri="{FF2B5EF4-FFF2-40B4-BE49-F238E27FC236}">
+                <a16:creationId xmlns:a16="http://schemas.microsoft.com/office/drawing/2014/main" id="{F1FA7008-1D1E-D600-E1C4-AD7F596EBADA}"/>
+              </a:ext>
+            </a:extLst>
+          </p:cNvPr>
+          <p:cNvSpPr txBox="1"/>
+          <p:nvPr/>
+        </p:nvSpPr>
+        <p:spPr>
+          <a:xfrm>
+            <a:off x="7092516" y="7461321"/>
+            <a:ext cx="1828800" cy="892552"/>
+          </a:xfrm>
+          <a:prstGeom prst="rect">
+            <a:avLst/>
+          </a:prstGeom>
+          <a:noFill/>
+        </p:spPr>
+        <p:txBody>
+          <a:bodyPr wrap="square" rtlCol="0">
+            <a:spAutoFit/>
+          </a:bodyPr>
+          <a:lstStyle/>
+          <a:p>
+            <a:r>
+              <a:rPr lang="en-US" sz="2600" i="1" dirty="0">
+                <a:solidFill>
+                  <a:schemeClr val="accent4">
+                    <a:lumMod val="75000"/>
+                  </a:schemeClr>
+                </a:solidFill>
+                <a:latin typeface="Arial" panose="020B0604020202020204" pitchFamily="34" charset="0"/>
+                <a:cs typeface="Arial" panose="020B0604020202020204" pitchFamily="34" charset="0"/>
+              </a:rPr>
+              <a:t>A/R-</a:t>
+            </a:r>
+          </a:p>
+          <a:p>
+            <a:r>
+              <a:rPr lang="en-US" sz="2600" i="1" dirty="0">
+                <a:solidFill>
+                  <a:schemeClr val="accent4">
+                    <a:lumMod val="75000"/>
+                  </a:schemeClr>
+                </a:solidFill>
+                <a:latin typeface="Arial" panose="020B0604020202020204" pitchFamily="34" charset="0"/>
+                <a:cs typeface="Arial" panose="020B0604020202020204" pitchFamily="34" charset="0"/>
+              </a:rPr>
+              <a:t>Focused</a:t>
+            </a:r>
+          </a:p>
+        </p:txBody>
+      </p:sp>
+      <p:cxnSp>
+        <p:nvCxnSpPr>
+          <p:cNvPr id="35" name="Straight Connector 34">
+            <a:extLst>
+              <a:ext uri="{FF2B5EF4-FFF2-40B4-BE49-F238E27FC236}">
+                <a16:creationId xmlns:a16="http://schemas.microsoft.com/office/drawing/2014/main" id="{ED173F78-5740-312F-31C4-920AEF872F8A}"/>
+              </a:ext>
+            </a:extLst>
+          </p:cNvPr>
+          <p:cNvCxnSpPr>
+            <a:cxnSpLocks/>
+            <a:endCxn id="42" idx="3"/>
+          </p:cNvCxnSpPr>
+          <p:nvPr/>
+        </p:nvCxnSpPr>
+        <p:spPr>
+          <a:xfrm flipV="1">
+            <a:off x="7617348" y="6829563"/>
+            <a:ext cx="525087" cy="680939"/>
+          </a:xfrm>
+          <a:prstGeom prst="line">
+            <a:avLst/>
+          </a:prstGeom>
+          <a:ln w="19050">
+            <a:solidFill>
+              <a:schemeClr val="accent4">
+                <a:lumMod val="75000"/>
+              </a:schemeClr>
+            </a:solidFill>
+          </a:ln>
+        </p:spPr>
+        <p:style>
+          <a:lnRef idx="1">
+            <a:schemeClr val="accent1"/>
+          </a:lnRef>
+          <a:fillRef idx="0">
+            <a:schemeClr val="accent1"/>
+          </a:fillRef>
+          <a:effectRef idx="0">
+            <a:schemeClr val="accent1"/>
+          </a:effectRef>
+          <a:fontRef idx="minor">
+            <a:schemeClr val="tx1"/>
+          </a:fontRef>
+        </p:style>
+      </p:cxnSp>
+      <p:sp>
+        <p:nvSpPr>
+          <p:cNvPr id="36" name="TextBox 35">
+            <a:extLst>
+              <a:ext uri="{FF2B5EF4-FFF2-40B4-BE49-F238E27FC236}">
+                <a16:creationId xmlns:a16="http://schemas.microsoft.com/office/drawing/2014/main" id="{EEB24574-EE5E-0106-0888-D2E97FC583FD}"/>
+              </a:ext>
+            </a:extLst>
+          </p:cNvPr>
+          <p:cNvSpPr txBox="1"/>
+          <p:nvPr/>
+        </p:nvSpPr>
+        <p:spPr>
+          <a:xfrm>
+            <a:off x="8625189" y="2946537"/>
+            <a:ext cx="1828800" cy="492443"/>
+          </a:xfrm>
+          <a:prstGeom prst="rect">
+            <a:avLst/>
+          </a:prstGeom>
+          <a:noFill/>
+        </p:spPr>
+        <p:txBody>
+          <a:bodyPr wrap="square" rtlCol="0">
+            <a:spAutoFit/>
+          </a:bodyPr>
+          <a:lstStyle/>
+          <a:p>
+            <a:r>
+              <a:rPr lang="en-US" sz="2600" i="1" dirty="0">
+                <a:solidFill>
+                  <a:srgbClr val="C00000"/>
+                </a:solidFill>
+                <a:latin typeface="Arial" panose="020B0604020202020204" pitchFamily="34" charset="0"/>
+                <a:cs typeface="Arial" panose="020B0604020202020204" pitchFamily="34" charset="0"/>
+              </a:rPr>
+              <a:t>No-LCP</a:t>
+            </a:r>
+          </a:p>
+        </p:txBody>
+      </p:sp>
+      <p:sp>
+        <p:nvSpPr>
+          <p:cNvPr id="37" name="TextBox 36">
+            <a:extLst>
+              <a:ext uri="{FF2B5EF4-FFF2-40B4-BE49-F238E27FC236}">
+                <a16:creationId xmlns:a16="http://schemas.microsoft.com/office/drawing/2014/main" id="{86BF76E5-499B-DB59-13D7-F2E2BE4BDC62}"/>
+              </a:ext>
+            </a:extLst>
+          </p:cNvPr>
+          <p:cNvSpPr txBox="1"/>
+          <p:nvPr/>
+        </p:nvSpPr>
+        <p:spPr>
+          <a:xfrm>
+            <a:off x="8586825" y="4028999"/>
+            <a:ext cx="1828800" cy="492443"/>
+          </a:xfrm>
+          <a:prstGeom prst="rect">
+            <a:avLst/>
+          </a:prstGeom>
+          <a:noFill/>
+        </p:spPr>
+        <p:txBody>
+          <a:bodyPr wrap="square" rtlCol="0">
+            <a:spAutoFit/>
+          </a:bodyPr>
+          <a:lstStyle/>
+          <a:p>
+            <a:r>
+              <a:rPr lang="en-US" sz="2600" i="1" dirty="0">
+                <a:solidFill>
+                  <a:srgbClr val="C00000"/>
+                </a:solidFill>
+                <a:latin typeface="Arial" panose="020B0604020202020204" pitchFamily="34" charset="0"/>
+                <a:cs typeface="Arial" panose="020B0604020202020204" pitchFamily="34" charset="0"/>
+              </a:rPr>
+              <a:t>50%-LCP</a:t>
+            </a:r>
+          </a:p>
+        </p:txBody>
+      </p:sp>
+      <p:sp>
+        <p:nvSpPr>
+          <p:cNvPr id="38" name="TextBox 37">
+            <a:extLst>
+              <a:ext uri="{FF2B5EF4-FFF2-40B4-BE49-F238E27FC236}">
+                <a16:creationId xmlns:a16="http://schemas.microsoft.com/office/drawing/2014/main" id="{84DF334D-2BE8-EF27-4ADD-DA36F1882340}"/>
+              </a:ext>
+            </a:extLst>
+          </p:cNvPr>
+          <p:cNvSpPr txBox="1"/>
+          <p:nvPr/>
+        </p:nvSpPr>
+        <p:spPr>
+          <a:xfrm>
+            <a:off x="3498611" y="7461321"/>
+            <a:ext cx="1828800" cy="892552"/>
+          </a:xfrm>
+          <a:prstGeom prst="rect">
+            <a:avLst/>
+          </a:prstGeom>
+          <a:noFill/>
+        </p:spPr>
+        <p:txBody>
+          <a:bodyPr wrap="square" rtlCol="0">
+            <a:spAutoFit/>
+          </a:bodyPr>
+          <a:lstStyle/>
+          <a:p>
+            <a:r>
+              <a:rPr lang="en-US" sz="2600" i="1" dirty="0">
+                <a:solidFill>
+                  <a:srgbClr val="5D2884"/>
+                </a:solidFill>
+                <a:latin typeface="Arial" panose="020B0604020202020204" pitchFamily="34" charset="0"/>
+                <a:cs typeface="Arial" panose="020B0604020202020204" pitchFamily="34" charset="0"/>
+              </a:rPr>
+              <a:t>1.5 °C</a:t>
+            </a:r>
+          </a:p>
+          <a:p>
+            <a:r>
+              <a:rPr lang="en-US" sz="2600" i="1" dirty="0">
+                <a:solidFill>
+                  <a:srgbClr val="5D2884"/>
+                </a:solidFill>
+                <a:latin typeface="Arial" panose="020B0604020202020204" pitchFamily="34" charset="0"/>
+                <a:cs typeface="Arial" panose="020B0604020202020204" pitchFamily="34" charset="0"/>
+              </a:rPr>
+              <a:t>100%-LCP</a:t>
+            </a:r>
+          </a:p>
+        </p:txBody>
+      </p:sp>
+      <p:cxnSp>
+        <p:nvCxnSpPr>
+          <p:cNvPr id="39" name="Straight Connector 38">
+            <a:extLst>
+              <a:ext uri="{FF2B5EF4-FFF2-40B4-BE49-F238E27FC236}">
+                <a16:creationId xmlns:a16="http://schemas.microsoft.com/office/drawing/2014/main" id="{85B1B2A0-2E12-784C-4E82-ADBD87CD0412}"/>
+              </a:ext>
+            </a:extLst>
+          </p:cNvPr>
+          <p:cNvCxnSpPr>
+            <a:cxnSpLocks/>
+            <a:endCxn id="49" idx="3"/>
+          </p:cNvCxnSpPr>
+          <p:nvPr/>
+        </p:nvCxnSpPr>
+        <p:spPr>
+          <a:xfrm flipV="1">
+            <a:off x="4163260" y="6546268"/>
+            <a:ext cx="2996514" cy="930262"/>
+          </a:xfrm>
+          <a:prstGeom prst="line">
+            <a:avLst/>
+          </a:prstGeom>
+          <a:ln w="19050">
+            <a:solidFill>
+              <a:srgbClr val="7030A0"/>
+            </a:solidFill>
+          </a:ln>
+        </p:spPr>
+        <p:style>
+          <a:lnRef idx="1">
+            <a:schemeClr val="accent1"/>
+          </a:lnRef>
+          <a:fillRef idx="0">
+            <a:schemeClr val="accent1"/>
+          </a:fillRef>
+          <a:effectRef idx="0">
+            <a:schemeClr val="accent1"/>
+          </a:effectRef>
+          <a:fontRef idx="minor">
+            <a:schemeClr val="tx1"/>
+          </a:fontRef>
+        </p:style>
+      </p:cxnSp>
+      <p:sp>
+        <p:nvSpPr>
+          <p:cNvPr id="44" name="TextBox 43">
+            <a:extLst>
+              <a:ext uri="{FF2B5EF4-FFF2-40B4-BE49-F238E27FC236}">
+                <a16:creationId xmlns:a16="http://schemas.microsoft.com/office/drawing/2014/main" id="{E82B5BD3-90D7-CE5B-C0A8-BC29A1A3DD46}"/>
+              </a:ext>
+            </a:extLst>
+          </p:cNvPr>
+          <p:cNvSpPr txBox="1"/>
+          <p:nvPr/>
+        </p:nvSpPr>
+        <p:spPr>
+          <a:xfrm>
+            <a:off x="8560895" y="7461321"/>
+            <a:ext cx="1828800" cy="892552"/>
+          </a:xfrm>
+          <a:prstGeom prst="rect">
+            <a:avLst/>
+          </a:prstGeom>
+          <a:noFill/>
+        </p:spPr>
+        <p:txBody>
+          <a:bodyPr wrap="square" rtlCol="0">
+            <a:spAutoFit/>
+          </a:bodyPr>
+          <a:lstStyle/>
+          <a:p>
+            <a:r>
+              <a:rPr lang="en-US" sz="2600" i="1" dirty="0">
+                <a:solidFill>
+                  <a:srgbClr val="0070C0"/>
+                </a:solidFill>
+                <a:latin typeface="Arial" panose="020B0604020202020204" pitchFamily="34" charset="0"/>
+                <a:cs typeface="Arial" panose="020B0604020202020204" pitchFamily="34" charset="0"/>
+              </a:rPr>
+              <a:t>Low-</a:t>
+            </a:r>
+          </a:p>
+          <a:p>
+            <a:r>
+              <a:rPr lang="en-US" sz="2600" i="1" dirty="0">
+                <a:solidFill>
+                  <a:srgbClr val="0070C0"/>
+                </a:solidFill>
+                <a:latin typeface="Arial" panose="020B0604020202020204" pitchFamily="34" charset="0"/>
+                <a:cs typeface="Arial" panose="020B0604020202020204" pitchFamily="34" charset="0"/>
+              </a:rPr>
+              <a:t>Bioenergy</a:t>
+            </a:r>
+          </a:p>
+        </p:txBody>
+      </p:sp>
+      <p:cxnSp>
+        <p:nvCxnSpPr>
+          <p:cNvPr id="59" name="Straight Connector 58">
+            <a:extLst>
+              <a:ext uri="{FF2B5EF4-FFF2-40B4-BE49-F238E27FC236}">
+                <a16:creationId xmlns:a16="http://schemas.microsoft.com/office/drawing/2014/main" id="{D03A0310-61E1-B868-F6A7-7E2A5458C7F8}"/>
+              </a:ext>
+            </a:extLst>
+          </p:cNvPr>
+          <p:cNvCxnSpPr>
+            <a:cxnSpLocks/>
+            <a:endCxn id="41" idx="4"/>
+          </p:cNvCxnSpPr>
+          <p:nvPr/>
+        </p:nvCxnSpPr>
+        <p:spPr>
+          <a:xfrm flipV="1">
+            <a:off x="9098876" y="6948131"/>
+            <a:ext cx="71341" cy="562371"/>
+          </a:xfrm>
+          <a:prstGeom prst="line">
+            <a:avLst/>
+          </a:prstGeom>
+          <a:ln w="19050">
+            <a:solidFill>
+              <a:srgbClr val="00B0F0"/>
+            </a:solidFill>
+          </a:ln>
+        </p:spPr>
+        <p:style>
+          <a:lnRef idx="1">
+            <a:schemeClr val="accent1"/>
+          </a:lnRef>
+          <a:fillRef idx="0">
+            <a:schemeClr val="accent1"/>
+          </a:fillRef>
+          <a:effectRef idx="0">
+            <a:schemeClr val="accent1"/>
+          </a:effectRef>
+          <a:fontRef idx="minor">
+            <a:schemeClr val="tx1"/>
+          </a:fontRef>
+        </p:style>
+      </p:cxnSp>
+      <p:cxnSp>
+        <p:nvCxnSpPr>
+          <p:cNvPr id="70" name="Straight Connector 69">
+            <a:extLst>
+              <a:ext uri="{FF2B5EF4-FFF2-40B4-BE49-F238E27FC236}">
+                <a16:creationId xmlns:a16="http://schemas.microsoft.com/office/drawing/2014/main" id="{6FCF8A46-D993-B260-EA50-76A638CBFC7C}"/>
+              </a:ext>
+            </a:extLst>
+          </p:cNvPr>
+          <p:cNvCxnSpPr>
+            <a:cxnSpLocks/>
+            <a:stCxn id="40" idx="3"/>
+          </p:cNvCxnSpPr>
+          <p:nvPr/>
+        </p:nvCxnSpPr>
+        <p:spPr>
+          <a:xfrm flipH="1">
+            <a:off x="6026808" y="6485153"/>
+            <a:ext cx="2144233" cy="991377"/>
+          </a:xfrm>
+          <a:prstGeom prst="line">
+            <a:avLst/>
+          </a:prstGeom>
+          <a:ln w="19050">
+            <a:solidFill>
+              <a:srgbClr val="C00000"/>
+            </a:solidFill>
+          </a:ln>
+        </p:spPr>
+        <p:style>
+          <a:lnRef idx="1">
+            <a:schemeClr val="accent1"/>
+          </a:lnRef>
+          <a:fillRef idx="0">
+            <a:schemeClr val="accent1"/>
+          </a:fillRef>
+          <a:effectRef idx="0">
+            <a:schemeClr val="accent1"/>
+          </a:effectRef>
+          <a:fontRef idx="minor">
+            <a:schemeClr val="tx1"/>
+          </a:fontRef>
+        </p:style>
+      </p:cxnSp>
+      <p:cxnSp>
+        <p:nvCxnSpPr>
+          <p:cNvPr id="111" name="Straight Connector 110">
+            <a:extLst>
+              <a:ext uri="{FF2B5EF4-FFF2-40B4-BE49-F238E27FC236}">
+                <a16:creationId xmlns:a16="http://schemas.microsoft.com/office/drawing/2014/main" id="{2D4D2698-3303-07BD-63CE-772A608537F6}"/>
+              </a:ext>
+            </a:extLst>
+          </p:cNvPr>
+          <p:cNvCxnSpPr>
+            <a:cxnSpLocks/>
+            <a:stCxn id="46" idx="7"/>
+          </p:cNvCxnSpPr>
+          <p:nvPr/>
+        </p:nvCxnSpPr>
+        <p:spPr>
+          <a:xfrm flipV="1">
+            <a:off x="7344805" y="3325091"/>
+            <a:ext cx="1341337" cy="949638"/>
+          </a:xfrm>
+          <a:prstGeom prst="line">
+            <a:avLst/>
+          </a:prstGeom>
+          <a:ln w="19050">
+            <a:solidFill>
+              <a:srgbClr val="C00000"/>
+            </a:solidFill>
+          </a:ln>
+        </p:spPr>
+        <p:style>
+          <a:lnRef idx="1">
+            <a:schemeClr val="accent1"/>
+          </a:lnRef>
+          <a:fillRef idx="0">
+            <a:schemeClr val="accent1"/>
+          </a:fillRef>
+          <a:effectRef idx="0">
+            <a:schemeClr val="accent1"/>
+          </a:effectRef>
+          <a:fontRef idx="minor">
+            <a:schemeClr val="tx1"/>
+          </a:fontRef>
+        </p:style>
+      </p:cxnSp>
+      <p:cxnSp>
+        <p:nvCxnSpPr>
+          <p:cNvPr id="115" name="Straight Connector 114">
+            <a:extLst>
+              <a:ext uri="{FF2B5EF4-FFF2-40B4-BE49-F238E27FC236}">
+                <a16:creationId xmlns:a16="http://schemas.microsoft.com/office/drawing/2014/main" id="{94DB3E23-723C-D24F-2791-A2006D86CAAA}"/>
+              </a:ext>
+            </a:extLst>
+          </p:cNvPr>
+          <p:cNvCxnSpPr>
+            <a:cxnSpLocks/>
+            <a:stCxn id="47" idx="7"/>
+          </p:cNvCxnSpPr>
+          <p:nvPr/>
+        </p:nvCxnSpPr>
+        <p:spPr>
+          <a:xfrm flipV="1">
+            <a:off x="7599174" y="3891401"/>
+            <a:ext cx="1086968" cy="949559"/>
+          </a:xfrm>
+          <a:prstGeom prst="line">
+            <a:avLst/>
+          </a:prstGeom>
+          <a:ln w="19050">
+            <a:solidFill>
+              <a:srgbClr val="C00000"/>
+            </a:solidFill>
+          </a:ln>
+        </p:spPr>
+        <p:style>
+          <a:lnRef idx="1">
+            <a:schemeClr val="accent1"/>
+          </a:lnRef>
+          <a:fillRef idx="0">
+            <a:schemeClr val="accent1"/>
+          </a:fillRef>
+          <a:effectRef idx="0">
+            <a:schemeClr val="accent1"/>
+          </a:effectRef>
+          <a:fontRef idx="minor">
+            <a:schemeClr val="tx1"/>
+          </a:fontRef>
+        </p:style>
+      </p:cxnSp>
+      <p:cxnSp>
+        <p:nvCxnSpPr>
+          <p:cNvPr id="118" name="Straight Connector 117">
+            <a:extLst>
+              <a:ext uri="{FF2B5EF4-FFF2-40B4-BE49-F238E27FC236}">
+                <a16:creationId xmlns:a16="http://schemas.microsoft.com/office/drawing/2014/main" id="{EB047F58-7363-D81B-95CF-603AAA226958}"/>
+              </a:ext>
+            </a:extLst>
+          </p:cNvPr>
+          <p:cNvCxnSpPr>
+            <a:cxnSpLocks/>
+            <a:stCxn id="48" idx="7"/>
+          </p:cNvCxnSpPr>
+          <p:nvPr/>
+        </p:nvCxnSpPr>
+        <p:spPr>
+          <a:xfrm flipV="1">
+            <a:off x="8078373" y="4518621"/>
+            <a:ext cx="647070" cy="1280266"/>
+          </a:xfrm>
+          <a:prstGeom prst="line">
+            <a:avLst/>
+          </a:prstGeom>
+          <a:ln w="19050">
+            <a:solidFill>
+              <a:srgbClr val="C00000"/>
+            </a:solidFill>
+          </a:ln>
+        </p:spPr>
+        <p:style>
+          <a:lnRef idx="1">
+            <a:schemeClr val="accent1"/>
+          </a:lnRef>
+          <a:fillRef idx="0">
+            <a:schemeClr val="accent1"/>
+          </a:fillRef>
+          <a:effectRef idx="0">
+            <a:schemeClr val="accent1"/>
+          </a:effectRef>
+          <a:fontRef idx="minor">
+            <a:schemeClr val="tx1"/>
+          </a:fontRef>
+        </p:style>
+      </p:cxnSp>
+    </p:spTree>
+    <p:extLst>
+      <p:ext uri="{BB962C8B-B14F-4D97-AF65-F5344CB8AC3E}">
+        <p14:creationId xmlns:p14="http://schemas.microsoft.com/office/powerpoint/2010/main" val="1420818636"/>
+      </p:ext>
+    </p:extLst>
+  </p:cSld>
+  <p:clrMapOvr>
+    <a:masterClrMapping/>
+  </p:clrMapOvr>
+</p:sld>
+</file>
+
+<file path=ppt/slides/slide2.xml><?xml version="1.0" encoding="utf-8"?>
 <p:sld xmlns:a="http://schemas.openxmlformats.org/drawingml/2006/main" xmlns:r="http://schemas.openxmlformats.org/officeDocument/2006/relationships" xmlns:p="http://schemas.openxmlformats.org/presentationml/2006/main">
   <p:cSld>
     <p:spTree>
@@ -8855,7 +14736,7 @@
 </p:sld>
 </file>
 
-<file path=ppt/slides/slide2.xml><?xml version="1.0" encoding="utf-8"?>
+<file path=ppt/slides/slide3.xml><?xml version="1.0" encoding="utf-8"?>
 <p:sld xmlns:a="http://schemas.openxmlformats.org/drawingml/2006/main" xmlns:r="http://schemas.openxmlformats.org/officeDocument/2006/relationships" xmlns:p="http://schemas.openxmlformats.org/presentationml/2006/main">
   <p:cSld>
     <p:spTree>
@@ -14709,7 +20590,7 @@
 </p:sld>
 </file>
 
-<file path=ppt/slides/slide3.xml><?xml version="1.0" encoding="utf-8"?>
+<file path=ppt/slides/slide4.xml><?xml version="1.0" encoding="utf-8"?>
 <p:sld xmlns:a="http://schemas.openxmlformats.org/drawingml/2006/main" xmlns:r="http://schemas.openxmlformats.org/officeDocument/2006/relationships" xmlns:p="http://schemas.openxmlformats.org/presentationml/2006/main">
   <p:cSld>
     <p:spTree>
@@ -19910,7 +25791,7 @@
 </p:sld>
 </file>
 
-<file path=ppt/slides/slide4.xml><?xml version="1.0" encoding="utf-8"?>
+<file path=ppt/slides/slide5.xml><?xml version="1.0" encoding="utf-8"?>
 <p:sld xmlns:a="http://schemas.openxmlformats.org/drawingml/2006/main" xmlns:r="http://schemas.openxmlformats.org/officeDocument/2006/relationships" xmlns:p="http://schemas.openxmlformats.org/presentationml/2006/main">
   <p:cSld>
     <p:spTree>
@@ -24506,7 +30387,7 @@
 </p:sld>
 </file>
 
-<file path=ppt/slides/slide5.xml><?xml version="1.0" encoding="utf-8"?>
+<file path=ppt/slides/slide6.xml><?xml version="1.0" encoding="utf-8"?>
 <p:sld xmlns:a="http://schemas.openxmlformats.org/drawingml/2006/main" xmlns:r="http://schemas.openxmlformats.org/officeDocument/2006/relationships" xmlns:p="http://schemas.openxmlformats.org/presentationml/2006/main">
   <p:cSld>
     <p:spTree>
@@ -28744,7 +34625,7 @@
 </p:sld>
 </file>
 
-<file path=ppt/slides/slide6.xml><?xml version="1.0" encoding="utf-8"?>
+<file path=ppt/slides/slide7.xml><?xml version="1.0" encoding="utf-8"?>
 <p:sld xmlns:a="http://schemas.openxmlformats.org/drawingml/2006/main" xmlns:r="http://schemas.openxmlformats.org/officeDocument/2006/relationships" xmlns:p="http://schemas.openxmlformats.org/presentationml/2006/main">
   <p:cSld>
     <p:spTree>

--- a/output/GCAM/Main/MainFig1_BECCS_LULUCF_FFI_AR6_GCAM.pptx
+++ b/output/GCAM/Main/MainFig1_BECCS_LULUCF_FFI_AR6_GCAM.pptx
@@ -5,13 +5,14 @@
     <p:sldMasterId id="2147483684" r:id="rId1"/>
   </p:sldMasterIdLst>
   <p:sldIdLst>
-    <p:sldId id="265" r:id="rId2"/>
-    <p:sldId id="263" r:id="rId3"/>
-    <p:sldId id="262" r:id="rId4"/>
-    <p:sldId id="261" r:id="rId5"/>
-    <p:sldId id="260" r:id="rId6"/>
-    <p:sldId id="258" r:id="rId7"/>
-    <p:sldId id="259" r:id="rId8"/>
+    <p:sldId id="267" r:id="rId2"/>
+    <p:sldId id="265" r:id="rId3"/>
+    <p:sldId id="263" r:id="rId4"/>
+    <p:sldId id="262" r:id="rId5"/>
+    <p:sldId id="261" r:id="rId6"/>
+    <p:sldId id="260" r:id="rId7"/>
+    <p:sldId id="258" r:id="rId8"/>
+    <p:sldId id="259" r:id="rId9"/>
   </p:sldIdLst>
   <p:sldSz cx="21945600" cy="19202400"/>
   <p:notesSz cx="6858000" cy="9144000"/>
@@ -249,7 +250,7 @@
           <a:p>
             <a:fld id="{F4D812FA-322C-410E-8A30-AB73E03FA798}" type="datetimeFigureOut">
               <a:rPr lang="en-US" smtClean="0"/>
-              <a:t>11/28/2023</a:t>
+              <a:t>2/24/2024</a:t>
             </a:fld>
             <a:endParaRPr lang="en-US"/>
           </a:p>
@@ -419,7 +420,7 @@
           <a:p>
             <a:fld id="{F4D812FA-322C-410E-8A30-AB73E03FA798}" type="datetimeFigureOut">
               <a:rPr lang="en-US" smtClean="0"/>
-              <a:t>11/28/2023</a:t>
+              <a:t>2/24/2024</a:t>
             </a:fld>
             <a:endParaRPr lang="en-US"/>
           </a:p>
@@ -599,7 +600,7 @@
           <a:p>
             <a:fld id="{F4D812FA-322C-410E-8A30-AB73E03FA798}" type="datetimeFigureOut">
               <a:rPr lang="en-US" smtClean="0"/>
-              <a:t>11/28/2023</a:t>
+              <a:t>2/24/2024</a:t>
             </a:fld>
             <a:endParaRPr lang="en-US"/>
           </a:p>
@@ -769,7 +770,7 @@
           <a:p>
             <a:fld id="{F4D812FA-322C-410E-8A30-AB73E03FA798}" type="datetimeFigureOut">
               <a:rPr lang="en-US" smtClean="0"/>
-              <a:t>11/28/2023</a:t>
+              <a:t>2/24/2024</a:t>
             </a:fld>
             <a:endParaRPr lang="en-US"/>
           </a:p>
@@ -1013,7 +1014,7 @@
           <a:p>
             <a:fld id="{F4D812FA-322C-410E-8A30-AB73E03FA798}" type="datetimeFigureOut">
               <a:rPr lang="en-US" smtClean="0"/>
-              <a:t>11/28/2023</a:t>
+              <a:t>2/24/2024</a:t>
             </a:fld>
             <a:endParaRPr lang="en-US"/>
           </a:p>
@@ -1245,7 +1246,7 @@
           <a:p>
             <a:fld id="{F4D812FA-322C-410E-8A30-AB73E03FA798}" type="datetimeFigureOut">
               <a:rPr lang="en-US" smtClean="0"/>
-              <a:t>11/28/2023</a:t>
+              <a:t>2/24/2024</a:t>
             </a:fld>
             <a:endParaRPr lang="en-US"/>
           </a:p>
@@ -1612,7 +1613,7 @@
           <a:p>
             <a:fld id="{F4D812FA-322C-410E-8A30-AB73E03FA798}" type="datetimeFigureOut">
               <a:rPr lang="en-US" smtClean="0"/>
-              <a:t>11/28/2023</a:t>
+              <a:t>2/24/2024</a:t>
             </a:fld>
             <a:endParaRPr lang="en-US"/>
           </a:p>
@@ -1730,7 +1731,7 @@
           <a:p>
             <a:fld id="{F4D812FA-322C-410E-8A30-AB73E03FA798}" type="datetimeFigureOut">
               <a:rPr lang="en-US" smtClean="0"/>
-              <a:t>11/28/2023</a:t>
+              <a:t>2/24/2024</a:t>
             </a:fld>
             <a:endParaRPr lang="en-US"/>
           </a:p>
@@ -1825,7 +1826,7 @@
           <a:p>
             <a:fld id="{F4D812FA-322C-410E-8A30-AB73E03FA798}" type="datetimeFigureOut">
               <a:rPr lang="en-US" smtClean="0"/>
-              <a:t>11/28/2023</a:t>
+              <a:t>2/24/2024</a:t>
             </a:fld>
             <a:endParaRPr lang="en-US"/>
           </a:p>
@@ -2102,7 +2103,7 @@
           <a:p>
             <a:fld id="{F4D812FA-322C-410E-8A30-AB73E03FA798}" type="datetimeFigureOut">
               <a:rPr lang="en-US" smtClean="0"/>
-              <a:t>11/28/2023</a:t>
+              <a:t>2/24/2024</a:t>
             </a:fld>
             <a:endParaRPr lang="en-US"/>
           </a:p>
@@ -2359,7 +2360,7 @@
           <a:p>
             <a:fld id="{F4D812FA-322C-410E-8A30-AB73E03FA798}" type="datetimeFigureOut">
               <a:rPr lang="en-US" smtClean="0"/>
-              <a:t>11/28/2023</a:t>
+              <a:t>2/24/2024</a:t>
             </a:fld>
             <a:endParaRPr lang="en-US"/>
           </a:p>
@@ -2572,7 +2573,7 @@
           <a:p>
             <a:fld id="{F4D812FA-322C-410E-8A30-AB73E03FA798}" type="datetimeFigureOut">
               <a:rPr lang="en-US" smtClean="0"/>
-              <a:t>11/28/2023</a:t>
+              <a:t>2/24/2024</a:t>
             </a:fld>
             <a:endParaRPr lang="en-US"/>
           </a:p>
@@ -2961,6 +2962,5886 @@
 </file>
 
 <file path=ppt/slides/slide1.xml><?xml version="1.0" encoding="utf-8"?>
+<p:sld xmlns:a="http://schemas.openxmlformats.org/drawingml/2006/main" xmlns:r="http://schemas.openxmlformats.org/officeDocument/2006/relationships" xmlns:p="http://schemas.openxmlformats.org/presentationml/2006/main">
+  <p:cSld>
+    <p:spTree>
+      <p:nvGrpSpPr>
+        <p:cNvPr id="1" name=""/>
+        <p:cNvGrpSpPr/>
+        <p:nvPr/>
+      </p:nvGrpSpPr>
+      <p:grpSpPr>
+        <a:xfrm>
+          <a:off x="0" y="0"/>
+          <a:ext cx="0" cy="0"/>
+          <a:chOff x="0" y="0"/>
+          <a:chExt cx="0" cy="0"/>
+        </a:xfrm>
+      </p:grpSpPr>
+      <p:pic>
+        <p:nvPicPr>
+          <p:cNvPr id="3" name="Graphic 2">
+            <a:extLst>
+              <a:ext uri="{FF2B5EF4-FFF2-40B4-BE49-F238E27FC236}">
+                <a16:creationId xmlns:a16="http://schemas.microsoft.com/office/drawing/2014/main" id="{01C8B376-18B4-FCD4-13E9-D78E5C6EA6E6}"/>
+              </a:ext>
+            </a:extLst>
+          </p:cNvPr>
+          <p:cNvPicPr>
+            <a:picLocks noChangeAspect="1"/>
+          </p:cNvPicPr>
+          <p:nvPr/>
+        </p:nvPicPr>
+        <p:blipFill rotWithShape="1">
+          <a:blip r:embed="rId2">
+            <a:extLst>
+              <a:ext uri="{96DAC541-7B7A-43D3-8B79-37D633B846F1}">
+                <asvg:svgBlip xmlns:asvg="http://schemas.microsoft.com/office/drawing/2016/SVG/main" r:embed="rId3"/>
+              </a:ext>
+            </a:extLst>
+          </a:blip>
+          <a:srcRect r="11892"/>
+          <a:stretch/>
+        </p:blipFill>
+        <p:spPr>
+          <a:xfrm>
+            <a:off x="1620" y="128016"/>
+            <a:ext cx="21943980" cy="11155680"/>
+          </a:xfrm>
+          <a:prstGeom prst="rect">
+            <a:avLst/>
+          </a:prstGeom>
+        </p:spPr>
+      </p:pic>
+      <p:graphicFrame>
+        <p:nvGraphicFramePr>
+          <p:cNvPr id="6" name="Table 7">
+            <a:extLst>
+              <a:ext uri="{FF2B5EF4-FFF2-40B4-BE49-F238E27FC236}">
+                <a16:creationId xmlns:a16="http://schemas.microsoft.com/office/drawing/2014/main" id="{35E7C72E-8A12-4013-ADFF-FBD589B6AB44}"/>
+              </a:ext>
+            </a:extLst>
+          </p:cNvPr>
+          <p:cNvGraphicFramePr>
+            <a:graphicFrameLocks noGrp="1"/>
+          </p:cNvGraphicFramePr>
+          <p:nvPr/>
+        </p:nvGraphicFramePr>
+        <p:xfrm>
+          <a:off x="4991177" y="12729863"/>
+          <a:ext cx="4389120" cy="4389120"/>
+        </p:xfrm>
+        <a:graphic>
+          <a:graphicData uri="http://schemas.openxmlformats.org/drawingml/2006/table">
+            <a:tbl>
+              <a:tblPr firstRow="1" bandRow="1">
+                <a:tableStyleId>{2D5ABB26-0587-4C30-8999-92F81FD0307C}</a:tableStyleId>
+              </a:tblPr>
+              <a:tblGrid>
+                <a:gridCol w="1097280">
+                  <a:extLst>
+                    <a:ext uri="{9D8B030D-6E8A-4147-A177-3AD203B41FA5}">
+                      <a16:colId xmlns:a16="http://schemas.microsoft.com/office/drawing/2014/main" val="3823680303"/>
+                    </a:ext>
+                  </a:extLst>
+                </a:gridCol>
+                <a:gridCol w="1097280">
+                  <a:extLst>
+                    <a:ext uri="{9D8B030D-6E8A-4147-A177-3AD203B41FA5}">
+                      <a16:colId xmlns:a16="http://schemas.microsoft.com/office/drawing/2014/main" val="3188445508"/>
+                    </a:ext>
+                  </a:extLst>
+                </a:gridCol>
+                <a:gridCol w="1097280">
+                  <a:extLst>
+                    <a:ext uri="{9D8B030D-6E8A-4147-A177-3AD203B41FA5}">
+                      <a16:colId xmlns:a16="http://schemas.microsoft.com/office/drawing/2014/main" val="7948569"/>
+                    </a:ext>
+                  </a:extLst>
+                </a:gridCol>
+                <a:gridCol w="1097280">
+                  <a:extLst>
+                    <a:ext uri="{9D8B030D-6E8A-4147-A177-3AD203B41FA5}">
+                      <a16:colId xmlns:a16="http://schemas.microsoft.com/office/drawing/2014/main" val="684741036"/>
+                    </a:ext>
+                  </a:extLst>
+                </a:gridCol>
+              </a:tblGrid>
+              <a:tr h="1097280">
+                <a:tc>
+                  <a:txBody>
+                    <a:bodyPr/>
+                    <a:lstStyle/>
+                    <a:p>
+                      <a:endParaRPr lang="en-US" sz="2800" dirty="0">
+                        <a:latin typeface="Arial" panose="020B0604020202020204" pitchFamily="34" charset="0"/>
+                        <a:cs typeface="Arial" panose="020B0604020202020204" pitchFamily="34" charset="0"/>
+                      </a:endParaRPr>
+                    </a:p>
+                  </a:txBody>
+                  <a:tcPr anchor="ctr">
+                    <a:lnL w="12700" cap="flat" cmpd="sng" algn="ctr">
+                      <a:solidFill>
+                        <a:schemeClr val="tx1"/>
+                      </a:solidFill>
+                      <a:prstDash val="solid"/>
+                      <a:round/>
+                      <a:headEnd type="none" w="med" len="med"/>
+                      <a:tailEnd type="none" w="med" len="med"/>
+                    </a:lnL>
+                    <a:lnR w="12700" cap="flat" cmpd="sng" algn="ctr">
+                      <a:solidFill>
+                        <a:schemeClr val="tx1"/>
+                      </a:solidFill>
+                      <a:prstDash val="solid"/>
+                      <a:round/>
+                      <a:headEnd type="none" w="med" len="med"/>
+                      <a:tailEnd type="none" w="med" len="med"/>
+                    </a:lnR>
+                    <a:lnT w="12700" cap="flat" cmpd="sng" algn="ctr">
+                      <a:solidFill>
+                        <a:schemeClr val="tx1"/>
+                      </a:solidFill>
+                      <a:prstDash val="solid"/>
+                      <a:round/>
+                      <a:headEnd type="none" w="med" len="med"/>
+                      <a:tailEnd type="none" w="med" len="med"/>
+                    </a:lnT>
+                    <a:lnB w="12700" cap="flat" cmpd="sng" algn="ctr">
+                      <a:solidFill>
+                        <a:schemeClr val="tx1"/>
+                      </a:solidFill>
+                      <a:prstDash val="solid"/>
+                      <a:round/>
+                      <a:headEnd type="none" w="med" len="med"/>
+                      <a:tailEnd type="none" w="med" len="med"/>
+                    </a:lnB>
+                    <a:solidFill>
+                      <a:srgbClr val="FF0000">
+                        <a:alpha val="20000"/>
+                      </a:srgbClr>
+                    </a:solidFill>
+                  </a:tcPr>
+                </a:tc>
+                <a:tc>
+                  <a:txBody>
+                    <a:bodyPr/>
+                    <a:lstStyle/>
+                    <a:p>
+                      <a:endParaRPr lang="en-US" sz="2800" dirty="0">
+                        <a:latin typeface="Arial" panose="020B0604020202020204" pitchFamily="34" charset="0"/>
+                        <a:cs typeface="Arial" panose="020B0604020202020204" pitchFamily="34" charset="0"/>
+                      </a:endParaRPr>
+                    </a:p>
+                  </a:txBody>
+                  <a:tcPr anchor="ctr">
+                    <a:lnL w="12700" cap="flat" cmpd="sng" algn="ctr">
+                      <a:solidFill>
+                        <a:schemeClr val="tx1"/>
+                      </a:solidFill>
+                      <a:prstDash val="solid"/>
+                      <a:round/>
+                      <a:headEnd type="none" w="med" len="med"/>
+                      <a:tailEnd type="none" w="med" len="med"/>
+                    </a:lnL>
+                    <a:lnR w="12700" cap="flat" cmpd="sng" algn="ctr">
+                      <a:solidFill>
+                        <a:schemeClr val="tx1"/>
+                      </a:solidFill>
+                      <a:prstDash val="solid"/>
+                      <a:round/>
+                      <a:headEnd type="none" w="med" len="med"/>
+                      <a:tailEnd type="none" w="med" len="med"/>
+                    </a:lnR>
+                    <a:lnT w="12700" cap="flat" cmpd="sng" algn="ctr">
+                      <a:solidFill>
+                        <a:schemeClr val="tx1"/>
+                      </a:solidFill>
+                      <a:prstDash val="solid"/>
+                      <a:round/>
+                      <a:headEnd type="none" w="med" len="med"/>
+                      <a:tailEnd type="none" w="med" len="med"/>
+                    </a:lnT>
+                    <a:lnB w="12700" cap="flat" cmpd="sng" algn="ctr">
+                      <a:solidFill>
+                        <a:schemeClr val="tx1"/>
+                      </a:solidFill>
+                      <a:prstDash val="solid"/>
+                      <a:round/>
+                      <a:headEnd type="none" w="med" len="med"/>
+                      <a:tailEnd type="none" w="med" len="med"/>
+                    </a:lnB>
+                    <a:solidFill>
+                      <a:srgbClr val="FF0000">
+                        <a:alpha val="40000"/>
+                      </a:srgbClr>
+                    </a:solidFill>
+                  </a:tcPr>
+                </a:tc>
+                <a:tc>
+                  <a:txBody>
+                    <a:bodyPr/>
+                    <a:lstStyle/>
+                    <a:p>
+                      <a:endParaRPr lang="en-US" sz="2800" dirty="0">
+                        <a:latin typeface="Arial" panose="020B0604020202020204" pitchFamily="34" charset="0"/>
+                        <a:cs typeface="Arial" panose="020B0604020202020204" pitchFamily="34" charset="0"/>
+                      </a:endParaRPr>
+                    </a:p>
+                  </a:txBody>
+                  <a:tcPr anchor="ctr">
+                    <a:lnL w="12700" cap="flat" cmpd="sng" algn="ctr">
+                      <a:solidFill>
+                        <a:schemeClr val="tx1"/>
+                      </a:solidFill>
+                      <a:prstDash val="solid"/>
+                      <a:round/>
+                      <a:headEnd type="none" w="med" len="med"/>
+                      <a:tailEnd type="none" w="med" len="med"/>
+                    </a:lnL>
+                    <a:lnR w="12700" cap="flat" cmpd="sng" algn="ctr">
+                      <a:solidFill>
+                        <a:schemeClr val="tx1"/>
+                      </a:solidFill>
+                      <a:prstDash val="solid"/>
+                      <a:round/>
+                      <a:headEnd type="none" w="med" len="med"/>
+                      <a:tailEnd type="none" w="med" len="med"/>
+                    </a:lnR>
+                    <a:lnT w="12700" cap="flat" cmpd="sng" algn="ctr">
+                      <a:solidFill>
+                        <a:schemeClr val="tx1"/>
+                      </a:solidFill>
+                      <a:prstDash val="solid"/>
+                      <a:round/>
+                      <a:headEnd type="none" w="med" len="med"/>
+                      <a:tailEnd type="none" w="med" len="med"/>
+                    </a:lnT>
+                    <a:lnB w="12700" cap="flat" cmpd="sng" algn="ctr">
+                      <a:solidFill>
+                        <a:schemeClr val="tx1"/>
+                      </a:solidFill>
+                      <a:prstDash val="solid"/>
+                      <a:round/>
+                      <a:headEnd type="none" w="med" len="med"/>
+                      <a:tailEnd type="none" w="med" len="med"/>
+                    </a:lnB>
+                    <a:solidFill>
+                      <a:srgbClr val="FF0000">
+                        <a:alpha val="60000"/>
+                      </a:srgbClr>
+                    </a:solidFill>
+                  </a:tcPr>
+                </a:tc>
+                <a:tc>
+                  <a:txBody>
+                    <a:bodyPr/>
+                    <a:lstStyle/>
+                    <a:p>
+                      <a:endParaRPr lang="en-US" sz="2800" dirty="0">
+                        <a:latin typeface="Arial" panose="020B0604020202020204" pitchFamily="34" charset="0"/>
+                        <a:cs typeface="Arial" panose="020B0604020202020204" pitchFamily="34" charset="0"/>
+                      </a:endParaRPr>
+                    </a:p>
+                  </a:txBody>
+                  <a:tcPr anchor="ctr">
+                    <a:lnL w="12700" cap="flat" cmpd="sng" algn="ctr">
+                      <a:solidFill>
+                        <a:schemeClr val="tx1"/>
+                      </a:solidFill>
+                      <a:prstDash val="solid"/>
+                      <a:round/>
+                      <a:headEnd type="none" w="med" len="med"/>
+                      <a:tailEnd type="none" w="med" len="med"/>
+                    </a:lnL>
+                    <a:lnR w="12700" cap="flat" cmpd="sng" algn="ctr">
+                      <a:solidFill>
+                        <a:schemeClr val="tx1"/>
+                      </a:solidFill>
+                      <a:prstDash val="solid"/>
+                      <a:round/>
+                      <a:headEnd type="none" w="med" len="med"/>
+                      <a:tailEnd type="none" w="med" len="med"/>
+                    </a:lnR>
+                    <a:lnT w="12700" cap="flat" cmpd="sng" algn="ctr">
+                      <a:solidFill>
+                        <a:schemeClr val="tx1"/>
+                      </a:solidFill>
+                      <a:prstDash val="solid"/>
+                      <a:round/>
+                      <a:headEnd type="none" w="med" len="med"/>
+                      <a:tailEnd type="none" w="med" len="med"/>
+                    </a:lnT>
+                    <a:lnB w="12700" cap="flat" cmpd="sng" algn="ctr">
+                      <a:solidFill>
+                        <a:schemeClr val="tx1"/>
+                      </a:solidFill>
+                      <a:prstDash val="solid"/>
+                      <a:round/>
+                      <a:headEnd type="none" w="med" len="med"/>
+                      <a:tailEnd type="none" w="med" len="med"/>
+                    </a:lnB>
+                    <a:solidFill>
+                      <a:srgbClr val="FF0000">
+                        <a:alpha val="85000"/>
+                      </a:srgbClr>
+                    </a:solidFill>
+                  </a:tcPr>
+                </a:tc>
+                <a:extLst>
+                  <a:ext uri="{0D108BD9-81ED-4DB2-BD59-A6C34878D82A}">
+                    <a16:rowId xmlns:a16="http://schemas.microsoft.com/office/drawing/2014/main" val="3472813447"/>
+                  </a:ext>
+                </a:extLst>
+              </a:tr>
+              <a:tr h="1097280">
+                <a:tc>
+                  <a:txBody>
+                    <a:bodyPr/>
+                    <a:lstStyle/>
+                    <a:p>
+                      <a:endParaRPr lang="en-US" sz="2800" dirty="0">
+                        <a:latin typeface="Arial" panose="020B0604020202020204" pitchFamily="34" charset="0"/>
+                        <a:cs typeface="Arial" panose="020B0604020202020204" pitchFamily="34" charset="0"/>
+                      </a:endParaRPr>
+                    </a:p>
+                  </a:txBody>
+                  <a:tcPr anchor="ctr">
+                    <a:lnL w="12700" cap="flat" cmpd="sng" algn="ctr">
+                      <a:solidFill>
+                        <a:schemeClr val="tx1"/>
+                      </a:solidFill>
+                      <a:prstDash val="solid"/>
+                      <a:round/>
+                      <a:headEnd type="none" w="med" len="med"/>
+                      <a:tailEnd type="none" w="med" len="med"/>
+                    </a:lnL>
+                    <a:lnR w="12700" cap="flat" cmpd="sng" algn="ctr">
+                      <a:solidFill>
+                        <a:schemeClr val="tx1"/>
+                      </a:solidFill>
+                      <a:prstDash val="solid"/>
+                      <a:round/>
+                      <a:headEnd type="none" w="med" len="med"/>
+                      <a:tailEnd type="none" w="med" len="med"/>
+                    </a:lnR>
+                    <a:lnT w="12700" cap="flat" cmpd="sng" algn="ctr">
+                      <a:solidFill>
+                        <a:schemeClr val="tx1"/>
+                      </a:solidFill>
+                      <a:prstDash val="solid"/>
+                      <a:round/>
+                      <a:headEnd type="none" w="med" len="med"/>
+                      <a:tailEnd type="none" w="med" len="med"/>
+                    </a:lnT>
+                    <a:lnB w="12700" cap="flat" cmpd="sng" algn="ctr">
+                      <a:solidFill>
+                        <a:schemeClr val="tx1"/>
+                      </a:solidFill>
+                      <a:prstDash val="solid"/>
+                      <a:round/>
+                      <a:headEnd type="none" w="med" len="med"/>
+                      <a:tailEnd type="none" w="med" len="med"/>
+                    </a:lnB>
+                    <a:solidFill>
+                      <a:srgbClr val="FF0000">
+                        <a:alpha val="20000"/>
+                      </a:srgbClr>
+                    </a:solidFill>
+                  </a:tcPr>
+                </a:tc>
+                <a:tc>
+                  <a:txBody>
+                    <a:bodyPr/>
+                    <a:lstStyle/>
+                    <a:p>
+                      <a:endParaRPr lang="en-US" sz="2800" dirty="0">
+                        <a:latin typeface="Arial" panose="020B0604020202020204" pitchFamily="34" charset="0"/>
+                        <a:cs typeface="Arial" panose="020B0604020202020204" pitchFamily="34" charset="0"/>
+                      </a:endParaRPr>
+                    </a:p>
+                  </a:txBody>
+                  <a:tcPr anchor="ctr">
+                    <a:lnL w="12700" cap="flat" cmpd="sng" algn="ctr">
+                      <a:solidFill>
+                        <a:schemeClr val="tx1"/>
+                      </a:solidFill>
+                      <a:prstDash val="solid"/>
+                      <a:round/>
+                      <a:headEnd type="none" w="med" len="med"/>
+                      <a:tailEnd type="none" w="med" len="med"/>
+                    </a:lnL>
+                    <a:lnR w="12700" cap="flat" cmpd="sng" algn="ctr">
+                      <a:solidFill>
+                        <a:schemeClr val="tx1"/>
+                      </a:solidFill>
+                      <a:prstDash val="solid"/>
+                      <a:round/>
+                      <a:headEnd type="none" w="med" len="med"/>
+                      <a:tailEnd type="none" w="med" len="med"/>
+                    </a:lnR>
+                    <a:lnT w="12700" cap="flat" cmpd="sng" algn="ctr">
+                      <a:solidFill>
+                        <a:schemeClr val="tx1"/>
+                      </a:solidFill>
+                      <a:prstDash val="solid"/>
+                      <a:round/>
+                      <a:headEnd type="none" w="med" len="med"/>
+                      <a:tailEnd type="none" w="med" len="med"/>
+                    </a:lnT>
+                    <a:lnB w="12700" cap="flat" cmpd="sng" algn="ctr">
+                      <a:solidFill>
+                        <a:schemeClr val="tx1"/>
+                      </a:solidFill>
+                      <a:prstDash val="solid"/>
+                      <a:round/>
+                      <a:headEnd type="none" w="med" len="med"/>
+                      <a:tailEnd type="none" w="med" len="med"/>
+                    </a:lnB>
+                    <a:solidFill>
+                      <a:schemeClr val="accent4">
+                        <a:alpha val="40000"/>
+                      </a:schemeClr>
+                    </a:solidFill>
+                  </a:tcPr>
+                </a:tc>
+                <a:tc>
+                  <a:txBody>
+                    <a:bodyPr/>
+                    <a:lstStyle/>
+                    <a:p>
+                      <a:endParaRPr lang="en-US" sz="2800" dirty="0">
+                        <a:latin typeface="Arial" panose="020B0604020202020204" pitchFamily="34" charset="0"/>
+                        <a:cs typeface="Arial" panose="020B0604020202020204" pitchFamily="34" charset="0"/>
+                      </a:endParaRPr>
+                    </a:p>
+                  </a:txBody>
+                  <a:tcPr anchor="ctr">
+                    <a:lnL w="12700" cap="flat" cmpd="sng" algn="ctr">
+                      <a:solidFill>
+                        <a:schemeClr val="tx1"/>
+                      </a:solidFill>
+                      <a:prstDash val="solid"/>
+                      <a:round/>
+                      <a:headEnd type="none" w="med" len="med"/>
+                      <a:tailEnd type="none" w="med" len="med"/>
+                    </a:lnL>
+                    <a:lnR w="12700" cap="flat" cmpd="sng" algn="ctr">
+                      <a:solidFill>
+                        <a:schemeClr val="tx1"/>
+                      </a:solidFill>
+                      <a:prstDash val="solid"/>
+                      <a:round/>
+                      <a:headEnd type="none" w="med" len="med"/>
+                      <a:tailEnd type="none" w="med" len="med"/>
+                    </a:lnR>
+                    <a:lnT w="12700" cap="flat" cmpd="sng" algn="ctr">
+                      <a:solidFill>
+                        <a:schemeClr val="tx1"/>
+                      </a:solidFill>
+                      <a:prstDash val="solid"/>
+                      <a:round/>
+                      <a:headEnd type="none" w="med" len="med"/>
+                      <a:tailEnd type="none" w="med" len="med"/>
+                    </a:lnT>
+                    <a:lnB w="12700" cap="flat" cmpd="sng" algn="ctr">
+                      <a:solidFill>
+                        <a:schemeClr val="tx1"/>
+                      </a:solidFill>
+                      <a:prstDash val="solid"/>
+                      <a:round/>
+                      <a:headEnd type="none" w="med" len="med"/>
+                      <a:tailEnd type="none" w="med" len="med"/>
+                    </a:lnB>
+                    <a:solidFill>
+                      <a:schemeClr val="accent4">
+                        <a:alpha val="60000"/>
+                      </a:schemeClr>
+                    </a:solidFill>
+                  </a:tcPr>
+                </a:tc>
+                <a:tc>
+                  <a:txBody>
+                    <a:bodyPr/>
+                    <a:lstStyle/>
+                    <a:p>
+                      <a:endParaRPr lang="en-US" sz="2800" dirty="0">
+                        <a:latin typeface="Arial" panose="020B0604020202020204" pitchFamily="34" charset="0"/>
+                        <a:cs typeface="Arial" panose="020B0604020202020204" pitchFamily="34" charset="0"/>
+                      </a:endParaRPr>
+                    </a:p>
+                  </a:txBody>
+                  <a:tcPr anchor="ctr">
+                    <a:lnL w="12700" cap="flat" cmpd="sng" algn="ctr">
+                      <a:solidFill>
+                        <a:schemeClr val="tx1"/>
+                      </a:solidFill>
+                      <a:prstDash val="solid"/>
+                      <a:round/>
+                      <a:headEnd type="none" w="med" len="med"/>
+                      <a:tailEnd type="none" w="med" len="med"/>
+                    </a:lnL>
+                    <a:lnR w="12700" cap="flat" cmpd="sng" algn="ctr">
+                      <a:solidFill>
+                        <a:schemeClr val="tx1"/>
+                      </a:solidFill>
+                      <a:prstDash val="solid"/>
+                      <a:round/>
+                      <a:headEnd type="none" w="med" len="med"/>
+                      <a:tailEnd type="none" w="med" len="med"/>
+                    </a:lnR>
+                    <a:lnT w="12700" cap="flat" cmpd="sng" algn="ctr">
+                      <a:solidFill>
+                        <a:schemeClr val="tx1"/>
+                      </a:solidFill>
+                      <a:prstDash val="solid"/>
+                      <a:round/>
+                      <a:headEnd type="none" w="med" len="med"/>
+                      <a:tailEnd type="none" w="med" len="med"/>
+                    </a:lnT>
+                    <a:lnB w="12700" cap="flat" cmpd="sng" algn="ctr">
+                      <a:solidFill>
+                        <a:schemeClr val="tx1"/>
+                      </a:solidFill>
+                      <a:prstDash val="solid"/>
+                      <a:round/>
+                      <a:headEnd type="none" w="med" len="med"/>
+                      <a:tailEnd type="none" w="med" len="med"/>
+                    </a:lnB>
+                    <a:solidFill>
+                      <a:schemeClr val="accent4">
+                        <a:alpha val="85000"/>
+                      </a:schemeClr>
+                    </a:solidFill>
+                  </a:tcPr>
+                </a:tc>
+                <a:extLst>
+                  <a:ext uri="{0D108BD9-81ED-4DB2-BD59-A6C34878D82A}">
+                    <a16:rowId xmlns:a16="http://schemas.microsoft.com/office/drawing/2014/main" val="1137572807"/>
+                  </a:ext>
+                </a:extLst>
+              </a:tr>
+              <a:tr h="1097280">
+                <a:tc>
+                  <a:txBody>
+                    <a:bodyPr/>
+                    <a:lstStyle/>
+                    <a:p>
+                      <a:endParaRPr lang="en-US" sz="2800" dirty="0">
+                        <a:latin typeface="Arial" panose="020B0604020202020204" pitchFamily="34" charset="0"/>
+                        <a:cs typeface="Arial" panose="020B0604020202020204" pitchFamily="34" charset="0"/>
+                      </a:endParaRPr>
+                    </a:p>
+                  </a:txBody>
+                  <a:tcPr anchor="ctr">
+                    <a:lnL w="12700" cap="flat" cmpd="sng" algn="ctr">
+                      <a:solidFill>
+                        <a:schemeClr val="tx1"/>
+                      </a:solidFill>
+                      <a:prstDash val="solid"/>
+                      <a:round/>
+                      <a:headEnd type="none" w="med" len="med"/>
+                      <a:tailEnd type="none" w="med" len="med"/>
+                    </a:lnL>
+                    <a:lnR w="12700" cap="flat" cmpd="sng" algn="ctr">
+                      <a:solidFill>
+                        <a:schemeClr val="tx1"/>
+                      </a:solidFill>
+                      <a:prstDash val="solid"/>
+                      <a:round/>
+                      <a:headEnd type="none" w="med" len="med"/>
+                      <a:tailEnd type="none" w="med" len="med"/>
+                    </a:lnR>
+                    <a:lnT w="12700" cap="flat" cmpd="sng" algn="ctr">
+                      <a:solidFill>
+                        <a:schemeClr val="tx1"/>
+                      </a:solidFill>
+                      <a:prstDash val="solid"/>
+                      <a:round/>
+                      <a:headEnd type="none" w="med" len="med"/>
+                      <a:tailEnd type="none" w="med" len="med"/>
+                    </a:lnT>
+                    <a:lnB w="12700" cap="flat" cmpd="sng" algn="ctr">
+                      <a:solidFill>
+                        <a:schemeClr val="tx1"/>
+                      </a:solidFill>
+                      <a:prstDash val="solid"/>
+                      <a:round/>
+                      <a:headEnd type="none" w="med" len="med"/>
+                      <a:tailEnd type="none" w="med" len="med"/>
+                    </a:lnB>
+                    <a:solidFill>
+                      <a:srgbClr val="00B0F0">
+                        <a:alpha val="20000"/>
+                      </a:srgbClr>
+                    </a:solidFill>
+                  </a:tcPr>
+                </a:tc>
+                <a:tc>
+                  <a:txBody>
+                    <a:bodyPr/>
+                    <a:lstStyle/>
+                    <a:p>
+                      <a:endParaRPr lang="en-US" sz="2800" dirty="0">
+                        <a:latin typeface="Arial" panose="020B0604020202020204" pitchFamily="34" charset="0"/>
+                        <a:cs typeface="Arial" panose="020B0604020202020204" pitchFamily="34" charset="0"/>
+                      </a:endParaRPr>
+                    </a:p>
+                  </a:txBody>
+                  <a:tcPr anchor="ctr">
+                    <a:lnL w="12700" cap="flat" cmpd="sng" algn="ctr">
+                      <a:solidFill>
+                        <a:schemeClr val="tx1"/>
+                      </a:solidFill>
+                      <a:prstDash val="solid"/>
+                      <a:round/>
+                      <a:headEnd type="none" w="med" len="med"/>
+                      <a:tailEnd type="none" w="med" len="med"/>
+                    </a:lnL>
+                    <a:lnR w="12700" cap="flat" cmpd="sng" algn="ctr">
+                      <a:solidFill>
+                        <a:schemeClr val="tx1"/>
+                      </a:solidFill>
+                      <a:prstDash val="solid"/>
+                      <a:round/>
+                      <a:headEnd type="none" w="med" len="med"/>
+                      <a:tailEnd type="none" w="med" len="med"/>
+                    </a:lnR>
+                    <a:lnT w="12700" cap="flat" cmpd="sng" algn="ctr">
+                      <a:solidFill>
+                        <a:schemeClr val="tx1"/>
+                      </a:solidFill>
+                      <a:prstDash val="solid"/>
+                      <a:round/>
+                      <a:headEnd type="none" w="med" len="med"/>
+                      <a:tailEnd type="none" w="med" len="med"/>
+                    </a:lnT>
+                    <a:lnB w="12700" cap="flat" cmpd="sng" algn="ctr">
+                      <a:solidFill>
+                        <a:schemeClr val="tx1"/>
+                      </a:solidFill>
+                      <a:prstDash val="solid"/>
+                      <a:round/>
+                      <a:headEnd type="none" w="med" len="med"/>
+                      <a:tailEnd type="none" w="med" len="med"/>
+                    </a:lnB>
+                    <a:solidFill>
+                      <a:srgbClr val="00B0F0">
+                        <a:alpha val="40000"/>
+                      </a:srgbClr>
+                    </a:solidFill>
+                  </a:tcPr>
+                </a:tc>
+                <a:tc>
+                  <a:txBody>
+                    <a:bodyPr/>
+                    <a:lstStyle/>
+                    <a:p>
+                      <a:endParaRPr lang="en-US" sz="2800" dirty="0">
+                        <a:latin typeface="Arial" panose="020B0604020202020204" pitchFamily="34" charset="0"/>
+                        <a:cs typeface="Arial" panose="020B0604020202020204" pitchFamily="34" charset="0"/>
+                      </a:endParaRPr>
+                    </a:p>
+                  </a:txBody>
+                  <a:tcPr anchor="ctr">
+                    <a:lnL w="12700" cap="flat" cmpd="sng" algn="ctr">
+                      <a:solidFill>
+                        <a:schemeClr val="tx1"/>
+                      </a:solidFill>
+                      <a:prstDash val="solid"/>
+                      <a:round/>
+                      <a:headEnd type="none" w="med" len="med"/>
+                      <a:tailEnd type="none" w="med" len="med"/>
+                    </a:lnL>
+                    <a:lnR w="12700" cap="flat" cmpd="sng" algn="ctr">
+                      <a:solidFill>
+                        <a:schemeClr val="tx1"/>
+                      </a:solidFill>
+                      <a:prstDash val="solid"/>
+                      <a:round/>
+                      <a:headEnd type="none" w="med" len="med"/>
+                      <a:tailEnd type="none" w="med" len="med"/>
+                    </a:lnR>
+                    <a:lnT w="12700" cap="flat" cmpd="sng" algn="ctr">
+                      <a:solidFill>
+                        <a:schemeClr val="tx1"/>
+                      </a:solidFill>
+                      <a:prstDash val="solid"/>
+                      <a:round/>
+                      <a:headEnd type="none" w="med" len="med"/>
+                      <a:tailEnd type="none" w="med" len="med"/>
+                    </a:lnT>
+                    <a:lnB w="12700" cap="flat" cmpd="sng" algn="ctr">
+                      <a:solidFill>
+                        <a:schemeClr val="tx1"/>
+                      </a:solidFill>
+                      <a:prstDash val="solid"/>
+                      <a:round/>
+                      <a:headEnd type="none" w="med" len="med"/>
+                      <a:tailEnd type="none" w="med" len="med"/>
+                    </a:lnB>
+                    <a:solidFill>
+                      <a:srgbClr val="00B0F0">
+                        <a:alpha val="60000"/>
+                      </a:srgbClr>
+                    </a:solidFill>
+                  </a:tcPr>
+                </a:tc>
+                <a:tc>
+                  <a:txBody>
+                    <a:bodyPr/>
+                    <a:lstStyle/>
+                    <a:p>
+                      <a:endParaRPr lang="en-US" sz="2800" dirty="0">
+                        <a:latin typeface="Arial" panose="020B0604020202020204" pitchFamily="34" charset="0"/>
+                        <a:cs typeface="Arial" panose="020B0604020202020204" pitchFamily="34" charset="0"/>
+                      </a:endParaRPr>
+                    </a:p>
+                  </a:txBody>
+                  <a:tcPr anchor="ctr">
+                    <a:lnL w="12700" cap="flat" cmpd="sng" algn="ctr">
+                      <a:solidFill>
+                        <a:schemeClr val="tx1"/>
+                      </a:solidFill>
+                      <a:prstDash val="solid"/>
+                      <a:round/>
+                      <a:headEnd type="none" w="med" len="med"/>
+                      <a:tailEnd type="none" w="med" len="med"/>
+                    </a:lnL>
+                    <a:lnR w="12700" cap="flat" cmpd="sng" algn="ctr">
+                      <a:solidFill>
+                        <a:schemeClr val="tx1"/>
+                      </a:solidFill>
+                      <a:prstDash val="solid"/>
+                      <a:round/>
+                      <a:headEnd type="none" w="med" len="med"/>
+                      <a:tailEnd type="none" w="med" len="med"/>
+                    </a:lnR>
+                    <a:lnT w="12700" cap="flat" cmpd="sng" algn="ctr">
+                      <a:solidFill>
+                        <a:schemeClr val="tx1"/>
+                      </a:solidFill>
+                      <a:prstDash val="solid"/>
+                      <a:round/>
+                      <a:headEnd type="none" w="med" len="med"/>
+                      <a:tailEnd type="none" w="med" len="med"/>
+                    </a:lnT>
+                    <a:lnB w="12700" cap="flat" cmpd="sng" algn="ctr">
+                      <a:solidFill>
+                        <a:schemeClr val="tx1"/>
+                      </a:solidFill>
+                      <a:prstDash val="solid"/>
+                      <a:round/>
+                      <a:headEnd type="none" w="med" len="med"/>
+                      <a:tailEnd type="none" w="med" len="med"/>
+                    </a:lnB>
+                    <a:solidFill>
+                      <a:srgbClr val="00B0F0">
+                        <a:alpha val="85000"/>
+                      </a:srgbClr>
+                    </a:solidFill>
+                  </a:tcPr>
+                </a:tc>
+                <a:extLst>
+                  <a:ext uri="{0D108BD9-81ED-4DB2-BD59-A6C34878D82A}">
+                    <a16:rowId xmlns:a16="http://schemas.microsoft.com/office/drawing/2014/main" val="2979995543"/>
+                  </a:ext>
+                </a:extLst>
+              </a:tr>
+              <a:tr h="1097280">
+                <a:tc>
+                  <a:txBody>
+                    <a:bodyPr/>
+                    <a:lstStyle/>
+                    <a:p>
+                      <a:endParaRPr lang="en-US" sz="2800" dirty="0">
+                        <a:latin typeface="Arial" panose="020B0604020202020204" pitchFamily="34" charset="0"/>
+                        <a:cs typeface="Arial" panose="020B0604020202020204" pitchFamily="34" charset="0"/>
+                      </a:endParaRPr>
+                    </a:p>
+                  </a:txBody>
+                  <a:tcPr anchor="ctr">
+                    <a:lnL w="12700" cap="flat" cmpd="sng" algn="ctr">
+                      <a:solidFill>
+                        <a:schemeClr val="tx1"/>
+                      </a:solidFill>
+                      <a:prstDash val="solid"/>
+                      <a:round/>
+                      <a:headEnd type="none" w="med" len="med"/>
+                      <a:tailEnd type="none" w="med" len="med"/>
+                    </a:lnL>
+                    <a:lnR w="12700" cap="flat" cmpd="sng" algn="ctr">
+                      <a:solidFill>
+                        <a:schemeClr val="tx1"/>
+                      </a:solidFill>
+                      <a:prstDash val="solid"/>
+                      <a:round/>
+                      <a:headEnd type="none" w="med" len="med"/>
+                      <a:tailEnd type="none" w="med" len="med"/>
+                    </a:lnR>
+                    <a:lnT w="12700" cap="flat" cmpd="sng" algn="ctr">
+                      <a:solidFill>
+                        <a:schemeClr val="tx1"/>
+                      </a:solidFill>
+                      <a:prstDash val="solid"/>
+                      <a:round/>
+                      <a:headEnd type="none" w="med" len="med"/>
+                      <a:tailEnd type="none" w="med" len="med"/>
+                    </a:lnT>
+                    <a:lnB w="12700" cap="flat" cmpd="sng" algn="ctr">
+                      <a:solidFill>
+                        <a:schemeClr val="tx1"/>
+                      </a:solidFill>
+                      <a:prstDash val="solid"/>
+                      <a:round/>
+                      <a:headEnd type="none" w="med" len="med"/>
+                      <a:tailEnd type="none" w="med" len="med"/>
+                    </a:lnB>
+                    <a:solidFill>
+                      <a:srgbClr val="7030A0">
+                        <a:alpha val="20000"/>
+                      </a:srgbClr>
+                    </a:solidFill>
+                  </a:tcPr>
+                </a:tc>
+                <a:tc>
+                  <a:txBody>
+                    <a:bodyPr/>
+                    <a:lstStyle/>
+                    <a:p>
+                      <a:endParaRPr lang="en-US" sz="2800" dirty="0">
+                        <a:latin typeface="Arial" panose="020B0604020202020204" pitchFamily="34" charset="0"/>
+                        <a:cs typeface="Arial" panose="020B0604020202020204" pitchFamily="34" charset="0"/>
+                      </a:endParaRPr>
+                    </a:p>
+                  </a:txBody>
+                  <a:tcPr anchor="ctr">
+                    <a:lnL w="12700" cap="flat" cmpd="sng" algn="ctr">
+                      <a:solidFill>
+                        <a:schemeClr val="tx1"/>
+                      </a:solidFill>
+                      <a:prstDash val="solid"/>
+                      <a:round/>
+                      <a:headEnd type="none" w="med" len="med"/>
+                      <a:tailEnd type="none" w="med" len="med"/>
+                    </a:lnL>
+                    <a:lnR w="12700" cap="flat" cmpd="sng" algn="ctr">
+                      <a:solidFill>
+                        <a:schemeClr val="tx1"/>
+                      </a:solidFill>
+                      <a:prstDash val="solid"/>
+                      <a:round/>
+                      <a:headEnd type="none" w="med" len="med"/>
+                      <a:tailEnd type="none" w="med" len="med"/>
+                    </a:lnR>
+                    <a:lnT w="12700" cap="flat" cmpd="sng" algn="ctr">
+                      <a:solidFill>
+                        <a:schemeClr val="tx1"/>
+                      </a:solidFill>
+                      <a:prstDash val="solid"/>
+                      <a:round/>
+                      <a:headEnd type="none" w="med" len="med"/>
+                      <a:tailEnd type="none" w="med" len="med"/>
+                    </a:lnT>
+                    <a:lnB w="12700" cap="flat" cmpd="sng" algn="ctr">
+                      <a:solidFill>
+                        <a:schemeClr val="tx1"/>
+                      </a:solidFill>
+                      <a:prstDash val="solid"/>
+                      <a:round/>
+                      <a:headEnd type="none" w="med" len="med"/>
+                      <a:tailEnd type="none" w="med" len="med"/>
+                    </a:lnB>
+                    <a:solidFill>
+                      <a:srgbClr val="7030A0">
+                        <a:alpha val="40000"/>
+                      </a:srgbClr>
+                    </a:solidFill>
+                  </a:tcPr>
+                </a:tc>
+                <a:tc>
+                  <a:txBody>
+                    <a:bodyPr/>
+                    <a:lstStyle/>
+                    <a:p>
+                      <a:endParaRPr lang="en-US" sz="2800" dirty="0">
+                        <a:latin typeface="Arial" panose="020B0604020202020204" pitchFamily="34" charset="0"/>
+                        <a:cs typeface="Arial" panose="020B0604020202020204" pitchFamily="34" charset="0"/>
+                      </a:endParaRPr>
+                    </a:p>
+                  </a:txBody>
+                  <a:tcPr anchor="ctr">
+                    <a:lnL w="12700" cap="flat" cmpd="sng" algn="ctr">
+                      <a:solidFill>
+                        <a:schemeClr val="tx1"/>
+                      </a:solidFill>
+                      <a:prstDash val="solid"/>
+                      <a:round/>
+                      <a:headEnd type="none" w="med" len="med"/>
+                      <a:tailEnd type="none" w="med" len="med"/>
+                    </a:lnL>
+                    <a:lnR w="12700" cap="flat" cmpd="sng" algn="ctr">
+                      <a:solidFill>
+                        <a:schemeClr val="tx1"/>
+                      </a:solidFill>
+                      <a:prstDash val="solid"/>
+                      <a:round/>
+                      <a:headEnd type="none" w="med" len="med"/>
+                      <a:tailEnd type="none" w="med" len="med"/>
+                    </a:lnR>
+                    <a:lnT w="12700" cap="flat" cmpd="sng" algn="ctr">
+                      <a:solidFill>
+                        <a:schemeClr val="tx1"/>
+                      </a:solidFill>
+                      <a:prstDash val="solid"/>
+                      <a:round/>
+                      <a:headEnd type="none" w="med" len="med"/>
+                      <a:tailEnd type="none" w="med" len="med"/>
+                    </a:lnT>
+                    <a:lnB w="12700" cap="flat" cmpd="sng" algn="ctr">
+                      <a:solidFill>
+                        <a:schemeClr val="tx1"/>
+                      </a:solidFill>
+                      <a:prstDash val="solid"/>
+                      <a:round/>
+                      <a:headEnd type="none" w="med" len="med"/>
+                      <a:tailEnd type="none" w="med" len="med"/>
+                    </a:lnB>
+                    <a:solidFill>
+                      <a:srgbClr val="7030A0">
+                        <a:alpha val="60000"/>
+                      </a:srgbClr>
+                    </a:solidFill>
+                  </a:tcPr>
+                </a:tc>
+                <a:tc>
+                  <a:txBody>
+                    <a:bodyPr/>
+                    <a:lstStyle/>
+                    <a:p>
+                      <a:endParaRPr lang="en-US" sz="2800" dirty="0">
+                        <a:latin typeface="Arial" panose="020B0604020202020204" pitchFamily="34" charset="0"/>
+                        <a:cs typeface="Arial" panose="020B0604020202020204" pitchFamily="34" charset="0"/>
+                      </a:endParaRPr>
+                    </a:p>
+                  </a:txBody>
+                  <a:tcPr anchor="ctr">
+                    <a:lnL w="12700" cap="flat" cmpd="sng" algn="ctr">
+                      <a:solidFill>
+                        <a:schemeClr val="tx1"/>
+                      </a:solidFill>
+                      <a:prstDash val="solid"/>
+                      <a:round/>
+                      <a:headEnd type="none" w="med" len="med"/>
+                      <a:tailEnd type="none" w="med" len="med"/>
+                    </a:lnL>
+                    <a:lnR w="12700" cap="flat" cmpd="sng" algn="ctr">
+                      <a:solidFill>
+                        <a:schemeClr val="tx1"/>
+                      </a:solidFill>
+                      <a:prstDash val="solid"/>
+                      <a:round/>
+                      <a:headEnd type="none" w="med" len="med"/>
+                      <a:tailEnd type="none" w="med" len="med"/>
+                    </a:lnR>
+                    <a:lnT w="12700" cap="flat" cmpd="sng" algn="ctr">
+                      <a:solidFill>
+                        <a:schemeClr val="tx1"/>
+                      </a:solidFill>
+                      <a:prstDash val="solid"/>
+                      <a:round/>
+                      <a:headEnd type="none" w="med" len="med"/>
+                      <a:tailEnd type="none" w="med" len="med"/>
+                    </a:lnT>
+                    <a:lnB w="12700" cap="flat" cmpd="sng" algn="ctr">
+                      <a:solidFill>
+                        <a:schemeClr val="tx1"/>
+                      </a:solidFill>
+                      <a:prstDash val="solid"/>
+                      <a:round/>
+                      <a:headEnd type="none" w="med" len="med"/>
+                      <a:tailEnd type="none" w="med" len="med"/>
+                    </a:lnB>
+                    <a:solidFill>
+                      <a:srgbClr val="7030A0">
+                        <a:alpha val="85000"/>
+                      </a:srgbClr>
+                    </a:solidFill>
+                  </a:tcPr>
+                </a:tc>
+                <a:extLst>
+                  <a:ext uri="{0D108BD9-81ED-4DB2-BD59-A6C34878D82A}">
+                    <a16:rowId xmlns:a16="http://schemas.microsoft.com/office/drawing/2014/main" val="3498302079"/>
+                  </a:ext>
+                </a:extLst>
+              </a:tr>
+            </a:tbl>
+          </a:graphicData>
+        </a:graphic>
+      </p:graphicFrame>
+      <p:graphicFrame>
+        <p:nvGraphicFramePr>
+          <p:cNvPr id="4" name="Table 3">
+            <a:extLst>
+              <a:ext uri="{FF2B5EF4-FFF2-40B4-BE49-F238E27FC236}">
+                <a16:creationId xmlns:a16="http://schemas.microsoft.com/office/drawing/2014/main" id="{D2EDCA3E-DFAF-4C34-B8BE-302BF7C40E8C}"/>
+              </a:ext>
+            </a:extLst>
+          </p:cNvPr>
+          <p:cNvGraphicFramePr>
+            <a:graphicFrameLocks noGrp="1"/>
+          </p:cNvGraphicFramePr>
+          <p:nvPr/>
+        </p:nvGraphicFramePr>
+        <p:xfrm>
+          <a:off x="818976" y="12729863"/>
+          <a:ext cx="3657600" cy="4389120"/>
+        </p:xfrm>
+        <a:graphic>
+          <a:graphicData uri="http://schemas.openxmlformats.org/drawingml/2006/table">
+            <a:tbl>
+              <a:tblPr firstRow="1" bandRow="1">
+                <a:tableStyleId>{2D5ABB26-0587-4C30-8999-92F81FD0307C}</a:tableStyleId>
+              </a:tblPr>
+              <a:tblGrid>
+                <a:gridCol w="1097280">
+                  <a:extLst>
+                    <a:ext uri="{9D8B030D-6E8A-4147-A177-3AD203B41FA5}">
+                      <a16:colId xmlns:a16="http://schemas.microsoft.com/office/drawing/2014/main" val="2105664490"/>
+                    </a:ext>
+                  </a:extLst>
+                </a:gridCol>
+                <a:gridCol w="2560320">
+                  <a:extLst>
+                    <a:ext uri="{9D8B030D-6E8A-4147-A177-3AD203B41FA5}">
+                      <a16:colId xmlns:a16="http://schemas.microsoft.com/office/drawing/2014/main" val="3184315293"/>
+                    </a:ext>
+                  </a:extLst>
+                </a:gridCol>
+              </a:tblGrid>
+              <a:tr h="1097280">
+                <a:tc>
+                  <a:txBody>
+                    <a:bodyPr/>
+                    <a:lstStyle/>
+                    <a:p>
+                      <a:endParaRPr lang="en-US" sz="2800" dirty="0">
+                        <a:latin typeface="Arial" panose="020B0604020202020204" pitchFamily="34" charset="0"/>
+                        <a:cs typeface="Arial" panose="020B0604020202020204" pitchFamily="34" charset="0"/>
+                      </a:endParaRPr>
+                    </a:p>
+                  </a:txBody>
+                  <a:tcPr anchor="ctr">
+                    <a:lnL w="12700" cap="flat" cmpd="sng" algn="ctr">
+                      <a:solidFill>
+                        <a:schemeClr val="tx1"/>
+                      </a:solidFill>
+                      <a:prstDash val="solid"/>
+                      <a:round/>
+                      <a:headEnd type="none" w="med" len="med"/>
+                      <a:tailEnd type="none" w="med" len="med"/>
+                    </a:lnL>
+                    <a:lnR w="12700" cap="flat" cmpd="sng" algn="ctr">
+                      <a:solidFill>
+                        <a:schemeClr val="tx1"/>
+                      </a:solidFill>
+                      <a:prstDash val="solid"/>
+                      <a:round/>
+                      <a:headEnd type="none" w="med" len="med"/>
+                      <a:tailEnd type="none" w="med" len="med"/>
+                    </a:lnR>
+                    <a:lnT w="12700" cap="flat" cmpd="sng" algn="ctr">
+                      <a:solidFill>
+                        <a:schemeClr val="tx1"/>
+                      </a:solidFill>
+                      <a:prstDash val="solid"/>
+                      <a:round/>
+                      <a:headEnd type="none" w="med" len="med"/>
+                      <a:tailEnd type="none" w="med" len="med"/>
+                    </a:lnT>
+                    <a:lnB w="12700" cap="flat" cmpd="sng" algn="ctr">
+                      <a:solidFill>
+                        <a:schemeClr val="tx1"/>
+                      </a:solidFill>
+                      <a:prstDash val="solid"/>
+                      <a:round/>
+                      <a:headEnd type="none" w="med" len="med"/>
+                      <a:tailEnd type="none" w="med" len="med"/>
+                    </a:lnB>
+                    <a:solidFill>
+                      <a:srgbClr val="C9E552"/>
+                    </a:solidFill>
+                  </a:tcPr>
+                </a:tc>
+                <a:tc>
+                  <a:txBody>
+                    <a:bodyPr/>
+                    <a:lstStyle/>
+                    <a:p>
+                      <a:pPr algn="l"/>
+                      <a:r>
+                        <a:rPr lang="en-US" sz="2800" dirty="0">
+                          <a:latin typeface="Arial" panose="020B0604020202020204" pitchFamily="34" charset="0"/>
+                          <a:cs typeface="Arial" panose="020B0604020202020204" pitchFamily="34" charset="0"/>
+                        </a:rPr>
+                        <a:t> 1150 – 1475</a:t>
+                      </a:r>
+                    </a:p>
+                  </a:txBody>
+                  <a:tcPr anchor="ctr">
+                    <a:lnL w="12700" cap="flat" cmpd="sng" algn="ctr">
+                      <a:solidFill>
+                        <a:schemeClr val="tx1"/>
+                      </a:solidFill>
+                      <a:prstDash val="solid"/>
+                      <a:round/>
+                      <a:headEnd type="none" w="med" len="med"/>
+                      <a:tailEnd type="none" w="med" len="med"/>
+                    </a:lnL>
+                    <a:lnR w="12700" cap="flat" cmpd="sng" algn="ctr">
+                      <a:noFill/>
+                      <a:prstDash val="solid"/>
+                      <a:round/>
+                      <a:headEnd type="none" w="med" len="med"/>
+                      <a:tailEnd type="none" w="med" len="med"/>
+                    </a:lnR>
+                    <a:lnT w="12700" cap="flat" cmpd="sng" algn="ctr">
+                      <a:noFill/>
+                      <a:prstDash val="solid"/>
+                      <a:round/>
+                      <a:headEnd type="none" w="med" len="med"/>
+                      <a:tailEnd type="none" w="med" len="med"/>
+                    </a:lnT>
+                    <a:lnB w="12700" cap="flat" cmpd="sng" algn="ctr">
+                      <a:noFill/>
+                      <a:prstDash val="solid"/>
+                      <a:round/>
+                      <a:headEnd type="none" w="med" len="med"/>
+                      <a:tailEnd type="none" w="med" len="med"/>
+                    </a:lnB>
+                    <a:lnTlToBr w="12700" cmpd="sng">
+                      <a:noFill/>
+                      <a:prstDash val="solid"/>
+                    </a:lnTlToBr>
+                    <a:lnBlToTr w="12700" cmpd="sng">
+                      <a:noFill/>
+                      <a:prstDash val="solid"/>
+                    </a:lnBlToTr>
+                    <a:noFill/>
+                  </a:tcPr>
+                </a:tc>
+                <a:extLst>
+                  <a:ext uri="{0D108BD9-81ED-4DB2-BD59-A6C34878D82A}">
+                    <a16:rowId xmlns:a16="http://schemas.microsoft.com/office/drawing/2014/main" val="885878007"/>
+                  </a:ext>
+                </a:extLst>
+              </a:tr>
+              <a:tr h="1097280">
+                <a:tc>
+                  <a:txBody>
+                    <a:bodyPr/>
+                    <a:lstStyle/>
+                    <a:p>
+                      <a:endParaRPr lang="en-US" sz="2800" dirty="0">
+                        <a:latin typeface="Arial" panose="020B0604020202020204" pitchFamily="34" charset="0"/>
+                        <a:cs typeface="Arial" panose="020B0604020202020204" pitchFamily="34" charset="0"/>
+                      </a:endParaRPr>
+                    </a:p>
+                  </a:txBody>
+                  <a:tcPr anchor="ctr">
+                    <a:lnL w="12700" cap="flat" cmpd="sng" algn="ctr">
+                      <a:solidFill>
+                        <a:schemeClr val="tx1"/>
+                      </a:solidFill>
+                      <a:prstDash val="solid"/>
+                      <a:round/>
+                      <a:headEnd type="none" w="med" len="med"/>
+                      <a:tailEnd type="none" w="med" len="med"/>
+                    </a:lnL>
+                    <a:lnR w="12700" cap="flat" cmpd="sng" algn="ctr">
+                      <a:solidFill>
+                        <a:schemeClr val="tx1"/>
+                      </a:solidFill>
+                      <a:prstDash val="solid"/>
+                      <a:round/>
+                      <a:headEnd type="none" w="med" len="med"/>
+                      <a:tailEnd type="none" w="med" len="med"/>
+                    </a:lnR>
+                    <a:lnT w="12700" cap="flat" cmpd="sng" algn="ctr">
+                      <a:solidFill>
+                        <a:schemeClr val="tx1"/>
+                      </a:solidFill>
+                      <a:prstDash val="solid"/>
+                      <a:round/>
+                      <a:headEnd type="none" w="med" len="med"/>
+                      <a:tailEnd type="none" w="med" len="med"/>
+                    </a:lnT>
+                    <a:lnB w="12700" cap="flat" cmpd="sng" algn="ctr">
+                      <a:solidFill>
+                        <a:schemeClr val="tx1"/>
+                      </a:solidFill>
+                      <a:prstDash val="solid"/>
+                      <a:round/>
+                      <a:headEnd type="none" w="med" len="med"/>
+                      <a:tailEnd type="none" w="med" len="med"/>
+                    </a:lnB>
+                    <a:solidFill>
+                      <a:srgbClr val="4EB99D"/>
+                    </a:solidFill>
+                  </a:tcPr>
+                </a:tc>
+                <a:tc>
+                  <a:txBody>
+                    <a:bodyPr/>
+                    <a:lstStyle/>
+                    <a:p>
+                      <a:pPr marL="0" marR="0" lvl="0" indent="0" algn="l" defTabSz="1097280" rtl="0" eaLnBrk="1" fontAlgn="auto" latinLnBrk="0" hangingPunct="1">
+                        <a:lnSpc>
+                          <a:spcPct val="100000"/>
+                        </a:lnSpc>
+                        <a:spcBef>
+                          <a:spcPts val="0"/>
+                        </a:spcBef>
+                        <a:spcAft>
+                          <a:spcPts val="0"/>
+                        </a:spcAft>
+                        <a:buClrTx/>
+                        <a:buSzTx/>
+                        <a:buFontTx/>
+                        <a:buNone/>
+                        <a:tabLst/>
+                        <a:defRPr/>
+                      </a:pPr>
+                      <a:r>
+                        <a:rPr lang="en-US" sz="2800" dirty="0">
+                          <a:latin typeface="Arial" panose="020B0604020202020204" pitchFamily="34" charset="0"/>
+                          <a:cs typeface="Arial" panose="020B0604020202020204" pitchFamily="34" charset="0"/>
+                        </a:rPr>
+                        <a:t> 825 – 1150</a:t>
+                      </a:r>
+                      <a:endParaRPr lang="en-US" sz="2800" i="1" dirty="0">
+                        <a:latin typeface="Arial" panose="020B0604020202020204" pitchFamily="34" charset="0"/>
+                        <a:cs typeface="Arial" panose="020B0604020202020204" pitchFamily="34" charset="0"/>
+                      </a:endParaRPr>
+                    </a:p>
+                  </a:txBody>
+                  <a:tcPr anchor="ctr">
+                    <a:lnL w="12700" cap="flat" cmpd="sng" algn="ctr">
+                      <a:solidFill>
+                        <a:schemeClr val="tx1"/>
+                      </a:solidFill>
+                      <a:prstDash val="solid"/>
+                      <a:round/>
+                      <a:headEnd type="none" w="med" len="med"/>
+                      <a:tailEnd type="none" w="med" len="med"/>
+                    </a:lnL>
+                    <a:lnR w="12700" cap="flat" cmpd="sng" algn="ctr">
+                      <a:noFill/>
+                      <a:prstDash val="solid"/>
+                      <a:round/>
+                      <a:headEnd type="none" w="med" len="med"/>
+                      <a:tailEnd type="none" w="med" len="med"/>
+                    </a:lnR>
+                    <a:lnT w="12700" cap="flat" cmpd="sng" algn="ctr">
+                      <a:noFill/>
+                      <a:prstDash val="solid"/>
+                      <a:round/>
+                      <a:headEnd type="none" w="med" len="med"/>
+                      <a:tailEnd type="none" w="med" len="med"/>
+                    </a:lnT>
+                    <a:lnB w="12700" cap="flat" cmpd="sng" algn="ctr">
+                      <a:noFill/>
+                      <a:prstDash val="solid"/>
+                      <a:round/>
+                      <a:headEnd type="none" w="med" len="med"/>
+                      <a:tailEnd type="none" w="med" len="med"/>
+                    </a:lnB>
+                    <a:lnTlToBr w="12700" cmpd="sng">
+                      <a:noFill/>
+                      <a:prstDash val="solid"/>
+                    </a:lnTlToBr>
+                    <a:lnBlToTr w="12700" cmpd="sng">
+                      <a:noFill/>
+                      <a:prstDash val="solid"/>
+                    </a:lnBlToTr>
+                    <a:noFill/>
+                  </a:tcPr>
+                </a:tc>
+                <a:extLst>
+                  <a:ext uri="{0D108BD9-81ED-4DB2-BD59-A6C34878D82A}">
+                    <a16:rowId xmlns:a16="http://schemas.microsoft.com/office/drawing/2014/main" val="2619662295"/>
+                  </a:ext>
+                </a:extLst>
+              </a:tr>
+              <a:tr h="1097280">
+                <a:tc>
+                  <a:txBody>
+                    <a:bodyPr/>
+                    <a:lstStyle/>
+                    <a:p>
+                      <a:endParaRPr lang="en-US" sz="2800" dirty="0">
+                        <a:latin typeface="Arial" panose="020B0604020202020204" pitchFamily="34" charset="0"/>
+                        <a:cs typeface="Arial" panose="020B0604020202020204" pitchFamily="34" charset="0"/>
+                      </a:endParaRPr>
+                    </a:p>
+                  </a:txBody>
+                  <a:tcPr anchor="ctr">
+                    <a:lnL w="12700" cap="flat" cmpd="sng" algn="ctr">
+                      <a:solidFill>
+                        <a:schemeClr val="tx1"/>
+                      </a:solidFill>
+                      <a:prstDash val="solid"/>
+                      <a:round/>
+                      <a:headEnd type="none" w="med" len="med"/>
+                      <a:tailEnd type="none" w="med" len="med"/>
+                    </a:lnL>
+                    <a:lnR w="12700" cap="flat" cmpd="sng" algn="ctr">
+                      <a:solidFill>
+                        <a:schemeClr val="tx1"/>
+                      </a:solidFill>
+                      <a:prstDash val="solid"/>
+                      <a:round/>
+                      <a:headEnd type="none" w="med" len="med"/>
+                      <a:tailEnd type="none" w="med" len="med"/>
+                    </a:lnR>
+                    <a:lnT w="12700" cap="flat" cmpd="sng" algn="ctr">
+                      <a:solidFill>
+                        <a:schemeClr val="tx1"/>
+                      </a:solidFill>
+                      <a:prstDash val="solid"/>
+                      <a:round/>
+                      <a:headEnd type="none" w="med" len="med"/>
+                      <a:tailEnd type="none" w="med" len="med"/>
+                    </a:lnT>
+                    <a:lnB w="12700" cap="flat" cmpd="sng" algn="ctr">
+                      <a:solidFill>
+                        <a:schemeClr val="tx1"/>
+                      </a:solidFill>
+                      <a:prstDash val="solid"/>
+                      <a:round/>
+                      <a:headEnd type="none" w="med" len="med"/>
+                      <a:tailEnd type="none" w="med" len="med"/>
+                    </a:lnB>
+                    <a:solidFill>
+                      <a:srgbClr val="5D80A4"/>
+                    </a:solidFill>
+                  </a:tcPr>
+                </a:tc>
+                <a:tc>
+                  <a:txBody>
+                    <a:bodyPr/>
+                    <a:lstStyle/>
+                    <a:p>
+                      <a:pPr marL="0" marR="0" lvl="0" indent="0" algn="l" defTabSz="1097280" rtl="0" eaLnBrk="1" fontAlgn="auto" latinLnBrk="0" hangingPunct="1">
+                        <a:lnSpc>
+                          <a:spcPct val="100000"/>
+                        </a:lnSpc>
+                        <a:spcBef>
+                          <a:spcPts val="0"/>
+                        </a:spcBef>
+                        <a:spcAft>
+                          <a:spcPts val="0"/>
+                        </a:spcAft>
+                        <a:buClrTx/>
+                        <a:buSzTx/>
+                        <a:buFontTx/>
+                        <a:buNone/>
+                        <a:tabLst/>
+                        <a:defRPr/>
+                      </a:pPr>
+                      <a:r>
+                        <a:rPr lang="en-US" sz="2800" dirty="0">
+                          <a:latin typeface="Arial" panose="020B0604020202020204" pitchFamily="34" charset="0"/>
+                          <a:cs typeface="Arial" panose="020B0604020202020204" pitchFamily="34" charset="0"/>
+                        </a:rPr>
+                        <a:t> 500 – 825</a:t>
+                      </a:r>
+                      <a:endParaRPr lang="en-US" sz="2800" i="1" dirty="0">
+                        <a:latin typeface="Arial" panose="020B0604020202020204" pitchFamily="34" charset="0"/>
+                        <a:cs typeface="Arial" panose="020B0604020202020204" pitchFamily="34" charset="0"/>
+                      </a:endParaRPr>
+                    </a:p>
+                  </a:txBody>
+                  <a:tcPr anchor="ctr">
+                    <a:lnL w="12700" cap="flat" cmpd="sng" algn="ctr">
+                      <a:solidFill>
+                        <a:schemeClr val="tx1"/>
+                      </a:solidFill>
+                      <a:prstDash val="solid"/>
+                      <a:round/>
+                      <a:headEnd type="none" w="med" len="med"/>
+                      <a:tailEnd type="none" w="med" len="med"/>
+                    </a:lnL>
+                    <a:lnR w="12700" cap="flat" cmpd="sng" algn="ctr">
+                      <a:noFill/>
+                      <a:prstDash val="solid"/>
+                      <a:round/>
+                      <a:headEnd type="none" w="med" len="med"/>
+                      <a:tailEnd type="none" w="med" len="med"/>
+                    </a:lnR>
+                    <a:lnT w="12700" cap="flat" cmpd="sng" algn="ctr">
+                      <a:noFill/>
+                      <a:prstDash val="solid"/>
+                      <a:round/>
+                      <a:headEnd type="none" w="med" len="med"/>
+                      <a:tailEnd type="none" w="med" len="med"/>
+                    </a:lnT>
+                    <a:lnB w="12700" cap="flat" cmpd="sng" algn="ctr">
+                      <a:noFill/>
+                      <a:prstDash val="solid"/>
+                      <a:round/>
+                      <a:headEnd type="none" w="med" len="med"/>
+                      <a:tailEnd type="none" w="med" len="med"/>
+                    </a:lnB>
+                    <a:lnTlToBr w="12700" cmpd="sng">
+                      <a:noFill/>
+                      <a:prstDash val="solid"/>
+                    </a:lnTlToBr>
+                    <a:lnBlToTr w="12700" cmpd="sng">
+                      <a:noFill/>
+                      <a:prstDash val="solid"/>
+                    </a:lnBlToTr>
+                    <a:noFill/>
+                  </a:tcPr>
+                </a:tc>
+                <a:extLst>
+                  <a:ext uri="{0D108BD9-81ED-4DB2-BD59-A6C34878D82A}">
+                    <a16:rowId xmlns:a16="http://schemas.microsoft.com/office/drawing/2014/main" val="3706373931"/>
+                  </a:ext>
+                </a:extLst>
+              </a:tr>
+              <a:tr h="1097280">
+                <a:tc>
+                  <a:txBody>
+                    <a:bodyPr/>
+                    <a:lstStyle/>
+                    <a:p>
+                      <a:endParaRPr lang="en-US" sz="2800" dirty="0">
+                        <a:latin typeface="Arial" panose="020B0604020202020204" pitchFamily="34" charset="0"/>
+                        <a:cs typeface="Arial" panose="020B0604020202020204" pitchFamily="34" charset="0"/>
+                      </a:endParaRPr>
+                    </a:p>
+                  </a:txBody>
+                  <a:tcPr anchor="ctr">
+                    <a:lnL w="12700" cap="flat" cmpd="sng" algn="ctr">
+                      <a:solidFill>
+                        <a:schemeClr val="tx1"/>
+                      </a:solidFill>
+                      <a:prstDash val="solid"/>
+                      <a:round/>
+                      <a:headEnd type="none" w="med" len="med"/>
+                      <a:tailEnd type="none" w="med" len="med"/>
+                    </a:lnL>
+                    <a:lnR w="12700" cap="flat" cmpd="sng" algn="ctr">
+                      <a:solidFill>
+                        <a:schemeClr val="tx1"/>
+                      </a:solidFill>
+                      <a:prstDash val="solid"/>
+                      <a:round/>
+                      <a:headEnd type="none" w="med" len="med"/>
+                      <a:tailEnd type="none" w="med" len="med"/>
+                    </a:lnR>
+                    <a:lnT w="12700" cap="flat" cmpd="sng" algn="ctr">
+                      <a:solidFill>
+                        <a:schemeClr val="tx1"/>
+                      </a:solidFill>
+                      <a:prstDash val="solid"/>
+                      <a:round/>
+                      <a:headEnd type="none" w="med" len="med"/>
+                      <a:tailEnd type="none" w="med" len="med"/>
+                    </a:lnT>
+                    <a:lnB w="12700" cap="flat" cmpd="sng" algn="ctr">
+                      <a:solidFill>
+                        <a:schemeClr val="tx1"/>
+                      </a:solidFill>
+                      <a:prstDash val="solid"/>
+                      <a:round/>
+                      <a:headEnd type="none" w="med" len="med"/>
+                      <a:tailEnd type="none" w="med" len="med"/>
+                    </a:lnB>
+                    <a:solidFill>
+                      <a:srgbClr val="693476"/>
+                    </a:solidFill>
+                  </a:tcPr>
+                </a:tc>
+                <a:tc>
+                  <a:txBody>
+                    <a:bodyPr/>
+                    <a:lstStyle/>
+                    <a:p>
+                      <a:pPr algn="l"/>
+                      <a:r>
+                        <a:rPr lang="en-US" sz="2800" dirty="0">
+                          <a:latin typeface="Arial" panose="020B0604020202020204" pitchFamily="34" charset="0"/>
+                          <a:cs typeface="Arial" panose="020B0604020202020204" pitchFamily="34" charset="0"/>
+                        </a:rPr>
+                        <a:t> 175 – 500</a:t>
+                      </a:r>
+                    </a:p>
+                  </a:txBody>
+                  <a:tcPr anchor="ctr">
+                    <a:lnL w="12700" cap="flat" cmpd="sng" algn="ctr">
+                      <a:solidFill>
+                        <a:schemeClr val="tx1"/>
+                      </a:solidFill>
+                      <a:prstDash val="solid"/>
+                      <a:round/>
+                      <a:headEnd type="none" w="med" len="med"/>
+                      <a:tailEnd type="none" w="med" len="med"/>
+                    </a:lnL>
+                    <a:lnR w="12700" cap="flat" cmpd="sng" algn="ctr">
+                      <a:noFill/>
+                      <a:prstDash val="solid"/>
+                      <a:round/>
+                      <a:headEnd type="none" w="med" len="med"/>
+                      <a:tailEnd type="none" w="med" len="med"/>
+                    </a:lnR>
+                    <a:lnT w="12700" cap="flat" cmpd="sng" algn="ctr">
+                      <a:noFill/>
+                      <a:prstDash val="solid"/>
+                      <a:round/>
+                      <a:headEnd type="none" w="med" len="med"/>
+                      <a:tailEnd type="none" w="med" len="med"/>
+                    </a:lnT>
+                    <a:lnB w="12700" cap="flat" cmpd="sng" algn="ctr">
+                      <a:noFill/>
+                      <a:prstDash val="solid"/>
+                      <a:round/>
+                      <a:headEnd type="none" w="med" len="med"/>
+                      <a:tailEnd type="none" w="med" len="med"/>
+                    </a:lnB>
+                    <a:lnTlToBr w="12700" cmpd="sng">
+                      <a:noFill/>
+                      <a:prstDash val="solid"/>
+                    </a:lnTlToBr>
+                    <a:lnBlToTr w="12700" cmpd="sng">
+                      <a:noFill/>
+                      <a:prstDash val="solid"/>
+                    </a:lnBlToTr>
+                    <a:noFill/>
+                  </a:tcPr>
+                </a:tc>
+                <a:extLst>
+                  <a:ext uri="{0D108BD9-81ED-4DB2-BD59-A6C34878D82A}">
+                    <a16:rowId xmlns:a16="http://schemas.microsoft.com/office/drawing/2014/main" val="284509278"/>
+                  </a:ext>
+                </a:extLst>
+              </a:tr>
+            </a:tbl>
+          </a:graphicData>
+        </a:graphic>
+      </p:graphicFrame>
+      <p:grpSp>
+        <p:nvGrpSpPr>
+          <p:cNvPr id="75" name="Group 74">
+            <a:extLst>
+              <a:ext uri="{FF2B5EF4-FFF2-40B4-BE49-F238E27FC236}">
+                <a16:creationId xmlns:a16="http://schemas.microsoft.com/office/drawing/2014/main" id="{CAE1CD99-A125-438D-86C0-65EB5B301340}"/>
+              </a:ext>
+            </a:extLst>
+          </p:cNvPr>
+          <p:cNvGrpSpPr/>
+          <p:nvPr/>
+        </p:nvGrpSpPr>
+        <p:grpSpPr>
+          <a:xfrm>
+            <a:off x="848941" y="11847109"/>
+            <a:ext cx="3627637" cy="523348"/>
+            <a:chOff x="1126029" y="12621238"/>
+            <a:chExt cx="3627637" cy="523347"/>
+          </a:xfrm>
+        </p:grpSpPr>
+        <p:sp>
+          <p:nvSpPr>
+            <p:cNvPr id="7" name="TextBox 6">
+              <a:extLst>
+                <a:ext uri="{FF2B5EF4-FFF2-40B4-BE49-F238E27FC236}">
+                  <a16:creationId xmlns:a16="http://schemas.microsoft.com/office/drawing/2014/main" id="{B490BA0E-DF6C-4677-BE3F-529E08E68888}"/>
+                </a:ext>
+              </a:extLst>
+            </p:cNvPr>
+            <p:cNvSpPr txBox="1"/>
+            <p:nvPr/>
+          </p:nvSpPr>
+          <p:spPr>
+            <a:xfrm>
+              <a:off x="1693955" y="12621238"/>
+              <a:ext cx="3059711" cy="523347"/>
+            </a:xfrm>
+            <a:prstGeom prst="rect">
+              <a:avLst/>
+            </a:prstGeom>
+            <a:noFill/>
+          </p:spPr>
+          <p:txBody>
+            <a:bodyPr wrap="square" rtlCol="0">
+              <a:spAutoFit/>
+            </a:bodyPr>
+            <a:lstStyle/>
+            <a:p>
+              <a:pPr algn="ctr"/>
+              <a:r>
+                <a:rPr lang="en-US" sz="2801" dirty="0">
+                  <a:latin typeface="Arial" panose="020B0604020202020204" pitchFamily="34" charset="0"/>
+                  <a:cs typeface="Arial" panose="020B0604020202020204" pitchFamily="34" charset="0"/>
+                </a:rPr>
+                <a:t>AR6 CB (Gt CO2)</a:t>
+              </a:r>
+            </a:p>
+          </p:txBody>
+        </p:sp>
+        <p:sp>
+          <p:nvSpPr>
+            <p:cNvPr id="45" name="Flowchart: Process 44">
+              <a:extLst>
+                <a:ext uri="{FF2B5EF4-FFF2-40B4-BE49-F238E27FC236}">
+                  <a16:creationId xmlns:a16="http://schemas.microsoft.com/office/drawing/2014/main" id="{F77E526F-8C03-4254-A488-3EF640E08ECC}"/>
+                </a:ext>
+              </a:extLst>
+            </p:cNvPr>
+            <p:cNvSpPr/>
+            <p:nvPr/>
+          </p:nvSpPr>
+          <p:spPr>
+            <a:xfrm>
+              <a:off x="1126029" y="12699968"/>
+              <a:ext cx="365760" cy="365760"/>
+            </a:xfrm>
+            <a:prstGeom prst="flowChartProcess">
+              <a:avLst/>
+            </a:prstGeom>
+            <a:gradFill>
+              <a:gsLst>
+                <a:gs pos="0">
+                  <a:srgbClr val="C9E552"/>
+                </a:gs>
+                <a:gs pos="35000">
+                  <a:srgbClr val="4EB99D"/>
+                </a:gs>
+                <a:gs pos="66000">
+                  <a:srgbClr val="5D80A4"/>
+                </a:gs>
+                <a:gs pos="100000">
+                  <a:srgbClr val="693476"/>
+                </a:gs>
+              </a:gsLst>
+              <a:lin ang="5400000" scaled="1"/>
+            </a:gradFill>
+            <a:ln w="34925">
+              <a:solidFill>
+                <a:schemeClr val="tx1"/>
+              </a:solidFill>
+            </a:ln>
+          </p:spPr>
+          <p:style>
+            <a:lnRef idx="2">
+              <a:schemeClr val="accent1">
+                <a:shade val="50000"/>
+              </a:schemeClr>
+            </a:lnRef>
+            <a:fillRef idx="1">
+              <a:schemeClr val="accent1"/>
+            </a:fillRef>
+            <a:effectRef idx="0">
+              <a:schemeClr val="accent1"/>
+            </a:effectRef>
+            <a:fontRef idx="minor">
+              <a:schemeClr val="lt1"/>
+            </a:fontRef>
+          </p:style>
+          <p:txBody>
+            <a:bodyPr rtlCol="0" anchor="ctr"/>
+            <a:lstStyle/>
+            <a:p>
+              <a:pPr algn="ctr"/>
+              <a:endParaRPr lang="en-US" dirty="0"/>
+            </a:p>
+          </p:txBody>
+        </p:sp>
+      </p:grpSp>
+      <p:grpSp>
+        <p:nvGrpSpPr>
+          <p:cNvPr id="72" name="Group 71">
+            <a:extLst>
+              <a:ext uri="{FF2B5EF4-FFF2-40B4-BE49-F238E27FC236}">
+                <a16:creationId xmlns:a16="http://schemas.microsoft.com/office/drawing/2014/main" id="{CD25D59B-112F-4AAC-BF9B-8617070059C0}"/>
+              </a:ext>
+            </a:extLst>
+          </p:cNvPr>
+          <p:cNvGrpSpPr/>
+          <p:nvPr/>
+        </p:nvGrpSpPr>
+        <p:grpSpPr>
+          <a:xfrm>
+            <a:off x="3869678" y="17541155"/>
+            <a:ext cx="6631009" cy="1386171"/>
+            <a:chOff x="4723843" y="18259507"/>
+            <a:chExt cx="6631009" cy="1386172"/>
+          </a:xfrm>
+        </p:grpSpPr>
+        <p:grpSp>
+          <p:nvGrpSpPr>
+            <p:cNvPr id="71" name="Group 70">
+              <a:extLst>
+                <a:ext uri="{FF2B5EF4-FFF2-40B4-BE49-F238E27FC236}">
+                  <a16:creationId xmlns:a16="http://schemas.microsoft.com/office/drawing/2014/main" id="{15F0975B-33A7-44EE-A521-35FF5AEEA0F0}"/>
+                </a:ext>
+              </a:extLst>
+            </p:cNvPr>
+            <p:cNvGrpSpPr/>
+            <p:nvPr/>
+          </p:nvGrpSpPr>
+          <p:grpSpPr>
+            <a:xfrm>
+              <a:off x="4723843" y="18259507"/>
+              <a:ext cx="5443963" cy="538039"/>
+              <a:chOff x="4723843" y="18259507"/>
+              <a:chExt cx="5443963" cy="538039"/>
+            </a:xfrm>
+          </p:grpSpPr>
+          <p:sp>
+            <p:nvSpPr>
+              <p:cNvPr id="43" name="TextBox 42">
+                <a:extLst>
+                  <a:ext uri="{FF2B5EF4-FFF2-40B4-BE49-F238E27FC236}">
+                    <a16:creationId xmlns:a16="http://schemas.microsoft.com/office/drawing/2014/main" id="{160150F4-ACD0-43E4-A1A4-AA284B3D02F6}"/>
+                  </a:ext>
+                </a:extLst>
+              </p:cNvPr>
+              <p:cNvSpPr txBox="1"/>
+              <p:nvPr/>
+            </p:nvSpPr>
+            <p:spPr>
+              <a:xfrm rot="19945816">
+                <a:off x="4723843" y="18259507"/>
+                <a:ext cx="2103120" cy="538039"/>
+              </a:xfrm>
+              <a:prstGeom prst="rect">
+                <a:avLst/>
+              </a:prstGeom>
+              <a:noFill/>
+            </p:spPr>
+            <p:txBody>
+              <a:bodyPr wrap="square">
+                <a:spAutoFit/>
+              </a:bodyPr>
+              <a:lstStyle/>
+              <a:p>
+                <a:pPr algn="r"/>
+                <a:r>
+                  <a:rPr lang="en-US" sz="2801" b="1" dirty="0">
+                    <a:latin typeface="Arial" panose="020B0604020202020204" pitchFamily="34" charset="0"/>
+                    <a:cs typeface="Arial" panose="020B0604020202020204" pitchFamily="34" charset="0"/>
+                  </a:rPr>
+                  <a:t>No-LCP</a:t>
+                </a:r>
+              </a:p>
+            </p:txBody>
+          </p:sp>
+          <p:sp>
+            <p:nvSpPr>
+              <p:cNvPr id="60" name="TextBox 59">
+                <a:extLst>
+                  <a:ext uri="{FF2B5EF4-FFF2-40B4-BE49-F238E27FC236}">
+                    <a16:creationId xmlns:a16="http://schemas.microsoft.com/office/drawing/2014/main" id="{1EFDDACB-8EB9-4659-8671-636EE297C6F3}"/>
+                  </a:ext>
+                </a:extLst>
+              </p:cNvPr>
+              <p:cNvSpPr txBox="1"/>
+              <p:nvPr/>
+            </p:nvSpPr>
+            <p:spPr>
+              <a:xfrm rot="19945816">
+                <a:off x="5837457" y="18259507"/>
+                <a:ext cx="2103120" cy="538039"/>
+              </a:xfrm>
+              <a:prstGeom prst="rect">
+                <a:avLst/>
+              </a:prstGeom>
+              <a:noFill/>
+            </p:spPr>
+            <p:txBody>
+              <a:bodyPr wrap="square">
+                <a:spAutoFit/>
+              </a:bodyPr>
+              <a:lstStyle/>
+              <a:p>
+                <a:pPr algn="r"/>
+                <a:r>
+                  <a:rPr lang="en-US" sz="2801" b="1" dirty="0">
+                    <a:latin typeface="Arial" panose="020B0604020202020204" pitchFamily="34" charset="0"/>
+                    <a:cs typeface="Arial" panose="020B0604020202020204" pitchFamily="34" charset="0"/>
+                  </a:rPr>
+                  <a:t>10%-LCP</a:t>
+                </a:r>
+              </a:p>
+            </p:txBody>
+          </p:sp>
+          <p:sp>
+            <p:nvSpPr>
+              <p:cNvPr id="61" name="TextBox 60">
+                <a:extLst>
+                  <a:ext uri="{FF2B5EF4-FFF2-40B4-BE49-F238E27FC236}">
+                    <a16:creationId xmlns:a16="http://schemas.microsoft.com/office/drawing/2014/main" id="{332410F2-8F28-481F-84A1-3246EC29B0F5}"/>
+                  </a:ext>
+                </a:extLst>
+              </p:cNvPr>
+              <p:cNvSpPr txBox="1"/>
+              <p:nvPr/>
+            </p:nvSpPr>
+            <p:spPr>
+              <a:xfrm rot="19945816">
+                <a:off x="6951071" y="18259507"/>
+                <a:ext cx="2103120" cy="538039"/>
+              </a:xfrm>
+              <a:prstGeom prst="rect">
+                <a:avLst/>
+              </a:prstGeom>
+              <a:noFill/>
+            </p:spPr>
+            <p:txBody>
+              <a:bodyPr wrap="square">
+                <a:spAutoFit/>
+              </a:bodyPr>
+              <a:lstStyle/>
+              <a:p>
+                <a:pPr algn="r"/>
+                <a:r>
+                  <a:rPr lang="en-US" sz="2801" b="1" dirty="0">
+                    <a:latin typeface="Arial" panose="020B0604020202020204" pitchFamily="34" charset="0"/>
+                    <a:cs typeface="Arial" panose="020B0604020202020204" pitchFamily="34" charset="0"/>
+                  </a:rPr>
+                  <a:t>50%-LCP</a:t>
+                </a:r>
+              </a:p>
+            </p:txBody>
+          </p:sp>
+          <p:sp>
+            <p:nvSpPr>
+              <p:cNvPr id="62" name="TextBox 61">
+                <a:extLst>
+                  <a:ext uri="{FF2B5EF4-FFF2-40B4-BE49-F238E27FC236}">
+                    <a16:creationId xmlns:a16="http://schemas.microsoft.com/office/drawing/2014/main" id="{27C6E5D1-A531-41E2-8B83-6CC2ECABD2C0}"/>
+                  </a:ext>
+                </a:extLst>
+              </p:cNvPr>
+              <p:cNvSpPr txBox="1"/>
+              <p:nvPr/>
+            </p:nvSpPr>
+            <p:spPr>
+              <a:xfrm rot="19945816">
+                <a:off x="8064686" y="18259507"/>
+                <a:ext cx="2103120" cy="538039"/>
+              </a:xfrm>
+              <a:prstGeom prst="rect">
+                <a:avLst/>
+              </a:prstGeom>
+              <a:noFill/>
+            </p:spPr>
+            <p:txBody>
+              <a:bodyPr wrap="square">
+                <a:spAutoFit/>
+              </a:bodyPr>
+              <a:lstStyle/>
+              <a:p>
+                <a:pPr algn="r"/>
+                <a:r>
+                  <a:rPr lang="en-US" sz="2801" b="1" dirty="0">
+                    <a:latin typeface="Arial" panose="020B0604020202020204" pitchFamily="34" charset="0"/>
+                    <a:cs typeface="Arial" panose="020B0604020202020204" pitchFamily="34" charset="0"/>
+                  </a:rPr>
+                  <a:t>100%-LCP</a:t>
+                </a:r>
+              </a:p>
+            </p:txBody>
+          </p:sp>
+        </p:grpSp>
+        <p:sp>
+          <p:nvSpPr>
+            <p:cNvPr id="64" name="TextBox 63">
+              <a:extLst>
+                <a:ext uri="{FF2B5EF4-FFF2-40B4-BE49-F238E27FC236}">
+                  <a16:creationId xmlns:a16="http://schemas.microsoft.com/office/drawing/2014/main" id="{3E046D9A-5B0D-4A3F-96ED-CCBB8CE70034}"/>
+                </a:ext>
+              </a:extLst>
+            </p:cNvPr>
+            <p:cNvSpPr txBox="1"/>
+            <p:nvPr/>
+          </p:nvSpPr>
+          <p:spPr>
+            <a:xfrm>
+              <a:off x="4771172" y="19107640"/>
+              <a:ext cx="6583680" cy="538039"/>
+            </a:xfrm>
+            <a:prstGeom prst="rect">
+              <a:avLst/>
+            </a:prstGeom>
+            <a:noFill/>
+          </p:spPr>
+          <p:txBody>
+            <a:bodyPr wrap="square">
+              <a:spAutoFit/>
+            </a:bodyPr>
+            <a:lstStyle/>
+            <a:p>
+              <a:pPr algn="ctr"/>
+              <a:r>
+                <a:rPr lang="en-US" sz="2801" b="1" dirty="0">
+                  <a:latin typeface="Arial" panose="020B0604020202020204" pitchFamily="34" charset="0"/>
+                  <a:cs typeface="Arial" panose="020B0604020202020204" pitchFamily="34" charset="0"/>
+                </a:rPr>
+                <a:t>Land carbon pricing (LCP) strength</a:t>
+              </a:r>
+              <a:endParaRPr lang="en-US" sz="2801" b="1" i="1" dirty="0">
+                <a:latin typeface="Arial" panose="020B0604020202020204" pitchFamily="34" charset="0"/>
+                <a:cs typeface="Arial" panose="020B0604020202020204" pitchFamily="34" charset="0"/>
+              </a:endParaRPr>
+            </a:p>
+          </p:txBody>
+        </p:sp>
+      </p:grpSp>
+      <p:grpSp>
+        <p:nvGrpSpPr>
+          <p:cNvPr id="2" name="Group 1">
+            <a:extLst>
+              <a:ext uri="{FF2B5EF4-FFF2-40B4-BE49-F238E27FC236}">
+                <a16:creationId xmlns:a16="http://schemas.microsoft.com/office/drawing/2014/main" id="{DDFA502D-F9A4-4955-A909-C19FB6B2FE63}"/>
+              </a:ext>
+            </a:extLst>
+          </p:cNvPr>
+          <p:cNvGrpSpPr/>
+          <p:nvPr/>
+        </p:nvGrpSpPr>
+        <p:grpSpPr>
+          <a:xfrm>
+            <a:off x="5957028" y="4239912"/>
+            <a:ext cx="13076300" cy="2708219"/>
+            <a:chOff x="5957028" y="4116342"/>
+            <a:chExt cx="13076300" cy="2708219"/>
+          </a:xfrm>
+        </p:grpSpPr>
+        <p:sp>
+          <p:nvSpPr>
+            <p:cNvPr id="22" name="Oval 21">
+              <a:extLst>
+                <a:ext uri="{FF2B5EF4-FFF2-40B4-BE49-F238E27FC236}">
+                  <a16:creationId xmlns:a16="http://schemas.microsoft.com/office/drawing/2014/main" id="{A4E906A1-480A-4CCF-933F-353F23BF276C}"/>
+                </a:ext>
+              </a:extLst>
+            </p:cNvPr>
+            <p:cNvSpPr/>
+            <p:nvPr/>
+          </p:nvSpPr>
+          <p:spPr>
+            <a:xfrm>
+              <a:off x="18369556" y="6158656"/>
+              <a:ext cx="237744" cy="237744"/>
+            </a:xfrm>
+            <a:prstGeom prst="ellipse">
+              <a:avLst/>
+            </a:prstGeom>
+            <a:solidFill>
+              <a:srgbClr val="FF0000">
+                <a:alpha val="85000"/>
+              </a:srgbClr>
+            </a:solidFill>
+            <a:ln>
+              <a:solidFill>
+                <a:schemeClr val="tx1"/>
+              </a:solidFill>
+            </a:ln>
+          </p:spPr>
+          <p:style>
+            <a:lnRef idx="2">
+              <a:schemeClr val="accent1">
+                <a:shade val="50000"/>
+              </a:schemeClr>
+            </a:lnRef>
+            <a:fillRef idx="1">
+              <a:schemeClr val="accent1"/>
+            </a:fillRef>
+            <a:effectRef idx="0">
+              <a:schemeClr val="accent1"/>
+            </a:effectRef>
+            <a:fontRef idx="minor">
+              <a:schemeClr val="lt1"/>
+            </a:fontRef>
+          </p:style>
+          <p:txBody>
+            <a:bodyPr rtlCol="0" anchor="ctr"/>
+            <a:lstStyle/>
+            <a:p>
+              <a:pPr algn="ctr"/>
+              <a:endParaRPr lang="en-US"/>
+            </a:p>
+          </p:txBody>
+        </p:sp>
+        <p:sp>
+          <p:nvSpPr>
+            <p:cNvPr id="23" name="Oval 22">
+              <a:extLst>
+                <a:ext uri="{FF2B5EF4-FFF2-40B4-BE49-F238E27FC236}">
+                  <a16:creationId xmlns:a16="http://schemas.microsoft.com/office/drawing/2014/main" id="{3E900DD7-AE22-49A6-AA6B-992196873EC7}"/>
+                </a:ext>
+              </a:extLst>
+            </p:cNvPr>
+            <p:cNvSpPr/>
+            <p:nvPr/>
+          </p:nvSpPr>
+          <p:spPr>
+            <a:xfrm>
+              <a:off x="18795584" y="6586817"/>
+              <a:ext cx="237744" cy="237744"/>
+            </a:xfrm>
+            <a:prstGeom prst="ellipse">
+              <a:avLst/>
+            </a:prstGeom>
+            <a:solidFill>
+              <a:srgbClr val="00B0F0">
+                <a:alpha val="85000"/>
+              </a:srgbClr>
+            </a:solidFill>
+            <a:ln>
+              <a:solidFill>
+                <a:schemeClr val="tx1"/>
+              </a:solidFill>
+            </a:ln>
+          </p:spPr>
+          <p:style>
+            <a:lnRef idx="2">
+              <a:schemeClr val="accent1">
+                <a:shade val="50000"/>
+              </a:schemeClr>
+            </a:lnRef>
+            <a:fillRef idx="1">
+              <a:schemeClr val="accent1"/>
+            </a:fillRef>
+            <a:effectRef idx="0">
+              <a:schemeClr val="accent1"/>
+            </a:effectRef>
+            <a:fontRef idx="minor">
+              <a:schemeClr val="lt1"/>
+            </a:fontRef>
+          </p:style>
+          <p:txBody>
+            <a:bodyPr rtlCol="0" anchor="ctr"/>
+            <a:lstStyle/>
+            <a:p>
+              <a:pPr algn="ctr"/>
+              <a:endParaRPr lang="en-US"/>
+            </a:p>
+          </p:txBody>
+        </p:sp>
+        <p:sp>
+          <p:nvSpPr>
+            <p:cNvPr id="24" name="Oval 23">
+              <a:extLst>
+                <a:ext uri="{FF2B5EF4-FFF2-40B4-BE49-F238E27FC236}">
+                  <a16:creationId xmlns:a16="http://schemas.microsoft.com/office/drawing/2014/main" id="{84265339-37E4-4D20-86D8-F297C22BA70C}"/>
+                </a:ext>
+              </a:extLst>
+            </p:cNvPr>
+            <p:cNvSpPr/>
+            <p:nvPr/>
+          </p:nvSpPr>
+          <p:spPr>
+            <a:xfrm>
+              <a:off x="18734350" y="6503066"/>
+              <a:ext cx="237744" cy="237744"/>
+            </a:xfrm>
+            <a:prstGeom prst="ellipse">
+              <a:avLst/>
+            </a:prstGeom>
+            <a:solidFill>
+              <a:schemeClr val="accent4">
+                <a:alpha val="85000"/>
+              </a:schemeClr>
+            </a:solidFill>
+            <a:ln>
+              <a:solidFill>
+                <a:schemeClr val="tx1"/>
+              </a:solidFill>
+            </a:ln>
+          </p:spPr>
+          <p:style>
+            <a:lnRef idx="2">
+              <a:schemeClr val="accent1">
+                <a:shade val="50000"/>
+              </a:schemeClr>
+            </a:lnRef>
+            <a:fillRef idx="1">
+              <a:schemeClr val="accent1"/>
+            </a:fillRef>
+            <a:effectRef idx="0">
+              <a:schemeClr val="accent1"/>
+            </a:effectRef>
+            <a:fontRef idx="minor">
+              <a:schemeClr val="lt1"/>
+            </a:fontRef>
+          </p:style>
+          <p:txBody>
+            <a:bodyPr rtlCol="0" anchor="ctr"/>
+            <a:lstStyle/>
+            <a:p>
+              <a:pPr algn="ctr"/>
+              <a:endParaRPr lang="en-US"/>
+            </a:p>
+          </p:txBody>
+        </p:sp>
+        <p:sp>
+          <p:nvSpPr>
+            <p:cNvPr id="25" name="Oval 24">
+              <a:extLst>
+                <a:ext uri="{FF2B5EF4-FFF2-40B4-BE49-F238E27FC236}">
+                  <a16:creationId xmlns:a16="http://schemas.microsoft.com/office/drawing/2014/main" id="{A9DD5E20-8862-484D-85E9-7AD7B1A9EBC4}"/>
+                </a:ext>
+              </a:extLst>
+            </p:cNvPr>
+            <p:cNvSpPr/>
+            <p:nvPr/>
+          </p:nvSpPr>
+          <p:spPr>
+            <a:xfrm>
+              <a:off x="16269421" y="4116342"/>
+              <a:ext cx="237744" cy="237744"/>
+            </a:xfrm>
+            <a:prstGeom prst="ellipse">
+              <a:avLst/>
+            </a:prstGeom>
+            <a:solidFill>
+              <a:srgbClr val="FF0000">
+                <a:alpha val="20000"/>
+              </a:srgbClr>
+            </a:solidFill>
+            <a:ln>
+              <a:solidFill>
+                <a:schemeClr val="tx1"/>
+              </a:solidFill>
+            </a:ln>
+          </p:spPr>
+          <p:style>
+            <a:lnRef idx="2">
+              <a:schemeClr val="accent1">
+                <a:shade val="50000"/>
+              </a:schemeClr>
+            </a:lnRef>
+            <a:fillRef idx="1">
+              <a:schemeClr val="accent1"/>
+            </a:fillRef>
+            <a:effectRef idx="0">
+              <a:schemeClr val="accent1"/>
+            </a:effectRef>
+            <a:fontRef idx="minor">
+              <a:schemeClr val="lt1"/>
+            </a:fontRef>
+          </p:style>
+          <p:txBody>
+            <a:bodyPr rtlCol="0" anchor="ctr"/>
+            <a:lstStyle/>
+            <a:p>
+              <a:pPr algn="ctr"/>
+              <a:endParaRPr lang="en-US"/>
+            </a:p>
+          </p:txBody>
+        </p:sp>
+        <p:sp>
+          <p:nvSpPr>
+            <p:cNvPr id="26" name="Oval 25">
+              <a:extLst>
+                <a:ext uri="{FF2B5EF4-FFF2-40B4-BE49-F238E27FC236}">
+                  <a16:creationId xmlns:a16="http://schemas.microsoft.com/office/drawing/2014/main" id="{D54CA07E-C2AA-4F6D-890E-5C3DC352617C}"/>
+                </a:ext>
+              </a:extLst>
+            </p:cNvPr>
+            <p:cNvSpPr/>
+            <p:nvPr/>
+          </p:nvSpPr>
+          <p:spPr>
+            <a:xfrm>
+              <a:off x="16849795" y="4671940"/>
+              <a:ext cx="237744" cy="237744"/>
+            </a:xfrm>
+            <a:prstGeom prst="ellipse">
+              <a:avLst/>
+            </a:prstGeom>
+            <a:solidFill>
+              <a:srgbClr val="FF0000">
+                <a:alpha val="40000"/>
+              </a:srgbClr>
+            </a:solidFill>
+            <a:ln>
+              <a:solidFill>
+                <a:schemeClr val="tx1"/>
+              </a:solidFill>
+            </a:ln>
+          </p:spPr>
+          <p:style>
+            <a:lnRef idx="2">
+              <a:schemeClr val="accent1">
+                <a:shade val="50000"/>
+              </a:schemeClr>
+            </a:lnRef>
+            <a:fillRef idx="1">
+              <a:schemeClr val="accent1"/>
+            </a:fillRef>
+            <a:effectRef idx="0">
+              <a:schemeClr val="accent1"/>
+            </a:effectRef>
+            <a:fontRef idx="minor">
+              <a:schemeClr val="lt1"/>
+            </a:fontRef>
+          </p:style>
+          <p:txBody>
+            <a:bodyPr rtlCol="0" anchor="ctr"/>
+            <a:lstStyle/>
+            <a:p>
+              <a:pPr algn="ctr"/>
+              <a:endParaRPr lang="en-US"/>
+            </a:p>
+          </p:txBody>
+        </p:sp>
+        <p:sp>
+          <p:nvSpPr>
+            <p:cNvPr id="27" name="Oval 26">
+              <a:extLst>
+                <a:ext uri="{FF2B5EF4-FFF2-40B4-BE49-F238E27FC236}">
+                  <a16:creationId xmlns:a16="http://schemas.microsoft.com/office/drawing/2014/main" id="{6C5301C2-911B-44BB-9FB2-34AE12CB20AB}"/>
+                </a:ext>
+              </a:extLst>
+            </p:cNvPr>
+            <p:cNvSpPr/>
+            <p:nvPr/>
+          </p:nvSpPr>
+          <p:spPr>
+            <a:xfrm>
+              <a:off x="17843142" y="5640500"/>
+              <a:ext cx="237744" cy="237744"/>
+            </a:xfrm>
+            <a:prstGeom prst="ellipse">
+              <a:avLst/>
+            </a:prstGeom>
+            <a:solidFill>
+              <a:srgbClr val="FF0000">
+                <a:alpha val="60000"/>
+              </a:srgbClr>
+            </a:solidFill>
+            <a:ln>
+              <a:solidFill>
+                <a:schemeClr val="tx1"/>
+              </a:solidFill>
+            </a:ln>
+          </p:spPr>
+          <p:style>
+            <a:lnRef idx="2">
+              <a:schemeClr val="accent1">
+                <a:shade val="50000"/>
+              </a:schemeClr>
+            </a:lnRef>
+            <a:fillRef idx="1">
+              <a:schemeClr val="accent1"/>
+            </a:fillRef>
+            <a:effectRef idx="0">
+              <a:schemeClr val="accent1"/>
+            </a:effectRef>
+            <a:fontRef idx="minor">
+              <a:schemeClr val="lt1"/>
+            </a:fontRef>
+          </p:style>
+          <p:txBody>
+            <a:bodyPr rtlCol="0" anchor="ctr"/>
+            <a:lstStyle/>
+            <a:p>
+              <a:pPr algn="ctr"/>
+              <a:endParaRPr lang="en-US"/>
+            </a:p>
+          </p:txBody>
+        </p:sp>
+        <p:sp>
+          <p:nvSpPr>
+            <p:cNvPr id="29" name="Oval 28">
+              <a:extLst>
+                <a:ext uri="{FF2B5EF4-FFF2-40B4-BE49-F238E27FC236}">
+                  <a16:creationId xmlns:a16="http://schemas.microsoft.com/office/drawing/2014/main" id="{378CE150-B23E-4D8F-82E1-5F849AE7C8DE}"/>
+                </a:ext>
+              </a:extLst>
+            </p:cNvPr>
+            <p:cNvSpPr/>
+            <p:nvPr/>
+          </p:nvSpPr>
+          <p:spPr>
+            <a:xfrm>
+              <a:off x="14826534" y="6219771"/>
+              <a:ext cx="237744" cy="237744"/>
+            </a:xfrm>
+            <a:prstGeom prst="ellipse">
+              <a:avLst/>
+            </a:prstGeom>
+            <a:solidFill>
+              <a:srgbClr val="7030A0">
+                <a:alpha val="85000"/>
+              </a:srgbClr>
+            </a:solidFill>
+            <a:ln>
+              <a:solidFill>
+                <a:schemeClr val="tx1"/>
+              </a:solidFill>
+            </a:ln>
+          </p:spPr>
+          <p:style>
+            <a:lnRef idx="2">
+              <a:schemeClr val="accent1">
+                <a:shade val="50000"/>
+              </a:schemeClr>
+            </a:lnRef>
+            <a:fillRef idx="1">
+              <a:schemeClr val="accent1"/>
+            </a:fillRef>
+            <a:effectRef idx="0">
+              <a:schemeClr val="accent1"/>
+            </a:effectRef>
+            <a:fontRef idx="minor">
+              <a:schemeClr val="lt1"/>
+            </a:fontRef>
+          </p:style>
+          <p:txBody>
+            <a:bodyPr rtlCol="0" anchor="ctr"/>
+            <a:lstStyle/>
+            <a:p>
+              <a:pPr algn="ctr"/>
+              <a:endParaRPr lang="en-US"/>
+            </a:p>
+          </p:txBody>
+        </p:sp>
+        <p:sp>
+          <p:nvSpPr>
+            <p:cNvPr id="40" name="Oval 39">
+              <a:extLst>
+                <a:ext uri="{FF2B5EF4-FFF2-40B4-BE49-F238E27FC236}">
+                  <a16:creationId xmlns:a16="http://schemas.microsoft.com/office/drawing/2014/main" id="{22C5331B-F611-4BB5-863C-9623F41F127F}"/>
+                </a:ext>
+              </a:extLst>
+            </p:cNvPr>
+            <p:cNvSpPr/>
+            <p:nvPr/>
+          </p:nvSpPr>
+          <p:spPr>
+            <a:xfrm>
+              <a:off x="8136224" y="6158656"/>
+              <a:ext cx="237744" cy="237744"/>
+            </a:xfrm>
+            <a:prstGeom prst="ellipse">
+              <a:avLst/>
+            </a:prstGeom>
+            <a:solidFill>
+              <a:srgbClr val="FF0000">
+                <a:alpha val="85000"/>
+              </a:srgbClr>
+            </a:solidFill>
+            <a:ln>
+              <a:solidFill>
+                <a:schemeClr val="tx1"/>
+              </a:solidFill>
+            </a:ln>
+          </p:spPr>
+          <p:style>
+            <a:lnRef idx="2">
+              <a:schemeClr val="accent1">
+                <a:shade val="50000"/>
+              </a:schemeClr>
+            </a:lnRef>
+            <a:fillRef idx="1">
+              <a:schemeClr val="accent1"/>
+            </a:fillRef>
+            <a:effectRef idx="0">
+              <a:schemeClr val="accent1"/>
+            </a:effectRef>
+            <a:fontRef idx="minor">
+              <a:schemeClr val="lt1"/>
+            </a:fontRef>
+          </p:style>
+          <p:txBody>
+            <a:bodyPr rtlCol="0" anchor="ctr"/>
+            <a:lstStyle/>
+            <a:p>
+              <a:pPr algn="ctr"/>
+              <a:endParaRPr lang="en-US" dirty="0"/>
+            </a:p>
+          </p:txBody>
+        </p:sp>
+        <p:sp>
+          <p:nvSpPr>
+            <p:cNvPr id="41" name="Oval 40">
+              <a:extLst>
+                <a:ext uri="{FF2B5EF4-FFF2-40B4-BE49-F238E27FC236}">
+                  <a16:creationId xmlns:a16="http://schemas.microsoft.com/office/drawing/2014/main" id="{500BE7EB-9975-4D13-827F-8CA69C2DE80F}"/>
+                </a:ext>
+              </a:extLst>
+            </p:cNvPr>
+            <p:cNvSpPr/>
+            <p:nvPr/>
+          </p:nvSpPr>
+          <p:spPr>
+            <a:xfrm>
+              <a:off x="9051345" y="6586817"/>
+              <a:ext cx="237744" cy="237744"/>
+            </a:xfrm>
+            <a:prstGeom prst="ellipse">
+              <a:avLst/>
+            </a:prstGeom>
+            <a:solidFill>
+              <a:srgbClr val="00B0F0">
+                <a:alpha val="85000"/>
+              </a:srgbClr>
+            </a:solidFill>
+            <a:ln>
+              <a:solidFill>
+                <a:schemeClr val="tx1"/>
+              </a:solidFill>
+            </a:ln>
+          </p:spPr>
+          <p:style>
+            <a:lnRef idx="2">
+              <a:schemeClr val="accent1">
+                <a:shade val="50000"/>
+              </a:schemeClr>
+            </a:lnRef>
+            <a:fillRef idx="1">
+              <a:schemeClr val="accent1"/>
+            </a:fillRef>
+            <a:effectRef idx="0">
+              <a:schemeClr val="accent1"/>
+            </a:effectRef>
+            <a:fontRef idx="minor">
+              <a:schemeClr val="lt1"/>
+            </a:fontRef>
+          </p:style>
+          <p:txBody>
+            <a:bodyPr rtlCol="0" anchor="ctr"/>
+            <a:lstStyle/>
+            <a:p>
+              <a:pPr algn="ctr"/>
+              <a:endParaRPr lang="en-US"/>
+            </a:p>
+          </p:txBody>
+        </p:sp>
+        <p:sp>
+          <p:nvSpPr>
+            <p:cNvPr id="42" name="Oval 41">
+              <a:extLst>
+                <a:ext uri="{FF2B5EF4-FFF2-40B4-BE49-F238E27FC236}">
+                  <a16:creationId xmlns:a16="http://schemas.microsoft.com/office/drawing/2014/main" id="{DF8A652B-F449-4A17-B028-DF3CFD143366}"/>
+                </a:ext>
+              </a:extLst>
+            </p:cNvPr>
+            <p:cNvSpPr/>
+            <p:nvPr/>
+          </p:nvSpPr>
+          <p:spPr>
+            <a:xfrm>
+              <a:off x="8107618" y="6503066"/>
+              <a:ext cx="237744" cy="237744"/>
+            </a:xfrm>
+            <a:prstGeom prst="ellipse">
+              <a:avLst/>
+            </a:prstGeom>
+            <a:solidFill>
+              <a:schemeClr val="accent4">
+                <a:alpha val="85000"/>
+              </a:schemeClr>
+            </a:solidFill>
+            <a:ln>
+              <a:solidFill>
+                <a:schemeClr val="tx1"/>
+              </a:solidFill>
+            </a:ln>
+          </p:spPr>
+          <p:style>
+            <a:lnRef idx="2">
+              <a:schemeClr val="accent1">
+                <a:shade val="50000"/>
+              </a:schemeClr>
+            </a:lnRef>
+            <a:fillRef idx="1">
+              <a:schemeClr val="accent1"/>
+            </a:fillRef>
+            <a:effectRef idx="0">
+              <a:schemeClr val="accent1"/>
+            </a:effectRef>
+            <a:fontRef idx="minor">
+              <a:schemeClr val="lt1"/>
+            </a:fontRef>
+          </p:style>
+          <p:txBody>
+            <a:bodyPr rtlCol="0" anchor="ctr"/>
+            <a:lstStyle/>
+            <a:p>
+              <a:pPr algn="ctr"/>
+              <a:endParaRPr lang="en-US" dirty="0"/>
+            </a:p>
+          </p:txBody>
+        </p:sp>
+        <p:sp>
+          <p:nvSpPr>
+            <p:cNvPr id="46" name="Oval 45">
+              <a:extLst>
+                <a:ext uri="{FF2B5EF4-FFF2-40B4-BE49-F238E27FC236}">
+                  <a16:creationId xmlns:a16="http://schemas.microsoft.com/office/drawing/2014/main" id="{10FA24EB-8364-48FC-A1D6-F0E09B0335FE}"/>
+                </a:ext>
+              </a:extLst>
+            </p:cNvPr>
+            <p:cNvSpPr/>
+            <p:nvPr/>
+          </p:nvSpPr>
+          <p:spPr>
+            <a:xfrm>
+              <a:off x="7141878" y="4116342"/>
+              <a:ext cx="237744" cy="237744"/>
+            </a:xfrm>
+            <a:prstGeom prst="ellipse">
+              <a:avLst/>
+            </a:prstGeom>
+            <a:solidFill>
+              <a:srgbClr val="FF0000">
+                <a:alpha val="20000"/>
+              </a:srgbClr>
+            </a:solidFill>
+            <a:ln>
+              <a:solidFill>
+                <a:schemeClr val="tx1"/>
+              </a:solidFill>
+            </a:ln>
+          </p:spPr>
+          <p:style>
+            <a:lnRef idx="2">
+              <a:schemeClr val="accent1">
+                <a:shade val="50000"/>
+              </a:schemeClr>
+            </a:lnRef>
+            <a:fillRef idx="1">
+              <a:schemeClr val="accent1"/>
+            </a:fillRef>
+            <a:effectRef idx="0">
+              <a:schemeClr val="accent1"/>
+            </a:effectRef>
+            <a:fontRef idx="minor">
+              <a:schemeClr val="lt1"/>
+            </a:fontRef>
+          </p:style>
+          <p:txBody>
+            <a:bodyPr rtlCol="0" anchor="ctr"/>
+            <a:lstStyle/>
+            <a:p>
+              <a:pPr algn="ctr"/>
+              <a:endParaRPr lang="en-US"/>
+            </a:p>
+          </p:txBody>
+        </p:sp>
+        <p:sp>
+          <p:nvSpPr>
+            <p:cNvPr id="47" name="Oval 46">
+              <a:extLst>
+                <a:ext uri="{FF2B5EF4-FFF2-40B4-BE49-F238E27FC236}">
+                  <a16:creationId xmlns:a16="http://schemas.microsoft.com/office/drawing/2014/main" id="{14583094-0729-45FD-AA3B-39EDD9506C31}"/>
+                </a:ext>
+              </a:extLst>
+            </p:cNvPr>
+            <p:cNvSpPr/>
+            <p:nvPr/>
+          </p:nvSpPr>
+          <p:spPr>
+            <a:xfrm>
+              <a:off x="7396247" y="4682573"/>
+              <a:ext cx="237744" cy="237744"/>
+            </a:xfrm>
+            <a:prstGeom prst="ellipse">
+              <a:avLst/>
+            </a:prstGeom>
+            <a:solidFill>
+              <a:srgbClr val="FF0000">
+                <a:alpha val="40000"/>
+              </a:srgbClr>
+            </a:solidFill>
+            <a:ln>
+              <a:solidFill>
+                <a:schemeClr val="tx1"/>
+              </a:solidFill>
+            </a:ln>
+          </p:spPr>
+          <p:style>
+            <a:lnRef idx="2">
+              <a:schemeClr val="accent1">
+                <a:shade val="50000"/>
+              </a:schemeClr>
+            </a:lnRef>
+            <a:fillRef idx="1">
+              <a:schemeClr val="accent1"/>
+            </a:fillRef>
+            <a:effectRef idx="0">
+              <a:schemeClr val="accent1"/>
+            </a:effectRef>
+            <a:fontRef idx="minor">
+              <a:schemeClr val="lt1"/>
+            </a:fontRef>
+          </p:style>
+          <p:txBody>
+            <a:bodyPr rtlCol="0" anchor="ctr"/>
+            <a:lstStyle/>
+            <a:p>
+              <a:pPr algn="ctr"/>
+              <a:endParaRPr lang="en-US"/>
+            </a:p>
+          </p:txBody>
+        </p:sp>
+        <p:sp>
+          <p:nvSpPr>
+            <p:cNvPr id="48" name="Oval 47">
+              <a:extLst>
+                <a:ext uri="{FF2B5EF4-FFF2-40B4-BE49-F238E27FC236}">
+                  <a16:creationId xmlns:a16="http://schemas.microsoft.com/office/drawing/2014/main" id="{588CB119-3774-43D8-89DE-ADDD4803B0B8}"/>
+                </a:ext>
+              </a:extLst>
+            </p:cNvPr>
+            <p:cNvSpPr/>
+            <p:nvPr/>
+          </p:nvSpPr>
+          <p:spPr>
+            <a:xfrm>
+              <a:off x="7875446" y="5640500"/>
+              <a:ext cx="237744" cy="237744"/>
+            </a:xfrm>
+            <a:prstGeom prst="ellipse">
+              <a:avLst/>
+            </a:prstGeom>
+            <a:solidFill>
+              <a:srgbClr val="FF0000">
+                <a:alpha val="60000"/>
+              </a:srgbClr>
+            </a:solidFill>
+            <a:ln>
+              <a:solidFill>
+                <a:schemeClr val="tx1"/>
+              </a:solidFill>
+            </a:ln>
+          </p:spPr>
+          <p:style>
+            <a:lnRef idx="2">
+              <a:schemeClr val="accent1">
+                <a:shade val="50000"/>
+              </a:schemeClr>
+            </a:lnRef>
+            <a:fillRef idx="1">
+              <a:schemeClr val="accent1"/>
+            </a:fillRef>
+            <a:effectRef idx="0">
+              <a:schemeClr val="accent1"/>
+            </a:effectRef>
+            <a:fontRef idx="minor">
+              <a:schemeClr val="lt1"/>
+            </a:fontRef>
+          </p:style>
+          <p:txBody>
+            <a:bodyPr rtlCol="0" anchor="ctr"/>
+            <a:lstStyle/>
+            <a:p>
+              <a:pPr algn="ctr"/>
+              <a:endParaRPr lang="en-US" dirty="0"/>
+            </a:p>
+          </p:txBody>
+        </p:sp>
+        <p:sp>
+          <p:nvSpPr>
+            <p:cNvPr id="49" name="Oval 48">
+              <a:extLst>
+                <a:ext uri="{FF2B5EF4-FFF2-40B4-BE49-F238E27FC236}">
+                  <a16:creationId xmlns:a16="http://schemas.microsoft.com/office/drawing/2014/main" id="{EC36FB84-EC4F-44ED-842D-D37E0D34AC38}"/>
+                </a:ext>
+              </a:extLst>
+            </p:cNvPr>
+            <p:cNvSpPr/>
+            <p:nvPr/>
+          </p:nvSpPr>
+          <p:spPr>
+            <a:xfrm>
+              <a:off x="7124957" y="6219771"/>
+              <a:ext cx="237744" cy="237744"/>
+            </a:xfrm>
+            <a:prstGeom prst="ellipse">
+              <a:avLst/>
+            </a:prstGeom>
+            <a:solidFill>
+              <a:srgbClr val="7030A0">
+                <a:alpha val="85000"/>
+              </a:srgbClr>
+            </a:solidFill>
+            <a:ln>
+              <a:solidFill>
+                <a:schemeClr val="tx1"/>
+              </a:solidFill>
+            </a:ln>
+          </p:spPr>
+          <p:style>
+            <a:lnRef idx="2">
+              <a:schemeClr val="accent1">
+                <a:shade val="50000"/>
+              </a:schemeClr>
+            </a:lnRef>
+            <a:fillRef idx="1">
+              <a:schemeClr val="accent1"/>
+            </a:fillRef>
+            <a:effectRef idx="0">
+              <a:schemeClr val="accent1"/>
+            </a:effectRef>
+            <a:fontRef idx="minor">
+              <a:schemeClr val="lt1"/>
+            </a:fontRef>
+          </p:style>
+          <p:txBody>
+            <a:bodyPr rtlCol="0" anchor="ctr"/>
+            <a:lstStyle/>
+            <a:p>
+              <a:pPr algn="ctr"/>
+              <a:endParaRPr lang="en-US"/>
+            </a:p>
+          </p:txBody>
+        </p:sp>
+        <p:sp>
+          <p:nvSpPr>
+            <p:cNvPr id="50" name="Oval 49">
+              <a:extLst>
+                <a:ext uri="{FF2B5EF4-FFF2-40B4-BE49-F238E27FC236}">
+                  <a16:creationId xmlns:a16="http://schemas.microsoft.com/office/drawing/2014/main" id="{7CB129CE-9EA3-465F-8253-3F902EC115DA}"/>
+                </a:ext>
+              </a:extLst>
+            </p:cNvPr>
+            <p:cNvSpPr/>
+            <p:nvPr/>
+          </p:nvSpPr>
+          <p:spPr>
+            <a:xfrm>
+              <a:off x="8824760" y="4658720"/>
+              <a:ext cx="237744" cy="237744"/>
+            </a:xfrm>
+            <a:prstGeom prst="ellipse">
+              <a:avLst/>
+            </a:prstGeom>
+            <a:solidFill>
+              <a:srgbClr val="00B0F0">
+                <a:alpha val="20000"/>
+              </a:srgbClr>
+            </a:solidFill>
+            <a:ln>
+              <a:solidFill>
+                <a:schemeClr val="tx1"/>
+              </a:solidFill>
+            </a:ln>
+          </p:spPr>
+          <p:style>
+            <a:lnRef idx="2">
+              <a:schemeClr val="accent1">
+                <a:shade val="50000"/>
+              </a:schemeClr>
+            </a:lnRef>
+            <a:fillRef idx="1">
+              <a:schemeClr val="accent1"/>
+            </a:fillRef>
+            <a:effectRef idx="0">
+              <a:schemeClr val="accent1"/>
+            </a:effectRef>
+            <a:fontRef idx="minor">
+              <a:schemeClr val="lt1"/>
+            </a:fontRef>
+          </p:style>
+          <p:txBody>
+            <a:bodyPr rtlCol="0" anchor="ctr"/>
+            <a:lstStyle/>
+            <a:p>
+              <a:pPr algn="ctr"/>
+              <a:endParaRPr lang="en-US"/>
+            </a:p>
+          </p:txBody>
+        </p:sp>
+        <p:sp>
+          <p:nvSpPr>
+            <p:cNvPr id="51" name="Oval 50">
+              <a:extLst>
+                <a:ext uri="{FF2B5EF4-FFF2-40B4-BE49-F238E27FC236}">
+                  <a16:creationId xmlns:a16="http://schemas.microsoft.com/office/drawing/2014/main" id="{57BF44A4-AE73-47ED-9699-D8D083839195}"/>
+                </a:ext>
+              </a:extLst>
+            </p:cNvPr>
+            <p:cNvSpPr/>
+            <p:nvPr/>
+          </p:nvSpPr>
+          <p:spPr>
+            <a:xfrm>
+              <a:off x="8922366" y="5442238"/>
+              <a:ext cx="237744" cy="237744"/>
+            </a:xfrm>
+            <a:prstGeom prst="ellipse">
+              <a:avLst/>
+            </a:prstGeom>
+            <a:solidFill>
+              <a:srgbClr val="00B0F0">
+                <a:alpha val="40000"/>
+              </a:srgbClr>
+            </a:solidFill>
+            <a:ln>
+              <a:solidFill>
+                <a:schemeClr val="tx1"/>
+              </a:solidFill>
+            </a:ln>
+          </p:spPr>
+          <p:style>
+            <a:lnRef idx="2">
+              <a:schemeClr val="accent1">
+                <a:shade val="50000"/>
+              </a:schemeClr>
+            </a:lnRef>
+            <a:fillRef idx="1">
+              <a:schemeClr val="accent1"/>
+            </a:fillRef>
+            <a:effectRef idx="0">
+              <a:schemeClr val="accent1"/>
+            </a:effectRef>
+            <a:fontRef idx="minor">
+              <a:schemeClr val="lt1"/>
+            </a:fontRef>
+          </p:style>
+          <p:txBody>
+            <a:bodyPr rtlCol="0" anchor="ctr"/>
+            <a:lstStyle/>
+            <a:p>
+              <a:pPr algn="ctr"/>
+              <a:endParaRPr lang="en-US"/>
+            </a:p>
+          </p:txBody>
+        </p:sp>
+        <p:sp>
+          <p:nvSpPr>
+            <p:cNvPr id="52" name="Oval 51">
+              <a:extLst>
+                <a:ext uri="{FF2B5EF4-FFF2-40B4-BE49-F238E27FC236}">
+                  <a16:creationId xmlns:a16="http://schemas.microsoft.com/office/drawing/2014/main" id="{C13C17B0-7693-4A52-912E-25C017990840}"/>
+                </a:ext>
+              </a:extLst>
+            </p:cNvPr>
+            <p:cNvSpPr/>
+            <p:nvPr/>
+          </p:nvSpPr>
+          <p:spPr>
+            <a:xfrm>
+              <a:off x="9019972" y="6230404"/>
+              <a:ext cx="237744" cy="237744"/>
+            </a:xfrm>
+            <a:prstGeom prst="ellipse">
+              <a:avLst/>
+            </a:prstGeom>
+            <a:solidFill>
+              <a:srgbClr val="00B0F0">
+                <a:alpha val="60000"/>
+              </a:srgbClr>
+            </a:solidFill>
+            <a:ln>
+              <a:solidFill>
+                <a:schemeClr val="tx1"/>
+              </a:solidFill>
+            </a:ln>
+          </p:spPr>
+          <p:style>
+            <a:lnRef idx="2">
+              <a:schemeClr val="accent1">
+                <a:shade val="50000"/>
+              </a:schemeClr>
+            </a:lnRef>
+            <a:fillRef idx="1">
+              <a:schemeClr val="accent1"/>
+            </a:fillRef>
+            <a:effectRef idx="0">
+              <a:schemeClr val="accent1"/>
+            </a:effectRef>
+            <a:fontRef idx="minor">
+              <a:schemeClr val="lt1"/>
+            </a:fontRef>
+          </p:style>
+          <p:txBody>
+            <a:bodyPr rtlCol="0" anchor="ctr"/>
+            <a:lstStyle/>
+            <a:p>
+              <a:pPr algn="ctr"/>
+              <a:endParaRPr lang="en-US"/>
+            </a:p>
+          </p:txBody>
+        </p:sp>
+        <p:sp>
+          <p:nvSpPr>
+            <p:cNvPr id="54" name="Oval 53">
+              <a:extLst>
+                <a:ext uri="{FF2B5EF4-FFF2-40B4-BE49-F238E27FC236}">
+                  <a16:creationId xmlns:a16="http://schemas.microsoft.com/office/drawing/2014/main" id="{F0AD433D-B910-44CE-8D29-B35E2B4168B7}"/>
+                </a:ext>
+              </a:extLst>
+            </p:cNvPr>
+            <p:cNvSpPr/>
+            <p:nvPr/>
+          </p:nvSpPr>
+          <p:spPr>
+            <a:xfrm>
+              <a:off x="7848573" y="5844912"/>
+              <a:ext cx="237744" cy="237744"/>
+            </a:xfrm>
+            <a:prstGeom prst="ellipse">
+              <a:avLst/>
+            </a:prstGeom>
+            <a:solidFill>
+              <a:schemeClr val="accent4">
+                <a:alpha val="60000"/>
+              </a:schemeClr>
+            </a:solidFill>
+            <a:ln>
+              <a:solidFill>
+                <a:schemeClr val="tx1"/>
+              </a:solidFill>
+            </a:ln>
+          </p:spPr>
+          <p:style>
+            <a:lnRef idx="2">
+              <a:schemeClr val="accent1">
+                <a:shade val="50000"/>
+              </a:schemeClr>
+            </a:lnRef>
+            <a:fillRef idx="1">
+              <a:schemeClr val="accent1"/>
+            </a:fillRef>
+            <a:effectRef idx="0">
+              <a:schemeClr val="accent1"/>
+            </a:effectRef>
+            <a:fontRef idx="minor">
+              <a:schemeClr val="lt1"/>
+            </a:fontRef>
+          </p:style>
+          <p:txBody>
+            <a:bodyPr rtlCol="0" anchor="ctr"/>
+            <a:lstStyle/>
+            <a:p>
+              <a:pPr algn="ctr"/>
+              <a:endParaRPr lang="en-US"/>
+            </a:p>
+          </p:txBody>
+        </p:sp>
+        <p:sp>
+          <p:nvSpPr>
+            <p:cNvPr id="55" name="Oval 54">
+              <a:extLst>
+                <a:ext uri="{FF2B5EF4-FFF2-40B4-BE49-F238E27FC236}">
+                  <a16:creationId xmlns:a16="http://schemas.microsoft.com/office/drawing/2014/main" id="{4A53B405-3361-418C-8729-DCDE0A23E2D3}"/>
+                </a:ext>
+              </a:extLst>
+            </p:cNvPr>
+            <p:cNvSpPr/>
+            <p:nvPr/>
+          </p:nvSpPr>
+          <p:spPr>
+            <a:xfrm>
+              <a:off x="7388965" y="4739562"/>
+              <a:ext cx="237744" cy="237744"/>
+            </a:xfrm>
+            <a:prstGeom prst="ellipse">
+              <a:avLst/>
+            </a:prstGeom>
+            <a:solidFill>
+              <a:schemeClr val="accent4">
+                <a:alpha val="40000"/>
+              </a:schemeClr>
+            </a:solidFill>
+            <a:ln>
+              <a:solidFill>
+                <a:schemeClr val="tx1"/>
+              </a:solidFill>
+            </a:ln>
+          </p:spPr>
+          <p:style>
+            <a:lnRef idx="2">
+              <a:schemeClr val="accent1">
+                <a:shade val="50000"/>
+              </a:schemeClr>
+            </a:lnRef>
+            <a:fillRef idx="1">
+              <a:schemeClr val="accent1"/>
+            </a:fillRef>
+            <a:effectRef idx="0">
+              <a:schemeClr val="accent1"/>
+            </a:effectRef>
+            <a:fontRef idx="minor">
+              <a:schemeClr val="lt1"/>
+            </a:fontRef>
+          </p:style>
+          <p:txBody>
+            <a:bodyPr rtlCol="0" anchor="ctr"/>
+            <a:lstStyle/>
+            <a:p>
+              <a:pPr algn="ctr"/>
+              <a:endParaRPr lang="en-US"/>
+            </a:p>
+          </p:txBody>
+        </p:sp>
+        <p:sp>
+          <p:nvSpPr>
+            <p:cNvPr id="56" name="Oval 55">
+              <a:extLst>
+                <a:ext uri="{FF2B5EF4-FFF2-40B4-BE49-F238E27FC236}">
+                  <a16:creationId xmlns:a16="http://schemas.microsoft.com/office/drawing/2014/main" id="{795CC560-0D77-4CCD-B076-F00A67B07F32}"/>
+                </a:ext>
+              </a:extLst>
+            </p:cNvPr>
+            <p:cNvSpPr/>
+            <p:nvPr/>
+          </p:nvSpPr>
+          <p:spPr>
+            <a:xfrm>
+              <a:off x="16819183" y="4660734"/>
+              <a:ext cx="237744" cy="237744"/>
+            </a:xfrm>
+            <a:prstGeom prst="ellipse">
+              <a:avLst/>
+            </a:prstGeom>
+            <a:solidFill>
+              <a:srgbClr val="00B0F0">
+                <a:alpha val="20000"/>
+              </a:srgbClr>
+            </a:solidFill>
+            <a:ln>
+              <a:solidFill>
+                <a:schemeClr val="tx1"/>
+              </a:solidFill>
+            </a:ln>
+          </p:spPr>
+          <p:style>
+            <a:lnRef idx="2">
+              <a:schemeClr val="accent1">
+                <a:shade val="50000"/>
+              </a:schemeClr>
+            </a:lnRef>
+            <a:fillRef idx="1">
+              <a:schemeClr val="accent1"/>
+            </a:fillRef>
+            <a:effectRef idx="0">
+              <a:schemeClr val="accent1"/>
+            </a:effectRef>
+            <a:fontRef idx="minor">
+              <a:schemeClr val="lt1"/>
+            </a:fontRef>
+          </p:style>
+          <p:txBody>
+            <a:bodyPr rtlCol="0" anchor="ctr"/>
+            <a:lstStyle/>
+            <a:p>
+              <a:pPr algn="ctr"/>
+              <a:endParaRPr lang="en-US"/>
+            </a:p>
+          </p:txBody>
+        </p:sp>
+        <p:sp>
+          <p:nvSpPr>
+            <p:cNvPr id="57" name="Oval 56">
+              <a:extLst>
+                <a:ext uri="{FF2B5EF4-FFF2-40B4-BE49-F238E27FC236}">
+                  <a16:creationId xmlns:a16="http://schemas.microsoft.com/office/drawing/2014/main" id="{C4D45120-0C1A-4E74-94DE-7936D293E844}"/>
+                </a:ext>
+              </a:extLst>
+            </p:cNvPr>
+            <p:cNvSpPr/>
+            <p:nvPr/>
+          </p:nvSpPr>
+          <p:spPr>
+            <a:xfrm>
+              <a:off x="17625500" y="5439581"/>
+              <a:ext cx="237744" cy="237744"/>
+            </a:xfrm>
+            <a:prstGeom prst="ellipse">
+              <a:avLst/>
+            </a:prstGeom>
+            <a:solidFill>
+              <a:srgbClr val="00B0F0">
+                <a:alpha val="40000"/>
+              </a:srgbClr>
+            </a:solidFill>
+            <a:ln>
+              <a:solidFill>
+                <a:schemeClr val="tx1"/>
+              </a:solidFill>
+            </a:ln>
+          </p:spPr>
+          <p:style>
+            <a:lnRef idx="2">
+              <a:schemeClr val="accent1">
+                <a:shade val="50000"/>
+              </a:schemeClr>
+            </a:lnRef>
+            <a:fillRef idx="1">
+              <a:schemeClr val="accent1"/>
+            </a:fillRef>
+            <a:effectRef idx="0">
+              <a:schemeClr val="accent1"/>
+            </a:effectRef>
+            <a:fontRef idx="minor">
+              <a:schemeClr val="lt1"/>
+            </a:fontRef>
+          </p:style>
+          <p:txBody>
+            <a:bodyPr rtlCol="0" anchor="ctr"/>
+            <a:lstStyle/>
+            <a:p>
+              <a:pPr algn="ctr"/>
+              <a:endParaRPr lang="en-US"/>
+            </a:p>
+          </p:txBody>
+        </p:sp>
+        <p:sp>
+          <p:nvSpPr>
+            <p:cNvPr id="58" name="Oval 57">
+              <a:extLst>
+                <a:ext uri="{FF2B5EF4-FFF2-40B4-BE49-F238E27FC236}">
+                  <a16:creationId xmlns:a16="http://schemas.microsoft.com/office/drawing/2014/main" id="{A90335BE-939C-4E53-B93E-A406307C45DC}"/>
+                </a:ext>
+              </a:extLst>
+            </p:cNvPr>
+            <p:cNvSpPr/>
+            <p:nvPr/>
+          </p:nvSpPr>
+          <p:spPr>
+            <a:xfrm>
+              <a:off x="18441839" y="6227747"/>
+              <a:ext cx="237744" cy="237744"/>
+            </a:xfrm>
+            <a:prstGeom prst="ellipse">
+              <a:avLst/>
+            </a:prstGeom>
+            <a:solidFill>
+              <a:srgbClr val="00B0F0">
+                <a:alpha val="60000"/>
+              </a:srgbClr>
+            </a:solidFill>
+            <a:ln>
+              <a:solidFill>
+                <a:schemeClr val="tx1"/>
+              </a:solidFill>
+            </a:ln>
+          </p:spPr>
+          <p:style>
+            <a:lnRef idx="2">
+              <a:schemeClr val="accent1">
+                <a:shade val="50000"/>
+              </a:schemeClr>
+            </a:lnRef>
+            <a:fillRef idx="1">
+              <a:schemeClr val="accent1"/>
+            </a:fillRef>
+            <a:effectRef idx="0">
+              <a:schemeClr val="accent1"/>
+            </a:effectRef>
+            <a:fontRef idx="minor">
+              <a:schemeClr val="lt1"/>
+            </a:fontRef>
+          </p:style>
+          <p:txBody>
+            <a:bodyPr rtlCol="0" anchor="ctr"/>
+            <a:lstStyle/>
+            <a:p>
+              <a:pPr algn="ctr"/>
+              <a:endParaRPr lang="en-US"/>
+            </a:p>
+          </p:txBody>
+        </p:sp>
+        <p:sp>
+          <p:nvSpPr>
+            <p:cNvPr id="63" name="Oval 62">
+              <a:extLst>
+                <a:ext uri="{FF2B5EF4-FFF2-40B4-BE49-F238E27FC236}">
+                  <a16:creationId xmlns:a16="http://schemas.microsoft.com/office/drawing/2014/main" id="{D1AE4156-44B6-409A-BDC0-79E12FCB072F}"/>
+                </a:ext>
+              </a:extLst>
+            </p:cNvPr>
+            <p:cNvSpPr/>
+            <p:nvPr/>
+          </p:nvSpPr>
+          <p:spPr>
+            <a:xfrm>
+              <a:off x="6789727" y="5728584"/>
+              <a:ext cx="237744" cy="237744"/>
+            </a:xfrm>
+            <a:prstGeom prst="ellipse">
+              <a:avLst/>
+            </a:prstGeom>
+            <a:solidFill>
+              <a:srgbClr val="7030A0">
+                <a:alpha val="60000"/>
+              </a:srgbClr>
+            </a:solidFill>
+            <a:ln>
+              <a:solidFill>
+                <a:schemeClr val="tx1"/>
+              </a:solidFill>
+            </a:ln>
+          </p:spPr>
+          <p:style>
+            <a:lnRef idx="2">
+              <a:schemeClr val="accent1">
+                <a:shade val="50000"/>
+              </a:schemeClr>
+            </a:lnRef>
+            <a:fillRef idx="1">
+              <a:schemeClr val="accent1"/>
+            </a:fillRef>
+            <a:effectRef idx="0">
+              <a:schemeClr val="accent1"/>
+            </a:effectRef>
+            <a:fontRef idx="minor">
+              <a:schemeClr val="lt1"/>
+            </a:fontRef>
+          </p:style>
+          <p:txBody>
+            <a:bodyPr rtlCol="0" anchor="ctr"/>
+            <a:lstStyle/>
+            <a:p>
+              <a:pPr algn="ctr"/>
+              <a:endParaRPr lang="en-US"/>
+            </a:p>
+          </p:txBody>
+        </p:sp>
+        <p:sp>
+          <p:nvSpPr>
+            <p:cNvPr id="65" name="Oval 64">
+              <a:extLst>
+                <a:ext uri="{FF2B5EF4-FFF2-40B4-BE49-F238E27FC236}">
+                  <a16:creationId xmlns:a16="http://schemas.microsoft.com/office/drawing/2014/main" id="{44901E3B-F3C0-4855-A127-8E83F39BE357}"/>
+                </a:ext>
+              </a:extLst>
+            </p:cNvPr>
+            <p:cNvSpPr/>
+            <p:nvPr/>
+          </p:nvSpPr>
+          <p:spPr>
+            <a:xfrm>
+              <a:off x="6245233" y="4774910"/>
+              <a:ext cx="237744" cy="237744"/>
+            </a:xfrm>
+            <a:prstGeom prst="ellipse">
+              <a:avLst/>
+            </a:prstGeom>
+            <a:solidFill>
+              <a:srgbClr val="7030A0">
+                <a:alpha val="40000"/>
+              </a:srgbClr>
+            </a:solidFill>
+            <a:ln>
+              <a:solidFill>
+                <a:schemeClr val="tx1"/>
+              </a:solidFill>
+            </a:ln>
+          </p:spPr>
+          <p:style>
+            <a:lnRef idx="2">
+              <a:schemeClr val="accent1">
+                <a:shade val="50000"/>
+              </a:schemeClr>
+            </a:lnRef>
+            <a:fillRef idx="1">
+              <a:schemeClr val="accent1"/>
+            </a:fillRef>
+            <a:effectRef idx="0">
+              <a:schemeClr val="accent1"/>
+            </a:effectRef>
+            <a:fontRef idx="minor">
+              <a:schemeClr val="lt1"/>
+            </a:fontRef>
+          </p:style>
+          <p:txBody>
+            <a:bodyPr rtlCol="0" anchor="ctr"/>
+            <a:lstStyle/>
+            <a:p>
+              <a:pPr algn="ctr"/>
+              <a:endParaRPr lang="en-US"/>
+            </a:p>
+          </p:txBody>
+        </p:sp>
+        <p:sp>
+          <p:nvSpPr>
+            <p:cNvPr id="66" name="Oval 65">
+              <a:extLst>
+                <a:ext uri="{FF2B5EF4-FFF2-40B4-BE49-F238E27FC236}">
+                  <a16:creationId xmlns:a16="http://schemas.microsoft.com/office/drawing/2014/main" id="{B2AA2868-13C7-4D9F-81F4-44701713219E}"/>
+                </a:ext>
+              </a:extLst>
+            </p:cNvPr>
+            <p:cNvSpPr/>
+            <p:nvPr/>
+          </p:nvSpPr>
+          <p:spPr>
+            <a:xfrm>
+              <a:off x="5957028" y="4191238"/>
+              <a:ext cx="237744" cy="237744"/>
+            </a:xfrm>
+            <a:prstGeom prst="ellipse">
+              <a:avLst/>
+            </a:prstGeom>
+            <a:solidFill>
+              <a:srgbClr val="7030A0">
+                <a:alpha val="20000"/>
+              </a:srgbClr>
+            </a:solidFill>
+            <a:ln>
+              <a:solidFill>
+                <a:schemeClr val="tx1"/>
+              </a:solidFill>
+            </a:ln>
+          </p:spPr>
+          <p:style>
+            <a:lnRef idx="2">
+              <a:schemeClr val="accent1">
+                <a:shade val="50000"/>
+              </a:schemeClr>
+            </a:lnRef>
+            <a:fillRef idx="1">
+              <a:schemeClr val="accent1"/>
+            </a:fillRef>
+            <a:effectRef idx="0">
+              <a:schemeClr val="accent1"/>
+            </a:effectRef>
+            <a:fontRef idx="minor">
+              <a:schemeClr val="lt1"/>
+            </a:fontRef>
+          </p:style>
+          <p:txBody>
+            <a:bodyPr rtlCol="0" anchor="ctr"/>
+            <a:lstStyle/>
+            <a:p>
+              <a:pPr algn="ctr"/>
+              <a:endParaRPr lang="en-US"/>
+            </a:p>
+          </p:txBody>
+        </p:sp>
+        <p:sp>
+          <p:nvSpPr>
+            <p:cNvPr id="68" name="Oval 67">
+              <a:extLst>
+                <a:ext uri="{FF2B5EF4-FFF2-40B4-BE49-F238E27FC236}">
+                  <a16:creationId xmlns:a16="http://schemas.microsoft.com/office/drawing/2014/main" id="{E48B4BF2-5A99-47B5-8995-0B5A505A8217}"/>
+                </a:ext>
+              </a:extLst>
+            </p:cNvPr>
+            <p:cNvSpPr/>
+            <p:nvPr/>
+          </p:nvSpPr>
+          <p:spPr>
+            <a:xfrm>
+              <a:off x="14340867" y="5728584"/>
+              <a:ext cx="237744" cy="237744"/>
+            </a:xfrm>
+            <a:prstGeom prst="ellipse">
+              <a:avLst/>
+            </a:prstGeom>
+            <a:solidFill>
+              <a:srgbClr val="7030A0">
+                <a:alpha val="60000"/>
+              </a:srgbClr>
+            </a:solidFill>
+            <a:ln>
+              <a:solidFill>
+                <a:schemeClr val="tx1"/>
+              </a:solidFill>
+            </a:ln>
+          </p:spPr>
+          <p:style>
+            <a:lnRef idx="2">
+              <a:schemeClr val="accent1">
+                <a:shade val="50000"/>
+              </a:schemeClr>
+            </a:lnRef>
+            <a:fillRef idx="1">
+              <a:schemeClr val="accent1"/>
+            </a:fillRef>
+            <a:effectRef idx="0">
+              <a:schemeClr val="accent1"/>
+            </a:effectRef>
+            <a:fontRef idx="minor">
+              <a:schemeClr val="lt1"/>
+            </a:fontRef>
+          </p:style>
+          <p:txBody>
+            <a:bodyPr rtlCol="0" anchor="ctr"/>
+            <a:lstStyle/>
+            <a:p>
+              <a:pPr algn="ctr"/>
+              <a:endParaRPr lang="en-US"/>
+            </a:p>
+          </p:txBody>
+        </p:sp>
+        <p:sp>
+          <p:nvSpPr>
+            <p:cNvPr id="69" name="Oval 68">
+              <a:extLst>
+                <a:ext uri="{FF2B5EF4-FFF2-40B4-BE49-F238E27FC236}">
+                  <a16:creationId xmlns:a16="http://schemas.microsoft.com/office/drawing/2014/main" id="{C2C50923-32C5-4469-93B3-64AEC71F3056}"/>
+                </a:ext>
+              </a:extLst>
+            </p:cNvPr>
+            <p:cNvSpPr/>
+            <p:nvPr/>
+          </p:nvSpPr>
+          <p:spPr>
+            <a:xfrm>
+              <a:off x="13359052" y="4774910"/>
+              <a:ext cx="237744" cy="237744"/>
+            </a:xfrm>
+            <a:prstGeom prst="ellipse">
+              <a:avLst/>
+            </a:prstGeom>
+            <a:solidFill>
+              <a:srgbClr val="7030A0">
+                <a:alpha val="40000"/>
+              </a:srgbClr>
+            </a:solidFill>
+            <a:ln>
+              <a:solidFill>
+                <a:schemeClr val="tx1"/>
+              </a:solidFill>
+            </a:ln>
+          </p:spPr>
+          <p:style>
+            <a:lnRef idx="2">
+              <a:schemeClr val="accent1">
+                <a:shade val="50000"/>
+              </a:schemeClr>
+            </a:lnRef>
+            <a:fillRef idx="1">
+              <a:schemeClr val="accent1"/>
+            </a:fillRef>
+            <a:effectRef idx="0">
+              <a:schemeClr val="accent1"/>
+            </a:effectRef>
+            <a:fontRef idx="minor">
+              <a:schemeClr val="lt1"/>
+            </a:fontRef>
+          </p:style>
+          <p:txBody>
+            <a:bodyPr rtlCol="0" anchor="ctr"/>
+            <a:lstStyle/>
+            <a:p>
+              <a:pPr algn="ctr"/>
+              <a:endParaRPr lang="en-US"/>
+            </a:p>
+          </p:txBody>
+        </p:sp>
+        <p:sp>
+          <p:nvSpPr>
+            <p:cNvPr id="74" name="Oval 73">
+              <a:extLst>
+                <a:ext uri="{FF2B5EF4-FFF2-40B4-BE49-F238E27FC236}">
+                  <a16:creationId xmlns:a16="http://schemas.microsoft.com/office/drawing/2014/main" id="{8749E2CE-02CB-4946-9E98-3C76BE77D4A5}"/>
+                </a:ext>
+              </a:extLst>
+            </p:cNvPr>
+            <p:cNvSpPr/>
+            <p:nvPr/>
+          </p:nvSpPr>
+          <p:spPr>
+            <a:xfrm>
+              <a:off x="12752796" y="4191238"/>
+              <a:ext cx="237744" cy="237744"/>
+            </a:xfrm>
+            <a:prstGeom prst="ellipse">
+              <a:avLst/>
+            </a:prstGeom>
+            <a:solidFill>
+              <a:srgbClr val="7030A0">
+                <a:alpha val="20000"/>
+              </a:srgbClr>
+            </a:solidFill>
+            <a:ln>
+              <a:solidFill>
+                <a:schemeClr val="tx1"/>
+              </a:solidFill>
+            </a:ln>
+          </p:spPr>
+          <p:style>
+            <a:lnRef idx="2">
+              <a:schemeClr val="accent1">
+                <a:shade val="50000"/>
+              </a:schemeClr>
+            </a:lnRef>
+            <a:fillRef idx="1">
+              <a:schemeClr val="accent1"/>
+            </a:fillRef>
+            <a:effectRef idx="0">
+              <a:schemeClr val="accent1"/>
+            </a:effectRef>
+            <a:fontRef idx="minor">
+              <a:schemeClr val="lt1"/>
+            </a:fontRef>
+          </p:style>
+          <p:txBody>
+            <a:bodyPr rtlCol="0" anchor="ctr"/>
+            <a:lstStyle/>
+            <a:p>
+              <a:pPr algn="ctr"/>
+              <a:endParaRPr lang="en-US"/>
+            </a:p>
+          </p:txBody>
+        </p:sp>
+        <p:sp>
+          <p:nvSpPr>
+            <p:cNvPr id="76" name="Oval 75">
+              <a:extLst>
+                <a:ext uri="{FF2B5EF4-FFF2-40B4-BE49-F238E27FC236}">
+                  <a16:creationId xmlns:a16="http://schemas.microsoft.com/office/drawing/2014/main" id="{D2C43FE1-0574-4D55-BC3C-EC8B9AAEBE83}"/>
+                </a:ext>
+              </a:extLst>
+            </p:cNvPr>
+            <p:cNvSpPr/>
+            <p:nvPr/>
+          </p:nvSpPr>
+          <p:spPr>
+            <a:xfrm>
+              <a:off x="18049714" y="5858107"/>
+              <a:ext cx="237744" cy="237744"/>
+            </a:xfrm>
+            <a:prstGeom prst="ellipse">
+              <a:avLst/>
+            </a:prstGeom>
+            <a:solidFill>
+              <a:schemeClr val="accent4">
+                <a:alpha val="60000"/>
+              </a:schemeClr>
+            </a:solidFill>
+            <a:ln>
+              <a:solidFill>
+                <a:schemeClr val="tx1"/>
+              </a:solidFill>
+            </a:ln>
+          </p:spPr>
+          <p:style>
+            <a:lnRef idx="2">
+              <a:schemeClr val="accent1">
+                <a:shade val="50000"/>
+              </a:schemeClr>
+            </a:lnRef>
+            <a:fillRef idx="1">
+              <a:schemeClr val="accent1"/>
+            </a:fillRef>
+            <a:effectRef idx="0">
+              <a:schemeClr val="accent1"/>
+            </a:effectRef>
+            <a:fontRef idx="minor">
+              <a:schemeClr val="lt1"/>
+            </a:fontRef>
+          </p:style>
+          <p:txBody>
+            <a:bodyPr rtlCol="0" anchor="ctr"/>
+            <a:lstStyle/>
+            <a:p>
+              <a:pPr algn="ctr"/>
+              <a:endParaRPr lang="en-US"/>
+            </a:p>
+          </p:txBody>
+        </p:sp>
+        <p:sp>
+          <p:nvSpPr>
+            <p:cNvPr id="77" name="Oval 76">
+              <a:extLst>
+                <a:ext uri="{FF2B5EF4-FFF2-40B4-BE49-F238E27FC236}">
+                  <a16:creationId xmlns:a16="http://schemas.microsoft.com/office/drawing/2014/main" id="{569990B5-D903-4D81-AFE5-7D0005D00CC1}"/>
+                </a:ext>
+              </a:extLst>
+            </p:cNvPr>
+            <p:cNvSpPr/>
+            <p:nvPr/>
+          </p:nvSpPr>
+          <p:spPr>
+            <a:xfrm>
+              <a:off x="16889368" y="4737048"/>
+              <a:ext cx="237744" cy="237744"/>
+            </a:xfrm>
+            <a:prstGeom prst="ellipse">
+              <a:avLst/>
+            </a:prstGeom>
+            <a:solidFill>
+              <a:schemeClr val="accent4">
+                <a:alpha val="40000"/>
+              </a:schemeClr>
+            </a:solidFill>
+            <a:ln>
+              <a:solidFill>
+                <a:schemeClr val="tx1"/>
+              </a:solidFill>
+            </a:ln>
+          </p:spPr>
+          <p:style>
+            <a:lnRef idx="2">
+              <a:schemeClr val="accent1">
+                <a:shade val="50000"/>
+              </a:schemeClr>
+            </a:lnRef>
+            <a:fillRef idx="1">
+              <a:schemeClr val="accent1"/>
+            </a:fillRef>
+            <a:effectRef idx="0">
+              <a:schemeClr val="accent1"/>
+            </a:effectRef>
+            <a:fontRef idx="minor">
+              <a:schemeClr val="lt1"/>
+            </a:fontRef>
+          </p:style>
+          <p:txBody>
+            <a:bodyPr rtlCol="0" anchor="ctr"/>
+            <a:lstStyle/>
+            <a:p>
+              <a:pPr algn="ctr"/>
+              <a:endParaRPr lang="en-US"/>
+            </a:p>
+          </p:txBody>
+        </p:sp>
+      </p:grpSp>
+      <p:grpSp>
+        <p:nvGrpSpPr>
+          <p:cNvPr id="67" name="Group 66">
+            <a:extLst>
+              <a:ext uri="{FF2B5EF4-FFF2-40B4-BE49-F238E27FC236}">
+                <a16:creationId xmlns:a16="http://schemas.microsoft.com/office/drawing/2014/main" id="{3A53E9D1-3857-4047-86EC-B836700193B4}"/>
+              </a:ext>
+            </a:extLst>
+          </p:cNvPr>
+          <p:cNvGrpSpPr/>
+          <p:nvPr/>
+        </p:nvGrpSpPr>
+        <p:grpSpPr>
+          <a:xfrm>
+            <a:off x="5066299" y="11847085"/>
+            <a:ext cx="3953673" cy="538039"/>
+            <a:chOff x="5343387" y="12614499"/>
+            <a:chExt cx="3953673" cy="538039"/>
+          </a:xfrm>
+        </p:grpSpPr>
+        <p:sp>
+          <p:nvSpPr>
+            <p:cNvPr id="78" name="TextBox 77">
+              <a:extLst>
+                <a:ext uri="{FF2B5EF4-FFF2-40B4-BE49-F238E27FC236}">
+                  <a16:creationId xmlns:a16="http://schemas.microsoft.com/office/drawing/2014/main" id="{6480E6AA-8B09-42E6-AA19-DD628635A623}"/>
+                </a:ext>
+              </a:extLst>
+            </p:cNvPr>
+            <p:cNvSpPr txBox="1"/>
+            <p:nvPr/>
+          </p:nvSpPr>
+          <p:spPr>
+            <a:xfrm>
+              <a:off x="5639460" y="12614499"/>
+              <a:ext cx="3657600" cy="538039"/>
+            </a:xfrm>
+            <a:prstGeom prst="rect">
+              <a:avLst/>
+            </a:prstGeom>
+            <a:noFill/>
+          </p:spPr>
+          <p:txBody>
+            <a:bodyPr wrap="square" rtlCol="0">
+              <a:spAutoFit/>
+            </a:bodyPr>
+            <a:lstStyle/>
+            <a:p>
+              <a:pPr algn="ctr"/>
+              <a:r>
+                <a:rPr lang="en-US" sz="2801" dirty="0">
+                  <a:latin typeface="Arial" panose="020B0604020202020204" pitchFamily="34" charset="0"/>
+                  <a:cs typeface="Arial" panose="020B0604020202020204" pitchFamily="34" charset="0"/>
+                </a:rPr>
+                <a:t>This study (GCAM)</a:t>
+              </a:r>
+            </a:p>
+          </p:txBody>
+        </p:sp>
+        <p:sp>
+          <p:nvSpPr>
+            <p:cNvPr id="79" name="Oval 78">
+              <a:extLst>
+                <a:ext uri="{FF2B5EF4-FFF2-40B4-BE49-F238E27FC236}">
+                  <a16:creationId xmlns:a16="http://schemas.microsoft.com/office/drawing/2014/main" id="{75A3DF13-D0D9-4646-8AD0-14FC73B49244}"/>
+                </a:ext>
+              </a:extLst>
+            </p:cNvPr>
+            <p:cNvSpPr/>
+            <p:nvPr/>
+          </p:nvSpPr>
+          <p:spPr>
+            <a:xfrm>
+              <a:off x="5343387" y="12693229"/>
+              <a:ext cx="365760" cy="365760"/>
+            </a:xfrm>
+            <a:prstGeom prst="ellipse">
+              <a:avLst/>
+            </a:prstGeom>
+            <a:gradFill>
+              <a:gsLst>
+                <a:gs pos="0">
+                  <a:srgbClr val="FF0000"/>
+                </a:gs>
+                <a:gs pos="52000">
+                  <a:srgbClr val="FFC000"/>
+                </a:gs>
+                <a:gs pos="28000">
+                  <a:srgbClr val="ED7D31"/>
+                </a:gs>
+                <a:gs pos="76000">
+                  <a:srgbClr val="00B0F0"/>
+                </a:gs>
+                <a:gs pos="100000">
+                  <a:srgbClr val="7030A0"/>
+                </a:gs>
+              </a:gsLst>
+              <a:lin ang="5400000" scaled="1"/>
+            </a:gradFill>
+            <a:ln w="34925">
+              <a:solidFill>
+                <a:schemeClr val="tx1"/>
+              </a:solidFill>
+            </a:ln>
+          </p:spPr>
+          <p:style>
+            <a:lnRef idx="2">
+              <a:schemeClr val="accent1">
+                <a:shade val="50000"/>
+              </a:schemeClr>
+            </a:lnRef>
+            <a:fillRef idx="1">
+              <a:schemeClr val="accent1"/>
+            </a:fillRef>
+            <a:effectRef idx="0">
+              <a:schemeClr val="accent1"/>
+            </a:effectRef>
+            <a:fontRef idx="minor">
+              <a:schemeClr val="lt1"/>
+            </a:fontRef>
+          </p:style>
+          <p:txBody>
+            <a:bodyPr rtlCol="0" anchor="ctr"/>
+            <a:lstStyle/>
+            <a:p>
+              <a:pPr algn="ctr"/>
+              <a:endParaRPr lang="en-US"/>
+            </a:p>
+          </p:txBody>
+        </p:sp>
+      </p:grpSp>
+      <p:grpSp>
+        <p:nvGrpSpPr>
+          <p:cNvPr id="53" name="Group 52">
+            <a:extLst>
+              <a:ext uri="{FF2B5EF4-FFF2-40B4-BE49-F238E27FC236}">
+                <a16:creationId xmlns:a16="http://schemas.microsoft.com/office/drawing/2014/main" id="{54A0B848-5CF6-418C-8E50-7845CFD06858}"/>
+              </a:ext>
+            </a:extLst>
+          </p:cNvPr>
+          <p:cNvGrpSpPr/>
+          <p:nvPr/>
+        </p:nvGrpSpPr>
+        <p:grpSpPr>
+          <a:xfrm>
+            <a:off x="14614108" y="3995251"/>
+            <a:ext cx="6319468" cy="4139166"/>
+            <a:chOff x="14614108" y="3995251"/>
+            <a:chExt cx="6319468" cy="4139166"/>
+          </a:xfrm>
+        </p:grpSpPr>
+        <p:sp>
+          <p:nvSpPr>
+            <p:cNvPr id="73" name="TextBox 72">
+              <a:extLst>
+                <a:ext uri="{FF2B5EF4-FFF2-40B4-BE49-F238E27FC236}">
+                  <a16:creationId xmlns:a16="http://schemas.microsoft.com/office/drawing/2014/main" id="{DCBAAFDD-35E3-4328-94B8-A039DE3D63AE}"/>
+                </a:ext>
+              </a:extLst>
+            </p:cNvPr>
+            <p:cNvSpPr txBox="1"/>
+            <p:nvPr/>
+          </p:nvSpPr>
+          <p:spPr>
+            <a:xfrm>
+              <a:off x="18921896" y="5520305"/>
+              <a:ext cx="2011680" cy="492443"/>
+            </a:xfrm>
+            <a:prstGeom prst="rect">
+              <a:avLst/>
+            </a:prstGeom>
+            <a:noFill/>
+          </p:spPr>
+          <p:txBody>
+            <a:bodyPr wrap="square" rtlCol="0">
+              <a:spAutoFit/>
+            </a:bodyPr>
+            <a:lstStyle/>
+            <a:p>
+              <a:r>
+                <a:rPr lang="en-US" sz="2600" i="1" dirty="0">
+                  <a:solidFill>
+                    <a:srgbClr val="C00000"/>
+                  </a:solidFill>
+                  <a:latin typeface="Arial" panose="020B0604020202020204" pitchFamily="34" charset="0"/>
+                  <a:cs typeface="Arial" panose="020B0604020202020204" pitchFamily="34" charset="0"/>
+                </a:rPr>
+                <a:t>100%-LCP</a:t>
+              </a:r>
+            </a:p>
+          </p:txBody>
+        </p:sp>
+        <p:sp>
+          <p:nvSpPr>
+            <p:cNvPr id="80" name="TextBox 79">
+              <a:extLst>
+                <a:ext uri="{FF2B5EF4-FFF2-40B4-BE49-F238E27FC236}">
+                  <a16:creationId xmlns:a16="http://schemas.microsoft.com/office/drawing/2014/main" id="{C3BA2AAF-EEE3-4BA7-829E-D5E61087C177}"/>
+                </a:ext>
+              </a:extLst>
+            </p:cNvPr>
+            <p:cNvSpPr txBox="1"/>
+            <p:nvPr/>
+          </p:nvSpPr>
+          <p:spPr>
+            <a:xfrm>
+              <a:off x="18921896" y="4201533"/>
+              <a:ext cx="2011680" cy="492443"/>
+            </a:xfrm>
+            <a:prstGeom prst="rect">
+              <a:avLst/>
+            </a:prstGeom>
+            <a:noFill/>
+          </p:spPr>
+          <p:txBody>
+            <a:bodyPr wrap="square" rtlCol="0">
+              <a:spAutoFit/>
+            </a:bodyPr>
+            <a:lstStyle/>
+            <a:p>
+              <a:r>
+                <a:rPr lang="en-US" sz="2600" i="1" dirty="0">
+                  <a:solidFill>
+                    <a:srgbClr val="C00000"/>
+                  </a:solidFill>
+                  <a:latin typeface="Arial" panose="020B0604020202020204" pitchFamily="34" charset="0"/>
+                  <a:cs typeface="Arial" panose="020B0604020202020204" pitchFamily="34" charset="0"/>
+                </a:rPr>
+                <a:t>10%-LCP</a:t>
+              </a:r>
+            </a:p>
+          </p:txBody>
+        </p:sp>
+        <p:sp>
+          <p:nvSpPr>
+            <p:cNvPr id="81" name="TextBox 80">
+              <a:extLst>
+                <a:ext uri="{FF2B5EF4-FFF2-40B4-BE49-F238E27FC236}">
+                  <a16:creationId xmlns:a16="http://schemas.microsoft.com/office/drawing/2014/main" id="{E04BAAD8-1ED2-45BC-9B77-6F75816ECCDB}"/>
+                </a:ext>
+              </a:extLst>
+            </p:cNvPr>
+            <p:cNvSpPr txBox="1"/>
+            <p:nvPr/>
+          </p:nvSpPr>
+          <p:spPr>
+            <a:xfrm>
+              <a:off x="16954774" y="7241865"/>
+              <a:ext cx="1775728" cy="892552"/>
+            </a:xfrm>
+            <a:prstGeom prst="rect">
+              <a:avLst/>
+            </a:prstGeom>
+            <a:noFill/>
+          </p:spPr>
+          <p:txBody>
+            <a:bodyPr wrap="square" rtlCol="0">
+              <a:spAutoFit/>
+            </a:bodyPr>
+            <a:lstStyle/>
+            <a:p>
+              <a:r>
+                <a:rPr lang="en-US" sz="2600" i="1" dirty="0">
+                  <a:solidFill>
+                    <a:schemeClr val="accent4">
+                      <a:lumMod val="75000"/>
+                    </a:schemeClr>
+                  </a:solidFill>
+                  <a:latin typeface="Arial" panose="020B0604020202020204" pitchFamily="34" charset="0"/>
+                  <a:cs typeface="Arial" panose="020B0604020202020204" pitchFamily="34" charset="0"/>
+                </a:rPr>
+                <a:t>A/R-</a:t>
+              </a:r>
+            </a:p>
+            <a:p>
+              <a:r>
+                <a:rPr lang="en-US" sz="2600" i="1" dirty="0">
+                  <a:solidFill>
+                    <a:schemeClr val="accent4">
+                      <a:lumMod val="75000"/>
+                    </a:schemeClr>
+                  </a:solidFill>
+                  <a:latin typeface="Arial" panose="020B0604020202020204" pitchFamily="34" charset="0"/>
+                  <a:cs typeface="Arial" panose="020B0604020202020204" pitchFamily="34" charset="0"/>
+                </a:rPr>
+                <a:t>Focused</a:t>
+              </a:r>
+            </a:p>
+          </p:txBody>
+        </p:sp>
+        <p:cxnSp>
+          <p:nvCxnSpPr>
+            <p:cNvPr id="82" name="Straight Connector 81">
+              <a:extLst>
+                <a:ext uri="{FF2B5EF4-FFF2-40B4-BE49-F238E27FC236}">
+                  <a16:creationId xmlns:a16="http://schemas.microsoft.com/office/drawing/2014/main" id="{2EF589E7-1D5D-467A-83E1-7F91019019C1}"/>
+                </a:ext>
+              </a:extLst>
+            </p:cNvPr>
+            <p:cNvCxnSpPr>
+              <a:cxnSpLocks/>
+              <a:stCxn id="81" idx="0"/>
+            </p:cNvCxnSpPr>
+            <p:nvPr/>
+          </p:nvCxnSpPr>
+          <p:spPr>
+            <a:xfrm flipV="1">
+              <a:off x="17842638" y="6829563"/>
+              <a:ext cx="926529" cy="412302"/>
+            </a:xfrm>
+            <a:prstGeom prst="line">
+              <a:avLst/>
+            </a:prstGeom>
+            <a:ln w="19050">
+              <a:solidFill>
+                <a:schemeClr val="accent4">
+                  <a:lumMod val="75000"/>
+                </a:schemeClr>
+              </a:solidFill>
+            </a:ln>
+          </p:spPr>
+          <p:style>
+            <a:lnRef idx="1">
+              <a:schemeClr val="accent1"/>
+            </a:lnRef>
+            <a:fillRef idx="0">
+              <a:schemeClr val="accent1"/>
+            </a:fillRef>
+            <a:effectRef idx="0">
+              <a:schemeClr val="accent1"/>
+            </a:effectRef>
+            <a:fontRef idx="minor">
+              <a:schemeClr val="tx1"/>
+            </a:fontRef>
+          </p:style>
+        </p:cxnSp>
+        <p:sp>
+          <p:nvSpPr>
+            <p:cNvPr id="83" name="TextBox 82">
+              <a:extLst>
+                <a:ext uri="{FF2B5EF4-FFF2-40B4-BE49-F238E27FC236}">
+                  <a16:creationId xmlns:a16="http://schemas.microsoft.com/office/drawing/2014/main" id="{A45AB884-1142-4C0F-8F6A-767C81E4104F}"/>
+                </a:ext>
+              </a:extLst>
+            </p:cNvPr>
+            <p:cNvSpPr txBox="1"/>
+            <p:nvPr/>
+          </p:nvSpPr>
+          <p:spPr>
+            <a:xfrm>
+              <a:off x="16489082" y="3995251"/>
+              <a:ext cx="2221992" cy="492443"/>
+            </a:xfrm>
+            <a:prstGeom prst="rect">
+              <a:avLst/>
+            </a:prstGeom>
+            <a:noFill/>
+          </p:spPr>
+          <p:txBody>
+            <a:bodyPr wrap="square" rtlCol="0">
+              <a:spAutoFit/>
+            </a:bodyPr>
+            <a:lstStyle/>
+            <a:p>
+              <a:r>
+                <a:rPr lang="en-US" sz="2600" i="1" dirty="0">
+                  <a:solidFill>
+                    <a:srgbClr val="C00000"/>
+                  </a:solidFill>
+                  <a:latin typeface="Arial" panose="020B0604020202020204" pitchFamily="34" charset="0"/>
+                  <a:cs typeface="Arial" panose="020B0604020202020204" pitchFamily="34" charset="0"/>
+                </a:rPr>
+                <a:t>No-LCP</a:t>
+              </a:r>
+            </a:p>
+          </p:txBody>
+        </p:sp>
+        <p:sp>
+          <p:nvSpPr>
+            <p:cNvPr id="84" name="TextBox 83">
+              <a:extLst>
+                <a:ext uri="{FF2B5EF4-FFF2-40B4-BE49-F238E27FC236}">
+                  <a16:creationId xmlns:a16="http://schemas.microsoft.com/office/drawing/2014/main" id="{9EF04F39-8717-4D64-ACD8-F18DF85E54BB}"/>
+                </a:ext>
+              </a:extLst>
+            </p:cNvPr>
+            <p:cNvSpPr txBox="1"/>
+            <p:nvPr/>
+          </p:nvSpPr>
+          <p:spPr>
+            <a:xfrm>
+              <a:off x="18921896" y="4860919"/>
+              <a:ext cx="2011680" cy="492443"/>
+            </a:xfrm>
+            <a:prstGeom prst="rect">
+              <a:avLst/>
+            </a:prstGeom>
+            <a:noFill/>
+          </p:spPr>
+          <p:txBody>
+            <a:bodyPr wrap="square" rtlCol="0">
+              <a:spAutoFit/>
+            </a:bodyPr>
+            <a:lstStyle/>
+            <a:p>
+              <a:r>
+                <a:rPr lang="en-US" sz="2600" i="1" dirty="0">
+                  <a:solidFill>
+                    <a:srgbClr val="C00000"/>
+                  </a:solidFill>
+                  <a:latin typeface="Arial" panose="020B0604020202020204" pitchFamily="34" charset="0"/>
+                  <a:cs typeface="Arial" panose="020B0604020202020204" pitchFamily="34" charset="0"/>
+                </a:rPr>
+                <a:t>50%-LCP</a:t>
+              </a:r>
+            </a:p>
+          </p:txBody>
+        </p:sp>
+        <p:sp>
+          <p:nvSpPr>
+            <p:cNvPr id="85" name="TextBox 84">
+              <a:extLst>
+                <a:ext uri="{FF2B5EF4-FFF2-40B4-BE49-F238E27FC236}">
+                  <a16:creationId xmlns:a16="http://schemas.microsoft.com/office/drawing/2014/main" id="{F9E23639-C163-4A87-A1D4-E2392A367D55}"/>
+                </a:ext>
+              </a:extLst>
+            </p:cNvPr>
+            <p:cNvSpPr txBox="1"/>
+            <p:nvPr/>
+          </p:nvSpPr>
+          <p:spPr>
+            <a:xfrm>
+              <a:off x="14614108" y="7241865"/>
+              <a:ext cx="1882618" cy="892552"/>
+            </a:xfrm>
+            <a:prstGeom prst="rect">
+              <a:avLst/>
+            </a:prstGeom>
+            <a:noFill/>
+          </p:spPr>
+          <p:txBody>
+            <a:bodyPr wrap="square" rtlCol="0">
+              <a:spAutoFit/>
+            </a:bodyPr>
+            <a:lstStyle/>
+            <a:p>
+              <a:r>
+                <a:rPr lang="en-US" sz="2600" i="1" dirty="0">
+                  <a:solidFill>
+                    <a:srgbClr val="5D2884"/>
+                  </a:solidFill>
+                  <a:latin typeface="Arial" panose="020B0604020202020204" pitchFamily="34" charset="0"/>
+                  <a:cs typeface="Arial" panose="020B0604020202020204" pitchFamily="34" charset="0"/>
+                </a:rPr>
+                <a:t>1.5 °C</a:t>
+              </a:r>
+            </a:p>
+            <a:p>
+              <a:r>
+                <a:rPr lang="en-US" sz="2600" i="1" dirty="0">
+                  <a:solidFill>
+                    <a:srgbClr val="5D2884"/>
+                  </a:solidFill>
+                  <a:latin typeface="Arial" panose="020B0604020202020204" pitchFamily="34" charset="0"/>
+                  <a:cs typeface="Arial" panose="020B0604020202020204" pitchFamily="34" charset="0"/>
+                </a:rPr>
+                <a:t>100%-LCP</a:t>
+              </a:r>
+            </a:p>
+          </p:txBody>
+        </p:sp>
+        <p:cxnSp>
+          <p:nvCxnSpPr>
+            <p:cNvPr id="86" name="Straight Connector 85">
+              <a:extLst>
+                <a:ext uri="{FF2B5EF4-FFF2-40B4-BE49-F238E27FC236}">
+                  <a16:creationId xmlns:a16="http://schemas.microsoft.com/office/drawing/2014/main" id="{7D973A55-5001-4E48-B7C0-303C2496A1EB}"/>
+                </a:ext>
+              </a:extLst>
+            </p:cNvPr>
+            <p:cNvCxnSpPr>
+              <a:cxnSpLocks/>
+            </p:cNvCxnSpPr>
+            <p:nvPr/>
+          </p:nvCxnSpPr>
+          <p:spPr>
+            <a:xfrm flipH="1" flipV="1">
+              <a:off x="14991238" y="6579229"/>
+              <a:ext cx="184584" cy="662636"/>
+            </a:xfrm>
+            <a:prstGeom prst="line">
+              <a:avLst/>
+            </a:prstGeom>
+            <a:ln w="19050">
+              <a:solidFill>
+                <a:srgbClr val="7030A0"/>
+              </a:solidFill>
+            </a:ln>
+          </p:spPr>
+          <p:style>
+            <a:lnRef idx="1">
+              <a:schemeClr val="accent1"/>
+            </a:lnRef>
+            <a:fillRef idx="0">
+              <a:schemeClr val="accent1"/>
+            </a:fillRef>
+            <a:effectRef idx="0">
+              <a:schemeClr val="accent1"/>
+            </a:effectRef>
+            <a:fontRef idx="minor">
+              <a:schemeClr val="tx1"/>
+            </a:fontRef>
+          </p:style>
+        </p:cxnSp>
+        <p:sp>
+          <p:nvSpPr>
+            <p:cNvPr id="87" name="TextBox 86">
+              <a:extLst>
+                <a:ext uri="{FF2B5EF4-FFF2-40B4-BE49-F238E27FC236}">
+                  <a16:creationId xmlns:a16="http://schemas.microsoft.com/office/drawing/2014/main" id="{C08C3504-BAF1-444E-8389-998052A5B008}"/>
+                </a:ext>
+              </a:extLst>
+            </p:cNvPr>
+            <p:cNvSpPr txBox="1"/>
+            <p:nvPr/>
+          </p:nvSpPr>
+          <p:spPr>
+            <a:xfrm>
+              <a:off x="18721014" y="7241865"/>
+              <a:ext cx="1828800" cy="892552"/>
+            </a:xfrm>
+            <a:prstGeom prst="rect">
+              <a:avLst/>
+            </a:prstGeom>
+            <a:noFill/>
+          </p:spPr>
+          <p:txBody>
+            <a:bodyPr wrap="square" rtlCol="0">
+              <a:spAutoFit/>
+            </a:bodyPr>
+            <a:lstStyle/>
+            <a:p>
+              <a:r>
+                <a:rPr lang="en-US" sz="2600" i="1" dirty="0">
+                  <a:solidFill>
+                    <a:srgbClr val="0070C0"/>
+                  </a:solidFill>
+                  <a:latin typeface="Arial" panose="020B0604020202020204" pitchFamily="34" charset="0"/>
+                  <a:cs typeface="Arial" panose="020B0604020202020204" pitchFamily="34" charset="0"/>
+                </a:rPr>
+                <a:t>Low-</a:t>
+              </a:r>
+            </a:p>
+            <a:p>
+              <a:r>
+                <a:rPr lang="en-US" sz="2600" i="1" dirty="0">
+                  <a:solidFill>
+                    <a:srgbClr val="0070C0"/>
+                  </a:solidFill>
+                  <a:latin typeface="Arial" panose="020B0604020202020204" pitchFamily="34" charset="0"/>
+                  <a:cs typeface="Arial" panose="020B0604020202020204" pitchFamily="34" charset="0"/>
+                </a:rPr>
+                <a:t>Bioenergy</a:t>
+              </a:r>
+            </a:p>
+          </p:txBody>
+        </p:sp>
+        <p:cxnSp>
+          <p:nvCxnSpPr>
+            <p:cNvPr id="88" name="Straight Connector 87">
+              <a:extLst>
+                <a:ext uri="{FF2B5EF4-FFF2-40B4-BE49-F238E27FC236}">
+                  <a16:creationId xmlns:a16="http://schemas.microsoft.com/office/drawing/2014/main" id="{15291624-A458-4117-9B67-9DD8014DB3AA}"/>
+                </a:ext>
+              </a:extLst>
+            </p:cNvPr>
+            <p:cNvCxnSpPr>
+              <a:cxnSpLocks/>
+            </p:cNvCxnSpPr>
+            <p:nvPr/>
+          </p:nvCxnSpPr>
+          <p:spPr>
+            <a:xfrm flipH="1" flipV="1">
+              <a:off x="18914456" y="6948131"/>
+              <a:ext cx="105334" cy="348205"/>
+            </a:xfrm>
+            <a:prstGeom prst="line">
+              <a:avLst/>
+            </a:prstGeom>
+            <a:ln w="19050">
+              <a:solidFill>
+                <a:srgbClr val="00B0F0"/>
+              </a:solidFill>
+            </a:ln>
+          </p:spPr>
+          <p:style>
+            <a:lnRef idx="1">
+              <a:schemeClr val="accent1"/>
+            </a:lnRef>
+            <a:fillRef idx="0">
+              <a:schemeClr val="accent1"/>
+            </a:fillRef>
+            <a:effectRef idx="0">
+              <a:schemeClr val="accent1"/>
+            </a:effectRef>
+            <a:fontRef idx="minor">
+              <a:schemeClr val="tx1"/>
+            </a:fontRef>
+          </p:style>
+        </p:cxnSp>
+        <p:cxnSp>
+          <p:nvCxnSpPr>
+            <p:cNvPr id="89" name="Straight Connector 88">
+              <a:extLst>
+                <a:ext uri="{FF2B5EF4-FFF2-40B4-BE49-F238E27FC236}">
+                  <a16:creationId xmlns:a16="http://schemas.microsoft.com/office/drawing/2014/main" id="{4EFAA973-CD96-4FAA-83FF-AA892AA77642}"/>
+                </a:ext>
+              </a:extLst>
+            </p:cNvPr>
+            <p:cNvCxnSpPr>
+              <a:cxnSpLocks/>
+            </p:cNvCxnSpPr>
+            <p:nvPr/>
+          </p:nvCxnSpPr>
+          <p:spPr>
+            <a:xfrm flipV="1">
+              <a:off x="18572483" y="5963504"/>
+              <a:ext cx="394640" cy="353539"/>
+            </a:xfrm>
+            <a:prstGeom prst="line">
+              <a:avLst/>
+            </a:prstGeom>
+            <a:ln w="19050">
+              <a:solidFill>
+                <a:srgbClr val="C00000"/>
+              </a:solidFill>
+            </a:ln>
+          </p:spPr>
+          <p:style>
+            <a:lnRef idx="1">
+              <a:schemeClr val="accent1"/>
+            </a:lnRef>
+            <a:fillRef idx="0">
+              <a:schemeClr val="accent1"/>
+            </a:fillRef>
+            <a:effectRef idx="0">
+              <a:schemeClr val="accent1"/>
+            </a:effectRef>
+            <a:fontRef idx="minor">
+              <a:schemeClr val="tx1"/>
+            </a:fontRef>
+          </p:style>
+        </p:cxnSp>
+        <p:cxnSp>
+          <p:nvCxnSpPr>
+            <p:cNvPr id="90" name="Straight Connector 89">
+              <a:extLst>
+                <a:ext uri="{FF2B5EF4-FFF2-40B4-BE49-F238E27FC236}">
+                  <a16:creationId xmlns:a16="http://schemas.microsoft.com/office/drawing/2014/main" id="{C91C5D28-6CEA-40BB-88D8-AB3C4D945C54}"/>
+                </a:ext>
+              </a:extLst>
+            </p:cNvPr>
+            <p:cNvCxnSpPr>
+              <a:cxnSpLocks/>
+              <a:stCxn id="27" idx="7"/>
+            </p:cNvCxnSpPr>
+            <p:nvPr/>
+          </p:nvCxnSpPr>
+          <p:spPr>
+            <a:xfrm flipV="1">
+              <a:off x="18046069" y="5221525"/>
+              <a:ext cx="868387" cy="577362"/>
+            </a:xfrm>
+            <a:prstGeom prst="line">
+              <a:avLst/>
+            </a:prstGeom>
+            <a:ln w="19050">
+              <a:solidFill>
+                <a:srgbClr val="C00000"/>
+              </a:solidFill>
+            </a:ln>
+          </p:spPr>
+          <p:style>
+            <a:lnRef idx="1">
+              <a:schemeClr val="accent1"/>
+            </a:lnRef>
+            <a:fillRef idx="0">
+              <a:schemeClr val="accent1"/>
+            </a:fillRef>
+            <a:effectRef idx="0">
+              <a:schemeClr val="accent1"/>
+            </a:effectRef>
+            <a:fontRef idx="minor">
+              <a:schemeClr val="tx1"/>
+            </a:fontRef>
+          </p:style>
+        </p:cxnSp>
+        <p:cxnSp>
+          <p:nvCxnSpPr>
+            <p:cNvPr id="91" name="Straight Connector 90">
+              <a:extLst>
+                <a:ext uri="{FF2B5EF4-FFF2-40B4-BE49-F238E27FC236}">
+                  <a16:creationId xmlns:a16="http://schemas.microsoft.com/office/drawing/2014/main" id="{919F7665-41C2-451E-9FAD-6FEBB315BCDF}"/>
+                </a:ext>
+              </a:extLst>
+            </p:cNvPr>
+            <p:cNvCxnSpPr>
+              <a:cxnSpLocks/>
+              <a:stCxn id="26" idx="7"/>
+            </p:cNvCxnSpPr>
+            <p:nvPr/>
+          </p:nvCxnSpPr>
+          <p:spPr>
+            <a:xfrm flipV="1">
+              <a:off x="17052722" y="4521328"/>
+              <a:ext cx="1861734" cy="308999"/>
+            </a:xfrm>
+            <a:prstGeom prst="line">
+              <a:avLst/>
+            </a:prstGeom>
+            <a:ln w="19050">
+              <a:solidFill>
+                <a:srgbClr val="C00000"/>
+              </a:solidFill>
+            </a:ln>
+          </p:spPr>
+          <p:style>
+            <a:lnRef idx="1">
+              <a:schemeClr val="accent1"/>
+            </a:lnRef>
+            <a:fillRef idx="0">
+              <a:schemeClr val="accent1"/>
+            </a:fillRef>
+            <a:effectRef idx="0">
+              <a:schemeClr val="accent1"/>
+            </a:effectRef>
+            <a:fontRef idx="minor">
+              <a:schemeClr val="tx1"/>
+            </a:fontRef>
+          </p:style>
+        </p:cxnSp>
+      </p:grpSp>
+      <p:sp>
+        <p:nvSpPr>
+          <p:cNvPr id="8" name="TextBox 7">
+            <a:extLst>
+              <a:ext uri="{FF2B5EF4-FFF2-40B4-BE49-F238E27FC236}">
+                <a16:creationId xmlns:a16="http://schemas.microsoft.com/office/drawing/2014/main" id="{774958F5-7046-9CF7-C0DF-5F0C7FF6154B}"/>
+              </a:ext>
+            </a:extLst>
+          </p:cNvPr>
+          <p:cNvSpPr txBox="1"/>
+          <p:nvPr/>
+        </p:nvSpPr>
+        <p:spPr>
+          <a:xfrm rot="10800000" flipV="1">
+            <a:off x="12987056" y="11843384"/>
+            <a:ext cx="7562345" cy="538039"/>
+          </a:xfrm>
+          <a:prstGeom prst="rect">
+            <a:avLst/>
+          </a:prstGeom>
+          <a:noFill/>
+        </p:spPr>
+        <p:txBody>
+          <a:bodyPr wrap="square">
+            <a:spAutoFit/>
+          </a:bodyPr>
+          <a:lstStyle/>
+          <a:p>
+            <a:r>
+              <a:rPr lang="en-US" sz="2801" b="1" dirty="0">
+                <a:latin typeface="Arial" panose="020B0604020202020204" pitchFamily="34" charset="0"/>
+                <a:cs typeface="Arial" panose="020B0604020202020204" pitchFamily="34" charset="0"/>
+              </a:rPr>
+              <a:t>EIP and land system mitigation policy</a:t>
+            </a:r>
+          </a:p>
+        </p:txBody>
+      </p:sp>
+      <p:graphicFrame>
+        <p:nvGraphicFramePr>
+          <p:cNvPr id="9" name="Table 8">
+            <a:extLst>
+              <a:ext uri="{FF2B5EF4-FFF2-40B4-BE49-F238E27FC236}">
+                <a16:creationId xmlns:a16="http://schemas.microsoft.com/office/drawing/2014/main" id="{DBFDD731-D8C2-EF47-699C-5347D9CD3F76}"/>
+              </a:ext>
+            </a:extLst>
+          </p:cNvPr>
+          <p:cNvGraphicFramePr>
+            <a:graphicFrameLocks noGrp="1"/>
+          </p:cNvGraphicFramePr>
+          <p:nvPr/>
+        </p:nvGraphicFramePr>
+        <p:xfrm>
+          <a:off x="9429341" y="12732324"/>
+          <a:ext cx="11978640" cy="5577840"/>
+        </p:xfrm>
+        <a:graphic>
+          <a:graphicData uri="http://schemas.openxmlformats.org/drawingml/2006/table">
+            <a:tbl>
+              <a:tblPr firstRow="1" bandRow="1">
+                <a:tableStyleId>{2D5ABB26-0587-4C30-8999-92F81FD0307C}</a:tableStyleId>
+              </a:tblPr>
+              <a:tblGrid>
+                <a:gridCol w="3566160">
+                  <a:extLst>
+                    <a:ext uri="{9D8B030D-6E8A-4147-A177-3AD203B41FA5}">
+                      <a16:colId xmlns:a16="http://schemas.microsoft.com/office/drawing/2014/main" val="4007227918"/>
+                    </a:ext>
+                  </a:extLst>
+                </a:gridCol>
+                <a:gridCol w="8412480">
+                  <a:extLst>
+                    <a:ext uri="{9D8B030D-6E8A-4147-A177-3AD203B41FA5}">
+                      <a16:colId xmlns:a16="http://schemas.microsoft.com/office/drawing/2014/main" val="474388085"/>
+                    </a:ext>
+                  </a:extLst>
+                </a:gridCol>
+              </a:tblGrid>
+              <a:tr h="1097280">
+                <a:tc>
+                  <a:txBody>
+                    <a:bodyPr/>
+                    <a:lstStyle/>
+                    <a:p>
+                      <a:pPr algn="l"/>
+                      <a:r>
+                        <a:rPr lang="en-US" sz="2800" b="1" i="0" dirty="0">
+                          <a:latin typeface="Arial" panose="020B0604020202020204" pitchFamily="34" charset="0"/>
+                          <a:cs typeface="Arial" panose="020B0604020202020204" pitchFamily="34" charset="0"/>
+                        </a:rPr>
+                        <a:t>2 °C (Main)</a:t>
+                      </a:r>
+                      <a:endParaRPr lang="en-US" sz="2800" i="0" dirty="0">
+                        <a:latin typeface="Arial" panose="020B0604020202020204" pitchFamily="34" charset="0"/>
+                        <a:cs typeface="Arial" panose="020B0604020202020204" pitchFamily="34" charset="0"/>
+                      </a:endParaRPr>
+                    </a:p>
+                  </a:txBody>
+                  <a:tcPr anchor="ctr">
+                    <a:lnL w="12700" cap="flat" cmpd="sng" algn="ctr">
+                      <a:noFill/>
+                      <a:prstDash val="solid"/>
+                      <a:round/>
+                      <a:headEnd type="none" w="med" len="med"/>
+                      <a:tailEnd type="none" w="med" len="med"/>
+                    </a:lnL>
+                    <a:lnR w="12700" cap="flat" cmpd="sng" algn="ctr">
+                      <a:noFill/>
+                      <a:prstDash val="solid"/>
+                      <a:round/>
+                      <a:headEnd type="none" w="med" len="med"/>
+                      <a:tailEnd type="none" w="med" len="med"/>
+                    </a:lnR>
+                    <a:lnT w="12700" cap="flat" cmpd="sng" algn="ctr">
+                      <a:solidFill>
+                        <a:schemeClr val="tx1"/>
+                      </a:solidFill>
+                      <a:prstDash val="dash"/>
+                      <a:round/>
+                      <a:headEnd type="none" w="med" len="med"/>
+                      <a:tailEnd type="none" w="med" len="med"/>
+                    </a:lnT>
+                    <a:lnB w="12700" cap="flat" cmpd="sng" algn="ctr">
+                      <a:solidFill>
+                        <a:schemeClr val="tx1"/>
+                      </a:solidFill>
+                      <a:prstDash val="dash"/>
+                      <a:round/>
+                      <a:headEnd type="none" w="med" len="med"/>
+                      <a:tailEnd type="none" w="med" len="med"/>
+                    </a:lnB>
+                    <a:lnTlToBr w="12700" cmpd="sng">
+                      <a:noFill/>
+                      <a:prstDash val="solid"/>
+                    </a:lnTlToBr>
+                    <a:lnBlToTr w="12700" cmpd="sng">
+                      <a:noFill/>
+                      <a:prstDash val="solid"/>
+                    </a:lnBlToTr>
+                  </a:tcPr>
+                </a:tc>
+                <a:tc>
+                  <a:txBody>
+                    <a:bodyPr/>
+                    <a:lstStyle/>
+                    <a:p>
+                      <a:pPr algn="l"/>
+                      <a:r>
+                        <a:rPr lang="en-US" sz="2400" i="0" dirty="0">
+                          <a:latin typeface="Arial" panose="020B0604020202020204" pitchFamily="34" charset="0"/>
+                          <a:cs typeface="Arial" panose="020B0604020202020204" pitchFamily="34" charset="0"/>
+                        </a:rPr>
+                        <a:t>G</a:t>
+                      </a:r>
+                      <a:r>
+                        <a:rPr lang="en-US" sz="2400" dirty="0">
+                          <a:latin typeface="Arial" panose="020B0604020202020204" pitchFamily="34" charset="0"/>
+                          <a:cs typeface="Arial" panose="020B0604020202020204" pitchFamily="34" charset="0"/>
+                        </a:rPr>
+                        <a:t>lobal EIP system-wide carbon pricing with an e</a:t>
+                      </a:r>
+                      <a:r>
+                        <a:rPr lang="en-US" sz="2400" i="0" dirty="0">
+                          <a:latin typeface="Arial" panose="020B0604020202020204" pitchFamily="34" charset="0"/>
+                          <a:cs typeface="Arial" panose="020B0604020202020204" pitchFamily="34" charset="0"/>
+                        </a:rPr>
+                        <a:t>nd-of-century CB of 1150 </a:t>
+                      </a:r>
+                      <a:r>
+                        <a:rPr lang="en-US" sz="2400" dirty="0">
+                          <a:latin typeface="Arial" panose="020B0604020202020204" pitchFamily="34" charset="0"/>
+                          <a:cs typeface="Arial" panose="020B0604020202020204" pitchFamily="34" charset="0"/>
+                        </a:rPr>
+                        <a:t>GtCO</a:t>
+                      </a:r>
+                      <a:r>
+                        <a:rPr lang="en-US" sz="2400" baseline="-25000" dirty="0">
+                          <a:latin typeface="Arial" panose="020B0604020202020204" pitchFamily="34" charset="0"/>
+                          <a:cs typeface="Arial" panose="020B0604020202020204" pitchFamily="34" charset="0"/>
+                        </a:rPr>
+                        <a:t>2</a:t>
+                      </a:r>
+                      <a:r>
+                        <a:rPr lang="en-US" sz="2400" i="0" dirty="0">
+                          <a:latin typeface="Arial" panose="020B0604020202020204" pitchFamily="34" charset="0"/>
+                          <a:cs typeface="Arial" panose="020B0604020202020204" pitchFamily="34" charset="0"/>
+                        </a:rPr>
+                        <a:t>; credit all land for carbon storage. </a:t>
+                      </a:r>
+                      <a:endParaRPr lang="en-US" sz="2400" dirty="0">
+                        <a:latin typeface="Arial" panose="020B0604020202020204" pitchFamily="34" charset="0"/>
+                        <a:cs typeface="Arial" panose="020B0604020202020204" pitchFamily="34" charset="0"/>
+                      </a:endParaRPr>
+                    </a:p>
+                  </a:txBody>
+                  <a:tcPr anchor="ctr">
+                    <a:lnL w="12700" cap="flat" cmpd="sng" algn="ctr">
+                      <a:noFill/>
+                      <a:prstDash val="solid"/>
+                      <a:round/>
+                      <a:headEnd type="none" w="med" len="med"/>
+                      <a:tailEnd type="none" w="med" len="med"/>
+                    </a:lnL>
+                    <a:lnR w="12700" cap="flat" cmpd="sng" algn="ctr">
+                      <a:noFill/>
+                      <a:prstDash val="solid"/>
+                      <a:round/>
+                      <a:headEnd type="none" w="med" len="med"/>
+                      <a:tailEnd type="none" w="med" len="med"/>
+                    </a:lnR>
+                    <a:lnT w="12700" cap="flat" cmpd="sng" algn="ctr">
+                      <a:solidFill>
+                        <a:schemeClr val="tx1"/>
+                      </a:solidFill>
+                      <a:prstDash val="dash"/>
+                      <a:round/>
+                      <a:headEnd type="none" w="med" len="med"/>
+                      <a:tailEnd type="none" w="med" len="med"/>
+                    </a:lnT>
+                    <a:lnB w="12700" cap="flat" cmpd="sng" algn="ctr">
+                      <a:solidFill>
+                        <a:schemeClr val="tx1"/>
+                      </a:solidFill>
+                      <a:prstDash val="dash"/>
+                      <a:round/>
+                      <a:headEnd type="none" w="med" len="med"/>
+                      <a:tailEnd type="none" w="med" len="med"/>
+                    </a:lnB>
+                    <a:lnTlToBr w="12700" cmpd="sng">
+                      <a:noFill/>
+                      <a:prstDash val="solid"/>
+                    </a:lnTlToBr>
+                    <a:lnBlToTr w="12700" cmpd="sng">
+                      <a:noFill/>
+                      <a:prstDash val="solid"/>
+                    </a:lnBlToTr>
+                  </a:tcPr>
+                </a:tc>
+                <a:extLst>
+                  <a:ext uri="{0D108BD9-81ED-4DB2-BD59-A6C34878D82A}">
+                    <a16:rowId xmlns:a16="http://schemas.microsoft.com/office/drawing/2014/main" val="3499512929"/>
+                  </a:ext>
+                </a:extLst>
+              </a:tr>
+              <a:tr h="1097280">
+                <a:tc>
+                  <a:txBody>
+                    <a:bodyPr/>
+                    <a:lstStyle/>
+                    <a:p>
+                      <a:pPr marL="0" marR="0" lvl="0" indent="0" algn="l" defTabSz="1097280" rtl="0" eaLnBrk="1" fontAlgn="auto" latinLnBrk="0" hangingPunct="1">
+                        <a:lnSpc>
+                          <a:spcPct val="100000"/>
+                        </a:lnSpc>
+                        <a:spcBef>
+                          <a:spcPts val="0"/>
+                        </a:spcBef>
+                        <a:spcAft>
+                          <a:spcPts val="0"/>
+                        </a:spcAft>
+                        <a:buClrTx/>
+                        <a:buSzTx/>
+                        <a:buFontTx/>
+                        <a:buNone/>
+                        <a:tabLst/>
+                        <a:defRPr/>
+                      </a:pPr>
+                      <a:r>
+                        <a:rPr lang="en-US" sz="2800" b="1" i="0" dirty="0">
+                          <a:latin typeface="Arial" panose="020B0604020202020204" pitchFamily="34" charset="0"/>
+                          <a:cs typeface="Arial" panose="020B0604020202020204" pitchFamily="34" charset="0"/>
+                        </a:rPr>
+                        <a:t>2 °C A/R-Focused</a:t>
+                      </a:r>
+                      <a:endParaRPr lang="en-US" sz="2800" b="0" i="0" dirty="0">
+                        <a:latin typeface="Arial" panose="020B0604020202020204" pitchFamily="34" charset="0"/>
+                        <a:cs typeface="Arial" panose="020B0604020202020204" pitchFamily="34" charset="0"/>
+                      </a:endParaRPr>
+                    </a:p>
+                  </a:txBody>
+                  <a:tcPr anchor="ctr">
+                    <a:lnL w="12700" cap="flat" cmpd="sng" algn="ctr">
+                      <a:noFill/>
+                      <a:prstDash val="solid"/>
+                      <a:round/>
+                      <a:headEnd type="none" w="med" len="med"/>
+                      <a:tailEnd type="none" w="med" len="med"/>
+                    </a:lnL>
+                    <a:lnR w="12700" cap="flat" cmpd="sng" algn="ctr">
+                      <a:noFill/>
+                      <a:prstDash val="solid"/>
+                      <a:round/>
+                      <a:headEnd type="none" w="med" len="med"/>
+                      <a:tailEnd type="none" w="med" len="med"/>
+                    </a:lnR>
+                    <a:lnT w="12700" cap="flat" cmpd="sng" algn="ctr">
+                      <a:solidFill>
+                        <a:schemeClr val="tx1"/>
+                      </a:solidFill>
+                      <a:prstDash val="dash"/>
+                      <a:round/>
+                      <a:headEnd type="none" w="med" len="med"/>
+                      <a:tailEnd type="none" w="med" len="med"/>
+                    </a:lnT>
+                    <a:lnB w="12700" cap="flat" cmpd="sng" algn="ctr">
+                      <a:solidFill>
+                        <a:schemeClr val="tx1"/>
+                      </a:solidFill>
+                      <a:prstDash val="dash"/>
+                      <a:round/>
+                      <a:headEnd type="none" w="med" len="med"/>
+                      <a:tailEnd type="none" w="med" len="med"/>
+                    </a:lnB>
+                    <a:lnTlToBr w="12700" cmpd="sng">
+                      <a:noFill/>
+                      <a:prstDash val="solid"/>
+                    </a:lnTlToBr>
+                    <a:lnBlToTr w="12700" cmpd="sng">
+                      <a:noFill/>
+                      <a:prstDash val="solid"/>
+                    </a:lnBlToTr>
+                  </a:tcPr>
+                </a:tc>
+                <a:tc>
+                  <a:txBody>
+                    <a:bodyPr/>
+                    <a:lstStyle/>
+                    <a:p>
+                      <a:pPr marL="0" marR="0" lvl="0" indent="0" algn="l" defTabSz="1097280" rtl="0" eaLnBrk="1" fontAlgn="auto" latinLnBrk="0" hangingPunct="1">
+                        <a:lnSpc>
+                          <a:spcPct val="100000"/>
+                        </a:lnSpc>
+                        <a:spcBef>
+                          <a:spcPts val="0"/>
+                        </a:spcBef>
+                        <a:spcAft>
+                          <a:spcPts val="0"/>
+                        </a:spcAft>
+                        <a:buClrTx/>
+                        <a:buSzTx/>
+                        <a:buFontTx/>
+                        <a:buNone/>
+                        <a:tabLst/>
+                        <a:defRPr/>
+                      </a:pPr>
+                      <a:r>
+                        <a:rPr lang="en-US" sz="2400" b="0" i="0" dirty="0">
+                          <a:latin typeface="Arial" panose="020B0604020202020204" pitchFamily="34" charset="0"/>
+                          <a:cs typeface="Arial" panose="020B0604020202020204" pitchFamily="34" charset="0"/>
+                        </a:rPr>
+                        <a:t>Credit only forest land for carbon storage.</a:t>
+                      </a:r>
+                    </a:p>
+                  </a:txBody>
+                  <a:tcPr anchor="ctr">
+                    <a:lnL w="12700" cap="flat" cmpd="sng" algn="ctr">
+                      <a:noFill/>
+                      <a:prstDash val="solid"/>
+                      <a:round/>
+                      <a:headEnd type="none" w="med" len="med"/>
+                      <a:tailEnd type="none" w="med" len="med"/>
+                    </a:lnL>
+                    <a:lnR w="12700" cap="flat" cmpd="sng" algn="ctr">
+                      <a:noFill/>
+                      <a:prstDash val="solid"/>
+                      <a:round/>
+                      <a:headEnd type="none" w="med" len="med"/>
+                      <a:tailEnd type="none" w="med" len="med"/>
+                    </a:lnR>
+                    <a:lnT w="12700" cap="flat" cmpd="sng" algn="ctr">
+                      <a:solidFill>
+                        <a:schemeClr val="tx1"/>
+                      </a:solidFill>
+                      <a:prstDash val="dash"/>
+                      <a:round/>
+                      <a:headEnd type="none" w="med" len="med"/>
+                      <a:tailEnd type="none" w="med" len="med"/>
+                    </a:lnT>
+                    <a:lnB w="12700" cap="flat" cmpd="sng" algn="ctr">
+                      <a:solidFill>
+                        <a:schemeClr val="tx1"/>
+                      </a:solidFill>
+                      <a:prstDash val="dash"/>
+                      <a:round/>
+                      <a:headEnd type="none" w="med" len="med"/>
+                      <a:tailEnd type="none" w="med" len="med"/>
+                    </a:lnB>
+                    <a:lnTlToBr w="12700" cmpd="sng">
+                      <a:noFill/>
+                      <a:prstDash val="solid"/>
+                    </a:lnTlToBr>
+                    <a:lnBlToTr w="12700" cmpd="sng">
+                      <a:noFill/>
+                      <a:prstDash val="solid"/>
+                    </a:lnBlToTr>
+                  </a:tcPr>
+                </a:tc>
+                <a:extLst>
+                  <a:ext uri="{0D108BD9-81ED-4DB2-BD59-A6C34878D82A}">
+                    <a16:rowId xmlns:a16="http://schemas.microsoft.com/office/drawing/2014/main" val="160685118"/>
+                  </a:ext>
+                </a:extLst>
+              </a:tr>
+              <a:tr h="1097280">
+                <a:tc>
+                  <a:txBody>
+                    <a:bodyPr/>
+                    <a:lstStyle/>
+                    <a:p>
+                      <a:pPr marL="0" marR="0" lvl="0" indent="0" algn="l" defTabSz="1097280" rtl="0" eaLnBrk="1" fontAlgn="auto" latinLnBrk="0" hangingPunct="1">
+                        <a:lnSpc>
+                          <a:spcPct val="100000"/>
+                        </a:lnSpc>
+                        <a:spcBef>
+                          <a:spcPts val="0"/>
+                        </a:spcBef>
+                        <a:spcAft>
+                          <a:spcPts val="0"/>
+                        </a:spcAft>
+                        <a:buClrTx/>
+                        <a:buSzTx/>
+                        <a:buFontTx/>
+                        <a:buNone/>
+                        <a:tabLst/>
+                        <a:defRPr/>
+                      </a:pPr>
+                      <a:r>
+                        <a:rPr lang="en-US" sz="2800" b="1" i="0" dirty="0">
+                          <a:latin typeface="Arial" panose="020B0604020202020204" pitchFamily="34" charset="0"/>
+                          <a:cs typeface="Arial" panose="020B0604020202020204" pitchFamily="34" charset="0"/>
+                        </a:rPr>
+                        <a:t>2 °C Low-Bioenergy</a:t>
+                      </a:r>
+                      <a:endParaRPr lang="en-US" sz="2800" i="0" dirty="0">
+                        <a:latin typeface="Arial" panose="020B0604020202020204" pitchFamily="34" charset="0"/>
+                        <a:cs typeface="Arial" panose="020B0604020202020204" pitchFamily="34" charset="0"/>
+                      </a:endParaRPr>
+                    </a:p>
+                  </a:txBody>
+                  <a:tcPr anchor="ctr">
+                    <a:lnL w="12700" cap="flat" cmpd="sng" algn="ctr">
+                      <a:noFill/>
+                      <a:prstDash val="solid"/>
+                      <a:round/>
+                      <a:headEnd type="none" w="med" len="med"/>
+                      <a:tailEnd type="none" w="med" len="med"/>
+                    </a:lnL>
+                    <a:lnR w="12700" cap="flat" cmpd="sng" algn="ctr">
+                      <a:noFill/>
+                      <a:prstDash val="solid"/>
+                      <a:round/>
+                      <a:headEnd type="none" w="med" len="med"/>
+                      <a:tailEnd type="none" w="med" len="med"/>
+                    </a:lnR>
+                    <a:lnT w="12700" cap="flat" cmpd="sng" algn="ctr">
+                      <a:solidFill>
+                        <a:schemeClr val="tx1"/>
+                      </a:solidFill>
+                      <a:prstDash val="dash"/>
+                      <a:round/>
+                      <a:headEnd type="none" w="med" len="med"/>
+                      <a:tailEnd type="none" w="med" len="med"/>
+                    </a:lnT>
+                    <a:lnB w="12700" cap="flat" cmpd="sng" algn="ctr">
+                      <a:solidFill>
+                        <a:schemeClr val="tx1"/>
+                      </a:solidFill>
+                      <a:prstDash val="dash"/>
+                      <a:round/>
+                      <a:headEnd type="none" w="med" len="med"/>
+                      <a:tailEnd type="none" w="med" len="med"/>
+                    </a:lnB>
+                    <a:lnTlToBr w="12700" cmpd="sng">
+                      <a:noFill/>
+                      <a:prstDash val="solid"/>
+                    </a:lnTlToBr>
+                    <a:lnBlToTr w="12700" cmpd="sng">
+                      <a:noFill/>
+                      <a:prstDash val="solid"/>
+                    </a:lnBlToTr>
+                  </a:tcPr>
+                </a:tc>
+                <a:tc>
+                  <a:txBody>
+                    <a:bodyPr/>
+                    <a:lstStyle/>
+                    <a:p>
+                      <a:pPr marL="0" marR="0" lvl="0" indent="0" algn="l" defTabSz="1097280" rtl="0" eaLnBrk="1" fontAlgn="auto" latinLnBrk="0" hangingPunct="1">
+                        <a:lnSpc>
+                          <a:spcPct val="100000"/>
+                        </a:lnSpc>
+                        <a:spcBef>
+                          <a:spcPts val="0"/>
+                        </a:spcBef>
+                        <a:spcAft>
+                          <a:spcPts val="0"/>
+                        </a:spcAft>
+                        <a:buClrTx/>
+                        <a:buSzTx/>
+                        <a:buFontTx/>
+                        <a:buNone/>
+                        <a:tabLst/>
+                        <a:defRPr/>
+                      </a:pPr>
+                      <a:r>
+                        <a:rPr lang="en-US" sz="2400" b="0" i="0" dirty="0">
+                          <a:latin typeface="Arial" panose="020B0604020202020204" pitchFamily="34" charset="0"/>
+                          <a:cs typeface="Arial" panose="020B0604020202020204" pitchFamily="34" charset="0"/>
+                        </a:rPr>
+                        <a:t>L</a:t>
+                      </a:r>
+                      <a:r>
+                        <a:rPr lang="en-US" sz="2400" i="0" dirty="0">
+                          <a:latin typeface="Arial" panose="020B0604020202020204" pitchFamily="34" charset="0"/>
+                          <a:cs typeface="Arial" panose="020B0604020202020204" pitchFamily="34" charset="0"/>
+                        </a:rPr>
+                        <a:t>imit primary bioenergy by a linear path to 100 EJ in 2100.</a:t>
+                      </a:r>
+                    </a:p>
+                  </a:txBody>
+                  <a:tcPr anchor="ctr">
+                    <a:lnL w="12700" cap="flat" cmpd="sng" algn="ctr">
+                      <a:noFill/>
+                      <a:prstDash val="solid"/>
+                      <a:round/>
+                      <a:headEnd type="none" w="med" len="med"/>
+                      <a:tailEnd type="none" w="med" len="med"/>
+                    </a:lnL>
+                    <a:lnR w="12700" cap="flat" cmpd="sng" algn="ctr">
+                      <a:noFill/>
+                      <a:prstDash val="solid"/>
+                      <a:round/>
+                      <a:headEnd type="none" w="med" len="med"/>
+                      <a:tailEnd type="none" w="med" len="med"/>
+                    </a:lnR>
+                    <a:lnT w="12700" cap="flat" cmpd="sng" algn="ctr">
+                      <a:solidFill>
+                        <a:schemeClr val="tx1"/>
+                      </a:solidFill>
+                      <a:prstDash val="dash"/>
+                      <a:round/>
+                      <a:headEnd type="none" w="med" len="med"/>
+                      <a:tailEnd type="none" w="med" len="med"/>
+                    </a:lnT>
+                    <a:lnB w="12700" cap="flat" cmpd="sng" algn="ctr">
+                      <a:solidFill>
+                        <a:schemeClr val="tx1"/>
+                      </a:solidFill>
+                      <a:prstDash val="dash"/>
+                      <a:round/>
+                      <a:headEnd type="none" w="med" len="med"/>
+                      <a:tailEnd type="none" w="med" len="med"/>
+                    </a:lnB>
+                    <a:lnTlToBr w="12700" cmpd="sng">
+                      <a:noFill/>
+                      <a:prstDash val="solid"/>
+                    </a:lnTlToBr>
+                    <a:lnBlToTr w="12700" cmpd="sng">
+                      <a:noFill/>
+                      <a:prstDash val="solid"/>
+                    </a:lnBlToTr>
+                  </a:tcPr>
+                </a:tc>
+                <a:extLst>
+                  <a:ext uri="{0D108BD9-81ED-4DB2-BD59-A6C34878D82A}">
+                    <a16:rowId xmlns:a16="http://schemas.microsoft.com/office/drawing/2014/main" val="95149769"/>
+                  </a:ext>
+                </a:extLst>
+              </a:tr>
+              <a:tr h="1097280">
+                <a:tc>
+                  <a:txBody>
+                    <a:bodyPr/>
+                    <a:lstStyle/>
+                    <a:p>
+                      <a:pPr algn="l"/>
+                      <a:r>
+                        <a:rPr lang="en-US" sz="2800" b="1" i="0" dirty="0">
+                          <a:latin typeface="Arial" panose="020B0604020202020204" pitchFamily="34" charset="0"/>
+                          <a:cs typeface="Arial" panose="020B0604020202020204" pitchFamily="34" charset="0"/>
+                        </a:rPr>
+                        <a:t>1.5 °C</a:t>
+                      </a:r>
+                      <a:endParaRPr lang="en-US" sz="2800" i="0" dirty="0">
+                        <a:latin typeface="Arial" panose="020B0604020202020204" pitchFamily="34" charset="0"/>
+                        <a:cs typeface="Arial" panose="020B0604020202020204" pitchFamily="34" charset="0"/>
+                      </a:endParaRPr>
+                    </a:p>
+                  </a:txBody>
+                  <a:tcPr anchor="ctr">
+                    <a:lnL w="12700" cap="flat" cmpd="sng" algn="ctr">
+                      <a:noFill/>
+                      <a:prstDash val="solid"/>
+                      <a:round/>
+                      <a:headEnd type="none" w="med" len="med"/>
+                      <a:tailEnd type="none" w="med" len="med"/>
+                    </a:lnL>
+                    <a:lnR w="12700" cap="flat" cmpd="sng" algn="ctr">
+                      <a:noFill/>
+                      <a:prstDash val="solid"/>
+                      <a:round/>
+                      <a:headEnd type="none" w="med" len="med"/>
+                      <a:tailEnd type="none" w="med" len="med"/>
+                    </a:lnR>
+                    <a:lnT w="12700" cap="flat" cmpd="sng" algn="ctr">
+                      <a:solidFill>
+                        <a:schemeClr val="tx1"/>
+                      </a:solidFill>
+                      <a:prstDash val="dash"/>
+                      <a:round/>
+                      <a:headEnd type="none" w="med" len="med"/>
+                      <a:tailEnd type="none" w="med" len="med"/>
+                    </a:lnT>
+                    <a:lnB w="12700" cap="flat" cmpd="sng" algn="ctr">
+                      <a:solidFill>
+                        <a:schemeClr val="tx1"/>
+                      </a:solidFill>
+                      <a:prstDash val="dash"/>
+                      <a:round/>
+                      <a:headEnd type="none" w="med" len="med"/>
+                      <a:tailEnd type="none" w="med" len="med"/>
+                    </a:lnB>
+                    <a:lnTlToBr w="12700" cmpd="sng">
+                      <a:noFill/>
+                      <a:prstDash val="solid"/>
+                    </a:lnTlToBr>
+                    <a:lnBlToTr w="12700" cmpd="sng">
+                      <a:noFill/>
+                      <a:prstDash val="solid"/>
+                    </a:lnBlToTr>
+                  </a:tcPr>
+                </a:tc>
+                <a:tc>
+                  <a:txBody>
+                    <a:bodyPr/>
+                    <a:lstStyle/>
+                    <a:p>
+                      <a:pPr algn="l"/>
+                      <a:r>
+                        <a:rPr lang="en-US" sz="2400" i="0" dirty="0">
+                          <a:latin typeface="Arial" panose="020B0604020202020204" pitchFamily="34" charset="0"/>
+                          <a:cs typeface="Arial" panose="020B0604020202020204" pitchFamily="34" charset="0"/>
+                        </a:rPr>
+                        <a:t>End-of-century CB of 500 </a:t>
+                      </a:r>
+                      <a:r>
+                        <a:rPr lang="en-US" sz="2400" dirty="0">
+                          <a:latin typeface="Arial" panose="020B0604020202020204" pitchFamily="34" charset="0"/>
+                          <a:cs typeface="Arial" panose="020B0604020202020204" pitchFamily="34" charset="0"/>
+                        </a:rPr>
+                        <a:t>GtCO</a:t>
+                      </a:r>
+                      <a:r>
+                        <a:rPr lang="en-US" sz="2400" baseline="-25000" dirty="0">
+                          <a:latin typeface="Arial" panose="020B0604020202020204" pitchFamily="34" charset="0"/>
+                          <a:cs typeface="Arial" panose="020B0604020202020204" pitchFamily="34" charset="0"/>
+                        </a:rPr>
+                        <a:t>2</a:t>
+                      </a:r>
+                      <a:r>
+                        <a:rPr lang="en-US" sz="2400" i="0" dirty="0">
+                          <a:latin typeface="Arial" panose="020B0604020202020204" pitchFamily="34" charset="0"/>
+                          <a:cs typeface="Arial" panose="020B0604020202020204" pitchFamily="34" charset="0"/>
+                        </a:rPr>
+                        <a:t>.</a:t>
+                      </a:r>
+                    </a:p>
+                  </a:txBody>
+                  <a:tcPr anchor="ctr">
+                    <a:lnL w="12700" cap="flat" cmpd="sng" algn="ctr">
+                      <a:noFill/>
+                      <a:prstDash val="solid"/>
+                      <a:round/>
+                      <a:headEnd type="none" w="med" len="med"/>
+                      <a:tailEnd type="none" w="med" len="med"/>
+                    </a:lnL>
+                    <a:lnR w="12700" cap="flat" cmpd="sng" algn="ctr">
+                      <a:noFill/>
+                      <a:prstDash val="solid"/>
+                      <a:round/>
+                      <a:headEnd type="none" w="med" len="med"/>
+                      <a:tailEnd type="none" w="med" len="med"/>
+                    </a:lnR>
+                    <a:lnT w="12700" cap="flat" cmpd="sng" algn="ctr">
+                      <a:solidFill>
+                        <a:schemeClr val="tx1"/>
+                      </a:solidFill>
+                      <a:prstDash val="dash"/>
+                      <a:round/>
+                      <a:headEnd type="none" w="med" len="med"/>
+                      <a:tailEnd type="none" w="med" len="med"/>
+                    </a:lnT>
+                    <a:lnB w="12700" cap="flat" cmpd="sng" algn="ctr">
+                      <a:solidFill>
+                        <a:schemeClr val="tx1"/>
+                      </a:solidFill>
+                      <a:prstDash val="dash"/>
+                      <a:round/>
+                      <a:headEnd type="none" w="med" len="med"/>
+                      <a:tailEnd type="none" w="med" len="med"/>
+                    </a:lnB>
+                    <a:lnTlToBr w="12700" cmpd="sng">
+                      <a:noFill/>
+                      <a:prstDash val="solid"/>
+                    </a:lnTlToBr>
+                    <a:lnBlToTr w="12700" cmpd="sng">
+                      <a:noFill/>
+                      <a:prstDash val="solid"/>
+                    </a:lnBlToTr>
+                  </a:tcPr>
+                </a:tc>
+                <a:extLst>
+                  <a:ext uri="{0D108BD9-81ED-4DB2-BD59-A6C34878D82A}">
+                    <a16:rowId xmlns:a16="http://schemas.microsoft.com/office/drawing/2014/main" val="2171238414"/>
+                  </a:ext>
+                </a:extLst>
+              </a:tr>
+              <a:tr h="1097280">
+                <a:tc>
+                  <a:txBody>
+                    <a:bodyPr/>
+                    <a:lstStyle/>
+                    <a:p>
+                      <a:pPr algn="l"/>
+                      <a:endParaRPr lang="en-US" sz="2800" i="0" dirty="0">
+                        <a:latin typeface="Arial" panose="020B0604020202020204" pitchFamily="34" charset="0"/>
+                        <a:cs typeface="Arial" panose="020B0604020202020204" pitchFamily="34" charset="0"/>
+                      </a:endParaRPr>
+                    </a:p>
+                  </a:txBody>
+                  <a:tcPr anchor="ctr">
+                    <a:lnL w="12700" cap="flat" cmpd="sng" algn="ctr">
+                      <a:noFill/>
+                      <a:prstDash val="solid"/>
+                      <a:round/>
+                      <a:headEnd type="none" w="med" len="med"/>
+                      <a:tailEnd type="none" w="med" len="med"/>
+                    </a:lnL>
+                    <a:lnR w="12700" cap="flat" cmpd="sng" algn="ctr">
+                      <a:noFill/>
+                      <a:prstDash val="solid"/>
+                      <a:round/>
+                      <a:headEnd type="none" w="med" len="med"/>
+                      <a:tailEnd type="none" w="med" len="med"/>
+                    </a:lnR>
+                    <a:lnT w="12700" cap="flat" cmpd="sng" algn="ctr">
+                      <a:solidFill>
+                        <a:schemeClr val="tx1"/>
+                      </a:solidFill>
+                      <a:prstDash val="dash"/>
+                      <a:round/>
+                      <a:headEnd type="none" w="med" len="med"/>
+                      <a:tailEnd type="none" w="med" len="med"/>
+                    </a:lnT>
+                    <a:lnB w="12700" cap="flat" cmpd="sng" algn="ctr">
+                      <a:noFill/>
+                      <a:prstDash val="solid"/>
+                      <a:round/>
+                      <a:headEnd type="none" w="med" len="med"/>
+                      <a:tailEnd type="none" w="med" len="med"/>
+                    </a:lnB>
+                    <a:lnTlToBr w="12700" cmpd="sng">
+                      <a:noFill/>
+                      <a:prstDash val="solid"/>
+                    </a:lnTlToBr>
+                    <a:lnBlToTr w="12700" cmpd="sng">
+                      <a:noFill/>
+                      <a:prstDash val="solid"/>
+                    </a:lnBlToTr>
+                  </a:tcPr>
+                </a:tc>
+                <a:tc>
+                  <a:txBody>
+                    <a:bodyPr/>
+                    <a:lstStyle/>
+                    <a:p>
+                      <a:r>
+                        <a:rPr lang="en-US" sz="2400" dirty="0">
+                          <a:latin typeface="Arial" panose="020B0604020202020204" pitchFamily="34" charset="0"/>
+                          <a:cs typeface="Arial" panose="020B0604020202020204" pitchFamily="34" charset="0"/>
+                        </a:rPr>
+                        <a:t>Land carbon is priced as a portion of carbon prices in Fossil Fuels and Industry, i.e., 0% (No-LCP), 10%, 50%, or 100% (100%-LCP).</a:t>
+                      </a:r>
+                    </a:p>
+                  </a:txBody>
+                  <a:tcPr anchor="ctr">
+                    <a:lnL w="12700" cap="flat" cmpd="sng" algn="ctr">
+                      <a:noFill/>
+                      <a:prstDash val="solid"/>
+                      <a:round/>
+                      <a:headEnd type="none" w="med" len="med"/>
+                      <a:tailEnd type="none" w="med" len="med"/>
+                    </a:lnL>
+                    <a:lnR w="12700" cap="flat" cmpd="sng" algn="ctr">
+                      <a:noFill/>
+                      <a:prstDash val="solid"/>
+                      <a:round/>
+                      <a:headEnd type="none" w="med" len="med"/>
+                      <a:tailEnd type="none" w="med" len="med"/>
+                    </a:lnR>
+                    <a:lnT w="12700" cap="flat" cmpd="sng" algn="ctr">
+                      <a:solidFill>
+                        <a:schemeClr val="tx1"/>
+                      </a:solidFill>
+                      <a:prstDash val="dash"/>
+                      <a:round/>
+                      <a:headEnd type="none" w="med" len="med"/>
+                      <a:tailEnd type="none" w="med" len="med"/>
+                    </a:lnT>
+                    <a:lnB w="12700" cap="flat" cmpd="sng" algn="ctr">
+                      <a:noFill/>
+                      <a:prstDash val="solid"/>
+                      <a:round/>
+                      <a:headEnd type="none" w="med" len="med"/>
+                      <a:tailEnd type="none" w="med" len="med"/>
+                    </a:lnB>
+                    <a:lnTlToBr w="12700" cmpd="sng">
+                      <a:noFill/>
+                      <a:prstDash val="solid"/>
+                    </a:lnTlToBr>
+                    <a:lnBlToTr w="12700" cmpd="sng">
+                      <a:noFill/>
+                      <a:prstDash val="solid"/>
+                    </a:lnBlToTr>
+                  </a:tcPr>
+                </a:tc>
+                <a:extLst>
+                  <a:ext uri="{0D108BD9-81ED-4DB2-BD59-A6C34878D82A}">
+                    <a16:rowId xmlns:a16="http://schemas.microsoft.com/office/drawing/2014/main" val="2934281943"/>
+                  </a:ext>
+                </a:extLst>
+              </a:tr>
+            </a:tbl>
+          </a:graphicData>
+        </a:graphic>
+      </p:graphicFrame>
+      <p:sp>
+        <p:nvSpPr>
+          <p:cNvPr id="32" name="TextBox 31">
+            <a:extLst>
+              <a:ext uri="{FF2B5EF4-FFF2-40B4-BE49-F238E27FC236}">
+                <a16:creationId xmlns:a16="http://schemas.microsoft.com/office/drawing/2014/main" id="{37B1B90C-F9BE-3070-624E-D84C12B2DDFD}"/>
+              </a:ext>
+            </a:extLst>
+          </p:cNvPr>
+          <p:cNvSpPr txBox="1"/>
+          <p:nvPr/>
+        </p:nvSpPr>
+        <p:spPr>
+          <a:xfrm>
+            <a:off x="5302784" y="7461321"/>
+            <a:ext cx="1828800" cy="892552"/>
+          </a:xfrm>
+          <a:prstGeom prst="rect">
+            <a:avLst/>
+          </a:prstGeom>
+          <a:noFill/>
+        </p:spPr>
+        <p:txBody>
+          <a:bodyPr wrap="square" rtlCol="0">
+            <a:spAutoFit/>
+          </a:bodyPr>
+          <a:lstStyle/>
+          <a:p>
+            <a:r>
+              <a:rPr lang="en-US" sz="2600" i="1" dirty="0">
+                <a:solidFill>
+                  <a:srgbClr val="C00000"/>
+                </a:solidFill>
+                <a:latin typeface="Arial" panose="020B0604020202020204" pitchFamily="34" charset="0"/>
+                <a:cs typeface="Arial" panose="020B0604020202020204" pitchFamily="34" charset="0"/>
+              </a:rPr>
+              <a:t>Main</a:t>
+            </a:r>
+          </a:p>
+          <a:p>
+            <a:r>
+              <a:rPr lang="en-US" sz="2600" i="1" dirty="0">
+                <a:solidFill>
+                  <a:srgbClr val="C00000"/>
+                </a:solidFill>
+                <a:latin typeface="Arial" panose="020B0604020202020204" pitchFamily="34" charset="0"/>
+                <a:cs typeface="Arial" panose="020B0604020202020204" pitchFamily="34" charset="0"/>
+              </a:rPr>
+              <a:t>100%-LCP</a:t>
+            </a:r>
+          </a:p>
+        </p:txBody>
+      </p:sp>
+      <p:sp>
+        <p:nvSpPr>
+          <p:cNvPr id="33" name="TextBox 32">
+            <a:extLst>
+              <a:ext uri="{FF2B5EF4-FFF2-40B4-BE49-F238E27FC236}">
+                <a16:creationId xmlns:a16="http://schemas.microsoft.com/office/drawing/2014/main" id="{13ECB1E0-8CAB-1538-7A92-4F3C440CCE61}"/>
+              </a:ext>
+            </a:extLst>
+          </p:cNvPr>
+          <p:cNvSpPr txBox="1"/>
+          <p:nvPr/>
+        </p:nvSpPr>
+        <p:spPr>
+          <a:xfrm>
+            <a:off x="8580431" y="3487768"/>
+            <a:ext cx="1828800" cy="492443"/>
+          </a:xfrm>
+          <a:prstGeom prst="rect">
+            <a:avLst/>
+          </a:prstGeom>
+          <a:noFill/>
+        </p:spPr>
+        <p:txBody>
+          <a:bodyPr wrap="square" rtlCol="0">
+            <a:spAutoFit/>
+          </a:bodyPr>
+          <a:lstStyle/>
+          <a:p>
+            <a:r>
+              <a:rPr lang="en-US" sz="2600" i="1" dirty="0">
+                <a:solidFill>
+                  <a:srgbClr val="C00000"/>
+                </a:solidFill>
+                <a:latin typeface="Arial" panose="020B0604020202020204" pitchFamily="34" charset="0"/>
+                <a:cs typeface="Arial" panose="020B0604020202020204" pitchFamily="34" charset="0"/>
+              </a:rPr>
+              <a:t>10%-LCP</a:t>
+            </a:r>
+          </a:p>
+        </p:txBody>
+      </p:sp>
+      <p:sp>
+        <p:nvSpPr>
+          <p:cNvPr id="34" name="TextBox 33">
+            <a:extLst>
+              <a:ext uri="{FF2B5EF4-FFF2-40B4-BE49-F238E27FC236}">
+                <a16:creationId xmlns:a16="http://schemas.microsoft.com/office/drawing/2014/main" id="{F1FA7008-1D1E-D600-E1C4-AD7F596EBADA}"/>
+              </a:ext>
+            </a:extLst>
+          </p:cNvPr>
+          <p:cNvSpPr txBox="1"/>
+          <p:nvPr/>
+        </p:nvSpPr>
+        <p:spPr>
+          <a:xfrm>
+            <a:off x="7092516" y="7461321"/>
+            <a:ext cx="1828800" cy="892552"/>
+          </a:xfrm>
+          <a:prstGeom prst="rect">
+            <a:avLst/>
+          </a:prstGeom>
+          <a:noFill/>
+        </p:spPr>
+        <p:txBody>
+          <a:bodyPr wrap="square" rtlCol="0">
+            <a:spAutoFit/>
+          </a:bodyPr>
+          <a:lstStyle/>
+          <a:p>
+            <a:r>
+              <a:rPr lang="en-US" sz="2600" i="1" dirty="0">
+                <a:solidFill>
+                  <a:schemeClr val="accent4">
+                    <a:lumMod val="75000"/>
+                  </a:schemeClr>
+                </a:solidFill>
+                <a:latin typeface="Arial" panose="020B0604020202020204" pitchFamily="34" charset="0"/>
+                <a:cs typeface="Arial" panose="020B0604020202020204" pitchFamily="34" charset="0"/>
+              </a:rPr>
+              <a:t>A/R-</a:t>
+            </a:r>
+          </a:p>
+          <a:p>
+            <a:r>
+              <a:rPr lang="en-US" sz="2600" i="1" dirty="0">
+                <a:solidFill>
+                  <a:schemeClr val="accent4">
+                    <a:lumMod val="75000"/>
+                  </a:schemeClr>
+                </a:solidFill>
+                <a:latin typeface="Arial" panose="020B0604020202020204" pitchFamily="34" charset="0"/>
+                <a:cs typeface="Arial" panose="020B0604020202020204" pitchFamily="34" charset="0"/>
+              </a:rPr>
+              <a:t>Focused</a:t>
+            </a:r>
+          </a:p>
+        </p:txBody>
+      </p:sp>
+      <p:cxnSp>
+        <p:nvCxnSpPr>
+          <p:cNvPr id="35" name="Straight Connector 34">
+            <a:extLst>
+              <a:ext uri="{FF2B5EF4-FFF2-40B4-BE49-F238E27FC236}">
+                <a16:creationId xmlns:a16="http://schemas.microsoft.com/office/drawing/2014/main" id="{ED173F78-5740-312F-31C4-920AEF872F8A}"/>
+              </a:ext>
+            </a:extLst>
+          </p:cNvPr>
+          <p:cNvCxnSpPr>
+            <a:cxnSpLocks/>
+            <a:endCxn id="42" idx="3"/>
+          </p:cNvCxnSpPr>
+          <p:nvPr/>
+        </p:nvCxnSpPr>
+        <p:spPr>
+          <a:xfrm flipV="1">
+            <a:off x="7617348" y="6829563"/>
+            <a:ext cx="525087" cy="680939"/>
+          </a:xfrm>
+          <a:prstGeom prst="line">
+            <a:avLst/>
+          </a:prstGeom>
+          <a:ln w="19050">
+            <a:solidFill>
+              <a:schemeClr val="accent4">
+                <a:lumMod val="75000"/>
+              </a:schemeClr>
+            </a:solidFill>
+          </a:ln>
+        </p:spPr>
+        <p:style>
+          <a:lnRef idx="1">
+            <a:schemeClr val="accent1"/>
+          </a:lnRef>
+          <a:fillRef idx="0">
+            <a:schemeClr val="accent1"/>
+          </a:fillRef>
+          <a:effectRef idx="0">
+            <a:schemeClr val="accent1"/>
+          </a:effectRef>
+          <a:fontRef idx="minor">
+            <a:schemeClr val="tx1"/>
+          </a:fontRef>
+        </p:style>
+      </p:cxnSp>
+      <p:sp>
+        <p:nvSpPr>
+          <p:cNvPr id="36" name="TextBox 35">
+            <a:extLst>
+              <a:ext uri="{FF2B5EF4-FFF2-40B4-BE49-F238E27FC236}">
+                <a16:creationId xmlns:a16="http://schemas.microsoft.com/office/drawing/2014/main" id="{EEB24574-EE5E-0106-0888-D2E97FC583FD}"/>
+              </a:ext>
+            </a:extLst>
+          </p:cNvPr>
+          <p:cNvSpPr txBox="1"/>
+          <p:nvPr/>
+        </p:nvSpPr>
+        <p:spPr>
+          <a:xfrm>
+            <a:off x="8625189" y="2946537"/>
+            <a:ext cx="1828800" cy="492443"/>
+          </a:xfrm>
+          <a:prstGeom prst="rect">
+            <a:avLst/>
+          </a:prstGeom>
+          <a:noFill/>
+        </p:spPr>
+        <p:txBody>
+          <a:bodyPr wrap="square" rtlCol="0">
+            <a:spAutoFit/>
+          </a:bodyPr>
+          <a:lstStyle/>
+          <a:p>
+            <a:r>
+              <a:rPr lang="en-US" sz="2600" i="1" dirty="0">
+                <a:solidFill>
+                  <a:srgbClr val="C00000"/>
+                </a:solidFill>
+                <a:latin typeface="Arial" panose="020B0604020202020204" pitchFamily="34" charset="0"/>
+                <a:cs typeface="Arial" panose="020B0604020202020204" pitchFamily="34" charset="0"/>
+              </a:rPr>
+              <a:t>No-LCP</a:t>
+            </a:r>
+          </a:p>
+        </p:txBody>
+      </p:sp>
+      <p:sp>
+        <p:nvSpPr>
+          <p:cNvPr id="37" name="TextBox 36">
+            <a:extLst>
+              <a:ext uri="{FF2B5EF4-FFF2-40B4-BE49-F238E27FC236}">
+                <a16:creationId xmlns:a16="http://schemas.microsoft.com/office/drawing/2014/main" id="{86BF76E5-499B-DB59-13D7-F2E2BE4BDC62}"/>
+              </a:ext>
+            </a:extLst>
+          </p:cNvPr>
+          <p:cNvSpPr txBox="1"/>
+          <p:nvPr/>
+        </p:nvSpPr>
+        <p:spPr>
+          <a:xfrm>
+            <a:off x="8586825" y="4028999"/>
+            <a:ext cx="1828800" cy="492443"/>
+          </a:xfrm>
+          <a:prstGeom prst="rect">
+            <a:avLst/>
+          </a:prstGeom>
+          <a:noFill/>
+        </p:spPr>
+        <p:txBody>
+          <a:bodyPr wrap="square" rtlCol="0">
+            <a:spAutoFit/>
+          </a:bodyPr>
+          <a:lstStyle/>
+          <a:p>
+            <a:r>
+              <a:rPr lang="en-US" sz="2600" i="1" dirty="0">
+                <a:solidFill>
+                  <a:srgbClr val="C00000"/>
+                </a:solidFill>
+                <a:latin typeface="Arial" panose="020B0604020202020204" pitchFamily="34" charset="0"/>
+                <a:cs typeface="Arial" panose="020B0604020202020204" pitchFamily="34" charset="0"/>
+              </a:rPr>
+              <a:t>50%-LCP</a:t>
+            </a:r>
+          </a:p>
+        </p:txBody>
+      </p:sp>
+      <p:sp>
+        <p:nvSpPr>
+          <p:cNvPr id="38" name="TextBox 37">
+            <a:extLst>
+              <a:ext uri="{FF2B5EF4-FFF2-40B4-BE49-F238E27FC236}">
+                <a16:creationId xmlns:a16="http://schemas.microsoft.com/office/drawing/2014/main" id="{84DF334D-2BE8-EF27-4ADD-DA36F1882340}"/>
+              </a:ext>
+            </a:extLst>
+          </p:cNvPr>
+          <p:cNvSpPr txBox="1"/>
+          <p:nvPr/>
+        </p:nvSpPr>
+        <p:spPr>
+          <a:xfrm>
+            <a:off x="3498611" y="7461321"/>
+            <a:ext cx="1828800" cy="892552"/>
+          </a:xfrm>
+          <a:prstGeom prst="rect">
+            <a:avLst/>
+          </a:prstGeom>
+          <a:noFill/>
+        </p:spPr>
+        <p:txBody>
+          <a:bodyPr wrap="square" rtlCol="0">
+            <a:spAutoFit/>
+          </a:bodyPr>
+          <a:lstStyle/>
+          <a:p>
+            <a:r>
+              <a:rPr lang="en-US" sz="2600" i="1" dirty="0">
+                <a:solidFill>
+                  <a:srgbClr val="5D2884"/>
+                </a:solidFill>
+                <a:latin typeface="Arial" panose="020B0604020202020204" pitchFamily="34" charset="0"/>
+                <a:cs typeface="Arial" panose="020B0604020202020204" pitchFamily="34" charset="0"/>
+              </a:rPr>
+              <a:t>1.5 °C</a:t>
+            </a:r>
+          </a:p>
+          <a:p>
+            <a:r>
+              <a:rPr lang="en-US" sz="2600" i="1" dirty="0">
+                <a:solidFill>
+                  <a:srgbClr val="5D2884"/>
+                </a:solidFill>
+                <a:latin typeface="Arial" panose="020B0604020202020204" pitchFamily="34" charset="0"/>
+                <a:cs typeface="Arial" panose="020B0604020202020204" pitchFamily="34" charset="0"/>
+              </a:rPr>
+              <a:t>100%-LCP</a:t>
+            </a:r>
+          </a:p>
+        </p:txBody>
+      </p:sp>
+      <p:cxnSp>
+        <p:nvCxnSpPr>
+          <p:cNvPr id="39" name="Straight Connector 38">
+            <a:extLst>
+              <a:ext uri="{FF2B5EF4-FFF2-40B4-BE49-F238E27FC236}">
+                <a16:creationId xmlns:a16="http://schemas.microsoft.com/office/drawing/2014/main" id="{85B1B2A0-2E12-784C-4E82-ADBD87CD0412}"/>
+              </a:ext>
+            </a:extLst>
+          </p:cNvPr>
+          <p:cNvCxnSpPr>
+            <a:cxnSpLocks/>
+            <a:endCxn id="49" idx="3"/>
+          </p:cNvCxnSpPr>
+          <p:nvPr/>
+        </p:nvCxnSpPr>
+        <p:spPr>
+          <a:xfrm flipV="1">
+            <a:off x="4163260" y="6546268"/>
+            <a:ext cx="2996514" cy="930262"/>
+          </a:xfrm>
+          <a:prstGeom prst="line">
+            <a:avLst/>
+          </a:prstGeom>
+          <a:ln w="19050">
+            <a:solidFill>
+              <a:srgbClr val="7030A0"/>
+            </a:solidFill>
+          </a:ln>
+        </p:spPr>
+        <p:style>
+          <a:lnRef idx="1">
+            <a:schemeClr val="accent1"/>
+          </a:lnRef>
+          <a:fillRef idx="0">
+            <a:schemeClr val="accent1"/>
+          </a:fillRef>
+          <a:effectRef idx="0">
+            <a:schemeClr val="accent1"/>
+          </a:effectRef>
+          <a:fontRef idx="minor">
+            <a:schemeClr val="tx1"/>
+          </a:fontRef>
+        </p:style>
+      </p:cxnSp>
+      <p:sp>
+        <p:nvSpPr>
+          <p:cNvPr id="44" name="TextBox 43">
+            <a:extLst>
+              <a:ext uri="{FF2B5EF4-FFF2-40B4-BE49-F238E27FC236}">
+                <a16:creationId xmlns:a16="http://schemas.microsoft.com/office/drawing/2014/main" id="{E82B5BD3-90D7-CE5B-C0A8-BC29A1A3DD46}"/>
+              </a:ext>
+            </a:extLst>
+          </p:cNvPr>
+          <p:cNvSpPr txBox="1"/>
+          <p:nvPr/>
+        </p:nvSpPr>
+        <p:spPr>
+          <a:xfrm>
+            <a:off x="8560895" y="7461321"/>
+            <a:ext cx="1828800" cy="892552"/>
+          </a:xfrm>
+          <a:prstGeom prst="rect">
+            <a:avLst/>
+          </a:prstGeom>
+          <a:noFill/>
+        </p:spPr>
+        <p:txBody>
+          <a:bodyPr wrap="square" rtlCol="0">
+            <a:spAutoFit/>
+          </a:bodyPr>
+          <a:lstStyle/>
+          <a:p>
+            <a:r>
+              <a:rPr lang="en-US" sz="2600" i="1" dirty="0">
+                <a:solidFill>
+                  <a:srgbClr val="0070C0"/>
+                </a:solidFill>
+                <a:latin typeface="Arial" panose="020B0604020202020204" pitchFamily="34" charset="0"/>
+                <a:cs typeface="Arial" panose="020B0604020202020204" pitchFamily="34" charset="0"/>
+              </a:rPr>
+              <a:t>Low-</a:t>
+            </a:r>
+          </a:p>
+          <a:p>
+            <a:r>
+              <a:rPr lang="en-US" sz="2600" i="1" dirty="0">
+                <a:solidFill>
+                  <a:srgbClr val="0070C0"/>
+                </a:solidFill>
+                <a:latin typeface="Arial" panose="020B0604020202020204" pitchFamily="34" charset="0"/>
+                <a:cs typeface="Arial" panose="020B0604020202020204" pitchFamily="34" charset="0"/>
+              </a:rPr>
+              <a:t>Bioenergy</a:t>
+            </a:r>
+          </a:p>
+        </p:txBody>
+      </p:sp>
+      <p:cxnSp>
+        <p:nvCxnSpPr>
+          <p:cNvPr id="59" name="Straight Connector 58">
+            <a:extLst>
+              <a:ext uri="{FF2B5EF4-FFF2-40B4-BE49-F238E27FC236}">
+                <a16:creationId xmlns:a16="http://schemas.microsoft.com/office/drawing/2014/main" id="{D03A0310-61E1-B868-F6A7-7E2A5458C7F8}"/>
+              </a:ext>
+            </a:extLst>
+          </p:cNvPr>
+          <p:cNvCxnSpPr>
+            <a:cxnSpLocks/>
+            <a:endCxn id="41" idx="4"/>
+          </p:cNvCxnSpPr>
+          <p:nvPr/>
+        </p:nvCxnSpPr>
+        <p:spPr>
+          <a:xfrm flipV="1">
+            <a:off x="9098876" y="6948131"/>
+            <a:ext cx="71341" cy="562371"/>
+          </a:xfrm>
+          <a:prstGeom prst="line">
+            <a:avLst/>
+          </a:prstGeom>
+          <a:ln w="19050">
+            <a:solidFill>
+              <a:srgbClr val="00B0F0"/>
+            </a:solidFill>
+          </a:ln>
+        </p:spPr>
+        <p:style>
+          <a:lnRef idx="1">
+            <a:schemeClr val="accent1"/>
+          </a:lnRef>
+          <a:fillRef idx="0">
+            <a:schemeClr val="accent1"/>
+          </a:fillRef>
+          <a:effectRef idx="0">
+            <a:schemeClr val="accent1"/>
+          </a:effectRef>
+          <a:fontRef idx="minor">
+            <a:schemeClr val="tx1"/>
+          </a:fontRef>
+        </p:style>
+      </p:cxnSp>
+      <p:cxnSp>
+        <p:nvCxnSpPr>
+          <p:cNvPr id="70" name="Straight Connector 69">
+            <a:extLst>
+              <a:ext uri="{FF2B5EF4-FFF2-40B4-BE49-F238E27FC236}">
+                <a16:creationId xmlns:a16="http://schemas.microsoft.com/office/drawing/2014/main" id="{6FCF8A46-D993-B260-EA50-76A638CBFC7C}"/>
+              </a:ext>
+            </a:extLst>
+          </p:cNvPr>
+          <p:cNvCxnSpPr>
+            <a:cxnSpLocks/>
+            <a:stCxn id="40" idx="3"/>
+          </p:cNvCxnSpPr>
+          <p:nvPr/>
+        </p:nvCxnSpPr>
+        <p:spPr>
+          <a:xfrm flipH="1">
+            <a:off x="6026808" y="6485153"/>
+            <a:ext cx="2144233" cy="991377"/>
+          </a:xfrm>
+          <a:prstGeom prst="line">
+            <a:avLst/>
+          </a:prstGeom>
+          <a:ln w="19050">
+            <a:solidFill>
+              <a:srgbClr val="C00000"/>
+            </a:solidFill>
+          </a:ln>
+        </p:spPr>
+        <p:style>
+          <a:lnRef idx="1">
+            <a:schemeClr val="accent1"/>
+          </a:lnRef>
+          <a:fillRef idx="0">
+            <a:schemeClr val="accent1"/>
+          </a:fillRef>
+          <a:effectRef idx="0">
+            <a:schemeClr val="accent1"/>
+          </a:effectRef>
+          <a:fontRef idx="minor">
+            <a:schemeClr val="tx1"/>
+          </a:fontRef>
+        </p:style>
+      </p:cxnSp>
+      <p:cxnSp>
+        <p:nvCxnSpPr>
+          <p:cNvPr id="111" name="Straight Connector 110">
+            <a:extLst>
+              <a:ext uri="{FF2B5EF4-FFF2-40B4-BE49-F238E27FC236}">
+                <a16:creationId xmlns:a16="http://schemas.microsoft.com/office/drawing/2014/main" id="{2D4D2698-3303-07BD-63CE-772A608537F6}"/>
+              </a:ext>
+            </a:extLst>
+          </p:cNvPr>
+          <p:cNvCxnSpPr>
+            <a:cxnSpLocks/>
+            <a:stCxn id="46" idx="7"/>
+          </p:cNvCxnSpPr>
+          <p:nvPr/>
+        </p:nvCxnSpPr>
+        <p:spPr>
+          <a:xfrm flipV="1">
+            <a:off x="7344805" y="3325091"/>
+            <a:ext cx="1341337" cy="949638"/>
+          </a:xfrm>
+          <a:prstGeom prst="line">
+            <a:avLst/>
+          </a:prstGeom>
+          <a:ln w="19050">
+            <a:solidFill>
+              <a:srgbClr val="C00000"/>
+            </a:solidFill>
+          </a:ln>
+        </p:spPr>
+        <p:style>
+          <a:lnRef idx="1">
+            <a:schemeClr val="accent1"/>
+          </a:lnRef>
+          <a:fillRef idx="0">
+            <a:schemeClr val="accent1"/>
+          </a:fillRef>
+          <a:effectRef idx="0">
+            <a:schemeClr val="accent1"/>
+          </a:effectRef>
+          <a:fontRef idx="minor">
+            <a:schemeClr val="tx1"/>
+          </a:fontRef>
+        </p:style>
+      </p:cxnSp>
+      <p:cxnSp>
+        <p:nvCxnSpPr>
+          <p:cNvPr id="115" name="Straight Connector 114">
+            <a:extLst>
+              <a:ext uri="{FF2B5EF4-FFF2-40B4-BE49-F238E27FC236}">
+                <a16:creationId xmlns:a16="http://schemas.microsoft.com/office/drawing/2014/main" id="{94DB3E23-723C-D24F-2791-A2006D86CAAA}"/>
+              </a:ext>
+            </a:extLst>
+          </p:cNvPr>
+          <p:cNvCxnSpPr>
+            <a:cxnSpLocks/>
+            <a:stCxn id="47" idx="7"/>
+          </p:cNvCxnSpPr>
+          <p:nvPr/>
+        </p:nvCxnSpPr>
+        <p:spPr>
+          <a:xfrm flipV="1">
+            <a:off x="7599174" y="3891401"/>
+            <a:ext cx="1086968" cy="949559"/>
+          </a:xfrm>
+          <a:prstGeom prst="line">
+            <a:avLst/>
+          </a:prstGeom>
+          <a:ln w="19050">
+            <a:solidFill>
+              <a:srgbClr val="C00000"/>
+            </a:solidFill>
+          </a:ln>
+        </p:spPr>
+        <p:style>
+          <a:lnRef idx="1">
+            <a:schemeClr val="accent1"/>
+          </a:lnRef>
+          <a:fillRef idx="0">
+            <a:schemeClr val="accent1"/>
+          </a:fillRef>
+          <a:effectRef idx="0">
+            <a:schemeClr val="accent1"/>
+          </a:effectRef>
+          <a:fontRef idx="minor">
+            <a:schemeClr val="tx1"/>
+          </a:fontRef>
+        </p:style>
+      </p:cxnSp>
+      <p:cxnSp>
+        <p:nvCxnSpPr>
+          <p:cNvPr id="118" name="Straight Connector 117">
+            <a:extLst>
+              <a:ext uri="{FF2B5EF4-FFF2-40B4-BE49-F238E27FC236}">
+                <a16:creationId xmlns:a16="http://schemas.microsoft.com/office/drawing/2014/main" id="{EB047F58-7363-D81B-95CF-603AAA226958}"/>
+              </a:ext>
+            </a:extLst>
+          </p:cNvPr>
+          <p:cNvCxnSpPr>
+            <a:cxnSpLocks/>
+            <a:stCxn id="48" idx="7"/>
+          </p:cNvCxnSpPr>
+          <p:nvPr/>
+        </p:nvCxnSpPr>
+        <p:spPr>
+          <a:xfrm flipV="1">
+            <a:off x="8078373" y="4518621"/>
+            <a:ext cx="647070" cy="1280266"/>
+          </a:xfrm>
+          <a:prstGeom prst="line">
+            <a:avLst/>
+          </a:prstGeom>
+          <a:ln w="19050">
+            <a:solidFill>
+              <a:srgbClr val="C00000"/>
+            </a:solidFill>
+          </a:ln>
+        </p:spPr>
+        <p:style>
+          <a:lnRef idx="1">
+            <a:schemeClr val="accent1"/>
+          </a:lnRef>
+          <a:fillRef idx="0">
+            <a:schemeClr val="accent1"/>
+          </a:fillRef>
+          <a:effectRef idx="0">
+            <a:schemeClr val="accent1"/>
+          </a:effectRef>
+          <a:fontRef idx="minor">
+            <a:schemeClr val="tx1"/>
+          </a:fontRef>
+        </p:style>
+      </p:cxnSp>
+    </p:spTree>
+    <p:extLst>
+      <p:ext uri="{BB962C8B-B14F-4D97-AF65-F5344CB8AC3E}">
+        <p14:creationId xmlns:p14="http://schemas.microsoft.com/office/powerpoint/2010/main" val="3928433755"/>
+      </p:ext>
+    </p:extLst>
+  </p:cSld>
+  <p:clrMapOvr>
+    <a:masterClrMapping/>
+  </p:clrMapOvr>
+</p:sld>
+</file>
+
+<file path=ppt/slides/slide2.xml><?xml version="1.0" encoding="utf-8"?>
 <p:sld xmlns:a="http://schemas.openxmlformats.org/drawingml/2006/main" xmlns:r="http://schemas.openxmlformats.org/officeDocument/2006/relationships" xmlns:p="http://schemas.openxmlformats.org/presentationml/2006/main">
   <p:cSld>
     <p:spTree>
@@ -8840,7 +14721,7 @@
 </p:sld>
 </file>
 
-<file path=ppt/slides/slide2.xml><?xml version="1.0" encoding="utf-8"?>
+<file path=ppt/slides/slide3.xml><?xml version="1.0" encoding="utf-8"?>
 <p:sld xmlns:a="http://schemas.openxmlformats.org/drawingml/2006/main" xmlns:r="http://schemas.openxmlformats.org/officeDocument/2006/relationships" xmlns:p="http://schemas.openxmlformats.org/presentationml/2006/main">
   <p:cSld>
     <p:spTree>
@@ -14736,7 +20617,7 @@
 </p:sld>
 </file>
 
-<file path=ppt/slides/slide3.xml><?xml version="1.0" encoding="utf-8"?>
+<file path=ppt/slides/slide4.xml><?xml version="1.0" encoding="utf-8"?>
 <p:sld xmlns:a="http://schemas.openxmlformats.org/drawingml/2006/main" xmlns:r="http://schemas.openxmlformats.org/officeDocument/2006/relationships" xmlns:p="http://schemas.openxmlformats.org/presentationml/2006/main">
   <p:cSld>
     <p:spTree>
@@ -20590,7 +26471,7 @@
 </p:sld>
 </file>
 
-<file path=ppt/slides/slide4.xml><?xml version="1.0" encoding="utf-8"?>
+<file path=ppt/slides/slide5.xml><?xml version="1.0" encoding="utf-8"?>
 <p:sld xmlns:a="http://schemas.openxmlformats.org/drawingml/2006/main" xmlns:r="http://schemas.openxmlformats.org/officeDocument/2006/relationships" xmlns:p="http://schemas.openxmlformats.org/presentationml/2006/main">
   <p:cSld>
     <p:spTree>
@@ -25791,7 +31672,7 @@
 </p:sld>
 </file>
 
-<file path=ppt/slides/slide5.xml><?xml version="1.0" encoding="utf-8"?>
+<file path=ppt/slides/slide6.xml><?xml version="1.0" encoding="utf-8"?>
 <p:sld xmlns:a="http://schemas.openxmlformats.org/drawingml/2006/main" xmlns:r="http://schemas.openxmlformats.org/officeDocument/2006/relationships" xmlns:p="http://schemas.openxmlformats.org/presentationml/2006/main">
   <p:cSld>
     <p:spTree>
@@ -30387,7 +36268,7 @@
 </p:sld>
 </file>
 
-<file path=ppt/slides/slide6.xml><?xml version="1.0" encoding="utf-8"?>
+<file path=ppt/slides/slide7.xml><?xml version="1.0" encoding="utf-8"?>
 <p:sld xmlns:a="http://schemas.openxmlformats.org/drawingml/2006/main" xmlns:r="http://schemas.openxmlformats.org/officeDocument/2006/relationships" xmlns:p="http://schemas.openxmlformats.org/presentationml/2006/main">
   <p:cSld>
     <p:spTree>
@@ -34625,7 +40506,7 @@
 </p:sld>
 </file>
 
-<file path=ppt/slides/slide7.xml><?xml version="1.0" encoding="utf-8"?>
+<file path=ppt/slides/slide8.xml><?xml version="1.0" encoding="utf-8"?>
 <p:sld xmlns:a="http://schemas.openxmlformats.org/drawingml/2006/main" xmlns:r="http://schemas.openxmlformats.org/officeDocument/2006/relationships" xmlns:p="http://schemas.openxmlformats.org/presentationml/2006/main">
   <p:cSld>
     <p:spTree>
